--- a/doc/task-01/Präsentation/Task1_Doctor_Addiction.pptx
+++ b/doc/task-01/Präsentation/Task1_Doctor_Addiction.pptx
@@ -5,19 +5,23 @@
     <p:sldMasterId id="2147483669" r:id="rId4"/>
   </p:sldMasterIdLst>
   <p:notesMasterIdLst>
-    <p:notesMasterId r:id="rId12"/>
+    <p:notesMasterId r:id="rId16"/>
   </p:notesMasterIdLst>
   <p:handoutMasterIdLst>
-    <p:handoutMasterId r:id="rId13"/>
+    <p:handoutMasterId r:id="rId17"/>
   </p:handoutMasterIdLst>
   <p:sldIdLst>
     <p:sldId id="256" r:id="rId5"/>
     <p:sldId id="263" r:id="rId6"/>
-    <p:sldId id="264" r:id="rId7"/>
-    <p:sldId id="265" r:id="rId8"/>
-    <p:sldId id="266" r:id="rId9"/>
-    <p:sldId id="267" r:id="rId10"/>
-    <p:sldId id="268" r:id="rId11"/>
+    <p:sldId id="269" r:id="rId7"/>
+    <p:sldId id="264" r:id="rId8"/>
+    <p:sldId id="270" r:id="rId9"/>
+    <p:sldId id="271" r:id="rId10"/>
+    <p:sldId id="272" r:id="rId11"/>
+    <p:sldId id="273" r:id="rId12"/>
+    <p:sldId id="274" r:id="rId13"/>
+    <p:sldId id="267" r:id="rId14"/>
+    <p:sldId id="268" r:id="rId15"/>
   </p:sldIdLst>
   <p:sldSz cx="9144000" cy="6858000" type="screen4x3"/>
   <p:notesSz cx="6797675" cy="9872663"/>
@@ -261,7 +265,7 @@
           <a:p>
             <a:fld id="{EFA0D184-D464-48E9-9CA0-A94E873F6C2C}" type="datetimeFigureOut">
               <a:rPr lang="de-CH" smtClean="0"/>
-              <a:t>29.10.2019</a:t>
+              <a:t>30.10.2019</a:t>
             </a:fld>
             <a:endParaRPr lang="de-CH"/>
           </a:p>
@@ -426,7 +430,7 @@
           <a:p>
             <a:fld id="{5AF2B663-2BA9-4D7E-8201-5DE4109E1EDD}" type="datetimeFigureOut">
               <a:rPr lang="de-CH" smtClean="0"/>
-              <a:t>29.10.2019</a:t>
+              <a:t>30.10.2019</a:t>
             </a:fld>
             <a:endParaRPr lang="de-CH"/>
           </a:p>
@@ -6995,6 +6999,214 @@
 </p:sld>
 </file>
 
+<file path=ppt/slides/slide10.xml><?xml version="1.0" encoding="utf-8"?>
+<p:sld xmlns:a="http://schemas.openxmlformats.org/drawingml/2006/main" xmlns:r="http://schemas.openxmlformats.org/officeDocument/2006/relationships" xmlns:p="http://schemas.openxmlformats.org/presentationml/2006/main">
+  <p:cSld>
+    <p:spTree>
+      <p:nvGrpSpPr>
+        <p:cNvPr id="1" name=""/>
+        <p:cNvGrpSpPr/>
+        <p:nvPr/>
+      </p:nvGrpSpPr>
+      <p:grpSpPr>
+        <a:xfrm>
+          <a:off x="0" y="0"/>
+          <a:ext cx="0" cy="0"/>
+          <a:chOff x="0" y="0"/>
+          <a:chExt cx="0" cy="0"/>
+        </a:xfrm>
+      </p:grpSpPr>
+      <p:sp>
+        <p:nvSpPr>
+          <p:cNvPr id="2" name="Inhaltsplatzhalter 1">
+            <a:extLst>
+              <a:ext uri="{FF2B5EF4-FFF2-40B4-BE49-F238E27FC236}">
+                <a16:creationId xmlns:a16="http://schemas.microsoft.com/office/drawing/2014/main" id="{DA8F7392-B47E-489B-AC4A-A448878929D9}"/>
+              </a:ext>
+            </a:extLst>
+          </p:cNvPr>
+          <p:cNvSpPr>
+            <a:spLocks noGrp="1"/>
+          </p:cNvSpPr>
+          <p:nvPr>
+            <p:ph sz="half" idx="1"/>
+          </p:nvPr>
+        </p:nvSpPr>
+        <p:spPr/>
+        <p:txBody>
+          <a:bodyPr/>
+          <a:lstStyle/>
+          <a:p>
+            <a:endParaRPr lang="de-CH" dirty="0"/>
+          </a:p>
+        </p:txBody>
+      </p:sp>
+      <p:sp>
+        <p:nvSpPr>
+          <p:cNvPr id="3" name="Titel 2">
+            <a:extLst>
+              <a:ext uri="{FF2B5EF4-FFF2-40B4-BE49-F238E27FC236}">
+                <a16:creationId xmlns:a16="http://schemas.microsoft.com/office/drawing/2014/main" id="{F47332A2-95EE-442E-8E29-7793A1656A14}"/>
+              </a:ext>
+            </a:extLst>
+          </p:cNvPr>
+          <p:cNvSpPr>
+            <a:spLocks noGrp="1"/>
+          </p:cNvSpPr>
+          <p:nvPr>
+            <p:ph type="ctrTitle"/>
+          </p:nvPr>
+        </p:nvSpPr>
+        <p:spPr/>
+        <p:txBody>
+          <a:bodyPr/>
+          <a:lstStyle/>
+          <a:p>
+            <a:r>
+              <a:rPr lang="de-CH" dirty="0"/>
+              <a:t>Literaturrecherche</a:t>
+            </a:r>
+          </a:p>
+        </p:txBody>
+      </p:sp>
+    </p:spTree>
+    <p:extLst>
+      <p:ext uri="{BB962C8B-B14F-4D97-AF65-F5344CB8AC3E}">
+        <p14:creationId xmlns:p14="http://schemas.microsoft.com/office/powerpoint/2010/main" val="1859040239"/>
+      </p:ext>
+    </p:extLst>
+  </p:cSld>
+  <p:clrMapOvr>
+    <a:masterClrMapping/>
+  </p:clrMapOvr>
+</p:sld>
+</file>
+
+<file path=ppt/slides/slide11.xml><?xml version="1.0" encoding="utf-8"?>
+<p:sld xmlns:a="http://schemas.openxmlformats.org/drawingml/2006/main" xmlns:r="http://schemas.openxmlformats.org/officeDocument/2006/relationships" xmlns:p="http://schemas.openxmlformats.org/presentationml/2006/main">
+  <p:cSld>
+    <p:spTree>
+      <p:nvGrpSpPr>
+        <p:cNvPr id="1" name=""/>
+        <p:cNvGrpSpPr/>
+        <p:nvPr/>
+      </p:nvGrpSpPr>
+      <p:grpSpPr>
+        <a:xfrm>
+          <a:off x="0" y="0"/>
+          <a:ext cx="0" cy="0"/>
+          <a:chOff x="0" y="0"/>
+          <a:chExt cx="0" cy="0"/>
+        </a:xfrm>
+      </p:grpSpPr>
+      <p:sp>
+        <p:nvSpPr>
+          <p:cNvPr id="2" name="Inhaltsplatzhalter 1">
+            <a:extLst>
+              <a:ext uri="{FF2B5EF4-FFF2-40B4-BE49-F238E27FC236}">
+                <a16:creationId xmlns:a16="http://schemas.microsoft.com/office/drawing/2014/main" id="{A827BF85-F196-4C6E-A5C0-D575FB01F001}"/>
+              </a:ext>
+            </a:extLst>
+          </p:cNvPr>
+          <p:cNvSpPr>
+            <a:spLocks noGrp="1"/>
+          </p:cNvSpPr>
+          <p:nvPr>
+            <p:ph sz="half" idx="1"/>
+          </p:nvPr>
+        </p:nvSpPr>
+        <p:spPr/>
+        <p:txBody>
+          <a:bodyPr/>
+          <a:lstStyle/>
+          <a:p>
+            <a:endParaRPr lang="de-CH"/>
+          </a:p>
+        </p:txBody>
+      </p:sp>
+      <p:sp>
+        <p:nvSpPr>
+          <p:cNvPr id="3" name="Titel 2">
+            <a:extLst>
+              <a:ext uri="{FF2B5EF4-FFF2-40B4-BE49-F238E27FC236}">
+                <a16:creationId xmlns:a16="http://schemas.microsoft.com/office/drawing/2014/main" id="{DC12DFEC-06B5-4C69-A791-A0919EC72F36}"/>
+              </a:ext>
+            </a:extLst>
+          </p:cNvPr>
+          <p:cNvSpPr>
+            <a:spLocks noGrp="1"/>
+          </p:cNvSpPr>
+          <p:nvPr>
+            <p:ph type="ctrTitle"/>
+          </p:nvPr>
+        </p:nvSpPr>
+        <p:spPr/>
+        <p:txBody>
+          <a:bodyPr/>
+          <a:lstStyle/>
+          <a:p>
+            <a:endParaRPr lang="de-CH" dirty="0"/>
+          </a:p>
+        </p:txBody>
+      </p:sp>
+      <p:pic>
+        <p:nvPicPr>
+          <p:cNvPr id="2052" name="Picture 4">
+            <a:extLst>
+              <a:ext uri="{FF2B5EF4-FFF2-40B4-BE49-F238E27FC236}">
+                <a16:creationId xmlns:a16="http://schemas.microsoft.com/office/drawing/2014/main" id="{623ED4E6-173F-40F9-985E-36764CC68CDE}"/>
+              </a:ext>
+            </a:extLst>
+          </p:cNvPr>
+          <p:cNvPicPr>
+            <a:picLocks noChangeAspect="1" noChangeArrowheads="1"/>
+          </p:cNvPicPr>
+          <p:nvPr/>
+        </p:nvPicPr>
+        <p:blipFill rotWithShape="1">
+          <a:blip r:embed="rId2">
+            <a:extLst>
+              <a:ext uri="{28A0092B-C50C-407E-A947-70E740481C1C}">
+                <a14:useLocalDpi xmlns:a14="http://schemas.microsoft.com/office/drawing/2010/main" val="0"/>
+              </a:ext>
+            </a:extLst>
+          </a:blip>
+          <a:srcRect l="9630" r="9630"/>
+          <a:stretch/>
+        </p:blipFill>
+        <p:spPr bwMode="auto">
+          <a:xfrm>
+            <a:off x="0" y="0"/>
+            <a:ext cx="9144000" cy="6858000"/>
+          </a:xfrm>
+          <a:prstGeom prst="rect">
+            <a:avLst/>
+          </a:prstGeom>
+          <a:noFill/>
+          <a:extLst>
+            <a:ext uri="{909E8E84-426E-40DD-AFC4-6F175D3DCCD1}">
+              <a14:hiddenFill xmlns:a14="http://schemas.microsoft.com/office/drawing/2010/main">
+                <a:solidFill>
+                  <a:srgbClr val="FFFFFF"/>
+                </a:solidFill>
+              </a14:hiddenFill>
+            </a:ext>
+          </a:extLst>
+        </p:spPr>
+      </p:pic>
+    </p:spTree>
+    <p:extLst>
+      <p:ext uri="{BB962C8B-B14F-4D97-AF65-F5344CB8AC3E}">
+        <p14:creationId xmlns:p14="http://schemas.microsoft.com/office/powerpoint/2010/main" val="667436333"/>
+      </p:ext>
+    </p:extLst>
+  </p:cSld>
+  <p:clrMapOvr>
+    <a:masterClrMapping/>
+  </p:clrMapOvr>
+</p:sld>
+</file>
+
 <file path=ppt/slides/slide2.xml><?xml version="1.0" encoding="utf-8"?>
 <p:sld xmlns:a="http://schemas.openxmlformats.org/drawingml/2006/main" xmlns:r="http://schemas.openxmlformats.org/officeDocument/2006/relationships" xmlns:p="http://schemas.openxmlformats.org/presentationml/2006/main">
   <p:cSld>
@@ -7029,13 +7241,46 @@
           <a:p>
             <a:r>
               <a:rPr lang="de-CH" dirty="0"/>
-              <a:t>Storyboards</a:t>
+              <a:t>Ausgangslage</a:t>
             </a:r>
           </a:p>
           <a:p>
             <a:r>
               <a:rPr lang="de-CH" dirty="0"/>
-              <a:t>Literaturrecherche</a:t>
+              <a:t>Recherche</a:t>
+            </a:r>
+          </a:p>
+          <a:p>
+            <a:r>
+              <a:rPr lang="de-CH" dirty="0"/>
+              <a:t>Ergebnis (Prototypen):</a:t>
+            </a:r>
+          </a:p>
+          <a:p>
+            <a:pPr lvl="1"/>
+            <a:r>
+              <a:rPr lang="de-CH" dirty="0"/>
+              <a:t>Storyboard</a:t>
+            </a:r>
+          </a:p>
+          <a:p>
+            <a:pPr lvl="1"/>
+            <a:r>
+              <a:rPr lang="de-CH" dirty="0"/>
+              <a:t>UI design</a:t>
+            </a:r>
+          </a:p>
+          <a:p>
+            <a:pPr lvl="1"/>
+            <a:r>
+              <a:rPr lang="de-CH" dirty="0"/>
+              <a:t>Zusammenfassung</a:t>
+            </a:r>
+          </a:p>
+          <a:p>
+            <a:r>
+              <a:rPr lang="de-CH" dirty="0"/>
+              <a:t>Diskussion</a:t>
             </a:r>
           </a:p>
         </p:txBody>
@@ -7097,7 +7342,7 @@
           <p:cNvPr id="2" name="Inhaltsplatzhalter 1">
             <a:extLst>
               <a:ext uri="{FF2B5EF4-FFF2-40B4-BE49-F238E27FC236}">
-                <a16:creationId xmlns:a16="http://schemas.microsoft.com/office/drawing/2014/main" id="{2CBDED1D-ED0C-43B6-8C00-272AB2121BBB}"/>
+                <a16:creationId xmlns:a16="http://schemas.microsoft.com/office/drawing/2014/main" id="{3FDC73F2-19AA-4F5D-87B5-9D4D45A99FA8}"/>
               </a:ext>
             </a:extLst>
           </p:cNvPr>
@@ -7122,7 +7367,7 @@
           <p:cNvPr id="3" name="Titel 2">
             <a:extLst>
               <a:ext uri="{FF2B5EF4-FFF2-40B4-BE49-F238E27FC236}">
-                <a16:creationId xmlns:a16="http://schemas.microsoft.com/office/drawing/2014/main" id="{E904707F-1430-47F2-9043-A81C0A53F129}"/>
+                <a16:creationId xmlns:a16="http://schemas.microsoft.com/office/drawing/2014/main" id="{5432DB10-CCBB-425C-94F2-E92C9DDE1DCF}"/>
               </a:ext>
             </a:extLst>
           </p:cNvPr>
@@ -7140,7 +7385,7 @@
           <a:p>
             <a:r>
               <a:rPr lang="de-CH" dirty="0"/>
-              <a:t>Storyboard 1</a:t>
+              <a:t>Ausgangslage</a:t>
             </a:r>
           </a:p>
         </p:txBody>
@@ -7148,7 +7393,7 @@
     </p:spTree>
     <p:extLst>
       <p:ext uri="{BB962C8B-B14F-4D97-AF65-F5344CB8AC3E}">
-        <p14:creationId xmlns:p14="http://schemas.microsoft.com/office/powerpoint/2010/main" val="518552385"/>
+        <p14:creationId xmlns:p14="http://schemas.microsoft.com/office/powerpoint/2010/main" val="1686539421"/>
       </p:ext>
     </p:extLst>
   </p:cSld>
@@ -7177,35 +7422,10 @@
       </p:grpSpPr>
       <p:sp>
         <p:nvSpPr>
-          <p:cNvPr id="2" name="Inhaltsplatzhalter 1">
-            <a:extLst>
-              <a:ext uri="{FF2B5EF4-FFF2-40B4-BE49-F238E27FC236}">
-                <a16:creationId xmlns:a16="http://schemas.microsoft.com/office/drawing/2014/main" id="{1999561A-CCBA-4D5B-BACC-62589CFABD1F}"/>
-              </a:ext>
-            </a:extLst>
-          </p:cNvPr>
-          <p:cNvSpPr>
-            <a:spLocks noGrp="1"/>
-          </p:cNvSpPr>
-          <p:nvPr>
-            <p:ph sz="half" idx="1"/>
-          </p:nvPr>
-        </p:nvSpPr>
-        <p:spPr/>
-        <p:txBody>
-          <a:bodyPr/>
-          <a:lstStyle/>
-          <a:p>
-            <a:endParaRPr lang="de-CH"/>
-          </a:p>
-        </p:txBody>
-      </p:sp>
-      <p:sp>
-        <p:nvSpPr>
           <p:cNvPr id="3" name="Titel 2">
             <a:extLst>
               <a:ext uri="{FF2B5EF4-FFF2-40B4-BE49-F238E27FC236}">
-                <a16:creationId xmlns:a16="http://schemas.microsoft.com/office/drawing/2014/main" id="{05B7E934-FB9D-4188-9CCD-711BBBF19FAD}"/>
+                <a16:creationId xmlns:a16="http://schemas.microsoft.com/office/drawing/2014/main" id="{E904707F-1430-47F2-9043-A81C0A53F129}"/>
               </a:ext>
             </a:extLst>
           </p:cNvPr>
@@ -7216,14 +7436,587 @@
             <p:ph type="ctrTitle"/>
           </p:nvPr>
         </p:nvSpPr>
-        <p:spPr/>
+        <p:spPr>
+          <a:xfrm>
+            <a:off x="468000" y="360000"/>
+            <a:ext cx="8100000" cy="540000"/>
+          </a:xfrm>
+        </p:spPr>
         <p:txBody>
           <a:bodyPr/>
           <a:lstStyle/>
           <a:p>
             <a:r>
               <a:rPr lang="de-CH" dirty="0"/>
-              <a:t>Storyboard 2</a:t>
+              <a:t>Storyboard 1 – Anbindung eines EPDs</a:t>
+            </a:r>
+          </a:p>
+        </p:txBody>
+      </p:sp>
+      <p:pic>
+        <p:nvPicPr>
+          <p:cNvPr id="13" name="Grafik 12">
+            <a:extLst>
+              <a:ext uri="{FF2B5EF4-FFF2-40B4-BE49-F238E27FC236}">
+                <a16:creationId xmlns:a16="http://schemas.microsoft.com/office/drawing/2014/main" id="{E6BC9B57-EA18-4BE1-BCE3-7087898CB841}"/>
+              </a:ext>
+            </a:extLst>
+          </p:cNvPr>
+          <p:cNvPicPr/>
+          <p:nvPr/>
+        </p:nvPicPr>
+        <p:blipFill>
+          <a:blip r:embed="rId3"/>
+          <a:stretch>
+            <a:fillRect/>
+          </a:stretch>
+        </p:blipFill>
+        <p:spPr>
+          <a:xfrm>
+            <a:off x="919431" y="1076778"/>
+            <a:ext cx="3282751" cy="2346099"/>
+          </a:xfrm>
+          <a:prstGeom prst="rect">
+            <a:avLst/>
+          </a:prstGeom>
+        </p:spPr>
+      </p:pic>
+      <p:pic>
+        <p:nvPicPr>
+          <p:cNvPr id="14" name="Grafik 13">
+            <a:extLst>
+              <a:ext uri="{FF2B5EF4-FFF2-40B4-BE49-F238E27FC236}">
+                <a16:creationId xmlns:a16="http://schemas.microsoft.com/office/drawing/2014/main" id="{1287F1F9-B201-4D99-84A7-884F73ED7E1B}"/>
+              </a:ext>
+            </a:extLst>
+          </p:cNvPr>
+          <p:cNvPicPr/>
+          <p:nvPr/>
+        </p:nvPicPr>
+        <p:blipFill>
+          <a:blip r:embed="rId4"/>
+          <a:stretch>
+            <a:fillRect/>
+          </a:stretch>
+        </p:blipFill>
+        <p:spPr>
+          <a:xfrm>
+            <a:off x="4941818" y="1076778"/>
+            <a:ext cx="3282751" cy="2346099"/>
+          </a:xfrm>
+          <a:prstGeom prst="rect">
+            <a:avLst/>
+          </a:prstGeom>
+        </p:spPr>
+      </p:pic>
+      <p:pic>
+        <p:nvPicPr>
+          <p:cNvPr id="24" name="Grafik 23">
+            <a:extLst>
+              <a:ext uri="{FF2B5EF4-FFF2-40B4-BE49-F238E27FC236}">
+                <a16:creationId xmlns:a16="http://schemas.microsoft.com/office/drawing/2014/main" id="{358FAE78-8F14-4C0F-943A-61A0B9E196E3}"/>
+              </a:ext>
+            </a:extLst>
+          </p:cNvPr>
+          <p:cNvPicPr/>
+          <p:nvPr/>
+        </p:nvPicPr>
+        <p:blipFill>
+          <a:blip r:embed="rId5"/>
+          <a:stretch>
+            <a:fillRect/>
+          </a:stretch>
+        </p:blipFill>
+        <p:spPr>
+          <a:xfrm>
+            <a:off x="919427" y="3719292"/>
+            <a:ext cx="3282751" cy="2346099"/>
+          </a:xfrm>
+          <a:prstGeom prst="rect">
+            <a:avLst/>
+          </a:prstGeom>
+        </p:spPr>
+      </p:pic>
+      <p:pic>
+        <p:nvPicPr>
+          <p:cNvPr id="25" name="Grafik 24">
+            <a:extLst>
+              <a:ext uri="{FF2B5EF4-FFF2-40B4-BE49-F238E27FC236}">
+                <a16:creationId xmlns:a16="http://schemas.microsoft.com/office/drawing/2014/main" id="{2C354085-8B76-4676-8693-E98E4ABE74F6}"/>
+              </a:ext>
+            </a:extLst>
+          </p:cNvPr>
+          <p:cNvPicPr/>
+          <p:nvPr/>
+        </p:nvPicPr>
+        <p:blipFill>
+          <a:blip r:embed="rId6"/>
+          <a:stretch>
+            <a:fillRect/>
+          </a:stretch>
+        </p:blipFill>
+        <p:spPr>
+          <a:xfrm>
+            <a:off x="4941816" y="3719292"/>
+            <a:ext cx="3282750" cy="2346099"/>
+          </a:xfrm>
+          <a:prstGeom prst="rect">
+            <a:avLst/>
+          </a:prstGeom>
+        </p:spPr>
+      </p:pic>
+      <p:grpSp>
+        <p:nvGrpSpPr>
+          <p:cNvPr id="21" name="Gruppieren 20">
+            <a:extLst>
+              <a:ext uri="{FF2B5EF4-FFF2-40B4-BE49-F238E27FC236}">
+                <a16:creationId xmlns:a16="http://schemas.microsoft.com/office/drawing/2014/main" id="{10284693-A442-4975-A068-420D74F92976}"/>
+              </a:ext>
+            </a:extLst>
+          </p:cNvPr>
+          <p:cNvGrpSpPr/>
+          <p:nvPr/>
+        </p:nvGrpSpPr>
+        <p:grpSpPr>
+          <a:xfrm>
+            <a:off x="2428829" y="800200"/>
+            <a:ext cx="263951" cy="307777"/>
+            <a:chOff x="2428829" y="800200"/>
+            <a:chExt cx="263951" cy="307777"/>
+          </a:xfrm>
+        </p:grpSpPr>
+        <p:sp>
+          <p:nvSpPr>
+            <p:cNvPr id="19" name="Textfeld 18">
+              <a:extLst>
+                <a:ext uri="{FF2B5EF4-FFF2-40B4-BE49-F238E27FC236}">
+                  <a16:creationId xmlns:a16="http://schemas.microsoft.com/office/drawing/2014/main" id="{2FE8BE93-F9A1-4275-8222-07C4EEF27C19}"/>
+                </a:ext>
+              </a:extLst>
+            </p:cNvPr>
+            <p:cNvSpPr txBox="1"/>
+            <p:nvPr/>
+          </p:nvSpPr>
+          <p:spPr>
+            <a:xfrm>
+              <a:off x="2428829" y="800200"/>
+              <a:ext cx="263951" cy="307777"/>
+            </a:xfrm>
+            <a:prstGeom prst="rect">
+              <a:avLst/>
+            </a:prstGeom>
+            <a:noFill/>
+          </p:spPr>
+          <p:txBody>
+            <a:bodyPr wrap="square" rtlCol="0">
+              <a:spAutoFit/>
+            </a:bodyPr>
+            <a:lstStyle/>
+            <a:p>
+              <a:r>
+                <a:rPr lang="de-CH" sz="1400" dirty="0"/>
+                <a:t>1</a:t>
+              </a:r>
+            </a:p>
+          </p:txBody>
+        </p:sp>
+        <p:sp>
+          <p:nvSpPr>
+            <p:cNvPr id="20" name="Ellipse 19">
+              <a:extLst>
+                <a:ext uri="{FF2B5EF4-FFF2-40B4-BE49-F238E27FC236}">
+                  <a16:creationId xmlns:a16="http://schemas.microsoft.com/office/drawing/2014/main" id="{FFD74DC7-ABF7-406F-BDE7-0CE96BE36135}"/>
+                </a:ext>
+              </a:extLst>
+            </p:cNvPr>
+            <p:cNvSpPr/>
+            <p:nvPr/>
+          </p:nvSpPr>
+          <p:spPr>
+            <a:xfrm>
+              <a:off x="2437666" y="841056"/>
+              <a:ext cx="246274" cy="224191"/>
+            </a:xfrm>
+            <a:prstGeom prst="ellipse">
+              <a:avLst/>
+            </a:prstGeom>
+            <a:noFill/>
+            <a:effectLst/>
+          </p:spPr>
+          <p:style>
+            <a:lnRef idx="1">
+              <a:schemeClr val="accent1"/>
+            </a:lnRef>
+            <a:fillRef idx="3">
+              <a:schemeClr val="accent1"/>
+            </a:fillRef>
+            <a:effectRef idx="2">
+              <a:schemeClr val="accent1"/>
+            </a:effectRef>
+            <a:fontRef idx="minor">
+              <a:schemeClr val="lt1"/>
+            </a:fontRef>
+          </p:style>
+          <p:txBody>
+            <a:bodyPr rtlCol="0" anchor="ctr"/>
+            <a:lstStyle/>
+            <a:p>
+              <a:pPr algn="ctr"/>
+              <a:endParaRPr lang="de-CH"/>
+            </a:p>
+          </p:txBody>
+        </p:sp>
+      </p:grpSp>
+      <p:grpSp>
+        <p:nvGrpSpPr>
+          <p:cNvPr id="31" name="Gruppieren 30">
+            <a:extLst>
+              <a:ext uri="{FF2B5EF4-FFF2-40B4-BE49-F238E27FC236}">
+                <a16:creationId xmlns:a16="http://schemas.microsoft.com/office/drawing/2014/main" id="{52924C2D-DA77-4F44-B4A8-519CF4BF9CF7}"/>
+              </a:ext>
+            </a:extLst>
+          </p:cNvPr>
+          <p:cNvGrpSpPr/>
+          <p:nvPr/>
+        </p:nvGrpSpPr>
+        <p:grpSpPr>
+          <a:xfrm>
+            <a:off x="6451217" y="804627"/>
+            <a:ext cx="263951" cy="307777"/>
+            <a:chOff x="2428829" y="800200"/>
+            <a:chExt cx="263951" cy="307777"/>
+          </a:xfrm>
+        </p:grpSpPr>
+        <p:sp>
+          <p:nvSpPr>
+            <p:cNvPr id="32" name="Textfeld 31">
+              <a:extLst>
+                <a:ext uri="{FF2B5EF4-FFF2-40B4-BE49-F238E27FC236}">
+                  <a16:creationId xmlns:a16="http://schemas.microsoft.com/office/drawing/2014/main" id="{DA84C640-F0BB-4D57-9900-D8EBC558D9D2}"/>
+                </a:ext>
+              </a:extLst>
+            </p:cNvPr>
+            <p:cNvSpPr txBox="1"/>
+            <p:nvPr/>
+          </p:nvSpPr>
+          <p:spPr>
+            <a:xfrm>
+              <a:off x="2428829" y="800200"/>
+              <a:ext cx="263951" cy="307777"/>
+            </a:xfrm>
+            <a:prstGeom prst="rect">
+              <a:avLst/>
+            </a:prstGeom>
+            <a:noFill/>
+          </p:spPr>
+          <p:txBody>
+            <a:bodyPr wrap="square" rtlCol="0">
+              <a:spAutoFit/>
+            </a:bodyPr>
+            <a:lstStyle/>
+            <a:p>
+              <a:r>
+                <a:rPr lang="de-CH" sz="1400" dirty="0"/>
+                <a:t>2</a:t>
+              </a:r>
+            </a:p>
+          </p:txBody>
+        </p:sp>
+        <p:sp>
+          <p:nvSpPr>
+            <p:cNvPr id="33" name="Ellipse 32">
+              <a:extLst>
+                <a:ext uri="{FF2B5EF4-FFF2-40B4-BE49-F238E27FC236}">
+                  <a16:creationId xmlns:a16="http://schemas.microsoft.com/office/drawing/2014/main" id="{54955D9B-EBA7-44F5-AABC-CF51F38CA7DA}"/>
+                </a:ext>
+              </a:extLst>
+            </p:cNvPr>
+            <p:cNvSpPr/>
+            <p:nvPr/>
+          </p:nvSpPr>
+          <p:spPr>
+            <a:xfrm>
+              <a:off x="2437666" y="841056"/>
+              <a:ext cx="246274" cy="224191"/>
+            </a:xfrm>
+            <a:prstGeom prst="ellipse">
+              <a:avLst/>
+            </a:prstGeom>
+            <a:noFill/>
+            <a:effectLst/>
+          </p:spPr>
+          <p:style>
+            <a:lnRef idx="1">
+              <a:schemeClr val="accent1"/>
+            </a:lnRef>
+            <a:fillRef idx="3">
+              <a:schemeClr val="accent1"/>
+            </a:fillRef>
+            <a:effectRef idx="2">
+              <a:schemeClr val="accent1"/>
+            </a:effectRef>
+            <a:fontRef idx="minor">
+              <a:schemeClr val="lt1"/>
+            </a:fontRef>
+          </p:style>
+          <p:txBody>
+            <a:bodyPr rtlCol="0" anchor="ctr"/>
+            <a:lstStyle/>
+            <a:p>
+              <a:pPr algn="ctr"/>
+              <a:endParaRPr lang="de-CH"/>
+            </a:p>
+          </p:txBody>
+        </p:sp>
+      </p:grpSp>
+      <p:grpSp>
+        <p:nvGrpSpPr>
+          <p:cNvPr id="34" name="Gruppieren 33">
+            <a:extLst>
+              <a:ext uri="{FF2B5EF4-FFF2-40B4-BE49-F238E27FC236}">
+                <a16:creationId xmlns:a16="http://schemas.microsoft.com/office/drawing/2014/main" id="{830C4400-160F-4897-9301-D25AB1B83D15}"/>
+              </a:ext>
+            </a:extLst>
+          </p:cNvPr>
+          <p:cNvGrpSpPr/>
+          <p:nvPr/>
+        </p:nvGrpSpPr>
+        <p:grpSpPr>
+          <a:xfrm>
+            <a:off x="2428826" y="3452371"/>
+            <a:ext cx="263951" cy="307777"/>
+            <a:chOff x="2428829" y="800200"/>
+            <a:chExt cx="263951" cy="307777"/>
+          </a:xfrm>
+        </p:grpSpPr>
+        <p:sp>
+          <p:nvSpPr>
+            <p:cNvPr id="35" name="Textfeld 34">
+              <a:extLst>
+                <a:ext uri="{FF2B5EF4-FFF2-40B4-BE49-F238E27FC236}">
+                  <a16:creationId xmlns:a16="http://schemas.microsoft.com/office/drawing/2014/main" id="{FED335F3-EC5B-4E28-887B-303B5BE6105F}"/>
+                </a:ext>
+              </a:extLst>
+            </p:cNvPr>
+            <p:cNvSpPr txBox="1"/>
+            <p:nvPr/>
+          </p:nvSpPr>
+          <p:spPr>
+            <a:xfrm>
+              <a:off x="2428829" y="800200"/>
+              <a:ext cx="263951" cy="307777"/>
+            </a:xfrm>
+            <a:prstGeom prst="rect">
+              <a:avLst/>
+            </a:prstGeom>
+            <a:noFill/>
+          </p:spPr>
+          <p:txBody>
+            <a:bodyPr wrap="square" rtlCol="0">
+              <a:spAutoFit/>
+            </a:bodyPr>
+            <a:lstStyle/>
+            <a:p>
+              <a:r>
+                <a:rPr lang="de-CH" sz="1400" dirty="0"/>
+                <a:t>3</a:t>
+              </a:r>
+            </a:p>
+          </p:txBody>
+        </p:sp>
+        <p:sp>
+          <p:nvSpPr>
+            <p:cNvPr id="36" name="Ellipse 35">
+              <a:extLst>
+                <a:ext uri="{FF2B5EF4-FFF2-40B4-BE49-F238E27FC236}">
+                  <a16:creationId xmlns:a16="http://schemas.microsoft.com/office/drawing/2014/main" id="{C89FEEAC-4D89-438E-AB15-B52796677AAF}"/>
+                </a:ext>
+              </a:extLst>
+            </p:cNvPr>
+            <p:cNvSpPr/>
+            <p:nvPr/>
+          </p:nvSpPr>
+          <p:spPr>
+            <a:xfrm>
+              <a:off x="2437666" y="841056"/>
+              <a:ext cx="246274" cy="224191"/>
+            </a:xfrm>
+            <a:prstGeom prst="ellipse">
+              <a:avLst/>
+            </a:prstGeom>
+            <a:noFill/>
+            <a:effectLst/>
+          </p:spPr>
+          <p:style>
+            <a:lnRef idx="1">
+              <a:schemeClr val="accent1"/>
+            </a:lnRef>
+            <a:fillRef idx="3">
+              <a:schemeClr val="accent1"/>
+            </a:fillRef>
+            <a:effectRef idx="2">
+              <a:schemeClr val="accent1"/>
+            </a:effectRef>
+            <a:fontRef idx="minor">
+              <a:schemeClr val="lt1"/>
+            </a:fontRef>
+          </p:style>
+          <p:txBody>
+            <a:bodyPr rtlCol="0" anchor="ctr"/>
+            <a:lstStyle/>
+            <a:p>
+              <a:pPr algn="ctr"/>
+              <a:endParaRPr lang="de-CH"/>
+            </a:p>
+          </p:txBody>
+        </p:sp>
+      </p:grpSp>
+      <p:grpSp>
+        <p:nvGrpSpPr>
+          <p:cNvPr id="37" name="Gruppieren 36">
+            <a:extLst>
+              <a:ext uri="{FF2B5EF4-FFF2-40B4-BE49-F238E27FC236}">
+                <a16:creationId xmlns:a16="http://schemas.microsoft.com/office/drawing/2014/main" id="{21F27838-336A-4DD8-9151-EF70588DB2AF}"/>
+              </a:ext>
+            </a:extLst>
+          </p:cNvPr>
+          <p:cNvGrpSpPr/>
+          <p:nvPr/>
+        </p:nvGrpSpPr>
+        <p:grpSpPr>
+          <a:xfrm>
+            <a:off x="6442374" y="3452371"/>
+            <a:ext cx="263951" cy="307777"/>
+            <a:chOff x="2428829" y="800200"/>
+            <a:chExt cx="263951" cy="307777"/>
+          </a:xfrm>
+        </p:grpSpPr>
+        <p:sp>
+          <p:nvSpPr>
+            <p:cNvPr id="38" name="Textfeld 37">
+              <a:extLst>
+                <a:ext uri="{FF2B5EF4-FFF2-40B4-BE49-F238E27FC236}">
+                  <a16:creationId xmlns:a16="http://schemas.microsoft.com/office/drawing/2014/main" id="{428AD043-2817-4C2E-AA4D-FB5637286E83}"/>
+                </a:ext>
+              </a:extLst>
+            </p:cNvPr>
+            <p:cNvSpPr txBox="1"/>
+            <p:nvPr/>
+          </p:nvSpPr>
+          <p:spPr>
+            <a:xfrm>
+              <a:off x="2428829" y="800200"/>
+              <a:ext cx="263951" cy="307777"/>
+            </a:xfrm>
+            <a:prstGeom prst="rect">
+              <a:avLst/>
+            </a:prstGeom>
+            <a:noFill/>
+          </p:spPr>
+          <p:txBody>
+            <a:bodyPr wrap="square" rtlCol="0">
+              <a:spAutoFit/>
+            </a:bodyPr>
+            <a:lstStyle/>
+            <a:p>
+              <a:r>
+                <a:rPr lang="de-CH" sz="1400" dirty="0"/>
+                <a:t>4</a:t>
+              </a:r>
+            </a:p>
+          </p:txBody>
+        </p:sp>
+        <p:sp>
+          <p:nvSpPr>
+            <p:cNvPr id="39" name="Ellipse 38">
+              <a:extLst>
+                <a:ext uri="{FF2B5EF4-FFF2-40B4-BE49-F238E27FC236}">
+                  <a16:creationId xmlns:a16="http://schemas.microsoft.com/office/drawing/2014/main" id="{719C0B19-327B-472B-B820-5EF059FC3AF0}"/>
+                </a:ext>
+              </a:extLst>
+            </p:cNvPr>
+            <p:cNvSpPr/>
+            <p:nvPr/>
+          </p:nvSpPr>
+          <p:spPr>
+            <a:xfrm>
+              <a:off x="2437666" y="841056"/>
+              <a:ext cx="246274" cy="224191"/>
+            </a:xfrm>
+            <a:prstGeom prst="ellipse">
+              <a:avLst/>
+            </a:prstGeom>
+            <a:noFill/>
+            <a:effectLst/>
+          </p:spPr>
+          <p:style>
+            <a:lnRef idx="1">
+              <a:schemeClr val="accent1"/>
+            </a:lnRef>
+            <a:fillRef idx="3">
+              <a:schemeClr val="accent1"/>
+            </a:fillRef>
+            <a:effectRef idx="2">
+              <a:schemeClr val="accent1"/>
+            </a:effectRef>
+            <a:fontRef idx="minor">
+              <a:schemeClr val="lt1"/>
+            </a:fontRef>
+          </p:style>
+          <p:txBody>
+            <a:bodyPr rtlCol="0" anchor="ctr"/>
+            <a:lstStyle/>
+            <a:p>
+              <a:pPr algn="ctr"/>
+              <a:endParaRPr lang="de-CH"/>
+            </a:p>
+          </p:txBody>
+        </p:sp>
+      </p:grpSp>
+      <p:sp>
+        <p:nvSpPr>
+          <p:cNvPr id="22" name="Textfeld 21">
+            <a:extLst>
+              <a:ext uri="{FF2B5EF4-FFF2-40B4-BE49-F238E27FC236}">
+                <a16:creationId xmlns:a16="http://schemas.microsoft.com/office/drawing/2014/main" id="{8E82974A-8632-410A-A837-27417B2FA322}"/>
+              </a:ext>
+            </a:extLst>
+          </p:cNvPr>
+          <p:cNvSpPr txBox="1"/>
+          <p:nvPr/>
+        </p:nvSpPr>
+        <p:spPr>
+          <a:xfrm>
+            <a:off x="4333088" y="5851669"/>
+            <a:ext cx="521715" cy="646331"/>
+          </a:xfrm>
+          <a:prstGeom prst="rect">
+            <a:avLst/>
+          </a:prstGeom>
+          <a:noFill/>
+        </p:spPr>
+        <p:txBody>
+          <a:bodyPr wrap="square" rtlCol="0">
+            <a:spAutoFit/>
+          </a:bodyPr>
+          <a:lstStyle/>
+          <a:p>
+            <a:r>
+              <a:rPr lang="de-CH" sz="3600" b="1" dirty="0">
+                <a:solidFill>
+                  <a:schemeClr val="accent3">
+                    <a:lumMod val="75000"/>
+                  </a:schemeClr>
+                </a:solidFill>
+                <a:effectLst>
+                  <a:outerShdw blurRad="38100" dist="38100" dir="2700000" algn="tl">
+                    <a:srgbClr val="000000">
+                      <a:alpha val="43137"/>
+                    </a:srgbClr>
+                  </a:outerShdw>
+                </a:effectLst>
+              </a:rPr>
+              <a:t>…</a:t>
             </a:r>
           </a:p>
         </p:txBody>
@@ -7231,7 +8024,7 @@
     </p:spTree>
     <p:extLst>
       <p:ext uri="{BB962C8B-B14F-4D97-AF65-F5344CB8AC3E}">
-        <p14:creationId xmlns:p14="http://schemas.microsoft.com/office/powerpoint/2010/main" val="870003336"/>
+        <p14:creationId xmlns:p14="http://schemas.microsoft.com/office/powerpoint/2010/main" val="518552385"/>
       </p:ext>
     </p:extLst>
   </p:cSld>
@@ -7260,35 +8053,10 @@
       </p:grpSpPr>
       <p:sp>
         <p:nvSpPr>
-          <p:cNvPr id="2" name="Inhaltsplatzhalter 1">
-            <a:extLst>
-              <a:ext uri="{FF2B5EF4-FFF2-40B4-BE49-F238E27FC236}">
-                <a16:creationId xmlns:a16="http://schemas.microsoft.com/office/drawing/2014/main" id="{BA593BCF-FAB6-4F17-B5E8-135CC2C22A25}"/>
-              </a:ext>
-            </a:extLst>
-          </p:cNvPr>
-          <p:cNvSpPr>
-            <a:spLocks noGrp="1"/>
-          </p:cNvSpPr>
-          <p:nvPr>
-            <p:ph sz="half" idx="1"/>
-          </p:nvPr>
-        </p:nvSpPr>
-        <p:spPr/>
-        <p:txBody>
-          <a:bodyPr/>
-          <a:lstStyle/>
-          <a:p>
-            <a:endParaRPr lang="de-CH"/>
-          </a:p>
-        </p:txBody>
-      </p:sp>
-      <p:sp>
-        <p:nvSpPr>
           <p:cNvPr id="3" name="Titel 2">
             <a:extLst>
               <a:ext uri="{FF2B5EF4-FFF2-40B4-BE49-F238E27FC236}">
-                <a16:creationId xmlns:a16="http://schemas.microsoft.com/office/drawing/2014/main" id="{34601FE4-AE2E-4016-80F7-B1CFF2423504}"/>
+                <a16:creationId xmlns:a16="http://schemas.microsoft.com/office/drawing/2014/main" id="{E904707F-1430-47F2-9043-A81C0A53F129}"/>
               </a:ext>
             </a:extLst>
           </p:cNvPr>
@@ -7299,22 +8067,547 @@
             <p:ph type="ctrTitle"/>
           </p:nvPr>
         </p:nvSpPr>
-        <p:spPr/>
+        <p:spPr>
+          <a:xfrm>
+            <a:off x="468000" y="360000"/>
+            <a:ext cx="8100000" cy="540000"/>
+          </a:xfrm>
+        </p:spPr>
         <p:txBody>
           <a:bodyPr/>
           <a:lstStyle/>
           <a:p>
             <a:r>
               <a:rPr lang="de-CH" dirty="0"/>
-              <a:t>Storyboard 3</a:t>
+              <a:t>Storyboard 1 – Anbindung eines EPDs</a:t>
             </a:r>
           </a:p>
         </p:txBody>
       </p:sp>
+      <p:grpSp>
+        <p:nvGrpSpPr>
+          <p:cNvPr id="21" name="Gruppieren 20">
+            <a:extLst>
+              <a:ext uri="{FF2B5EF4-FFF2-40B4-BE49-F238E27FC236}">
+                <a16:creationId xmlns:a16="http://schemas.microsoft.com/office/drawing/2014/main" id="{10284693-A442-4975-A068-420D74F92976}"/>
+              </a:ext>
+            </a:extLst>
+          </p:cNvPr>
+          <p:cNvGrpSpPr/>
+          <p:nvPr/>
+        </p:nvGrpSpPr>
+        <p:grpSpPr>
+          <a:xfrm>
+            <a:off x="2428829" y="800200"/>
+            <a:ext cx="263951" cy="307777"/>
+            <a:chOff x="2428829" y="800200"/>
+            <a:chExt cx="263951" cy="307777"/>
+          </a:xfrm>
+        </p:grpSpPr>
+        <p:sp>
+          <p:nvSpPr>
+            <p:cNvPr id="19" name="Textfeld 18">
+              <a:extLst>
+                <a:ext uri="{FF2B5EF4-FFF2-40B4-BE49-F238E27FC236}">
+                  <a16:creationId xmlns:a16="http://schemas.microsoft.com/office/drawing/2014/main" id="{2FE8BE93-F9A1-4275-8222-07C4EEF27C19}"/>
+                </a:ext>
+              </a:extLst>
+            </p:cNvPr>
+            <p:cNvSpPr txBox="1"/>
+            <p:nvPr/>
+          </p:nvSpPr>
+          <p:spPr>
+            <a:xfrm>
+              <a:off x="2428829" y="800200"/>
+              <a:ext cx="263951" cy="307777"/>
+            </a:xfrm>
+            <a:prstGeom prst="rect">
+              <a:avLst/>
+            </a:prstGeom>
+            <a:noFill/>
+          </p:spPr>
+          <p:txBody>
+            <a:bodyPr wrap="square" rtlCol="0">
+              <a:spAutoFit/>
+            </a:bodyPr>
+            <a:lstStyle/>
+            <a:p>
+              <a:r>
+                <a:rPr lang="de-CH" sz="1400" dirty="0"/>
+                <a:t>5</a:t>
+              </a:r>
+            </a:p>
+          </p:txBody>
+        </p:sp>
+        <p:sp>
+          <p:nvSpPr>
+            <p:cNvPr id="20" name="Ellipse 19">
+              <a:extLst>
+                <a:ext uri="{FF2B5EF4-FFF2-40B4-BE49-F238E27FC236}">
+                  <a16:creationId xmlns:a16="http://schemas.microsoft.com/office/drawing/2014/main" id="{FFD74DC7-ABF7-406F-BDE7-0CE96BE36135}"/>
+                </a:ext>
+              </a:extLst>
+            </p:cNvPr>
+            <p:cNvSpPr/>
+            <p:nvPr/>
+          </p:nvSpPr>
+          <p:spPr>
+            <a:xfrm>
+              <a:off x="2437666" y="841056"/>
+              <a:ext cx="246274" cy="224191"/>
+            </a:xfrm>
+            <a:prstGeom prst="ellipse">
+              <a:avLst/>
+            </a:prstGeom>
+            <a:noFill/>
+            <a:effectLst/>
+          </p:spPr>
+          <p:style>
+            <a:lnRef idx="1">
+              <a:schemeClr val="accent1"/>
+            </a:lnRef>
+            <a:fillRef idx="3">
+              <a:schemeClr val="accent1"/>
+            </a:fillRef>
+            <a:effectRef idx="2">
+              <a:schemeClr val="accent1"/>
+            </a:effectRef>
+            <a:fontRef idx="minor">
+              <a:schemeClr val="lt1"/>
+            </a:fontRef>
+          </p:style>
+          <p:txBody>
+            <a:bodyPr rtlCol="0" anchor="ctr"/>
+            <a:lstStyle/>
+            <a:p>
+              <a:pPr algn="ctr"/>
+              <a:endParaRPr lang="de-CH"/>
+            </a:p>
+          </p:txBody>
+        </p:sp>
+      </p:grpSp>
+      <p:grpSp>
+        <p:nvGrpSpPr>
+          <p:cNvPr id="31" name="Gruppieren 30">
+            <a:extLst>
+              <a:ext uri="{FF2B5EF4-FFF2-40B4-BE49-F238E27FC236}">
+                <a16:creationId xmlns:a16="http://schemas.microsoft.com/office/drawing/2014/main" id="{52924C2D-DA77-4F44-B4A8-519CF4BF9CF7}"/>
+              </a:ext>
+            </a:extLst>
+          </p:cNvPr>
+          <p:cNvGrpSpPr/>
+          <p:nvPr/>
+        </p:nvGrpSpPr>
+        <p:grpSpPr>
+          <a:xfrm>
+            <a:off x="6451217" y="804627"/>
+            <a:ext cx="263951" cy="307777"/>
+            <a:chOff x="2428829" y="800200"/>
+            <a:chExt cx="263951" cy="307777"/>
+          </a:xfrm>
+        </p:grpSpPr>
+        <p:sp>
+          <p:nvSpPr>
+            <p:cNvPr id="32" name="Textfeld 31">
+              <a:extLst>
+                <a:ext uri="{FF2B5EF4-FFF2-40B4-BE49-F238E27FC236}">
+                  <a16:creationId xmlns:a16="http://schemas.microsoft.com/office/drawing/2014/main" id="{DA84C640-F0BB-4D57-9900-D8EBC558D9D2}"/>
+                </a:ext>
+              </a:extLst>
+            </p:cNvPr>
+            <p:cNvSpPr txBox="1"/>
+            <p:nvPr/>
+          </p:nvSpPr>
+          <p:spPr>
+            <a:xfrm>
+              <a:off x="2428829" y="800200"/>
+              <a:ext cx="263951" cy="307777"/>
+            </a:xfrm>
+            <a:prstGeom prst="rect">
+              <a:avLst/>
+            </a:prstGeom>
+            <a:noFill/>
+          </p:spPr>
+          <p:txBody>
+            <a:bodyPr wrap="square" rtlCol="0">
+              <a:spAutoFit/>
+            </a:bodyPr>
+            <a:lstStyle/>
+            <a:p>
+              <a:r>
+                <a:rPr lang="de-CH" sz="1400" dirty="0"/>
+                <a:t>6</a:t>
+              </a:r>
+            </a:p>
+          </p:txBody>
+        </p:sp>
+        <p:sp>
+          <p:nvSpPr>
+            <p:cNvPr id="33" name="Ellipse 32">
+              <a:extLst>
+                <a:ext uri="{FF2B5EF4-FFF2-40B4-BE49-F238E27FC236}">
+                  <a16:creationId xmlns:a16="http://schemas.microsoft.com/office/drawing/2014/main" id="{54955D9B-EBA7-44F5-AABC-CF51F38CA7DA}"/>
+                </a:ext>
+              </a:extLst>
+            </p:cNvPr>
+            <p:cNvSpPr/>
+            <p:nvPr/>
+          </p:nvSpPr>
+          <p:spPr>
+            <a:xfrm>
+              <a:off x="2437666" y="841056"/>
+              <a:ext cx="246274" cy="224191"/>
+            </a:xfrm>
+            <a:prstGeom prst="ellipse">
+              <a:avLst/>
+            </a:prstGeom>
+            <a:noFill/>
+            <a:effectLst/>
+          </p:spPr>
+          <p:style>
+            <a:lnRef idx="1">
+              <a:schemeClr val="accent1"/>
+            </a:lnRef>
+            <a:fillRef idx="3">
+              <a:schemeClr val="accent1"/>
+            </a:fillRef>
+            <a:effectRef idx="2">
+              <a:schemeClr val="accent1"/>
+            </a:effectRef>
+            <a:fontRef idx="minor">
+              <a:schemeClr val="lt1"/>
+            </a:fontRef>
+          </p:style>
+          <p:txBody>
+            <a:bodyPr rtlCol="0" anchor="ctr"/>
+            <a:lstStyle/>
+            <a:p>
+              <a:pPr algn="ctr"/>
+              <a:endParaRPr lang="de-CH"/>
+            </a:p>
+          </p:txBody>
+        </p:sp>
+      </p:grpSp>
+      <p:grpSp>
+        <p:nvGrpSpPr>
+          <p:cNvPr id="34" name="Gruppieren 33">
+            <a:extLst>
+              <a:ext uri="{FF2B5EF4-FFF2-40B4-BE49-F238E27FC236}">
+                <a16:creationId xmlns:a16="http://schemas.microsoft.com/office/drawing/2014/main" id="{830C4400-160F-4897-9301-D25AB1B83D15}"/>
+              </a:ext>
+            </a:extLst>
+          </p:cNvPr>
+          <p:cNvGrpSpPr/>
+          <p:nvPr/>
+        </p:nvGrpSpPr>
+        <p:grpSpPr>
+          <a:xfrm>
+            <a:off x="2428826" y="3452371"/>
+            <a:ext cx="263951" cy="307777"/>
+            <a:chOff x="2428829" y="800200"/>
+            <a:chExt cx="263951" cy="307777"/>
+          </a:xfrm>
+        </p:grpSpPr>
+        <p:sp>
+          <p:nvSpPr>
+            <p:cNvPr id="35" name="Textfeld 34">
+              <a:extLst>
+                <a:ext uri="{FF2B5EF4-FFF2-40B4-BE49-F238E27FC236}">
+                  <a16:creationId xmlns:a16="http://schemas.microsoft.com/office/drawing/2014/main" id="{FED335F3-EC5B-4E28-887B-303B5BE6105F}"/>
+                </a:ext>
+              </a:extLst>
+            </p:cNvPr>
+            <p:cNvSpPr txBox="1"/>
+            <p:nvPr/>
+          </p:nvSpPr>
+          <p:spPr>
+            <a:xfrm>
+              <a:off x="2428829" y="800200"/>
+              <a:ext cx="263951" cy="307777"/>
+            </a:xfrm>
+            <a:prstGeom prst="rect">
+              <a:avLst/>
+            </a:prstGeom>
+            <a:noFill/>
+          </p:spPr>
+          <p:txBody>
+            <a:bodyPr wrap="square" rtlCol="0">
+              <a:spAutoFit/>
+            </a:bodyPr>
+            <a:lstStyle/>
+            <a:p>
+              <a:r>
+                <a:rPr lang="de-CH" sz="1400" dirty="0"/>
+                <a:t>7</a:t>
+              </a:r>
+            </a:p>
+          </p:txBody>
+        </p:sp>
+        <p:sp>
+          <p:nvSpPr>
+            <p:cNvPr id="36" name="Ellipse 35">
+              <a:extLst>
+                <a:ext uri="{FF2B5EF4-FFF2-40B4-BE49-F238E27FC236}">
+                  <a16:creationId xmlns:a16="http://schemas.microsoft.com/office/drawing/2014/main" id="{C89FEEAC-4D89-438E-AB15-B52796677AAF}"/>
+                </a:ext>
+              </a:extLst>
+            </p:cNvPr>
+            <p:cNvSpPr/>
+            <p:nvPr/>
+          </p:nvSpPr>
+          <p:spPr>
+            <a:xfrm>
+              <a:off x="2437666" y="841056"/>
+              <a:ext cx="246274" cy="224191"/>
+            </a:xfrm>
+            <a:prstGeom prst="ellipse">
+              <a:avLst/>
+            </a:prstGeom>
+            <a:noFill/>
+            <a:effectLst/>
+          </p:spPr>
+          <p:style>
+            <a:lnRef idx="1">
+              <a:schemeClr val="accent1"/>
+            </a:lnRef>
+            <a:fillRef idx="3">
+              <a:schemeClr val="accent1"/>
+            </a:fillRef>
+            <a:effectRef idx="2">
+              <a:schemeClr val="accent1"/>
+            </a:effectRef>
+            <a:fontRef idx="minor">
+              <a:schemeClr val="lt1"/>
+            </a:fontRef>
+          </p:style>
+          <p:txBody>
+            <a:bodyPr rtlCol="0" anchor="ctr"/>
+            <a:lstStyle/>
+            <a:p>
+              <a:pPr algn="ctr"/>
+              <a:endParaRPr lang="de-CH"/>
+            </a:p>
+          </p:txBody>
+        </p:sp>
+      </p:grpSp>
+      <p:grpSp>
+        <p:nvGrpSpPr>
+          <p:cNvPr id="37" name="Gruppieren 36">
+            <a:extLst>
+              <a:ext uri="{FF2B5EF4-FFF2-40B4-BE49-F238E27FC236}">
+                <a16:creationId xmlns:a16="http://schemas.microsoft.com/office/drawing/2014/main" id="{21F27838-336A-4DD8-9151-EF70588DB2AF}"/>
+              </a:ext>
+            </a:extLst>
+          </p:cNvPr>
+          <p:cNvGrpSpPr/>
+          <p:nvPr/>
+        </p:nvGrpSpPr>
+        <p:grpSpPr>
+          <a:xfrm>
+            <a:off x="6442374" y="3452371"/>
+            <a:ext cx="263951" cy="307777"/>
+            <a:chOff x="2428829" y="800200"/>
+            <a:chExt cx="263951" cy="307777"/>
+          </a:xfrm>
+        </p:grpSpPr>
+        <p:sp>
+          <p:nvSpPr>
+            <p:cNvPr id="38" name="Textfeld 37">
+              <a:extLst>
+                <a:ext uri="{FF2B5EF4-FFF2-40B4-BE49-F238E27FC236}">
+                  <a16:creationId xmlns:a16="http://schemas.microsoft.com/office/drawing/2014/main" id="{428AD043-2817-4C2E-AA4D-FB5637286E83}"/>
+                </a:ext>
+              </a:extLst>
+            </p:cNvPr>
+            <p:cNvSpPr txBox="1"/>
+            <p:nvPr/>
+          </p:nvSpPr>
+          <p:spPr>
+            <a:xfrm>
+              <a:off x="2428829" y="800200"/>
+              <a:ext cx="263951" cy="307777"/>
+            </a:xfrm>
+            <a:prstGeom prst="rect">
+              <a:avLst/>
+            </a:prstGeom>
+            <a:noFill/>
+          </p:spPr>
+          <p:txBody>
+            <a:bodyPr wrap="square" rtlCol="0">
+              <a:spAutoFit/>
+            </a:bodyPr>
+            <a:lstStyle/>
+            <a:p>
+              <a:r>
+                <a:rPr lang="de-CH" sz="1400" dirty="0"/>
+                <a:t>8</a:t>
+              </a:r>
+            </a:p>
+          </p:txBody>
+        </p:sp>
+        <p:sp>
+          <p:nvSpPr>
+            <p:cNvPr id="39" name="Ellipse 38">
+              <a:extLst>
+                <a:ext uri="{FF2B5EF4-FFF2-40B4-BE49-F238E27FC236}">
+                  <a16:creationId xmlns:a16="http://schemas.microsoft.com/office/drawing/2014/main" id="{719C0B19-327B-472B-B820-5EF059FC3AF0}"/>
+                </a:ext>
+              </a:extLst>
+            </p:cNvPr>
+            <p:cNvSpPr/>
+            <p:nvPr/>
+          </p:nvSpPr>
+          <p:spPr>
+            <a:xfrm>
+              <a:off x="2437666" y="841056"/>
+              <a:ext cx="246274" cy="224191"/>
+            </a:xfrm>
+            <a:prstGeom prst="ellipse">
+              <a:avLst/>
+            </a:prstGeom>
+            <a:noFill/>
+            <a:effectLst/>
+          </p:spPr>
+          <p:style>
+            <a:lnRef idx="1">
+              <a:schemeClr val="accent1"/>
+            </a:lnRef>
+            <a:fillRef idx="3">
+              <a:schemeClr val="accent1"/>
+            </a:fillRef>
+            <a:effectRef idx="2">
+              <a:schemeClr val="accent1"/>
+            </a:effectRef>
+            <a:fontRef idx="minor">
+              <a:schemeClr val="lt1"/>
+            </a:fontRef>
+          </p:style>
+          <p:txBody>
+            <a:bodyPr rtlCol="0" anchor="ctr"/>
+            <a:lstStyle/>
+            <a:p>
+              <a:pPr algn="ctr"/>
+              <a:endParaRPr lang="de-CH"/>
+            </a:p>
+          </p:txBody>
+        </p:sp>
+      </p:grpSp>
+      <p:pic>
+        <p:nvPicPr>
+          <p:cNvPr id="23" name="Grafik 22">
+            <a:extLst>
+              <a:ext uri="{FF2B5EF4-FFF2-40B4-BE49-F238E27FC236}">
+                <a16:creationId xmlns:a16="http://schemas.microsoft.com/office/drawing/2014/main" id="{A3E6C50B-0FCA-47E6-B5D3-02883E0E43F4}"/>
+              </a:ext>
+            </a:extLst>
+          </p:cNvPr>
+          <p:cNvPicPr/>
+          <p:nvPr/>
+        </p:nvPicPr>
+        <p:blipFill>
+          <a:blip r:embed="rId2"/>
+          <a:stretch>
+            <a:fillRect/>
+          </a:stretch>
+        </p:blipFill>
+        <p:spPr>
+          <a:xfrm>
+            <a:off x="961612" y="1106102"/>
+            <a:ext cx="3198375" cy="2305827"/>
+          </a:xfrm>
+          <a:prstGeom prst="rect">
+            <a:avLst/>
+          </a:prstGeom>
+        </p:spPr>
+      </p:pic>
+      <p:pic>
+        <p:nvPicPr>
+          <p:cNvPr id="26" name="Grafik 25">
+            <a:extLst>
+              <a:ext uri="{FF2B5EF4-FFF2-40B4-BE49-F238E27FC236}">
+                <a16:creationId xmlns:a16="http://schemas.microsoft.com/office/drawing/2014/main" id="{4585F3A5-83E2-48C3-86BB-D862DFD32A49}"/>
+              </a:ext>
+            </a:extLst>
+          </p:cNvPr>
+          <p:cNvPicPr/>
+          <p:nvPr/>
+        </p:nvPicPr>
+        <p:blipFill>
+          <a:blip r:embed="rId3"/>
+          <a:stretch>
+            <a:fillRect/>
+          </a:stretch>
+        </p:blipFill>
+        <p:spPr>
+          <a:xfrm>
+            <a:off x="4984015" y="1107977"/>
+            <a:ext cx="3198375" cy="2299526"/>
+          </a:xfrm>
+          <a:prstGeom prst="rect">
+            <a:avLst/>
+          </a:prstGeom>
+        </p:spPr>
+      </p:pic>
+      <p:pic>
+        <p:nvPicPr>
+          <p:cNvPr id="27" name="Grafik 26">
+            <a:extLst>
+              <a:ext uri="{FF2B5EF4-FFF2-40B4-BE49-F238E27FC236}">
+                <a16:creationId xmlns:a16="http://schemas.microsoft.com/office/drawing/2014/main" id="{8AC6DC8C-2F4C-429F-8C06-4C69C0C990D8}"/>
+              </a:ext>
+            </a:extLst>
+          </p:cNvPr>
+          <p:cNvPicPr/>
+          <p:nvPr/>
+        </p:nvPicPr>
+        <p:blipFill>
+          <a:blip r:embed="rId4"/>
+          <a:stretch>
+            <a:fillRect/>
+          </a:stretch>
+        </p:blipFill>
+        <p:spPr>
+          <a:xfrm>
+            <a:off x="961612" y="3753847"/>
+            <a:ext cx="3198374" cy="2299526"/>
+          </a:xfrm>
+          <a:prstGeom prst="rect">
+            <a:avLst/>
+          </a:prstGeom>
+        </p:spPr>
+      </p:pic>
+      <p:pic>
+        <p:nvPicPr>
+          <p:cNvPr id="28" name="Grafik 27">
+            <a:extLst>
+              <a:ext uri="{FF2B5EF4-FFF2-40B4-BE49-F238E27FC236}">
+                <a16:creationId xmlns:a16="http://schemas.microsoft.com/office/drawing/2014/main" id="{2BCB5A92-5BE7-4786-95F1-8CBD21C50142}"/>
+              </a:ext>
+            </a:extLst>
+          </p:cNvPr>
+          <p:cNvPicPr/>
+          <p:nvPr/>
+        </p:nvPicPr>
+        <p:blipFill>
+          <a:blip r:embed="rId5"/>
+          <a:stretch>
+            <a:fillRect/>
+          </a:stretch>
+        </p:blipFill>
+        <p:spPr>
+          <a:xfrm>
+            <a:off x="4975161" y="3753848"/>
+            <a:ext cx="3198374" cy="2299525"/>
+          </a:xfrm>
+          <a:prstGeom prst="rect">
+            <a:avLst/>
+          </a:prstGeom>
+        </p:spPr>
+      </p:pic>
     </p:spTree>
     <p:extLst>
       <p:ext uri="{BB962C8B-B14F-4D97-AF65-F5344CB8AC3E}">
-        <p14:creationId xmlns:p14="http://schemas.microsoft.com/office/powerpoint/2010/main" val="749922575"/>
+        <p14:creationId xmlns:p14="http://schemas.microsoft.com/office/powerpoint/2010/main" val="2054405611"/>
       </p:ext>
     </p:extLst>
   </p:cSld>
@@ -7343,35 +8636,10 @@
       </p:grpSpPr>
       <p:sp>
         <p:nvSpPr>
-          <p:cNvPr id="2" name="Inhaltsplatzhalter 1">
-            <a:extLst>
-              <a:ext uri="{FF2B5EF4-FFF2-40B4-BE49-F238E27FC236}">
-                <a16:creationId xmlns:a16="http://schemas.microsoft.com/office/drawing/2014/main" id="{DA8F7392-B47E-489B-AC4A-A448878929D9}"/>
-              </a:ext>
-            </a:extLst>
-          </p:cNvPr>
-          <p:cNvSpPr>
-            <a:spLocks noGrp="1"/>
-          </p:cNvSpPr>
-          <p:nvPr>
-            <p:ph sz="half" idx="1"/>
-          </p:nvPr>
-        </p:nvSpPr>
-        <p:spPr/>
-        <p:txBody>
-          <a:bodyPr/>
-          <a:lstStyle/>
-          <a:p>
-            <a:endParaRPr lang="de-CH" dirty="0"/>
-          </a:p>
-        </p:txBody>
-      </p:sp>
-      <p:sp>
-        <p:nvSpPr>
           <p:cNvPr id="3" name="Titel 2">
             <a:extLst>
               <a:ext uri="{FF2B5EF4-FFF2-40B4-BE49-F238E27FC236}">
-                <a16:creationId xmlns:a16="http://schemas.microsoft.com/office/drawing/2014/main" id="{F47332A2-95EE-442E-8E29-7793A1656A14}"/>
+                <a16:creationId xmlns:a16="http://schemas.microsoft.com/office/drawing/2014/main" id="{E904707F-1430-47F2-9043-A81C0A53F129}"/>
               </a:ext>
             </a:extLst>
           </p:cNvPr>
@@ -7382,22 +8650,579 @@
             <p:ph type="ctrTitle"/>
           </p:nvPr>
         </p:nvSpPr>
-        <p:spPr/>
+        <p:spPr>
+          <a:xfrm>
+            <a:off x="468000" y="360000"/>
+            <a:ext cx="8100000" cy="540000"/>
+          </a:xfrm>
+        </p:spPr>
         <p:txBody>
           <a:bodyPr/>
           <a:lstStyle/>
           <a:p>
             <a:r>
               <a:rPr lang="de-CH" dirty="0"/>
-              <a:t>Literaturrecherche</a:t>
+              <a:t>Storyboard 2 – Anbindung </a:t>
+            </a:r>
+            <a:r>
+              <a:rPr lang="de-CH" dirty="0" err="1"/>
+              <a:t>HospINDEX</a:t>
+            </a:r>
+            <a:r>
+              <a:rPr lang="de-CH" dirty="0"/>
+              <a:t> ans PMS</a:t>
             </a:r>
           </a:p>
         </p:txBody>
       </p:sp>
+      <p:grpSp>
+        <p:nvGrpSpPr>
+          <p:cNvPr id="21" name="Gruppieren 20">
+            <a:extLst>
+              <a:ext uri="{FF2B5EF4-FFF2-40B4-BE49-F238E27FC236}">
+                <a16:creationId xmlns:a16="http://schemas.microsoft.com/office/drawing/2014/main" id="{10284693-A442-4975-A068-420D74F92976}"/>
+              </a:ext>
+            </a:extLst>
+          </p:cNvPr>
+          <p:cNvGrpSpPr/>
+          <p:nvPr/>
+        </p:nvGrpSpPr>
+        <p:grpSpPr>
+          <a:xfrm>
+            <a:off x="2428829" y="800200"/>
+            <a:ext cx="263951" cy="307777"/>
+            <a:chOff x="2428829" y="800200"/>
+            <a:chExt cx="263951" cy="307777"/>
+          </a:xfrm>
+        </p:grpSpPr>
+        <p:sp>
+          <p:nvSpPr>
+            <p:cNvPr id="19" name="Textfeld 18">
+              <a:extLst>
+                <a:ext uri="{FF2B5EF4-FFF2-40B4-BE49-F238E27FC236}">
+                  <a16:creationId xmlns:a16="http://schemas.microsoft.com/office/drawing/2014/main" id="{2FE8BE93-F9A1-4275-8222-07C4EEF27C19}"/>
+                </a:ext>
+              </a:extLst>
+            </p:cNvPr>
+            <p:cNvSpPr txBox="1"/>
+            <p:nvPr/>
+          </p:nvSpPr>
+          <p:spPr>
+            <a:xfrm>
+              <a:off x="2428829" y="800200"/>
+              <a:ext cx="263951" cy="307777"/>
+            </a:xfrm>
+            <a:prstGeom prst="rect">
+              <a:avLst/>
+            </a:prstGeom>
+            <a:noFill/>
+          </p:spPr>
+          <p:txBody>
+            <a:bodyPr wrap="square" rtlCol="0">
+              <a:spAutoFit/>
+            </a:bodyPr>
+            <a:lstStyle/>
+            <a:p>
+              <a:r>
+                <a:rPr lang="de-CH" sz="1400" dirty="0"/>
+                <a:t>1</a:t>
+              </a:r>
+            </a:p>
+          </p:txBody>
+        </p:sp>
+        <p:sp>
+          <p:nvSpPr>
+            <p:cNvPr id="20" name="Ellipse 19">
+              <a:extLst>
+                <a:ext uri="{FF2B5EF4-FFF2-40B4-BE49-F238E27FC236}">
+                  <a16:creationId xmlns:a16="http://schemas.microsoft.com/office/drawing/2014/main" id="{FFD74DC7-ABF7-406F-BDE7-0CE96BE36135}"/>
+                </a:ext>
+              </a:extLst>
+            </p:cNvPr>
+            <p:cNvSpPr/>
+            <p:nvPr/>
+          </p:nvSpPr>
+          <p:spPr>
+            <a:xfrm>
+              <a:off x="2437666" y="841056"/>
+              <a:ext cx="246274" cy="224191"/>
+            </a:xfrm>
+            <a:prstGeom prst="ellipse">
+              <a:avLst/>
+            </a:prstGeom>
+            <a:noFill/>
+            <a:effectLst/>
+          </p:spPr>
+          <p:style>
+            <a:lnRef idx="1">
+              <a:schemeClr val="accent1"/>
+            </a:lnRef>
+            <a:fillRef idx="3">
+              <a:schemeClr val="accent1"/>
+            </a:fillRef>
+            <a:effectRef idx="2">
+              <a:schemeClr val="accent1"/>
+            </a:effectRef>
+            <a:fontRef idx="minor">
+              <a:schemeClr val="lt1"/>
+            </a:fontRef>
+          </p:style>
+          <p:txBody>
+            <a:bodyPr rtlCol="0" anchor="ctr"/>
+            <a:lstStyle/>
+            <a:p>
+              <a:pPr algn="ctr"/>
+              <a:endParaRPr lang="de-CH"/>
+            </a:p>
+          </p:txBody>
+        </p:sp>
+      </p:grpSp>
+      <p:grpSp>
+        <p:nvGrpSpPr>
+          <p:cNvPr id="31" name="Gruppieren 30">
+            <a:extLst>
+              <a:ext uri="{FF2B5EF4-FFF2-40B4-BE49-F238E27FC236}">
+                <a16:creationId xmlns:a16="http://schemas.microsoft.com/office/drawing/2014/main" id="{52924C2D-DA77-4F44-B4A8-519CF4BF9CF7}"/>
+              </a:ext>
+            </a:extLst>
+          </p:cNvPr>
+          <p:cNvGrpSpPr/>
+          <p:nvPr/>
+        </p:nvGrpSpPr>
+        <p:grpSpPr>
+          <a:xfrm>
+            <a:off x="6451217" y="804627"/>
+            <a:ext cx="263951" cy="307777"/>
+            <a:chOff x="2428829" y="800200"/>
+            <a:chExt cx="263951" cy="307777"/>
+          </a:xfrm>
+        </p:grpSpPr>
+        <p:sp>
+          <p:nvSpPr>
+            <p:cNvPr id="32" name="Textfeld 31">
+              <a:extLst>
+                <a:ext uri="{FF2B5EF4-FFF2-40B4-BE49-F238E27FC236}">
+                  <a16:creationId xmlns:a16="http://schemas.microsoft.com/office/drawing/2014/main" id="{DA84C640-F0BB-4D57-9900-D8EBC558D9D2}"/>
+                </a:ext>
+              </a:extLst>
+            </p:cNvPr>
+            <p:cNvSpPr txBox="1"/>
+            <p:nvPr/>
+          </p:nvSpPr>
+          <p:spPr>
+            <a:xfrm>
+              <a:off x="2428829" y="800200"/>
+              <a:ext cx="263951" cy="307777"/>
+            </a:xfrm>
+            <a:prstGeom prst="rect">
+              <a:avLst/>
+            </a:prstGeom>
+            <a:noFill/>
+          </p:spPr>
+          <p:txBody>
+            <a:bodyPr wrap="square" rtlCol="0">
+              <a:spAutoFit/>
+            </a:bodyPr>
+            <a:lstStyle/>
+            <a:p>
+              <a:r>
+                <a:rPr lang="de-CH" sz="1400" dirty="0"/>
+                <a:t>2</a:t>
+              </a:r>
+            </a:p>
+          </p:txBody>
+        </p:sp>
+        <p:sp>
+          <p:nvSpPr>
+            <p:cNvPr id="33" name="Ellipse 32">
+              <a:extLst>
+                <a:ext uri="{FF2B5EF4-FFF2-40B4-BE49-F238E27FC236}">
+                  <a16:creationId xmlns:a16="http://schemas.microsoft.com/office/drawing/2014/main" id="{54955D9B-EBA7-44F5-AABC-CF51F38CA7DA}"/>
+                </a:ext>
+              </a:extLst>
+            </p:cNvPr>
+            <p:cNvSpPr/>
+            <p:nvPr/>
+          </p:nvSpPr>
+          <p:spPr>
+            <a:xfrm>
+              <a:off x="2437666" y="841056"/>
+              <a:ext cx="246274" cy="224191"/>
+            </a:xfrm>
+            <a:prstGeom prst="ellipse">
+              <a:avLst/>
+            </a:prstGeom>
+            <a:noFill/>
+            <a:effectLst/>
+          </p:spPr>
+          <p:style>
+            <a:lnRef idx="1">
+              <a:schemeClr val="accent1"/>
+            </a:lnRef>
+            <a:fillRef idx="3">
+              <a:schemeClr val="accent1"/>
+            </a:fillRef>
+            <a:effectRef idx="2">
+              <a:schemeClr val="accent1"/>
+            </a:effectRef>
+            <a:fontRef idx="minor">
+              <a:schemeClr val="lt1"/>
+            </a:fontRef>
+          </p:style>
+          <p:txBody>
+            <a:bodyPr rtlCol="0" anchor="ctr"/>
+            <a:lstStyle/>
+            <a:p>
+              <a:pPr algn="ctr"/>
+              <a:endParaRPr lang="de-CH"/>
+            </a:p>
+          </p:txBody>
+        </p:sp>
+      </p:grpSp>
+      <p:grpSp>
+        <p:nvGrpSpPr>
+          <p:cNvPr id="34" name="Gruppieren 33">
+            <a:extLst>
+              <a:ext uri="{FF2B5EF4-FFF2-40B4-BE49-F238E27FC236}">
+                <a16:creationId xmlns:a16="http://schemas.microsoft.com/office/drawing/2014/main" id="{830C4400-160F-4897-9301-D25AB1B83D15}"/>
+              </a:ext>
+            </a:extLst>
+          </p:cNvPr>
+          <p:cNvGrpSpPr/>
+          <p:nvPr/>
+        </p:nvGrpSpPr>
+        <p:grpSpPr>
+          <a:xfrm>
+            <a:off x="2428826" y="3452371"/>
+            <a:ext cx="263951" cy="307777"/>
+            <a:chOff x="2428829" y="800200"/>
+            <a:chExt cx="263951" cy="307777"/>
+          </a:xfrm>
+        </p:grpSpPr>
+        <p:sp>
+          <p:nvSpPr>
+            <p:cNvPr id="35" name="Textfeld 34">
+              <a:extLst>
+                <a:ext uri="{FF2B5EF4-FFF2-40B4-BE49-F238E27FC236}">
+                  <a16:creationId xmlns:a16="http://schemas.microsoft.com/office/drawing/2014/main" id="{FED335F3-EC5B-4E28-887B-303B5BE6105F}"/>
+                </a:ext>
+              </a:extLst>
+            </p:cNvPr>
+            <p:cNvSpPr txBox="1"/>
+            <p:nvPr/>
+          </p:nvSpPr>
+          <p:spPr>
+            <a:xfrm>
+              <a:off x="2428829" y="800200"/>
+              <a:ext cx="263951" cy="307777"/>
+            </a:xfrm>
+            <a:prstGeom prst="rect">
+              <a:avLst/>
+            </a:prstGeom>
+            <a:noFill/>
+          </p:spPr>
+          <p:txBody>
+            <a:bodyPr wrap="square" rtlCol="0">
+              <a:spAutoFit/>
+            </a:bodyPr>
+            <a:lstStyle/>
+            <a:p>
+              <a:r>
+                <a:rPr lang="de-CH" sz="1400" dirty="0"/>
+                <a:t>3</a:t>
+              </a:r>
+            </a:p>
+          </p:txBody>
+        </p:sp>
+        <p:sp>
+          <p:nvSpPr>
+            <p:cNvPr id="36" name="Ellipse 35">
+              <a:extLst>
+                <a:ext uri="{FF2B5EF4-FFF2-40B4-BE49-F238E27FC236}">
+                  <a16:creationId xmlns:a16="http://schemas.microsoft.com/office/drawing/2014/main" id="{C89FEEAC-4D89-438E-AB15-B52796677AAF}"/>
+                </a:ext>
+              </a:extLst>
+            </p:cNvPr>
+            <p:cNvSpPr/>
+            <p:nvPr/>
+          </p:nvSpPr>
+          <p:spPr>
+            <a:xfrm>
+              <a:off x="2437666" y="841056"/>
+              <a:ext cx="246274" cy="224191"/>
+            </a:xfrm>
+            <a:prstGeom prst="ellipse">
+              <a:avLst/>
+            </a:prstGeom>
+            <a:noFill/>
+            <a:effectLst/>
+          </p:spPr>
+          <p:style>
+            <a:lnRef idx="1">
+              <a:schemeClr val="accent1"/>
+            </a:lnRef>
+            <a:fillRef idx="3">
+              <a:schemeClr val="accent1"/>
+            </a:fillRef>
+            <a:effectRef idx="2">
+              <a:schemeClr val="accent1"/>
+            </a:effectRef>
+            <a:fontRef idx="minor">
+              <a:schemeClr val="lt1"/>
+            </a:fontRef>
+          </p:style>
+          <p:txBody>
+            <a:bodyPr rtlCol="0" anchor="ctr"/>
+            <a:lstStyle/>
+            <a:p>
+              <a:pPr algn="ctr"/>
+              <a:endParaRPr lang="de-CH"/>
+            </a:p>
+          </p:txBody>
+        </p:sp>
+      </p:grpSp>
+      <p:grpSp>
+        <p:nvGrpSpPr>
+          <p:cNvPr id="37" name="Gruppieren 36">
+            <a:extLst>
+              <a:ext uri="{FF2B5EF4-FFF2-40B4-BE49-F238E27FC236}">
+                <a16:creationId xmlns:a16="http://schemas.microsoft.com/office/drawing/2014/main" id="{21F27838-336A-4DD8-9151-EF70588DB2AF}"/>
+              </a:ext>
+            </a:extLst>
+          </p:cNvPr>
+          <p:cNvGrpSpPr/>
+          <p:nvPr/>
+        </p:nvGrpSpPr>
+        <p:grpSpPr>
+          <a:xfrm>
+            <a:off x="6442374" y="3452371"/>
+            <a:ext cx="263951" cy="307777"/>
+            <a:chOff x="2428829" y="800200"/>
+            <a:chExt cx="263951" cy="307777"/>
+          </a:xfrm>
+        </p:grpSpPr>
+        <p:sp>
+          <p:nvSpPr>
+            <p:cNvPr id="38" name="Textfeld 37">
+              <a:extLst>
+                <a:ext uri="{FF2B5EF4-FFF2-40B4-BE49-F238E27FC236}">
+                  <a16:creationId xmlns:a16="http://schemas.microsoft.com/office/drawing/2014/main" id="{428AD043-2817-4C2E-AA4D-FB5637286E83}"/>
+                </a:ext>
+              </a:extLst>
+            </p:cNvPr>
+            <p:cNvSpPr txBox="1"/>
+            <p:nvPr/>
+          </p:nvSpPr>
+          <p:spPr>
+            <a:xfrm>
+              <a:off x="2428829" y="800200"/>
+              <a:ext cx="263951" cy="307777"/>
+            </a:xfrm>
+            <a:prstGeom prst="rect">
+              <a:avLst/>
+            </a:prstGeom>
+            <a:noFill/>
+          </p:spPr>
+          <p:txBody>
+            <a:bodyPr wrap="square" rtlCol="0">
+              <a:spAutoFit/>
+            </a:bodyPr>
+            <a:lstStyle/>
+            <a:p>
+              <a:r>
+                <a:rPr lang="de-CH" sz="1400" dirty="0"/>
+                <a:t>4</a:t>
+              </a:r>
+            </a:p>
+          </p:txBody>
+        </p:sp>
+        <p:sp>
+          <p:nvSpPr>
+            <p:cNvPr id="39" name="Ellipse 38">
+              <a:extLst>
+                <a:ext uri="{FF2B5EF4-FFF2-40B4-BE49-F238E27FC236}">
+                  <a16:creationId xmlns:a16="http://schemas.microsoft.com/office/drawing/2014/main" id="{719C0B19-327B-472B-B820-5EF059FC3AF0}"/>
+                </a:ext>
+              </a:extLst>
+            </p:cNvPr>
+            <p:cNvSpPr/>
+            <p:nvPr/>
+          </p:nvSpPr>
+          <p:spPr>
+            <a:xfrm>
+              <a:off x="2437666" y="841056"/>
+              <a:ext cx="246274" cy="224191"/>
+            </a:xfrm>
+            <a:prstGeom prst="ellipse">
+              <a:avLst/>
+            </a:prstGeom>
+            <a:noFill/>
+            <a:effectLst/>
+          </p:spPr>
+          <p:style>
+            <a:lnRef idx="1">
+              <a:schemeClr val="accent1"/>
+            </a:lnRef>
+            <a:fillRef idx="3">
+              <a:schemeClr val="accent1"/>
+            </a:fillRef>
+            <a:effectRef idx="2">
+              <a:schemeClr val="accent1"/>
+            </a:effectRef>
+            <a:fontRef idx="minor">
+              <a:schemeClr val="lt1"/>
+            </a:fontRef>
+          </p:style>
+          <p:txBody>
+            <a:bodyPr rtlCol="0" anchor="ctr"/>
+            <a:lstStyle/>
+            <a:p>
+              <a:pPr algn="ctr"/>
+              <a:endParaRPr lang="de-CH"/>
+            </a:p>
+          </p:txBody>
+        </p:sp>
+      </p:grpSp>
+      <p:pic>
+        <p:nvPicPr>
+          <p:cNvPr id="22" name="Grafik 21">
+            <a:extLst>
+              <a:ext uri="{FF2B5EF4-FFF2-40B4-BE49-F238E27FC236}">
+                <a16:creationId xmlns:a16="http://schemas.microsoft.com/office/drawing/2014/main" id="{F0631AE3-F9E7-445A-BC65-FCE85E5FFF12}"/>
+              </a:ext>
+            </a:extLst>
+          </p:cNvPr>
+          <p:cNvPicPr/>
+          <p:nvPr/>
+        </p:nvPicPr>
+        <p:blipFill>
+          <a:blip r:embed="rId2" cstate="print">
+            <a:extLst>
+              <a:ext uri="{28A0092B-C50C-407E-A947-70E740481C1C}">
+                <a14:useLocalDpi xmlns:a14="http://schemas.microsoft.com/office/drawing/2010/main" val="0"/>
+              </a:ext>
+            </a:extLst>
+          </a:blip>
+          <a:stretch>
+            <a:fillRect/>
+          </a:stretch>
+        </p:blipFill>
+        <p:spPr>
+          <a:xfrm>
+            <a:off x="1079983" y="1106103"/>
+            <a:ext cx="2961634" cy="2299526"/>
+          </a:xfrm>
+          <a:prstGeom prst="rect">
+            <a:avLst/>
+          </a:prstGeom>
+        </p:spPr>
+      </p:pic>
+      <p:pic>
+        <p:nvPicPr>
+          <p:cNvPr id="24" name="Grafik 23">
+            <a:extLst>
+              <a:ext uri="{FF2B5EF4-FFF2-40B4-BE49-F238E27FC236}">
+                <a16:creationId xmlns:a16="http://schemas.microsoft.com/office/drawing/2014/main" id="{A02E2237-CBF7-4199-B76B-C53F62E86F92}"/>
+              </a:ext>
+            </a:extLst>
+          </p:cNvPr>
+          <p:cNvPicPr/>
+          <p:nvPr/>
+        </p:nvPicPr>
+        <p:blipFill>
+          <a:blip r:embed="rId3" cstate="print">
+            <a:extLst>
+              <a:ext uri="{28A0092B-C50C-407E-A947-70E740481C1C}">
+                <a14:useLocalDpi xmlns:a14="http://schemas.microsoft.com/office/drawing/2010/main" val="0"/>
+              </a:ext>
+            </a:extLst>
+          </a:blip>
+          <a:stretch>
+            <a:fillRect/>
+          </a:stretch>
+        </p:blipFill>
+        <p:spPr>
+          <a:xfrm>
+            <a:off x="5102385" y="1106103"/>
+            <a:ext cx="2961634" cy="2287671"/>
+          </a:xfrm>
+          <a:prstGeom prst="rect">
+            <a:avLst/>
+          </a:prstGeom>
+        </p:spPr>
+      </p:pic>
+      <p:pic>
+        <p:nvPicPr>
+          <p:cNvPr id="25" name="Grafik 24">
+            <a:extLst>
+              <a:ext uri="{FF2B5EF4-FFF2-40B4-BE49-F238E27FC236}">
+                <a16:creationId xmlns:a16="http://schemas.microsoft.com/office/drawing/2014/main" id="{B90CE7DD-84B8-4587-8315-77DA23A4F48E}"/>
+              </a:ext>
+            </a:extLst>
+          </p:cNvPr>
+          <p:cNvPicPr/>
+          <p:nvPr/>
+        </p:nvPicPr>
+        <p:blipFill>
+          <a:blip r:embed="rId4" cstate="print">
+            <a:extLst>
+              <a:ext uri="{28A0092B-C50C-407E-A947-70E740481C1C}">
+                <a14:useLocalDpi xmlns:a14="http://schemas.microsoft.com/office/drawing/2010/main" val="0"/>
+              </a:ext>
+            </a:extLst>
+          </a:blip>
+          <a:stretch>
+            <a:fillRect/>
+          </a:stretch>
+        </p:blipFill>
+        <p:spPr>
+          <a:xfrm>
+            <a:off x="1079983" y="3758274"/>
+            <a:ext cx="2961634" cy="2287671"/>
+          </a:xfrm>
+          <a:prstGeom prst="rect">
+            <a:avLst/>
+          </a:prstGeom>
+        </p:spPr>
+      </p:pic>
+      <p:pic>
+        <p:nvPicPr>
+          <p:cNvPr id="29" name="Grafik 28">
+            <a:extLst>
+              <a:ext uri="{FF2B5EF4-FFF2-40B4-BE49-F238E27FC236}">
+                <a16:creationId xmlns:a16="http://schemas.microsoft.com/office/drawing/2014/main" id="{E0CEFD34-C90D-473C-844E-1EEB96011C07}"/>
+              </a:ext>
+            </a:extLst>
+          </p:cNvPr>
+          <p:cNvPicPr/>
+          <p:nvPr/>
+        </p:nvPicPr>
+        <p:blipFill>
+          <a:blip r:embed="rId5" cstate="print">
+            <a:extLst>
+              <a:ext uri="{28A0092B-C50C-407E-A947-70E740481C1C}">
+                <a14:useLocalDpi xmlns:a14="http://schemas.microsoft.com/office/drawing/2010/main" val="0"/>
+              </a:ext>
+            </a:extLst>
+          </a:blip>
+          <a:stretch>
+            <a:fillRect/>
+          </a:stretch>
+        </p:blipFill>
+        <p:spPr>
+          <a:xfrm>
+            <a:off x="5102385" y="3758274"/>
+            <a:ext cx="2958608" cy="2285797"/>
+          </a:xfrm>
+          <a:prstGeom prst="rect">
+            <a:avLst/>
+          </a:prstGeom>
+        </p:spPr>
+      </p:pic>
     </p:spTree>
     <p:extLst>
       <p:ext uri="{BB962C8B-B14F-4D97-AF65-F5344CB8AC3E}">
-        <p14:creationId xmlns:p14="http://schemas.microsoft.com/office/powerpoint/2010/main" val="1859040239"/>
+        <p14:creationId xmlns:p14="http://schemas.microsoft.com/office/powerpoint/2010/main" val="549996043"/>
       </p:ext>
     </p:extLst>
   </p:cSld>
@@ -7426,35 +9251,10 @@
       </p:grpSpPr>
       <p:sp>
         <p:nvSpPr>
-          <p:cNvPr id="2" name="Inhaltsplatzhalter 1">
-            <a:extLst>
-              <a:ext uri="{FF2B5EF4-FFF2-40B4-BE49-F238E27FC236}">
-                <a16:creationId xmlns:a16="http://schemas.microsoft.com/office/drawing/2014/main" id="{A827BF85-F196-4C6E-A5C0-D575FB01F001}"/>
-              </a:ext>
-            </a:extLst>
-          </p:cNvPr>
-          <p:cNvSpPr>
-            <a:spLocks noGrp="1"/>
-          </p:cNvSpPr>
-          <p:nvPr>
-            <p:ph sz="half" idx="1"/>
-          </p:nvPr>
-        </p:nvSpPr>
-        <p:spPr/>
-        <p:txBody>
-          <a:bodyPr/>
-          <a:lstStyle/>
-          <a:p>
-            <a:endParaRPr lang="de-CH"/>
-          </a:p>
-        </p:txBody>
-      </p:sp>
-      <p:sp>
-        <p:nvSpPr>
           <p:cNvPr id="3" name="Titel 2">
             <a:extLst>
               <a:ext uri="{FF2B5EF4-FFF2-40B4-BE49-F238E27FC236}">
-                <a16:creationId xmlns:a16="http://schemas.microsoft.com/office/drawing/2014/main" id="{DC12DFEC-06B5-4C69-A791-A0919EC72F36}"/>
+                <a16:creationId xmlns:a16="http://schemas.microsoft.com/office/drawing/2014/main" id="{E904707F-1430-47F2-9043-A81C0A53F129}"/>
               </a:ext>
             </a:extLst>
           </p:cNvPr>
@@ -7465,64 +9265,1143 @@
             <p:ph type="ctrTitle"/>
           </p:nvPr>
         </p:nvSpPr>
-        <p:spPr/>
+        <p:spPr>
+          <a:xfrm>
+            <a:off x="468000" y="360000"/>
+            <a:ext cx="8100000" cy="540000"/>
+          </a:xfrm>
+        </p:spPr>
         <p:txBody>
           <a:bodyPr/>
           <a:lstStyle/>
           <a:p>
-            <a:endParaRPr lang="de-CH" dirty="0"/>
+            <a:r>
+              <a:rPr lang="de-CH" dirty="0"/>
+              <a:t>Storyboard 2 – Anbindung </a:t>
+            </a:r>
+            <a:r>
+              <a:rPr lang="de-CH" dirty="0" err="1"/>
+              <a:t>HospINDEX</a:t>
+            </a:r>
+            <a:r>
+              <a:rPr lang="de-CH" dirty="0"/>
+              <a:t> ans PMS</a:t>
+            </a:r>
           </a:p>
         </p:txBody>
       </p:sp>
-      <p:pic>
-        <p:nvPicPr>
-          <p:cNvPr id="2052" name="Picture 4">
+      <p:grpSp>
+        <p:nvGrpSpPr>
+          <p:cNvPr id="21" name="Gruppieren 20">
             <a:extLst>
               <a:ext uri="{FF2B5EF4-FFF2-40B4-BE49-F238E27FC236}">
-                <a16:creationId xmlns:a16="http://schemas.microsoft.com/office/drawing/2014/main" id="{623ED4E6-173F-40F9-985E-36764CC68CDE}"/>
+                <a16:creationId xmlns:a16="http://schemas.microsoft.com/office/drawing/2014/main" id="{10284693-A442-4975-A068-420D74F92976}"/>
               </a:ext>
             </a:extLst>
           </p:cNvPr>
-          <p:cNvPicPr>
-            <a:picLocks noChangeAspect="1" noChangeArrowheads="1"/>
-          </p:cNvPicPr>
+          <p:cNvGrpSpPr/>
+          <p:nvPr/>
+        </p:nvGrpSpPr>
+        <p:grpSpPr>
+          <a:xfrm>
+            <a:off x="2428829" y="1065247"/>
+            <a:ext cx="263951" cy="307777"/>
+            <a:chOff x="2428829" y="800200"/>
+            <a:chExt cx="263951" cy="307777"/>
+          </a:xfrm>
+        </p:grpSpPr>
+        <p:sp>
+          <p:nvSpPr>
+            <p:cNvPr id="19" name="Textfeld 18">
+              <a:extLst>
+                <a:ext uri="{FF2B5EF4-FFF2-40B4-BE49-F238E27FC236}">
+                  <a16:creationId xmlns:a16="http://schemas.microsoft.com/office/drawing/2014/main" id="{2FE8BE93-F9A1-4275-8222-07C4EEF27C19}"/>
+                </a:ext>
+              </a:extLst>
+            </p:cNvPr>
+            <p:cNvSpPr txBox="1"/>
+            <p:nvPr/>
+          </p:nvSpPr>
+          <p:spPr>
+            <a:xfrm>
+              <a:off x="2428829" y="800200"/>
+              <a:ext cx="263951" cy="307777"/>
+            </a:xfrm>
+            <a:prstGeom prst="rect">
+              <a:avLst/>
+            </a:prstGeom>
+            <a:noFill/>
+          </p:spPr>
+          <p:txBody>
+            <a:bodyPr wrap="square" rtlCol="0">
+              <a:spAutoFit/>
+            </a:bodyPr>
+            <a:lstStyle/>
+            <a:p>
+              <a:r>
+                <a:rPr lang="de-CH" sz="1400" dirty="0"/>
+                <a:t>1</a:t>
+              </a:r>
+            </a:p>
+          </p:txBody>
+        </p:sp>
+        <p:sp>
+          <p:nvSpPr>
+            <p:cNvPr id="20" name="Ellipse 19">
+              <a:extLst>
+                <a:ext uri="{FF2B5EF4-FFF2-40B4-BE49-F238E27FC236}">
+                  <a16:creationId xmlns:a16="http://schemas.microsoft.com/office/drawing/2014/main" id="{FFD74DC7-ABF7-406F-BDE7-0CE96BE36135}"/>
+                </a:ext>
+              </a:extLst>
+            </p:cNvPr>
+            <p:cNvSpPr/>
+            <p:nvPr/>
+          </p:nvSpPr>
+          <p:spPr>
+            <a:xfrm>
+              <a:off x="2437666" y="841056"/>
+              <a:ext cx="246274" cy="224191"/>
+            </a:xfrm>
+            <a:prstGeom prst="ellipse">
+              <a:avLst/>
+            </a:prstGeom>
+            <a:noFill/>
+            <a:effectLst/>
+          </p:spPr>
+          <p:style>
+            <a:lnRef idx="1">
+              <a:schemeClr val="accent1"/>
+            </a:lnRef>
+            <a:fillRef idx="3">
+              <a:schemeClr val="accent1"/>
+            </a:fillRef>
+            <a:effectRef idx="2">
+              <a:schemeClr val="accent1"/>
+            </a:effectRef>
+            <a:fontRef idx="minor">
+              <a:schemeClr val="lt1"/>
+            </a:fontRef>
+          </p:style>
+          <p:txBody>
+            <a:bodyPr rtlCol="0" anchor="ctr"/>
+            <a:lstStyle/>
+            <a:p>
+              <a:pPr algn="ctr"/>
+              <a:endParaRPr lang="de-CH"/>
+            </a:p>
+          </p:txBody>
+        </p:sp>
+      </p:grpSp>
+      <p:pic>
+        <p:nvPicPr>
+          <p:cNvPr id="26" name="Grafik 25">
+            <a:extLst>
+              <a:ext uri="{FF2B5EF4-FFF2-40B4-BE49-F238E27FC236}">
+                <a16:creationId xmlns:a16="http://schemas.microsoft.com/office/drawing/2014/main" id="{21573C81-CC18-433E-857E-83573663F07C}"/>
+              </a:ext>
+            </a:extLst>
+          </p:cNvPr>
+          <p:cNvPicPr/>
           <p:nvPr/>
         </p:nvPicPr>
-        <p:blipFill rotWithShape="1">
-          <a:blip r:embed="rId2">
+        <p:blipFill>
+          <a:blip r:embed="rId2" cstate="print">
             <a:extLst>
               <a:ext uri="{28A0092B-C50C-407E-A947-70E740481C1C}">
                 <a14:useLocalDpi xmlns:a14="http://schemas.microsoft.com/office/drawing/2010/main" val="0"/>
               </a:ext>
             </a:extLst>
           </a:blip>
-          <a:srcRect l="9630" r="9630"/>
-          <a:stretch/>
+          <a:stretch>
+            <a:fillRect/>
+          </a:stretch>
         </p:blipFill>
-        <p:spPr bwMode="auto">
-          <a:xfrm>
-            <a:off x="0" y="0"/>
-            <a:ext cx="9144000" cy="6858000"/>
+        <p:spPr>
+          <a:xfrm>
+            <a:off x="980387" y="1413880"/>
+            <a:ext cx="3164927" cy="2503265"/>
           </a:xfrm>
           <a:prstGeom prst="rect">
             <a:avLst/>
           </a:prstGeom>
-          <a:noFill/>
-          <a:extLst>
-            <a:ext uri="{909E8E84-426E-40DD-AFC4-6F175D3DCCD1}">
-              <a14:hiddenFill xmlns:a14="http://schemas.microsoft.com/office/drawing/2010/main">
-                <a:solidFill>
-                  <a:srgbClr val="FFFFFF"/>
-                </a:solidFill>
-              </a14:hiddenFill>
-            </a:ext>
-          </a:extLst>
         </p:spPr>
       </p:pic>
     </p:spTree>
     <p:extLst>
       <p:ext uri="{BB962C8B-B14F-4D97-AF65-F5344CB8AC3E}">
-        <p14:creationId xmlns:p14="http://schemas.microsoft.com/office/powerpoint/2010/main" val="667436333"/>
+        <p14:creationId xmlns:p14="http://schemas.microsoft.com/office/powerpoint/2010/main" val="1510108501"/>
+      </p:ext>
+    </p:extLst>
+  </p:cSld>
+  <p:clrMapOvr>
+    <a:masterClrMapping/>
+  </p:clrMapOvr>
+</p:sld>
+</file>
+
+<file path=ppt/slides/slide8.xml><?xml version="1.0" encoding="utf-8"?>
+<p:sld xmlns:a="http://schemas.openxmlformats.org/drawingml/2006/main" xmlns:r="http://schemas.openxmlformats.org/officeDocument/2006/relationships" xmlns:p="http://schemas.openxmlformats.org/presentationml/2006/main">
+  <p:cSld>
+    <p:spTree>
+      <p:nvGrpSpPr>
+        <p:cNvPr id="1" name=""/>
+        <p:cNvGrpSpPr/>
+        <p:nvPr/>
+      </p:nvGrpSpPr>
+      <p:grpSpPr>
+        <a:xfrm>
+          <a:off x="0" y="0"/>
+          <a:ext cx="0" cy="0"/>
+          <a:chOff x="0" y="0"/>
+          <a:chExt cx="0" cy="0"/>
+        </a:xfrm>
+      </p:grpSpPr>
+      <p:sp>
+        <p:nvSpPr>
+          <p:cNvPr id="3" name="Titel 2">
+            <a:extLst>
+              <a:ext uri="{FF2B5EF4-FFF2-40B4-BE49-F238E27FC236}">
+                <a16:creationId xmlns:a16="http://schemas.microsoft.com/office/drawing/2014/main" id="{E904707F-1430-47F2-9043-A81C0A53F129}"/>
+              </a:ext>
+            </a:extLst>
+          </p:cNvPr>
+          <p:cNvSpPr>
+            <a:spLocks noGrp="1"/>
+          </p:cNvSpPr>
+          <p:nvPr>
+            <p:ph type="ctrTitle"/>
+          </p:nvPr>
+        </p:nvSpPr>
+        <p:spPr>
+          <a:xfrm>
+            <a:off x="468000" y="360000"/>
+            <a:ext cx="8100000" cy="540000"/>
+          </a:xfrm>
+        </p:spPr>
+        <p:txBody>
+          <a:bodyPr/>
+          <a:lstStyle/>
+          <a:p>
+            <a:r>
+              <a:rPr lang="de-CH" dirty="0"/>
+              <a:t>Storyboard 3 – Strukturierter Termin</a:t>
+            </a:r>
+          </a:p>
+        </p:txBody>
+      </p:sp>
+      <p:grpSp>
+        <p:nvGrpSpPr>
+          <p:cNvPr id="21" name="Gruppieren 20">
+            <a:extLst>
+              <a:ext uri="{FF2B5EF4-FFF2-40B4-BE49-F238E27FC236}">
+                <a16:creationId xmlns:a16="http://schemas.microsoft.com/office/drawing/2014/main" id="{10284693-A442-4975-A068-420D74F92976}"/>
+              </a:ext>
+            </a:extLst>
+          </p:cNvPr>
+          <p:cNvGrpSpPr/>
+          <p:nvPr/>
+        </p:nvGrpSpPr>
+        <p:grpSpPr>
+          <a:xfrm>
+            <a:off x="2428829" y="800200"/>
+            <a:ext cx="263951" cy="307777"/>
+            <a:chOff x="2428829" y="800200"/>
+            <a:chExt cx="263951" cy="307777"/>
+          </a:xfrm>
+        </p:grpSpPr>
+        <p:sp>
+          <p:nvSpPr>
+            <p:cNvPr id="19" name="Textfeld 18">
+              <a:extLst>
+                <a:ext uri="{FF2B5EF4-FFF2-40B4-BE49-F238E27FC236}">
+                  <a16:creationId xmlns:a16="http://schemas.microsoft.com/office/drawing/2014/main" id="{2FE8BE93-F9A1-4275-8222-07C4EEF27C19}"/>
+                </a:ext>
+              </a:extLst>
+            </p:cNvPr>
+            <p:cNvSpPr txBox="1"/>
+            <p:nvPr/>
+          </p:nvSpPr>
+          <p:spPr>
+            <a:xfrm>
+              <a:off x="2428829" y="800200"/>
+              <a:ext cx="263951" cy="307777"/>
+            </a:xfrm>
+            <a:prstGeom prst="rect">
+              <a:avLst/>
+            </a:prstGeom>
+            <a:noFill/>
+          </p:spPr>
+          <p:txBody>
+            <a:bodyPr wrap="square" rtlCol="0">
+              <a:spAutoFit/>
+            </a:bodyPr>
+            <a:lstStyle/>
+            <a:p>
+              <a:r>
+                <a:rPr lang="de-CH" sz="1400" dirty="0"/>
+                <a:t>1</a:t>
+              </a:r>
+            </a:p>
+          </p:txBody>
+        </p:sp>
+        <p:sp>
+          <p:nvSpPr>
+            <p:cNvPr id="20" name="Ellipse 19">
+              <a:extLst>
+                <a:ext uri="{FF2B5EF4-FFF2-40B4-BE49-F238E27FC236}">
+                  <a16:creationId xmlns:a16="http://schemas.microsoft.com/office/drawing/2014/main" id="{FFD74DC7-ABF7-406F-BDE7-0CE96BE36135}"/>
+                </a:ext>
+              </a:extLst>
+            </p:cNvPr>
+            <p:cNvSpPr/>
+            <p:nvPr/>
+          </p:nvSpPr>
+          <p:spPr>
+            <a:xfrm>
+              <a:off x="2437666" y="841056"/>
+              <a:ext cx="246274" cy="224191"/>
+            </a:xfrm>
+            <a:prstGeom prst="ellipse">
+              <a:avLst/>
+            </a:prstGeom>
+            <a:noFill/>
+            <a:effectLst/>
+          </p:spPr>
+          <p:style>
+            <a:lnRef idx="1">
+              <a:schemeClr val="accent1"/>
+            </a:lnRef>
+            <a:fillRef idx="3">
+              <a:schemeClr val="accent1"/>
+            </a:fillRef>
+            <a:effectRef idx="2">
+              <a:schemeClr val="accent1"/>
+            </a:effectRef>
+            <a:fontRef idx="minor">
+              <a:schemeClr val="lt1"/>
+            </a:fontRef>
+          </p:style>
+          <p:txBody>
+            <a:bodyPr rtlCol="0" anchor="ctr"/>
+            <a:lstStyle/>
+            <a:p>
+              <a:pPr algn="ctr"/>
+              <a:endParaRPr lang="de-CH"/>
+            </a:p>
+          </p:txBody>
+        </p:sp>
+      </p:grpSp>
+      <p:grpSp>
+        <p:nvGrpSpPr>
+          <p:cNvPr id="31" name="Gruppieren 30">
+            <a:extLst>
+              <a:ext uri="{FF2B5EF4-FFF2-40B4-BE49-F238E27FC236}">
+                <a16:creationId xmlns:a16="http://schemas.microsoft.com/office/drawing/2014/main" id="{52924C2D-DA77-4F44-B4A8-519CF4BF9CF7}"/>
+              </a:ext>
+            </a:extLst>
+          </p:cNvPr>
+          <p:cNvGrpSpPr/>
+          <p:nvPr/>
+        </p:nvGrpSpPr>
+        <p:grpSpPr>
+          <a:xfrm>
+            <a:off x="6451217" y="804627"/>
+            <a:ext cx="263951" cy="307777"/>
+            <a:chOff x="2428829" y="800200"/>
+            <a:chExt cx="263951" cy="307777"/>
+          </a:xfrm>
+        </p:grpSpPr>
+        <p:sp>
+          <p:nvSpPr>
+            <p:cNvPr id="32" name="Textfeld 31">
+              <a:extLst>
+                <a:ext uri="{FF2B5EF4-FFF2-40B4-BE49-F238E27FC236}">
+                  <a16:creationId xmlns:a16="http://schemas.microsoft.com/office/drawing/2014/main" id="{DA84C640-F0BB-4D57-9900-D8EBC558D9D2}"/>
+                </a:ext>
+              </a:extLst>
+            </p:cNvPr>
+            <p:cNvSpPr txBox="1"/>
+            <p:nvPr/>
+          </p:nvSpPr>
+          <p:spPr>
+            <a:xfrm>
+              <a:off x="2428829" y="800200"/>
+              <a:ext cx="263951" cy="307777"/>
+            </a:xfrm>
+            <a:prstGeom prst="rect">
+              <a:avLst/>
+            </a:prstGeom>
+            <a:noFill/>
+          </p:spPr>
+          <p:txBody>
+            <a:bodyPr wrap="square" rtlCol="0">
+              <a:spAutoFit/>
+            </a:bodyPr>
+            <a:lstStyle/>
+            <a:p>
+              <a:r>
+                <a:rPr lang="de-CH" sz="1400" dirty="0"/>
+                <a:t>2</a:t>
+              </a:r>
+            </a:p>
+          </p:txBody>
+        </p:sp>
+        <p:sp>
+          <p:nvSpPr>
+            <p:cNvPr id="33" name="Ellipse 32">
+              <a:extLst>
+                <a:ext uri="{FF2B5EF4-FFF2-40B4-BE49-F238E27FC236}">
+                  <a16:creationId xmlns:a16="http://schemas.microsoft.com/office/drawing/2014/main" id="{54955D9B-EBA7-44F5-AABC-CF51F38CA7DA}"/>
+                </a:ext>
+              </a:extLst>
+            </p:cNvPr>
+            <p:cNvSpPr/>
+            <p:nvPr/>
+          </p:nvSpPr>
+          <p:spPr>
+            <a:xfrm>
+              <a:off x="2437666" y="841056"/>
+              <a:ext cx="246274" cy="224191"/>
+            </a:xfrm>
+            <a:prstGeom prst="ellipse">
+              <a:avLst/>
+            </a:prstGeom>
+            <a:noFill/>
+            <a:effectLst/>
+          </p:spPr>
+          <p:style>
+            <a:lnRef idx="1">
+              <a:schemeClr val="accent1"/>
+            </a:lnRef>
+            <a:fillRef idx="3">
+              <a:schemeClr val="accent1"/>
+            </a:fillRef>
+            <a:effectRef idx="2">
+              <a:schemeClr val="accent1"/>
+            </a:effectRef>
+            <a:fontRef idx="minor">
+              <a:schemeClr val="lt1"/>
+            </a:fontRef>
+          </p:style>
+          <p:txBody>
+            <a:bodyPr rtlCol="0" anchor="ctr"/>
+            <a:lstStyle/>
+            <a:p>
+              <a:pPr algn="ctr"/>
+              <a:endParaRPr lang="de-CH"/>
+            </a:p>
+          </p:txBody>
+        </p:sp>
+      </p:grpSp>
+      <p:grpSp>
+        <p:nvGrpSpPr>
+          <p:cNvPr id="34" name="Gruppieren 33">
+            <a:extLst>
+              <a:ext uri="{FF2B5EF4-FFF2-40B4-BE49-F238E27FC236}">
+                <a16:creationId xmlns:a16="http://schemas.microsoft.com/office/drawing/2014/main" id="{830C4400-160F-4897-9301-D25AB1B83D15}"/>
+              </a:ext>
+            </a:extLst>
+          </p:cNvPr>
+          <p:cNvGrpSpPr/>
+          <p:nvPr/>
+        </p:nvGrpSpPr>
+        <p:grpSpPr>
+          <a:xfrm>
+            <a:off x="2428826" y="3452371"/>
+            <a:ext cx="263951" cy="307777"/>
+            <a:chOff x="2428829" y="800200"/>
+            <a:chExt cx="263951" cy="307777"/>
+          </a:xfrm>
+        </p:grpSpPr>
+        <p:sp>
+          <p:nvSpPr>
+            <p:cNvPr id="35" name="Textfeld 34">
+              <a:extLst>
+                <a:ext uri="{FF2B5EF4-FFF2-40B4-BE49-F238E27FC236}">
+                  <a16:creationId xmlns:a16="http://schemas.microsoft.com/office/drawing/2014/main" id="{FED335F3-EC5B-4E28-887B-303B5BE6105F}"/>
+                </a:ext>
+              </a:extLst>
+            </p:cNvPr>
+            <p:cNvSpPr txBox="1"/>
+            <p:nvPr/>
+          </p:nvSpPr>
+          <p:spPr>
+            <a:xfrm>
+              <a:off x="2428829" y="800200"/>
+              <a:ext cx="263951" cy="307777"/>
+            </a:xfrm>
+            <a:prstGeom prst="rect">
+              <a:avLst/>
+            </a:prstGeom>
+            <a:noFill/>
+          </p:spPr>
+          <p:txBody>
+            <a:bodyPr wrap="square" rtlCol="0">
+              <a:spAutoFit/>
+            </a:bodyPr>
+            <a:lstStyle/>
+            <a:p>
+              <a:r>
+                <a:rPr lang="de-CH" sz="1400" dirty="0"/>
+                <a:t>3</a:t>
+              </a:r>
+            </a:p>
+          </p:txBody>
+        </p:sp>
+        <p:sp>
+          <p:nvSpPr>
+            <p:cNvPr id="36" name="Ellipse 35">
+              <a:extLst>
+                <a:ext uri="{FF2B5EF4-FFF2-40B4-BE49-F238E27FC236}">
+                  <a16:creationId xmlns:a16="http://schemas.microsoft.com/office/drawing/2014/main" id="{C89FEEAC-4D89-438E-AB15-B52796677AAF}"/>
+                </a:ext>
+              </a:extLst>
+            </p:cNvPr>
+            <p:cNvSpPr/>
+            <p:nvPr/>
+          </p:nvSpPr>
+          <p:spPr>
+            <a:xfrm>
+              <a:off x="2437666" y="841056"/>
+              <a:ext cx="246274" cy="224191"/>
+            </a:xfrm>
+            <a:prstGeom prst="ellipse">
+              <a:avLst/>
+            </a:prstGeom>
+            <a:noFill/>
+            <a:effectLst/>
+          </p:spPr>
+          <p:style>
+            <a:lnRef idx="1">
+              <a:schemeClr val="accent1"/>
+            </a:lnRef>
+            <a:fillRef idx="3">
+              <a:schemeClr val="accent1"/>
+            </a:fillRef>
+            <a:effectRef idx="2">
+              <a:schemeClr val="accent1"/>
+            </a:effectRef>
+            <a:fontRef idx="minor">
+              <a:schemeClr val="lt1"/>
+            </a:fontRef>
+          </p:style>
+          <p:txBody>
+            <a:bodyPr rtlCol="0" anchor="ctr"/>
+            <a:lstStyle/>
+            <a:p>
+              <a:pPr algn="ctr"/>
+              <a:endParaRPr lang="de-CH"/>
+            </a:p>
+          </p:txBody>
+        </p:sp>
+      </p:grpSp>
+      <p:grpSp>
+        <p:nvGrpSpPr>
+          <p:cNvPr id="37" name="Gruppieren 36">
+            <a:extLst>
+              <a:ext uri="{FF2B5EF4-FFF2-40B4-BE49-F238E27FC236}">
+                <a16:creationId xmlns:a16="http://schemas.microsoft.com/office/drawing/2014/main" id="{21F27838-336A-4DD8-9151-EF70588DB2AF}"/>
+              </a:ext>
+            </a:extLst>
+          </p:cNvPr>
+          <p:cNvGrpSpPr/>
+          <p:nvPr/>
+        </p:nvGrpSpPr>
+        <p:grpSpPr>
+          <a:xfrm>
+            <a:off x="6442374" y="3452371"/>
+            <a:ext cx="263951" cy="307777"/>
+            <a:chOff x="2428829" y="800200"/>
+            <a:chExt cx="263951" cy="307777"/>
+          </a:xfrm>
+        </p:grpSpPr>
+        <p:sp>
+          <p:nvSpPr>
+            <p:cNvPr id="38" name="Textfeld 37">
+              <a:extLst>
+                <a:ext uri="{FF2B5EF4-FFF2-40B4-BE49-F238E27FC236}">
+                  <a16:creationId xmlns:a16="http://schemas.microsoft.com/office/drawing/2014/main" id="{428AD043-2817-4C2E-AA4D-FB5637286E83}"/>
+                </a:ext>
+              </a:extLst>
+            </p:cNvPr>
+            <p:cNvSpPr txBox="1"/>
+            <p:nvPr/>
+          </p:nvSpPr>
+          <p:spPr>
+            <a:xfrm>
+              <a:off x="2428829" y="800200"/>
+              <a:ext cx="263951" cy="307777"/>
+            </a:xfrm>
+            <a:prstGeom prst="rect">
+              <a:avLst/>
+            </a:prstGeom>
+            <a:noFill/>
+          </p:spPr>
+          <p:txBody>
+            <a:bodyPr wrap="square" rtlCol="0">
+              <a:spAutoFit/>
+            </a:bodyPr>
+            <a:lstStyle/>
+            <a:p>
+              <a:r>
+                <a:rPr lang="de-CH" sz="1400" dirty="0"/>
+                <a:t>4</a:t>
+              </a:r>
+            </a:p>
+          </p:txBody>
+        </p:sp>
+        <p:sp>
+          <p:nvSpPr>
+            <p:cNvPr id="39" name="Ellipse 38">
+              <a:extLst>
+                <a:ext uri="{FF2B5EF4-FFF2-40B4-BE49-F238E27FC236}">
+                  <a16:creationId xmlns:a16="http://schemas.microsoft.com/office/drawing/2014/main" id="{719C0B19-327B-472B-B820-5EF059FC3AF0}"/>
+                </a:ext>
+              </a:extLst>
+            </p:cNvPr>
+            <p:cNvSpPr/>
+            <p:nvPr/>
+          </p:nvSpPr>
+          <p:spPr>
+            <a:xfrm>
+              <a:off x="2437666" y="841056"/>
+              <a:ext cx="246274" cy="224191"/>
+            </a:xfrm>
+            <a:prstGeom prst="ellipse">
+              <a:avLst/>
+            </a:prstGeom>
+            <a:noFill/>
+            <a:effectLst/>
+          </p:spPr>
+          <p:style>
+            <a:lnRef idx="1">
+              <a:schemeClr val="accent1"/>
+            </a:lnRef>
+            <a:fillRef idx="3">
+              <a:schemeClr val="accent1"/>
+            </a:fillRef>
+            <a:effectRef idx="2">
+              <a:schemeClr val="accent1"/>
+            </a:effectRef>
+            <a:fontRef idx="minor">
+              <a:schemeClr val="lt1"/>
+            </a:fontRef>
+          </p:style>
+          <p:txBody>
+            <a:bodyPr rtlCol="0" anchor="ctr"/>
+            <a:lstStyle/>
+            <a:p>
+              <a:pPr algn="ctr"/>
+              <a:endParaRPr lang="de-CH"/>
+            </a:p>
+          </p:txBody>
+        </p:sp>
+      </p:grpSp>
+      <p:pic>
+        <p:nvPicPr>
+          <p:cNvPr id="23" name="Grafik 22">
+            <a:extLst>
+              <a:ext uri="{FF2B5EF4-FFF2-40B4-BE49-F238E27FC236}">
+                <a16:creationId xmlns:a16="http://schemas.microsoft.com/office/drawing/2014/main" id="{9923EFB4-FBEE-48B9-91CF-8FF9E9602D49}"/>
+              </a:ext>
+            </a:extLst>
+          </p:cNvPr>
+          <p:cNvPicPr/>
+          <p:nvPr/>
+        </p:nvPicPr>
+        <p:blipFill>
+          <a:blip r:embed="rId2" cstate="print">
+            <a:extLst>
+              <a:ext uri="{28A0092B-C50C-407E-A947-70E740481C1C}">
+                <a14:useLocalDpi xmlns:a14="http://schemas.microsoft.com/office/drawing/2010/main" val="0"/>
+              </a:ext>
+            </a:extLst>
+          </a:blip>
+          <a:srcRect/>
+          <a:stretch>
+            <a:fillRect/>
+          </a:stretch>
+        </p:blipFill>
+        <p:spPr bwMode="auto">
+          <a:xfrm>
+            <a:off x="820293" y="1148833"/>
+            <a:ext cx="3481013" cy="2256796"/>
+          </a:xfrm>
+          <a:prstGeom prst="rect">
+            <a:avLst/>
+          </a:prstGeom>
+          <a:noFill/>
+          <a:ln>
+            <a:noFill/>
+          </a:ln>
+        </p:spPr>
+      </p:pic>
+      <p:pic>
+        <p:nvPicPr>
+          <p:cNvPr id="26" name="Grafik 25">
+            <a:extLst>
+              <a:ext uri="{FF2B5EF4-FFF2-40B4-BE49-F238E27FC236}">
+                <a16:creationId xmlns:a16="http://schemas.microsoft.com/office/drawing/2014/main" id="{37FCEA04-16B0-4A50-9FAE-B559598AEE2E}"/>
+              </a:ext>
+            </a:extLst>
+          </p:cNvPr>
+          <p:cNvPicPr/>
+          <p:nvPr/>
+        </p:nvPicPr>
+        <p:blipFill>
+          <a:blip r:embed="rId3" cstate="print">
+            <a:extLst>
+              <a:ext uri="{28A0092B-C50C-407E-A947-70E740481C1C}">
+                <a14:useLocalDpi xmlns:a14="http://schemas.microsoft.com/office/drawing/2010/main" val="0"/>
+              </a:ext>
+            </a:extLst>
+          </a:blip>
+          <a:srcRect/>
+          <a:stretch>
+            <a:fillRect/>
+          </a:stretch>
+        </p:blipFill>
+        <p:spPr bwMode="auto">
+          <a:xfrm>
+            <a:off x="4842696" y="1148833"/>
+            <a:ext cx="3481013" cy="2256795"/>
+          </a:xfrm>
+          <a:prstGeom prst="rect">
+            <a:avLst/>
+          </a:prstGeom>
+          <a:noFill/>
+          <a:ln>
+            <a:noFill/>
+          </a:ln>
+        </p:spPr>
+      </p:pic>
+      <p:pic>
+        <p:nvPicPr>
+          <p:cNvPr id="27" name="Grafik 26">
+            <a:extLst>
+              <a:ext uri="{FF2B5EF4-FFF2-40B4-BE49-F238E27FC236}">
+                <a16:creationId xmlns:a16="http://schemas.microsoft.com/office/drawing/2014/main" id="{33569E4A-82B6-42A8-8096-05574B4E3ADE}"/>
+              </a:ext>
+            </a:extLst>
+          </p:cNvPr>
+          <p:cNvPicPr/>
+          <p:nvPr/>
+        </p:nvPicPr>
+        <p:blipFill>
+          <a:blip r:embed="rId4" cstate="print">
+            <a:extLst>
+              <a:ext uri="{28A0092B-C50C-407E-A947-70E740481C1C}">
+                <a14:useLocalDpi xmlns:a14="http://schemas.microsoft.com/office/drawing/2010/main" val="0"/>
+              </a:ext>
+            </a:extLst>
+          </a:blip>
+          <a:srcRect/>
+          <a:stretch>
+            <a:fillRect/>
+          </a:stretch>
+        </p:blipFill>
+        <p:spPr bwMode="auto">
+          <a:xfrm>
+            <a:off x="820291" y="3758274"/>
+            <a:ext cx="3481013" cy="2254243"/>
+          </a:xfrm>
+          <a:prstGeom prst="rect">
+            <a:avLst/>
+          </a:prstGeom>
+          <a:noFill/>
+          <a:ln>
+            <a:noFill/>
+          </a:ln>
+        </p:spPr>
+      </p:pic>
+      <p:pic>
+        <p:nvPicPr>
+          <p:cNvPr id="28" name="Grafik 27">
+            <a:extLst>
+              <a:ext uri="{FF2B5EF4-FFF2-40B4-BE49-F238E27FC236}">
+                <a16:creationId xmlns:a16="http://schemas.microsoft.com/office/drawing/2014/main" id="{9C2B18AF-8C46-4726-A4D3-4BD7C365EC87}"/>
+              </a:ext>
+            </a:extLst>
+          </p:cNvPr>
+          <p:cNvPicPr/>
+          <p:nvPr/>
+        </p:nvPicPr>
+        <p:blipFill>
+          <a:blip r:embed="rId5" cstate="print">
+            <a:extLst>
+              <a:ext uri="{28A0092B-C50C-407E-A947-70E740481C1C}">
+                <a14:useLocalDpi xmlns:a14="http://schemas.microsoft.com/office/drawing/2010/main" val="0"/>
+              </a:ext>
+            </a:extLst>
+          </a:blip>
+          <a:srcRect/>
+          <a:stretch>
+            <a:fillRect/>
+          </a:stretch>
+        </p:blipFill>
+        <p:spPr bwMode="auto">
+          <a:xfrm>
+            <a:off x="4833841" y="3760149"/>
+            <a:ext cx="3481013" cy="2293224"/>
+          </a:xfrm>
+          <a:prstGeom prst="rect">
+            <a:avLst/>
+          </a:prstGeom>
+          <a:noFill/>
+          <a:ln>
+            <a:noFill/>
+          </a:ln>
+        </p:spPr>
+      </p:pic>
+    </p:spTree>
+    <p:extLst>
+      <p:ext uri="{BB962C8B-B14F-4D97-AF65-F5344CB8AC3E}">
+        <p14:creationId xmlns:p14="http://schemas.microsoft.com/office/powerpoint/2010/main" val="2379874887"/>
+      </p:ext>
+    </p:extLst>
+  </p:cSld>
+  <p:clrMapOvr>
+    <a:masterClrMapping/>
+  </p:clrMapOvr>
+</p:sld>
+</file>
+
+<file path=ppt/slides/slide9.xml><?xml version="1.0" encoding="utf-8"?>
+<p:sld xmlns:a="http://schemas.openxmlformats.org/drawingml/2006/main" xmlns:r="http://schemas.openxmlformats.org/officeDocument/2006/relationships" xmlns:p="http://schemas.openxmlformats.org/presentationml/2006/main">
+  <p:cSld>
+    <p:spTree>
+      <p:nvGrpSpPr>
+        <p:cNvPr id="1" name=""/>
+        <p:cNvGrpSpPr/>
+        <p:nvPr/>
+      </p:nvGrpSpPr>
+      <p:grpSpPr>
+        <a:xfrm>
+          <a:off x="0" y="0"/>
+          <a:ext cx="0" cy="0"/>
+          <a:chOff x="0" y="0"/>
+          <a:chExt cx="0" cy="0"/>
+        </a:xfrm>
+      </p:grpSpPr>
+      <p:sp>
+        <p:nvSpPr>
+          <p:cNvPr id="3" name="Titel 2">
+            <a:extLst>
+              <a:ext uri="{FF2B5EF4-FFF2-40B4-BE49-F238E27FC236}">
+                <a16:creationId xmlns:a16="http://schemas.microsoft.com/office/drawing/2014/main" id="{E904707F-1430-47F2-9043-A81C0A53F129}"/>
+              </a:ext>
+            </a:extLst>
+          </p:cNvPr>
+          <p:cNvSpPr>
+            <a:spLocks noGrp="1"/>
+          </p:cNvSpPr>
+          <p:nvPr>
+            <p:ph type="ctrTitle"/>
+          </p:nvPr>
+        </p:nvSpPr>
+        <p:spPr>
+          <a:xfrm>
+            <a:off x="468000" y="360000"/>
+            <a:ext cx="8100000" cy="540000"/>
+          </a:xfrm>
+        </p:spPr>
+        <p:txBody>
+          <a:bodyPr/>
+          <a:lstStyle/>
+          <a:p>
+            <a:r>
+              <a:rPr lang="de-CH" dirty="0"/>
+              <a:t>Storyboard 3 – Strukturierter Termin</a:t>
+            </a:r>
+          </a:p>
+        </p:txBody>
+      </p:sp>
+      <p:grpSp>
+        <p:nvGrpSpPr>
+          <p:cNvPr id="21" name="Gruppieren 20">
+            <a:extLst>
+              <a:ext uri="{FF2B5EF4-FFF2-40B4-BE49-F238E27FC236}">
+                <a16:creationId xmlns:a16="http://schemas.microsoft.com/office/drawing/2014/main" id="{10284693-A442-4975-A068-420D74F92976}"/>
+              </a:ext>
+            </a:extLst>
+          </p:cNvPr>
+          <p:cNvGrpSpPr/>
+          <p:nvPr/>
+        </p:nvGrpSpPr>
+        <p:grpSpPr>
+          <a:xfrm>
+            <a:off x="2428829" y="1450650"/>
+            <a:ext cx="263951" cy="307777"/>
+            <a:chOff x="2428829" y="800200"/>
+            <a:chExt cx="263951" cy="307777"/>
+          </a:xfrm>
+        </p:grpSpPr>
+        <p:sp>
+          <p:nvSpPr>
+            <p:cNvPr id="19" name="Textfeld 18">
+              <a:extLst>
+                <a:ext uri="{FF2B5EF4-FFF2-40B4-BE49-F238E27FC236}">
+                  <a16:creationId xmlns:a16="http://schemas.microsoft.com/office/drawing/2014/main" id="{2FE8BE93-F9A1-4275-8222-07C4EEF27C19}"/>
+                </a:ext>
+              </a:extLst>
+            </p:cNvPr>
+            <p:cNvSpPr txBox="1"/>
+            <p:nvPr/>
+          </p:nvSpPr>
+          <p:spPr>
+            <a:xfrm>
+              <a:off x="2428829" y="800200"/>
+              <a:ext cx="263951" cy="307777"/>
+            </a:xfrm>
+            <a:prstGeom prst="rect">
+              <a:avLst/>
+            </a:prstGeom>
+            <a:noFill/>
+          </p:spPr>
+          <p:txBody>
+            <a:bodyPr wrap="square" rtlCol="0">
+              <a:spAutoFit/>
+            </a:bodyPr>
+            <a:lstStyle/>
+            <a:p>
+              <a:r>
+                <a:rPr lang="de-CH" sz="1400" dirty="0"/>
+                <a:t>1</a:t>
+              </a:r>
+            </a:p>
+          </p:txBody>
+        </p:sp>
+        <p:sp>
+          <p:nvSpPr>
+            <p:cNvPr id="20" name="Ellipse 19">
+              <a:extLst>
+                <a:ext uri="{FF2B5EF4-FFF2-40B4-BE49-F238E27FC236}">
+                  <a16:creationId xmlns:a16="http://schemas.microsoft.com/office/drawing/2014/main" id="{FFD74DC7-ABF7-406F-BDE7-0CE96BE36135}"/>
+                </a:ext>
+              </a:extLst>
+            </p:cNvPr>
+            <p:cNvSpPr/>
+            <p:nvPr/>
+          </p:nvSpPr>
+          <p:spPr>
+            <a:xfrm>
+              <a:off x="2437666" y="841056"/>
+              <a:ext cx="246274" cy="224191"/>
+            </a:xfrm>
+            <a:prstGeom prst="ellipse">
+              <a:avLst/>
+            </a:prstGeom>
+            <a:noFill/>
+            <a:effectLst/>
+          </p:spPr>
+          <p:style>
+            <a:lnRef idx="1">
+              <a:schemeClr val="accent1"/>
+            </a:lnRef>
+            <a:fillRef idx="3">
+              <a:schemeClr val="accent1"/>
+            </a:fillRef>
+            <a:effectRef idx="2">
+              <a:schemeClr val="accent1"/>
+            </a:effectRef>
+            <a:fontRef idx="minor">
+              <a:schemeClr val="lt1"/>
+            </a:fontRef>
+          </p:style>
+          <p:txBody>
+            <a:bodyPr rtlCol="0" anchor="ctr"/>
+            <a:lstStyle/>
+            <a:p>
+              <a:pPr algn="ctr"/>
+              <a:endParaRPr lang="de-CH"/>
+            </a:p>
+          </p:txBody>
+        </p:sp>
+      </p:grpSp>
+      <p:grpSp>
+        <p:nvGrpSpPr>
+          <p:cNvPr id="31" name="Gruppieren 30">
+            <a:extLst>
+              <a:ext uri="{FF2B5EF4-FFF2-40B4-BE49-F238E27FC236}">
+                <a16:creationId xmlns:a16="http://schemas.microsoft.com/office/drawing/2014/main" id="{52924C2D-DA77-4F44-B4A8-519CF4BF9CF7}"/>
+              </a:ext>
+            </a:extLst>
+          </p:cNvPr>
+          <p:cNvGrpSpPr/>
+          <p:nvPr/>
+        </p:nvGrpSpPr>
+        <p:grpSpPr>
+          <a:xfrm>
+            <a:off x="6451217" y="1455077"/>
+            <a:ext cx="263951" cy="307777"/>
+            <a:chOff x="2428829" y="800200"/>
+            <a:chExt cx="263951" cy="307777"/>
+          </a:xfrm>
+        </p:grpSpPr>
+        <p:sp>
+          <p:nvSpPr>
+            <p:cNvPr id="32" name="Textfeld 31">
+              <a:extLst>
+                <a:ext uri="{FF2B5EF4-FFF2-40B4-BE49-F238E27FC236}">
+                  <a16:creationId xmlns:a16="http://schemas.microsoft.com/office/drawing/2014/main" id="{DA84C640-F0BB-4D57-9900-D8EBC558D9D2}"/>
+                </a:ext>
+              </a:extLst>
+            </p:cNvPr>
+            <p:cNvSpPr txBox="1"/>
+            <p:nvPr/>
+          </p:nvSpPr>
+          <p:spPr>
+            <a:xfrm>
+              <a:off x="2428829" y="800200"/>
+              <a:ext cx="263951" cy="307777"/>
+            </a:xfrm>
+            <a:prstGeom prst="rect">
+              <a:avLst/>
+            </a:prstGeom>
+            <a:noFill/>
+          </p:spPr>
+          <p:txBody>
+            <a:bodyPr wrap="square" rtlCol="0">
+              <a:spAutoFit/>
+            </a:bodyPr>
+            <a:lstStyle/>
+            <a:p>
+              <a:r>
+                <a:rPr lang="de-CH" sz="1400" dirty="0"/>
+                <a:t>2</a:t>
+              </a:r>
+            </a:p>
+          </p:txBody>
+        </p:sp>
+        <p:sp>
+          <p:nvSpPr>
+            <p:cNvPr id="33" name="Ellipse 32">
+              <a:extLst>
+                <a:ext uri="{FF2B5EF4-FFF2-40B4-BE49-F238E27FC236}">
+                  <a16:creationId xmlns:a16="http://schemas.microsoft.com/office/drawing/2014/main" id="{54955D9B-EBA7-44F5-AABC-CF51F38CA7DA}"/>
+                </a:ext>
+              </a:extLst>
+            </p:cNvPr>
+            <p:cNvSpPr/>
+            <p:nvPr/>
+          </p:nvSpPr>
+          <p:spPr>
+            <a:xfrm>
+              <a:off x="2437666" y="841056"/>
+              <a:ext cx="246274" cy="224191"/>
+            </a:xfrm>
+            <a:prstGeom prst="ellipse">
+              <a:avLst/>
+            </a:prstGeom>
+            <a:noFill/>
+            <a:effectLst/>
+          </p:spPr>
+          <p:style>
+            <a:lnRef idx="1">
+              <a:schemeClr val="accent1"/>
+            </a:lnRef>
+            <a:fillRef idx="3">
+              <a:schemeClr val="accent1"/>
+            </a:fillRef>
+            <a:effectRef idx="2">
+              <a:schemeClr val="accent1"/>
+            </a:effectRef>
+            <a:fontRef idx="minor">
+              <a:schemeClr val="lt1"/>
+            </a:fontRef>
+          </p:style>
+          <p:txBody>
+            <a:bodyPr rtlCol="0" anchor="ctr"/>
+            <a:lstStyle/>
+            <a:p>
+              <a:pPr algn="ctr"/>
+              <a:endParaRPr lang="de-CH"/>
+            </a:p>
+          </p:txBody>
+        </p:sp>
+      </p:grpSp>
+      <p:pic>
+        <p:nvPicPr>
+          <p:cNvPr id="30" name="Grafik 29">
+            <a:extLst>
+              <a:ext uri="{FF2B5EF4-FFF2-40B4-BE49-F238E27FC236}">
+                <a16:creationId xmlns:a16="http://schemas.microsoft.com/office/drawing/2014/main" id="{391A6DA5-4848-4811-A3BB-4C072237DB0C}"/>
+              </a:ext>
+            </a:extLst>
+          </p:cNvPr>
+          <p:cNvPicPr/>
+          <p:nvPr/>
+        </p:nvPicPr>
+        <p:blipFill>
+          <a:blip r:embed="rId2" cstate="print">
+            <a:extLst>
+              <a:ext uri="{28A0092B-C50C-407E-A947-70E740481C1C}">
+                <a14:useLocalDpi xmlns:a14="http://schemas.microsoft.com/office/drawing/2010/main" val="0"/>
+              </a:ext>
+            </a:extLst>
+          </a:blip>
+          <a:srcRect/>
+          <a:stretch>
+            <a:fillRect/>
+          </a:stretch>
+        </p:blipFill>
+        <p:spPr bwMode="auto">
+          <a:xfrm>
+            <a:off x="820293" y="1756553"/>
+            <a:ext cx="3481013" cy="2299035"/>
+          </a:xfrm>
+          <a:prstGeom prst="rect">
+            <a:avLst/>
+          </a:prstGeom>
+          <a:noFill/>
+          <a:ln>
+            <a:noFill/>
+          </a:ln>
+        </p:spPr>
+      </p:pic>
+      <p:pic>
+        <p:nvPicPr>
+          <p:cNvPr id="40" name="Grafik 39">
+            <a:extLst>
+              <a:ext uri="{FF2B5EF4-FFF2-40B4-BE49-F238E27FC236}">
+                <a16:creationId xmlns:a16="http://schemas.microsoft.com/office/drawing/2014/main" id="{3CCE1B0F-F5CF-42A2-852D-B0C6E37E7AA5}"/>
+              </a:ext>
+            </a:extLst>
+          </p:cNvPr>
+          <p:cNvPicPr/>
+          <p:nvPr/>
+        </p:nvPicPr>
+        <p:blipFill>
+          <a:blip r:embed="rId3" cstate="print">
+            <a:extLst>
+              <a:ext uri="{28A0092B-C50C-407E-A947-70E740481C1C}">
+                <a14:useLocalDpi xmlns:a14="http://schemas.microsoft.com/office/drawing/2010/main" val="0"/>
+              </a:ext>
+            </a:extLst>
+          </a:blip>
+          <a:srcRect/>
+          <a:stretch>
+            <a:fillRect/>
+          </a:stretch>
+        </p:blipFill>
+        <p:spPr bwMode="auto">
+          <a:xfrm>
+            <a:off x="4833842" y="1756553"/>
+            <a:ext cx="3481012" cy="2292658"/>
+          </a:xfrm>
+          <a:prstGeom prst="rect">
+            <a:avLst/>
+          </a:prstGeom>
+          <a:noFill/>
+          <a:ln>
+            <a:noFill/>
+          </a:ln>
+        </p:spPr>
+      </p:pic>
+    </p:spTree>
+    <p:extLst>
+      <p:ext uri="{BB962C8B-B14F-4D97-AF65-F5344CB8AC3E}">
+        <p14:creationId xmlns:p14="http://schemas.microsoft.com/office/powerpoint/2010/main" val="3047836065"/>
       </p:ext>
     </p:extLst>
   </p:cSld>
@@ -8368,31 +11247,6 @@
 </file>
 
 <file path=customXml/item1.xml><?xml version="1.0" encoding="utf-8"?>
-<p:properties xmlns:p="http://schemas.microsoft.com/office/2006/metadata/properties" xmlns:xsi="http://www.w3.org/2001/XMLSchema-instance" xmlns:pc="http://schemas.microsoft.com/office/infopath/2007/PartnerControls">
-  <documentManagement>
-    <QMPilot_DokID xmlns="2551ef7e-3b29-44d1-a8ad-ef34c26bfc60">469</QMPilot_DokID>
-    <BfhIntranetDepartmentText xmlns="e1a8bf75-a2bc-470e-a71e-5c20e7a2e358">
-      <Terms xmlns="http://schemas.microsoft.com/office/infopath/2007/PartnerControls">
-        <TermInfo xmlns="http://schemas.microsoft.com/office/infopath/2007/PartnerControls">
-          <TermName xmlns="http://schemas.microsoft.com/office/infopath/2007/PartnerControls">Vorlage</TermName>
-          <TermId xmlns="http://schemas.microsoft.com/office/infopath/2007/PartnerControls">de1a6d3c-ac6a-4b34-8edd-308eb81066db</TermId>
-        </TermInfo>
-      </Terms>
-    </BfhIntranetDepartmentText>
-  </documentManagement>
-</p:properties>
-</file>
-
-<file path=customXml/item2.xml><?xml version="1.0" encoding="utf-8"?>
-<?mso-contentType ?>
-<FormTemplates xmlns="http://schemas.microsoft.com/sharepoint/v3/contenttype/forms">
-  <Display>DocumentLibraryForm</Display>
-  <Edit>DocumentLibraryForm</Edit>
-  <New>DocumentLibraryForm</New>
-</FormTemplates>
-</file>
-
-<file path=customXml/item3.xml><?xml version="1.0" encoding="utf-8"?>
 <ct:contentTypeSchema xmlns:ct="http://schemas.microsoft.com/office/2006/metadata/contentType" xmlns:ma="http://schemas.microsoft.com/office/2006/metadata/properties/metaAttributes" ct:_="" ma:_="" ma:contentTypeName="QMPilot_ContentType" ma:contentTypeID="0x0101009127C3B567804923A8661E062BBD8EF500AB8983C84EF542A7976DC8547A5CDC52001BD440F45714504284DA526949208683" ma:contentTypeVersion="2" ma:contentTypeDescription="Create a new document." ma:contentTypeScope="" ma:versionID="13c5ad7ca0982f7eb25820f46f9f086f">
   <xsd:schema xmlns:xsd="http://www.w3.org/2001/XMLSchema" xmlns:xs="http://www.w3.org/2001/XMLSchema" xmlns:p="http://schemas.microsoft.com/office/2006/metadata/properties" xmlns:ns2="e1a8bf75-a2bc-470e-a71e-5c20e7a2e358" xmlns:ns3="2551ef7e-3b29-44d1-a8ad-ef34c26bfc60" targetNamespace="http://schemas.microsoft.com/office/2006/metadata/properties" ma:root="true" ma:fieldsID="fcc0b5209f19c7fe46f066f1e6bc8324" ns2:_="" ns3:_="">
     <xsd:import namespace="e1a8bf75-a2bc-470e-a71e-5c20e7a2e358"/>
@@ -8531,26 +11385,32 @@
 </ct:contentTypeSchema>
 </file>
 
-<file path=customXml/itemProps1.xml><?xml version="1.0" encoding="utf-8"?>
-<ds:datastoreItem xmlns:ds="http://schemas.openxmlformats.org/officeDocument/2006/customXml" ds:itemID="{ECF8F4E1-6D10-4690-BBFB-FD63A4E474C6}">
-  <ds:schemaRefs>
-    <ds:schemaRef ds:uri="http://schemas.microsoft.com/office/2006/metadata/properties"/>
-    <ds:schemaRef ds:uri="http://schemas.microsoft.com/office/infopath/2007/PartnerControls"/>
-    <ds:schemaRef ds:uri="2551ef7e-3b29-44d1-a8ad-ef34c26bfc60"/>
-    <ds:schemaRef ds:uri="e1a8bf75-a2bc-470e-a71e-5c20e7a2e358"/>
-  </ds:schemaRefs>
-</ds:datastoreItem>
+<file path=customXml/item2.xml><?xml version="1.0" encoding="utf-8"?>
+<?mso-contentType ?>
+<FormTemplates xmlns="http://schemas.microsoft.com/sharepoint/v3/contenttype/forms">
+  <Display>DocumentLibraryForm</Display>
+  <Edit>DocumentLibraryForm</Edit>
+  <New>DocumentLibraryForm</New>
+</FormTemplates>
 </file>
 
-<file path=customXml/itemProps2.xml><?xml version="1.0" encoding="utf-8"?>
-<ds:datastoreItem xmlns:ds="http://schemas.openxmlformats.org/officeDocument/2006/customXml" ds:itemID="{28BA0ABA-028C-4563-AF09-E2FE258BCA87}">
-  <ds:schemaRefs>
-    <ds:schemaRef ds:uri="http://schemas.microsoft.com/sharepoint/v3/contenttype/forms"/>
-  </ds:schemaRefs>
-</ds:datastoreItem>
+<file path=customXml/item3.xml><?xml version="1.0" encoding="utf-8"?>
+<p:properties xmlns:p="http://schemas.microsoft.com/office/2006/metadata/properties" xmlns:xsi="http://www.w3.org/2001/XMLSchema-instance" xmlns:pc="http://schemas.microsoft.com/office/infopath/2007/PartnerControls">
+  <documentManagement>
+    <QMPilot_DokID xmlns="2551ef7e-3b29-44d1-a8ad-ef34c26bfc60">469</QMPilot_DokID>
+    <BfhIntranetDepartmentText xmlns="e1a8bf75-a2bc-470e-a71e-5c20e7a2e358">
+      <Terms xmlns="http://schemas.microsoft.com/office/infopath/2007/PartnerControls">
+        <TermInfo xmlns="http://schemas.microsoft.com/office/infopath/2007/PartnerControls">
+          <TermName xmlns="http://schemas.microsoft.com/office/infopath/2007/PartnerControls">Vorlage</TermName>
+          <TermId xmlns="http://schemas.microsoft.com/office/infopath/2007/PartnerControls">de1a6d3c-ac6a-4b34-8edd-308eb81066db</TermId>
+        </TermInfo>
+      </Terms>
+    </BfhIntranetDepartmentText>
+  </documentManagement>
+</p:properties>
 </file>
 
-<file path=customXml/itemProps3.xml><?xml version="1.0" encoding="utf-8"?>
+<file path=customXml/itemProps1.xml><?xml version="1.0" encoding="utf-8"?>
 <ds:datastoreItem xmlns:ds="http://schemas.openxmlformats.org/officeDocument/2006/customXml" ds:itemID="{C9592B06-C233-4FF2-AA0D-03EF780D73D7}">
   <ds:schemaRefs>
     <ds:schemaRef ds:uri="http://schemas.microsoft.com/office/2006/metadata/contentType"/>
@@ -8567,4 +11427,29 @@
     <ds:schemaRef ds:uri="http://schemas.microsoft.com/internal/obd"/>
   </ds:schemaRefs>
 </ds:datastoreItem>
+</file>
+
+<file path=customXml/itemProps2.xml><?xml version="1.0" encoding="utf-8"?>
+<ds:datastoreItem xmlns:ds="http://schemas.openxmlformats.org/officeDocument/2006/customXml" ds:itemID="{28BA0ABA-028C-4563-AF09-E2FE258BCA87}">
+  <ds:schemaRefs>
+    <ds:schemaRef ds:uri="http://schemas.microsoft.com/sharepoint/v3/contenttype/forms"/>
+  </ds:schemaRefs>
+</ds:datastoreItem>
+</file>
+
+<file path=customXml/itemProps3.xml><?xml version="1.0" encoding="utf-8"?>
+<ds:datastoreItem xmlns:ds="http://schemas.openxmlformats.org/officeDocument/2006/customXml" ds:itemID="{ECF8F4E1-6D10-4690-BBFB-FD63A4E474C6}">
+  <ds:schemaRefs>
+    <ds:schemaRef ds:uri="http://schemas.microsoft.com/office/2006/documentManagement/types"/>
+    <ds:schemaRef ds:uri="http://www.w3.org/XML/1998/namespace"/>
+    <ds:schemaRef ds:uri="http://schemas.microsoft.com/office/infopath/2007/PartnerControls"/>
+    <ds:schemaRef ds:uri="http://purl.org/dc/elements/1.1/"/>
+    <ds:schemaRef ds:uri="http://purl.org/dc/terms/"/>
+    <ds:schemaRef ds:uri="2551ef7e-3b29-44d1-a8ad-ef34c26bfc60"/>
+    <ds:schemaRef ds:uri="http://schemas.microsoft.com/office/2006/metadata/properties"/>
+    <ds:schemaRef ds:uri="http://schemas.openxmlformats.org/package/2006/metadata/core-properties"/>
+    <ds:schemaRef ds:uri="e1a8bf75-a2bc-470e-a71e-5c20e7a2e358"/>
+    <ds:schemaRef ds:uri="http://purl.org/dc/dcmitype/"/>
+  </ds:schemaRefs>
+</ds:datastoreItem>
 </file>
--- a/doc/task-01/Präsentation/Task1_Doctor_Addiction.pptx
+++ b/doc/task-01/Präsentation/Task1_Doctor_Addiction.pptx
@@ -5,23 +5,26 @@
     <p:sldMasterId id="2147483669" r:id="rId4"/>
   </p:sldMasterIdLst>
   <p:notesMasterIdLst>
-    <p:notesMasterId r:id="rId16"/>
+    <p:notesMasterId r:id="rId19"/>
   </p:notesMasterIdLst>
   <p:handoutMasterIdLst>
-    <p:handoutMasterId r:id="rId17"/>
+    <p:handoutMasterId r:id="rId20"/>
   </p:handoutMasterIdLst>
   <p:sldIdLst>
     <p:sldId id="256" r:id="rId5"/>
     <p:sldId id="263" r:id="rId6"/>
     <p:sldId id="269" r:id="rId7"/>
-    <p:sldId id="264" r:id="rId8"/>
-    <p:sldId id="270" r:id="rId9"/>
-    <p:sldId id="271" r:id="rId10"/>
-    <p:sldId id="272" r:id="rId11"/>
-    <p:sldId id="273" r:id="rId12"/>
-    <p:sldId id="274" r:id="rId13"/>
-    <p:sldId id="267" r:id="rId14"/>
-    <p:sldId id="268" r:id="rId15"/>
+    <p:sldId id="275" r:id="rId8"/>
+    <p:sldId id="264" r:id="rId9"/>
+    <p:sldId id="270" r:id="rId10"/>
+    <p:sldId id="271" r:id="rId11"/>
+    <p:sldId id="272" r:id="rId12"/>
+    <p:sldId id="273" r:id="rId13"/>
+    <p:sldId id="274" r:id="rId14"/>
+    <p:sldId id="276" r:id="rId15"/>
+    <p:sldId id="277" r:id="rId16"/>
+    <p:sldId id="278" r:id="rId17"/>
+    <p:sldId id="268" r:id="rId18"/>
   </p:sldIdLst>
   <p:sldSz cx="9144000" cy="6858000" type="screen4x3"/>
   <p:notesSz cx="6797675" cy="9872663"/>
@@ -7018,410 +7021,6 @@
       </p:grpSpPr>
       <p:sp>
         <p:nvSpPr>
-          <p:cNvPr id="2" name="Inhaltsplatzhalter 1">
-            <a:extLst>
-              <a:ext uri="{FF2B5EF4-FFF2-40B4-BE49-F238E27FC236}">
-                <a16:creationId xmlns:a16="http://schemas.microsoft.com/office/drawing/2014/main" id="{DA8F7392-B47E-489B-AC4A-A448878929D9}"/>
-              </a:ext>
-            </a:extLst>
-          </p:cNvPr>
-          <p:cNvSpPr>
-            <a:spLocks noGrp="1"/>
-          </p:cNvSpPr>
-          <p:nvPr>
-            <p:ph sz="half" idx="1"/>
-          </p:nvPr>
-        </p:nvSpPr>
-        <p:spPr/>
-        <p:txBody>
-          <a:bodyPr/>
-          <a:lstStyle/>
-          <a:p>
-            <a:endParaRPr lang="de-CH" dirty="0"/>
-          </a:p>
-        </p:txBody>
-      </p:sp>
-      <p:sp>
-        <p:nvSpPr>
-          <p:cNvPr id="3" name="Titel 2">
-            <a:extLst>
-              <a:ext uri="{FF2B5EF4-FFF2-40B4-BE49-F238E27FC236}">
-                <a16:creationId xmlns:a16="http://schemas.microsoft.com/office/drawing/2014/main" id="{F47332A2-95EE-442E-8E29-7793A1656A14}"/>
-              </a:ext>
-            </a:extLst>
-          </p:cNvPr>
-          <p:cNvSpPr>
-            <a:spLocks noGrp="1"/>
-          </p:cNvSpPr>
-          <p:nvPr>
-            <p:ph type="ctrTitle"/>
-          </p:nvPr>
-        </p:nvSpPr>
-        <p:spPr/>
-        <p:txBody>
-          <a:bodyPr/>
-          <a:lstStyle/>
-          <a:p>
-            <a:r>
-              <a:rPr lang="de-CH" dirty="0"/>
-              <a:t>Literaturrecherche</a:t>
-            </a:r>
-          </a:p>
-        </p:txBody>
-      </p:sp>
-    </p:spTree>
-    <p:extLst>
-      <p:ext uri="{BB962C8B-B14F-4D97-AF65-F5344CB8AC3E}">
-        <p14:creationId xmlns:p14="http://schemas.microsoft.com/office/powerpoint/2010/main" val="1859040239"/>
-      </p:ext>
-    </p:extLst>
-  </p:cSld>
-  <p:clrMapOvr>
-    <a:masterClrMapping/>
-  </p:clrMapOvr>
-</p:sld>
-</file>
-
-<file path=ppt/slides/slide11.xml><?xml version="1.0" encoding="utf-8"?>
-<p:sld xmlns:a="http://schemas.openxmlformats.org/drawingml/2006/main" xmlns:r="http://schemas.openxmlformats.org/officeDocument/2006/relationships" xmlns:p="http://schemas.openxmlformats.org/presentationml/2006/main">
-  <p:cSld>
-    <p:spTree>
-      <p:nvGrpSpPr>
-        <p:cNvPr id="1" name=""/>
-        <p:cNvGrpSpPr/>
-        <p:nvPr/>
-      </p:nvGrpSpPr>
-      <p:grpSpPr>
-        <a:xfrm>
-          <a:off x="0" y="0"/>
-          <a:ext cx="0" cy="0"/>
-          <a:chOff x="0" y="0"/>
-          <a:chExt cx="0" cy="0"/>
-        </a:xfrm>
-      </p:grpSpPr>
-      <p:sp>
-        <p:nvSpPr>
-          <p:cNvPr id="2" name="Inhaltsplatzhalter 1">
-            <a:extLst>
-              <a:ext uri="{FF2B5EF4-FFF2-40B4-BE49-F238E27FC236}">
-                <a16:creationId xmlns:a16="http://schemas.microsoft.com/office/drawing/2014/main" id="{A827BF85-F196-4C6E-A5C0-D575FB01F001}"/>
-              </a:ext>
-            </a:extLst>
-          </p:cNvPr>
-          <p:cNvSpPr>
-            <a:spLocks noGrp="1"/>
-          </p:cNvSpPr>
-          <p:nvPr>
-            <p:ph sz="half" idx="1"/>
-          </p:nvPr>
-        </p:nvSpPr>
-        <p:spPr/>
-        <p:txBody>
-          <a:bodyPr/>
-          <a:lstStyle/>
-          <a:p>
-            <a:endParaRPr lang="de-CH"/>
-          </a:p>
-        </p:txBody>
-      </p:sp>
-      <p:sp>
-        <p:nvSpPr>
-          <p:cNvPr id="3" name="Titel 2">
-            <a:extLst>
-              <a:ext uri="{FF2B5EF4-FFF2-40B4-BE49-F238E27FC236}">
-                <a16:creationId xmlns:a16="http://schemas.microsoft.com/office/drawing/2014/main" id="{DC12DFEC-06B5-4C69-A791-A0919EC72F36}"/>
-              </a:ext>
-            </a:extLst>
-          </p:cNvPr>
-          <p:cNvSpPr>
-            <a:spLocks noGrp="1"/>
-          </p:cNvSpPr>
-          <p:nvPr>
-            <p:ph type="ctrTitle"/>
-          </p:nvPr>
-        </p:nvSpPr>
-        <p:spPr/>
-        <p:txBody>
-          <a:bodyPr/>
-          <a:lstStyle/>
-          <a:p>
-            <a:endParaRPr lang="de-CH" dirty="0"/>
-          </a:p>
-        </p:txBody>
-      </p:sp>
-      <p:pic>
-        <p:nvPicPr>
-          <p:cNvPr id="2052" name="Picture 4">
-            <a:extLst>
-              <a:ext uri="{FF2B5EF4-FFF2-40B4-BE49-F238E27FC236}">
-                <a16:creationId xmlns:a16="http://schemas.microsoft.com/office/drawing/2014/main" id="{623ED4E6-173F-40F9-985E-36764CC68CDE}"/>
-              </a:ext>
-            </a:extLst>
-          </p:cNvPr>
-          <p:cNvPicPr>
-            <a:picLocks noChangeAspect="1" noChangeArrowheads="1"/>
-          </p:cNvPicPr>
-          <p:nvPr/>
-        </p:nvPicPr>
-        <p:blipFill rotWithShape="1">
-          <a:blip r:embed="rId2">
-            <a:extLst>
-              <a:ext uri="{28A0092B-C50C-407E-A947-70E740481C1C}">
-                <a14:useLocalDpi xmlns:a14="http://schemas.microsoft.com/office/drawing/2010/main" val="0"/>
-              </a:ext>
-            </a:extLst>
-          </a:blip>
-          <a:srcRect l="9630" r="9630"/>
-          <a:stretch/>
-        </p:blipFill>
-        <p:spPr bwMode="auto">
-          <a:xfrm>
-            <a:off x="0" y="0"/>
-            <a:ext cx="9144000" cy="6858000"/>
-          </a:xfrm>
-          <a:prstGeom prst="rect">
-            <a:avLst/>
-          </a:prstGeom>
-          <a:noFill/>
-          <a:extLst>
-            <a:ext uri="{909E8E84-426E-40DD-AFC4-6F175D3DCCD1}">
-              <a14:hiddenFill xmlns:a14="http://schemas.microsoft.com/office/drawing/2010/main">
-                <a:solidFill>
-                  <a:srgbClr val="FFFFFF"/>
-                </a:solidFill>
-              </a14:hiddenFill>
-            </a:ext>
-          </a:extLst>
-        </p:spPr>
-      </p:pic>
-    </p:spTree>
-    <p:extLst>
-      <p:ext uri="{BB962C8B-B14F-4D97-AF65-F5344CB8AC3E}">
-        <p14:creationId xmlns:p14="http://schemas.microsoft.com/office/powerpoint/2010/main" val="667436333"/>
-      </p:ext>
-    </p:extLst>
-  </p:cSld>
-  <p:clrMapOvr>
-    <a:masterClrMapping/>
-  </p:clrMapOvr>
-</p:sld>
-</file>
-
-<file path=ppt/slides/slide2.xml><?xml version="1.0" encoding="utf-8"?>
-<p:sld xmlns:a="http://schemas.openxmlformats.org/drawingml/2006/main" xmlns:r="http://schemas.openxmlformats.org/officeDocument/2006/relationships" xmlns:p="http://schemas.openxmlformats.org/presentationml/2006/main">
-  <p:cSld>
-    <p:spTree>
-      <p:nvGrpSpPr>
-        <p:cNvPr id="1" name=""/>
-        <p:cNvGrpSpPr/>
-        <p:nvPr/>
-      </p:nvGrpSpPr>
-      <p:grpSpPr>
-        <a:xfrm>
-          <a:off x="0" y="0"/>
-          <a:ext cx="0" cy="0"/>
-          <a:chOff x="0" y="0"/>
-          <a:chExt cx="0" cy="0"/>
-        </a:xfrm>
-      </p:grpSpPr>
-      <p:sp>
-        <p:nvSpPr>
-          <p:cNvPr id="2" name="Inhaltsplatzhalter 1"/>
-          <p:cNvSpPr>
-            <a:spLocks noGrp="1"/>
-          </p:cNvSpPr>
-          <p:nvPr>
-            <p:ph sz="half" idx="1"/>
-          </p:nvPr>
-        </p:nvSpPr>
-        <p:spPr/>
-        <p:txBody>
-          <a:bodyPr/>
-          <a:lstStyle/>
-          <a:p>
-            <a:r>
-              <a:rPr lang="de-CH" dirty="0"/>
-              <a:t>Ausgangslage</a:t>
-            </a:r>
-          </a:p>
-          <a:p>
-            <a:r>
-              <a:rPr lang="de-CH" dirty="0"/>
-              <a:t>Recherche</a:t>
-            </a:r>
-          </a:p>
-          <a:p>
-            <a:r>
-              <a:rPr lang="de-CH" dirty="0"/>
-              <a:t>Ergebnis (Prototypen):</a:t>
-            </a:r>
-          </a:p>
-          <a:p>
-            <a:pPr lvl="1"/>
-            <a:r>
-              <a:rPr lang="de-CH" dirty="0"/>
-              <a:t>Storyboard</a:t>
-            </a:r>
-          </a:p>
-          <a:p>
-            <a:pPr lvl="1"/>
-            <a:r>
-              <a:rPr lang="de-CH" dirty="0"/>
-              <a:t>UI design</a:t>
-            </a:r>
-          </a:p>
-          <a:p>
-            <a:pPr lvl="1"/>
-            <a:r>
-              <a:rPr lang="de-CH" dirty="0"/>
-              <a:t>Zusammenfassung</a:t>
-            </a:r>
-          </a:p>
-          <a:p>
-            <a:r>
-              <a:rPr lang="de-CH" dirty="0"/>
-              <a:t>Diskussion</a:t>
-            </a:r>
-          </a:p>
-        </p:txBody>
-      </p:sp>
-      <p:sp>
-        <p:nvSpPr>
-          <p:cNvPr id="3" name="Titel 2"/>
-          <p:cNvSpPr>
-            <a:spLocks noGrp="1"/>
-          </p:cNvSpPr>
-          <p:nvPr>
-            <p:ph type="ctrTitle"/>
-          </p:nvPr>
-        </p:nvSpPr>
-        <p:spPr/>
-        <p:txBody>
-          <a:bodyPr/>
-          <a:lstStyle/>
-          <a:p>
-            <a:r>
-              <a:rPr lang="de-CH" dirty="0"/>
-              <a:t>Inhalt</a:t>
-            </a:r>
-          </a:p>
-        </p:txBody>
-      </p:sp>
-    </p:spTree>
-    <p:extLst>
-      <p:ext uri="{BB962C8B-B14F-4D97-AF65-F5344CB8AC3E}">
-        <p14:creationId xmlns:p14="http://schemas.microsoft.com/office/powerpoint/2010/main" val="3741675672"/>
-      </p:ext>
-    </p:extLst>
-  </p:cSld>
-  <p:clrMapOvr>
-    <a:masterClrMapping/>
-  </p:clrMapOvr>
-</p:sld>
-</file>
-
-<file path=ppt/slides/slide3.xml><?xml version="1.0" encoding="utf-8"?>
-<p:sld xmlns:a="http://schemas.openxmlformats.org/drawingml/2006/main" xmlns:r="http://schemas.openxmlformats.org/officeDocument/2006/relationships" xmlns:p="http://schemas.openxmlformats.org/presentationml/2006/main">
-  <p:cSld>
-    <p:spTree>
-      <p:nvGrpSpPr>
-        <p:cNvPr id="1" name=""/>
-        <p:cNvGrpSpPr/>
-        <p:nvPr/>
-      </p:nvGrpSpPr>
-      <p:grpSpPr>
-        <a:xfrm>
-          <a:off x="0" y="0"/>
-          <a:ext cx="0" cy="0"/>
-          <a:chOff x="0" y="0"/>
-          <a:chExt cx="0" cy="0"/>
-        </a:xfrm>
-      </p:grpSpPr>
-      <p:sp>
-        <p:nvSpPr>
-          <p:cNvPr id="2" name="Inhaltsplatzhalter 1">
-            <a:extLst>
-              <a:ext uri="{FF2B5EF4-FFF2-40B4-BE49-F238E27FC236}">
-                <a16:creationId xmlns:a16="http://schemas.microsoft.com/office/drawing/2014/main" id="{3FDC73F2-19AA-4F5D-87B5-9D4D45A99FA8}"/>
-              </a:ext>
-            </a:extLst>
-          </p:cNvPr>
-          <p:cNvSpPr>
-            <a:spLocks noGrp="1"/>
-          </p:cNvSpPr>
-          <p:nvPr>
-            <p:ph sz="half" idx="1"/>
-          </p:nvPr>
-        </p:nvSpPr>
-        <p:spPr/>
-        <p:txBody>
-          <a:bodyPr/>
-          <a:lstStyle/>
-          <a:p>
-            <a:endParaRPr lang="de-CH"/>
-          </a:p>
-        </p:txBody>
-      </p:sp>
-      <p:sp>
-        <p:nvSpPr>
-          <p:cNvPr id="3" name="Titel 2">
-            <a:extLst>
-              <a:ext uri="{FF2B5EF4-FFF2-40B4-BE49-F238E27FC236}">
-                <a16:creationId xmlns:a16="http://schemas.microsoft.com/office/drawing/2014/main" id="{5432DB10-CCBB-425C-94F2-E92C9DDE1DCF}"/>
-              </a:ext>
-            </a:extLst>
-          </p:cNvPr>
-          <p:cNvSpPr>
-            <a:spLocks noGrp="1"/>
-          </p:cNvSpPr>
-          <p:nvPr>
-            <p:ph type="ctrTitle"/>
-          </p:nvPr>
-        </p:nvSpPr>
-        <p:spPr/>
-        <p:txBody>
-          <a:bodyPr/>
-          <a:lstStyle/>
-          <a:p>
-            <a:r>
-              <a:rPr lang="de-CH" dirty="0"/>
-              <a:t>Ausgangslage</a:t>
-            </a:r>
-          </a:p>
-        </p:txBody>
-      </p:sp>
-    </p:spTree>
-    <p:extLst>
-      <p:ext uri="{BB962C8B-B14F-4D97-AF65-F5344CB8AC3E}">
-        <p14:creationId xmlns:p14="http://schemas.microsoft.com/office/powerpoint/2010/main" val="1686539421"/>
-      </p:ext>
-    </p:extLst>
-  </p:cSld>
-  <p:clrMapOvr>
-    <a:masterClrMapping/>
-  </p:clrMapOvr>
-</p:sld>
-</file>
-
-<file path=ppt/slides/slide4.xml><?xml version="1.0" encoding="utf-8"?>
-<p:sld xmlns:a="http://schemas.openxmlformats.org/drawingml/2006/main" xmlns:r="http://schemas.openxmlformats.org/officeDocument/2006/relationships" xmlns:p="http://schemas.openxmlformats.org/presentationml/2006/main">
-  <p:cSld>
-    <p:spTree>
-      <p:nvGrpSpPr>
-        <p:cNvPr id="1" name=""/>
-        <p:cNvGrpSpPr/>
-        <p:nvPr/>
-      </p:nvGrpSpPr>
-      <p:grpSpPr>
-        <a:xfrm>
-          <a:off x="0" y="0"/>
-          <a:ext cx="0" cy="0"/>
-          <a:chOff x="0" y="0"/>
-          <a:chExt cx="0" cy="0"/>
-        </a:xfrm>
-      </p:grpSpPr>
-      <p:sp>
-        <p:nvSpPr>
           <p:cNvPr id="3" name="Titel 2">
             <a:extLst>
               <a:ext uri="{FF2B5EF4-FFF2-40B4-BE49-F238E27FC236}">
@@ -7448,123 +7047,11 @@
           <a:p>
             <a:r>
               <a:rPr lang="de-CH" dirty="0"/>
-              <a:t>Storyboard 1 – Anbindung eines EPDs</a:t>
+              <a:t>Storyboard 3 – Strukturierter Termin</a:t>
             </a:r>
           </a:p>
         </p:txBody>
       </p:sp>
-      <p:pic>
-        <p:nvPicPr>
-          <p:cNvPr id="13" name="Grafik 12">
-            <a:extLst>
-              <a:ext uri="{FF2B5EF4-FFF2-40B4-BE49-F238E27FC236}">
-                <a16:creationId xmlns:a16="http://schemas.microsoft.com/office/drawing/2014/main" id="{E6BC9B57-EA18-4BE1-BCE3-7087898CB841}"/>
-              </a:ext>
-            </a:extLst>
-          </p:cNvPr>
-          <p:cNvPicPr/>
-          <p:nvPr/>
-        </p:nvPicPr>
-        <p:blipFill>
-          <a:blip r:embed="rId3"/>
-          <a:stretch>
-            <a:fillRect/>
-          </a:stretch>
-        </p:blipFill>
-        <p:spPr>
-          <a:xfrm>
-            <a:off x="919431" y="1076778"/>
-            <a:ext cx="3282751" cy="2346099"/>
-          </a:xfrm>
-          <a:prstGeom prst="rect">
-            <a:avLst/>
-          </a:prstGeom>
-        </p:spPr>
-      </p:pic>
-      <p:pic>
-        <p:nvPicPr>
-          <p:cNvPr id="14" name="Grafik 13">
-            <a:extLst>
-              <a:ext uri="{FF2B5EF4-FFF2-40B4-BE49-F238E27FC236}">
-                <a16:creationId xmlns:a16="http://schemas.microsoft.com/office/drawing/2014/main" id="{1287F1F9-B201-4D99-84A7-884F73ED7E1B}"/>
-              </a:ext>
-            </a:extLst>
-          </p:cNvPr>
-          <p:cNvPicPr/>
-          <p:nvPr/>
-        </p:nvPicPr>
-        <p:blipFill>
-          <a:blip r:embed="rId4"/>
-          <a:stretch>
-            <a:fillRect/>
-          </a:stretch>
-        </p:blipFill>
-        <p:spPr>
-          <a:xfrm>
-            <a:off x="4941818" y="1076778"/>
-            <a:ext cx="3282751" cy="2346099"/>
-          </a:xfrm>
-          <a:prstGeom prst="rect">
-            <a:avLst/>
-          </a:prstGeom>
-        </p:spPr>
-      </p:pic>
-      <p:pic>
-        <p:nvPicPr>
-          <p:cNvPr id="24" name="Grafik 23">
-            <a:extLst>
-              <a:ext uri="{FF2B5EF4-FFF2-40B4-BE49-F238E27FC236}">
-                <a16:creationId xmlns:a16="http://schemas.microsoft.com/office/drawing/2014/main" id="{358FAE78-8F14-4C0F-943A-61A0B9E196E3}"/>
-              </a:ext>
-            </a:extLst>
-          </p:cNvPr>
-          <p:cNvPicPr/>
-          <p:nvPr/>
-        </p:nvPicPr>
-        <p:blipFill>
-          <a:blip r:embed="rId5"/>
-          <a:stretch>
-            <a:fillRect/>
-          </a:stretch>
-        </p:blipFill>
-        <p:spPr>
-          <a:xfrm>
-            <a:off x="919427" y="3719292"/>
-            <a:ext cx="3282751" cy="2346099"/>
-          </a:xfrm>
-          <a:prstGeom prst="rect">
-            <a:avLst/>
-          </a:prstGeom>
-        </p:spPr>
-      </p:pic>
-      <p:pic>
-        <p:nvPicPr>
-          <p:cNvPr id="25" name="Grafik 24">
-            <a:extLst>
-              <a:ext uri="{FF2B5EF4-FFF2-40B4-BE49-F238E27FC236}">
-                <a16:creationId xmlns:a16="http://schemas.microsoft.com/office/drawing/2014/main" id="{2C354085-8B76-4676-8693-E98E4ABE74F6}"/>
-              </a:ext>
-            </a:extLst>
-          </p:cNvPr>
-          <p:cNvPicPr/>
-          <p:nvPr/>
-        </p:nvPicPr>
-        <p:blipFill>
-          <a:blip r:embed="rId6"/>
-          <a:stretch>
-            <a:fillRect/>
-          </a:stretch>
-        </p:blipFill>
-        <p:spPr>
-          <a:xfrm>
-            <a:off x="4941816" y="3719292"/>
-            <a:ext cx="3282750" cy="2346099"/>
-          </a:xfrm>
-          <a:prstGeom prst="rect">
-            <a:avLst/>
-          </a:prstGeom>
-        </p:spPr>
-      </p:pic>
       <p:grpSp>
         <p:nvGrpSpPr>
           <p:cNvPr id="21" name="Gruppieren 20">
@@ -7579,7 +7066,7 @@
         </p:nvGrpSpPr>
         <p:grpSpPr>
           <a:xfrm>
-            <a:off x="2428829" y="800200"/>
+            <a:off x="2428829" y="1450650"/>
             <a:ext cx="263951" cy="307777"/>
             <a:chOff x="2428829" y="800200"/>
             <a:chExt cx="263951" cy="307777"/>
@@ -7681,6 +7168,3497 @@
         </p:nvGrpSpPr>
         <p:grpSpPr>
           <a:xfrm>
+            <a:off x="6451217" y="1455077"/>
+            <a:ext cx="263951" cy="307777"/>
+            <a:chOff x="2428829" y="800200"/>
+            <a:chExt cx="263951" cy="307777"/>
+          </a:xfrm>
+        </p:grpSpPr>
+        <p:sp>
+          <p:nvSpPr>
+            <p:cNvPr id="32" name="Textfeld 31">
+              <a:extLst>
+                <a:ext uri="{FF2B5EF4-FFF2-40B4-BE49-F238E27FC236}">
+                  <a16:creationId xmlns:a16="http://schemas.microsoft.com/office/drawing/2014/main" id="{DA84C640-F0BB-4D57-9900-D8EBC558D9D2}"/>
+                </a:ext>
+              </a:extLst>
+            </p:cNvPr>
+            <p:cNvSpPr txBox="1"/>
+            <p:nvPr/>
+          </p:nvSpPr>
+          <p:spPr>
+            <a:xfrm>
+              <a:off x="2428829" y="800200"/>
+              <a:ext cx="263951" cy="307777"/>
+            </a:xfrm>
+            <a:prstGeom prst="rect">
+              <a:avLst/>
+            </a:prstGeom>
+            <a:noFill/>
+          </p:spPr>
+          <p:txBody>
+            <a:bodyPr wrap="square" rtlCol="0">
+              <a:spAutoFit/>
+            </a:bodyPr>
+            <a:lstStyle/>
+            <a:p>
+              <a:r>
+                <a:rPr lang="de-CH" sz="1400" dirty="0"/>
+                <a:t>2</a:t>
+              </a:r>
+            </a:p>
+          </p:txBody>
+        </p:sp>
+        <p:sp>
+          <p:nvSpPr>
+            <p:cNvPr id="33" name="Ellipse 32">
+              <a:extLst>
+                <a:ext uri="{FF2B5EF4-FFF2-40B4-BE49-F238E27FC236}">
+                  <a16:creationId xmlns:a16="http://schemas.microsoft.com/office/drawing/2014/main" id="{54955D9B-EBA7-44F5-AABC-CF51F38CA7DA}"/>
+                </a:ext>
+              </a:extLst>
+            </p:cNvPr>
+            <p:cNvSpPr/>
+            <p:nvPr/>
+          </p:nvSpPr>
+          <p:spPr>
+            <a:xfrm>
+              <a:off x="2437666" y="841056"/>
+              <a:ext cx="246274" cy="224191"/>
+            </a:xfrm>
+            <a:prstGeom prst="ellipse">
+              <a:avLst/>
+            </a:prstGeom>
+            <a:noFill/>
+            <a:effectLst/>
+          </p:spPr>
+          <p:style>
+            <a:lnRef idx="1">
+              <a:schemeClr val="accent1"/>
+            </a:lnRef>
+            <a:fillRef idx="3">
+              <a:schemeClr val="accent1"/>
+            </a:fillRef>
+            <a:effectRef idx="2">
+              <a:schemeClr val="accent1"/>
+            </a:effectRef>
+            <a:fontRef idx="minor">
+              <a:schemeClr val="lt1"/>
+            </a:fontRef>
+          </p:style>
+          <p:txBody>
+            <a:bodyPr rtlCol="0" anchor="ctr"/>
+            <a:lstStyle/>
+            <a:p>
+              <a:pPr algn="ctr"/>
+              <a:endParaRPr lang="de-CH"/>
+            </a:p>
+          </p:txBody>
+        </p:sp>
+      </p:grpSp>
+      <p:pic>
+        <p:nvPicPr>
+          <p:cNvPr id="30" name="Grafik 29">
+            <a:extLst>
+              <a:ext uri="{FF2B5EF4-FFF2-40B4-BE49-F238E27FC236}">
+                <a16:creationId xmlns:a16="http://schemas.microsoft.com/office/drawing/2014/main" id="{391A6DA5-4848-4811-A3BB-4C072237DB0C}"/>
+              </a:ext>
+            </a:extLst>
+          </p:cNvPr>
+          <p:cNvPicPr/>
+          <p:nvPr/>
+        </p:nvPicPr>
+        <p:blipFill>
+          <a:blip r:embed="rId2" cstate="print">
+            <a:extLst>
+              <a:ext uri="{28A0092B-C50C-407E-A947-70E740481C1C}">
+                <a14:useLocalDpi xmlns:a14="http://schemas.microsoft.com/office/drawing/2010/main" val="0"/>
+              </a:ext>
+            </a:extLst>
+          </a:blip>
+          <a:srcRect/>
+          <a:stretch>
+            <a:fillRect/>
+          </a:stretch>
+        </p:blipFill>
+        <p:spPr bwMode="auto">
+          <a:xfrm>
+            <a:off x="820293" y="1756553"/>
+            <a:ext cx="3481013" cy="2299035"/>
+          </a:xfrm>
+          <a:prstGeom prst="rect">
+            <a:avLst/>
+          </a:prstGeom>
+          <a:noFill/>
+          <a:ln>
+            <a:noFill/>
+          </a:ln>
+        </p:spPr>
+      </p:pic>
+      <p:pic>
+        <p:nvPicPr>
+          <p:cNvPr id="40" name="Grafik 39">
+            <a:extLst>
+              <a:ext uri="{FF2B5EF4-FFF2-40B4-BE49-F238E27FC236}">
+                <a16:creationId xmlns:a16="http://schemas.microsoft.com/office/drawing/2014/main" id="{3CCE1B0F-F5CF-42A2-852D-B0C6E37E7AA5}"/>
+              </a:ext>
+            </a:extLst>
+          </p:cNvPr>
+          <p:cNvPicPr/>
+          <p:nvPr/>
+        </p:nvPicPr>
+        <p:blipFill>
+          <a:blip r:embed="rId3" cstate="print">
+            <a:extLst>
+              <a:ext uri="{28A0092B-C50C-407E-A947-70E740481C1C}">
+                <a14:useLocalDpi xmlns:a14="http://schemas.microsoft.com/office/drawing/2010/main" val="0"/>
+              </a:ext>
+            </a:extLst>
+          </a:blip>
+          <a:srcRect/>
+          <a:stretch>
+            <a:fillRect/>
+          </a:stretch>
+        </p:blipFill>
+        <p:spPr bwMode="auto">
+          <a:xfrm>
+            <a:off x="4833842" y="1756553"/>
+            <a:ext cx="3481012" cy="2292658"/>
+          </a:xfrm>
+          <a:prstGeom prst="rect">
+            <a:avLst/>
+          </a:prstGeom>
+          <a:noFill/>
+          <a:ln>
+            <a:noFill/>
+          </a:ln>
+        </p:spPr>
+      </p:pic>
+    </p:spTree>
+    <p:extLst>
+      <p:ext uri="{BB962C8B-B14F-4D97-AF65-F5344CB8AC3E}">
+        <p14:creationId xmlns:p14="http://schemas.microsoft.com/office/powerpoint/2010/main" val="3047836065"/>
+      </p:ext>
+    </p:extLst>
+  </p:cSld>
+  <p:clrMapOvr>
+    <a:masterClrMapping/>
+  </p:clrMapOvr>
+</p:sld>
+</file>
+
+<file path=ppt/slides/slide11.xml><?xml version="1.0" encoding="utf-8"?>
+<p:sld xmlns:a="http://schemas.openxmlformats.org/drawingml/2006/main" xmlns:r="http://schemas.openxmlformats.org/officeDocument/2006/relationships" xmlns:p="http://schemas.openxmlformats.org/presentationml/2006/main">
+  <p:cSld>
+    <p:spTree>
+      <p:nvGrpSpPr>
+        <p:cNvPr id="1" name=""/>
+        <p:cNvGrpSpPr/>
+        <p:nvPr/>
+      </p:nvGrpSpPr>
+      <p:grpSpPr>
+        <a:xfrm>
+          <a:off x="0" y="0"/>
+          <a:ext cx="0" cy="0"/>
+          <a:chOff x="0" y="0"/>
+          <a:chExt cx="0" cy="0"/>
+        </a:xfrm>
+      </p:grpSpPr>
+      <p:sp>
+        <p:nvSpPr>
+          <p:cNvPr id="3" name="Titel 2">
+            <a:extLst>
+              <a:ext uri="{FF2B5EF4-FFF2-40B4-BE49-F238E27FC236}">
+                <a16:creationId xmlns:a16="http://schemas.microsoft.com/office/drawing/2014/main" id="{E109EE75-9C05-46C7-8586-9F9EFCFB34D8}"/>
+              </a:ext>
+            </a:extLst>
+          </p:cNvPr>
+          <p:cNvSpPr>
+            <a:spLocks noGrp="1"/>
+          </p:cNvSpPr>
+          <p:nvPr>
+            <p:ph type="ctrTitle"/>
+          </p:nvPr>
+        </p:nvSpPr>
+        <p:spPr>
+          <a:xfrm>
+            <a:off x="468000" y="360000"/>
+            <a:ext cx="8100000" cy="540000"/>
+          </a:xfrm>
+        </p:spPr>
+        <p:txBody>
+          <a:bodyPr/>
+          <a:lstStyle/>
+          <a:p>
+            <a:r>
+              <a:rPr lang="de-CH" dirty="0"/>
+              <a:t>Prototyp Anbindung eines EPDs </a:t>
+            </a:r>
+          </a:p>
+        </p:txBody>
+      </p:sp>
+      <p:pic>
+        <p:nvPicPr>
+          <p:cNvPr id="5" name="Grafik 4">
+            <a:extLst>
+              <a:ext uri="{FF2B5EF4-FFF2-40B4-BE49-F238E27FC236}">
+                <a16:creationId xmlns:a16="http://schemas.microsoft.com/office/drawing/2014/main" id="{260AD1CF-8337-499F-99A3-2AA457096326}"/>
+              </a:ext>
+            </a:extLst>
+          </p:cNvPr>
+          <p:cNvPicPr>
+            <a:picLocks noChangeAspect="1"/>
+          </p:cNvPicPr>
+          <p:nvPr/>
+        </p:nvPicPr>
+        <p:blipFill rotWithShape="1">
+          <a:blip r:embed="rId2"/>
+          <a:srcRect l="5405" r="9262" b="12191"/>
+          <a:stretch/>
+        </p:blipFill>
+        <p:spPr>
+          <a:xfrm>
+            <a:off x="1807688" y="1039306"/>
+            <a:ext cx="5528623" cy="4307544"/>
+          </a:xfrm>
+          <a:prstGeom prst="rect">
+            <a:avLst/>
+          </a:prstGeom>
+        </p:spPr>
+      </p:pic>
+      <p:sp>
+        <p:nvSpPr>
+          <p:cNvPr id="6" name="Rechteck 5">
+            <a:extLst>
+              <a:ext uri="{FF2B5EF4-FFF2-40B4-BE49-F238E27FC236}">
+                <a16:creationId xmlns:a16="http://schemas.microsoft.com/office/drawing/2014/main" id="{CBA1CF05-8843-46AD-95B1-EB0AA5EC68D6}"/>
+              </a:ext>
+            </a:extLst>
+          </p:cNvPr>
+          <p:cNvSpPr/>
+          <p:nvPr/>
+        </p:nvSpPr>
+        <p:spPr>
+          <a:xfrm>
+            <a:off x="2243580" y="1860850"/>
+            <a:ext cx="4666267" cy="463250"/>
+          </a:xfrm>
+          <a:prstGeom prst="rect">
+            <a:avLst/>
+          </a:prstGeom>
+          <a:noFill/>
+          <a:ln w="28575">
+            <a:solidFill>
+              <a:srgbClr val="FF0000"/>
+            </a:solidFill>
+          </a:ln>
+          <a:effectLst/>
+        </p:spPr>
+        <p:style>
+          <a:lnRef idx="1">
+            <a:schemeClr val="accent1"/>
+          </a:lnRef>
+          <a:fillRef idx="3">
+            <a:schemeClr val="accent1"/>
+          </a:fillRef>
+          <a:effectRef idx="2">
+            <a:schemeClr val="accent1"/>
+          </a:effectRef>
+          <a:fontRef idx="minor">
+            <a:schemeClr val="lt1"/>
+          </a:fontRef>
+        </p:style>
+        <p:txBody>
+          <a:bodyPr rtlCol="0" anchor="ctr"/>
+          <a:lstStyle/>
+          <a:p>
+            <a:pPr algn="ctr"/>
+            <a:endParaRPr lang="de-CH"/>
+          </a:p>
+        </p:txBody>
+      </p:sp>
+      <p:sp>
+        <p:nvSpPr>
+          <p:cNvPr id="7" name="Rechteck 6">
+            <a:extLst>
+              <a:ext uri="{FF2B5EF4-FFF2-40B4-BE49-F238E27FC236}">
+                <a16:creationId xmlns:a16="http://schemas.microsoft.com/office/drawing/2014/main" id="{2BC19DD5-B69D-4DC3-B719-06F258BA03E8}"/>
+              </a:ext>
+            </a:extLst>
+          </p:cNvPr>
+          <p:cNvSpPr/>
+          <p:nvPr/>
+        </p:nvSpPr>
+        <p:spPr>
+          <a:xfrm>
+            <a:off x="2114551" y="2379116"/>
+            <a:ext cx="4914900" cy="1547089"/>
+          </a:xfrm>
+          <a:prstGeom prst="rect">
+            <a:avLst/>
+          </a:prstGeom>
+          <a:noFill/>
+          <a:ln w="28575">
+            <a:solidFill>
+              <a:srgbClr val="0070C0"/>
+            </a:solidFill>
+          </a:ln>
+        </p:spPr>
+        <p:style>
+          <a:lnRef idx="1">
+            <a:schemeClr val="accent1"/>
+          </a:lnRef>
+          <a:fillRef idx="3">
+            <a:schemeClr val="accent1"/>
+          </a:fillRef>
+          <a:effectRef idx="2">
+            <a:schemeClr val="accent1"/>
+          </a:effectRef>
+          <a:fontRef idx="minor">
+            <a:schemeClr val="lt1"/>
+          </a:fontRef>
+        </p:style>
+        <p:txBody>
+          <a:bodyPr rtlCol="0" anchor="ctr"/>
+          <a:lstStyle/>
+          <a:p>
+            <a:pPr algn="ctr"/>
+            <a:endParaRPr lang="de-CH"/>
+          </a:p>
+        </p:txBody>
+      </p:sp>
+      <p:sp>
+        <p:nvSpPr>
+          <p:cNvPr id="8" name="Rechteck 7">
+            <a:extLst>
+              <a:ext uri="{FF2B5EF4-FFF2-40B4-BE49-F238E27FC236}">
+                <a16:creationId xmlns:a16="http://schemas.microsoft.com/office/drawing/2014/main" id="{B3BFFACF-7F40-4870-B759-F2261CD1C521}"/>
+              </a:ext>
+            </a:extLst>
+          </p:cNvPr>
+          <p:cNvSpPr/>
+          <p:nvPr/>
+        </p:nvSpPr>
+        <p:spPr>
+          <a:xfrm>
+            <a:off x="2049780" y="3977652"/>
+            <a:ext cx="5166359" cy="1230617"/>
+          </a:xfrm>
+          <a:prstGeom prst="rect">
+            <a:avLst/>
+          </a:prstGeom>
+          <a:noFill/>
+          <a:ln w="28575">
+            <a:solidFill>
+              <a:srgbClr val="00B050"/>
+            </a:solidFill>
+          </a:ln>
+        </p:spPr>
+        <p:style>
+          <a:lnRef idx="1">
+            <a:schemeClr val="accent1"/>
+          </a:lnRef>
+          <a:fillRef idx="3">
+            <a:schemeClr val="accent1"/>
+          </a:fillRef>
+          <a:effectRef idx="2">
+            <a:schemeClr val="accent1"/>
+          </a:effectRef>
+          <a:fontRef idx="minor">
+            <a:schemeClr val="lt1"/>
+          </a:fontRef>
+        </p:style>
+        <p:txBody>
+          <a:bodyPr rtlCol="0" anchor="ctr"/>
+          <a:lstStyle/>
+          <a:p>
+            <a:pPr algn="ctr"/>
+            <a:endParaRPr lang="de-CH"/>
+          </a:p>
+        </p:txBody>
+      </p:sp>
+      <p:sp>
+        <p:nvSpPr>
+          <p:cNvPr id="9" name="Textfeld 8">
+            <a:extLst>
+              <a:ext uri="{FF2B5EF4-FFF2-40B4-BE49-F238E27FC236}">
+                <a16:creationId xmlns:a16="http://schemas.microsoft.com/office/drawing/2014/main" id="{599B9AEB-135C-4C3B-9A13-B9D4C0878D09}"/>
+              </a:ext>
+            </a:extLst>
+          </p:cNvPr>
+          <p:cNvSpPr txBox="1"/>
+          <p:nvPr/>
+        </p:nvSpPr>
+        <p:spPr>
+          <a:xfrm>
+            <a:off x="2243580" y="5301490"/>
+            <a:ext cx="4798493" cy="369332"/>
+          </a:xfrm>
+          <a:prstGeom prst="rect">
+            <a:avLst/>
+          </a:prstGeom>
+          <a:noFill/>
+        </p:spPr>
+        <p:txBody>
+          <a:bodyPr wrap="none" rtlCol="0">
+            <a:spAutoFit/>
+          </a:bodyPr>
+          <a:lstStyle/>
+          <a:p>
+            <a:r>
+              <a:rPr lang="de-CH" sz="1800" dirty="0">
+                <a:solidFill>
+                  <a:srgbClr val="FF0000"/>
+                </a:solidFill>
+              </a:rPr>
+              <a:t>Zugriff auf die Verschiedenen Dokumente im EPD</a:t>
+            </a:r>
+          </a:p>
+        </p:txBody>
+      </p:sp>
+      <p:sp>
+        <p:nvSpPr>
+          <p:cNvPr id="10" name="Textfeld 9">
+            <a:extLst>
+              <a:ext uri="{FF2B5EF4-FFF2-40B4-BE49-F238E27FC236}">
+                <a16:creationId xmlns:a16="http://schemas.microsoft.com/office/drawing/2014/main" id="{1F759005-9FC3-4329-9C0D-F1538B10BAB6}"/>
+              </a:ext>
+            </a:extLst>
+          </p:cNvPr>
+          <p:cNvSpPr txBox="1"/>
+          <p:nvPr/>
+        </p:nvSpPr>
+        <p:spPr>
+          <a:xfrm>
+            <a:off x="2243579" y="5582941"/>
+            <a:ext cx="3689856" cy="369332"/>
+          </a:xfrm>
+          <a:prstGeom prst="rect">
+            <a:avLst/>
+          </a:prstGeom>
+          <a:noFill/>
+        </p:spPr>
+        <p:txBody>
+          <a:bodyPr wrap="none" rtlCol="0">
+            <a:spAutoFit/>
+          </a:bodyPr>
+          <a:lstStyle/>
+          <a:p>
+            <a:r>
+              <a:rPr lang="de-CH" sz="1800" dirty="0">
+                <a:solidFill>
+                  <a:srgbClr val="0070C0"/>
+                </a:solidFill>
+              </a:rPr>
+              <a:t>Beispiel für verordnete Medikamente</a:t>
+            </a:r>
+          </a:p>
+        </p:txBody>
+      </p:sp>
+      <p:sp>
+        <p:nvSpPr>
+          <p:cNvPr id="11" name="Textfeld 10">
+            <a:extLst>
+              <a:ext uri="{FF2B5EF4-FFF2-40B4-BE49-F238E27FC236}">
+                <a16:creationId xmlns:a16="http://schemas.microsoft.com/office/drawing/2014/main" id="{F2A756D3-A3B1-44AA-AC49-0B79FD1A0B2B}"/>
+              </a:ext>
+            </a:extLst>
+          </p:cNvPr>
+          <p:cNvSpPr txBox="1"/>
+          <p:nvPr/>
+        </p:nvSpPr>
+        <p:spPr>
+          <a:xfrm>
+            <a:off x="2243580" y="5871622"/>
+            <a:ext cx="3259547" cy="369332"/>
+          </a:xfrm>
+          <a:prstGeom prst="rect">
+            <a:avLst/>
+          </a:prstGeom>
+          <a:noFill/>
+        </p:spPr>
+        <p:txBody>
+          <a:bodyPr wrap="none" rtlCol="0">
+            <a:spAutoFit/>
+          </a:bodyPr>
+          <a:lstStyle/>
+          <a:p>
+            <a:r>
+              <a:rPr lang="de-CH" sz="1800" dirty="0">
+                <a:solidFill>
+                  <a:srgbClr val="00B050"/>
+                </a:solidFill>
+              </a:rPr>
+              <a:t>Verordnung neuer Medikamente</a:t>
+            </a:r>
+          </a:p>
+        </p:txBody>
+      </p:sp>
+      <p:sp>
+        <p:nvSpPr>
+          <p:cNvPr id="12" name="Ellipse 11">
+            <a:extLst>
+              <a:ext uri="{FF2B5EF4-FFF2-40B4-BE49-F238E27FC236}">
+                <a16:creationId xmlns:a16="http://schemas.microsoft.com/office/drawing/2014/main" id="{F81D44DE-9002-42D7-9003-43DDD31DE00F}"/>
+              </a:ext>
+            </a:extLst>
+          </p:cNvPr>
+          <p:cNvSpPr/>
+          <p:nvPr/>
+        </p:nvSpPr>
+        <p:spPr>
+          <a:xfrm>
+            <a:off x="2120608" y="5435313"/>
+            <a:ext cx="98424" cy="106680"/>
+          </a:xfrm>
+          <a:prstGeom prst="ellipse">
+            <a:avLst/>
+          </a:prstGeom>
+          <a:solidFill>
+            <a:srgbClr val="FF0000"/>
+          </a:solidFill>
+          <a:ln>
+            <a:solidFill>
+              <a:srgbClr val="FF0000"/>
+            </a:solidFill>
+          </a:ln>
+          <a:effectLst/>
+        </p:spPr>
+        <p:style>
+          <a:lnRef idx="1">
+            <a:schemeClr val="accent1"/>
+          </a:lnRef>
+          <a:fillRef idx="3">
+            <a:schemeClr val="accent1"/>
+          </a:fillRef>
+          <a:effectRef idx="2">
+            <a:schemeClr val="accent1"/>
+          </a:effectRef>
+          <a:fontRef idx="minor">
+            <a:schemeClr val="lt1"/>
+          </a:fontRef>
+        </p:style>
+        <p:txBody>
+          <a:bodyPr rtlCol="0" anchor="ctr"/>
+          <a:lstStyle/>
+          <a:p>
+            <a:pPr algn="ctr"/>
+            <a:endParaRPr lang="de-CH"/>
+          </a:p>
+        </p:txBody>
+      </p:sp>
+      <p:sp>
+        <p:nvSpPr>
+          <p:cNvPr id="13" name="Ellipse 12">
+            <a:extLst>
+              <a:ext uri="{FF2B5EF4-FFF2-40B4-BE49-F238E27FC236}">
+                <a16:creationId xmlns:a16="http://schemas.microsoft.com/office/drawing/2014/main" id="{76912D61-DCFB-4DAD-98CC-090B383CC290}"/>
+              </a:ext>
+            </a:extLst>
+          </p:cNvPr>
+          <p:cNvSpPr/>
+          <p:nvPr/>
+        </p:nvSpPr>
+        <p:spPr>
+          <a:xfrm>
+            <a:off x="2120608" y="5714267"/>
+            <a:ext cx="98424" cy="106680"/>
+          </a:xfrm>
+          <a:prstGeom prst="ellipse">
+            <a:avLst/>
+          </a:prstGeom>
+          <a:solidFill>
+            <a:srgbClr val="0070C0"/>
+          </a:solidFill>
+          <a:ln>
+            <a:solidFill>
+              <a:srgbClr val="0070C0"/>
+            </a:solidFill>
+          </a:ln>
+          <a:effectLst/>
+        </p:spPr>
+        <p:style>
+          <a:lnRef idx="1">
+            <a:schemeClr val="accent1"/>
+          </a:lnRef>
+          <a:fillRef idx="3">
+            <a:schemeClr val="accent1"/>
+          </a:fillRef>
+          <a:effectRef idx="2">
+            <a:schemeClr val="accent1"/>
+          </a:effectRef>
+          <a:fontRef idx="minor">
+            <a:schemeClr val="lt1"/>
+          </a:fontRef>
+        </p:style>
+        <p:txBody>
+          <a:bodyPr rtlCol="0" anchor="ctr"/>
+          <a:lstStyle/>
+          <a:p>
+            <a:pPr algn="ctr"/>
+            <a:endParaRPr lang="de-CH"/>
+          </a:p>
+        </p:txBody>
+      </p:sp>
+      <p:sp>
+        <p:nvSpPr>
+          <p:cNvPr id="14" name="Ellipse 13">
+            <a:extLst>
+              <a:ext uri="{FF2B5EF4-FFF2-40B4-BE49-F238E27FC236}">
+                <a16:creationId xmlns:a16="http://schemas.microsoft.com/office/drawing/2014/main" id="{5EAE18A0-170C-4634-9614-9AFCE325994B}"/>
+              </a:ext>
+            </a:extLst>
+          </p:cNvPr>
+          <p:cNvSpPr/>
+          <p:nvPr/>
+        </p:nvSpPr>
+        <p:spPr>
+          <a:xfrm>
+            <a:off x="2120608" y="6002948"/>
+            <a:ext cx="98424" cy="106680"/>
+          </a:xfrm>
+          <a:prstGeom prst="ellipse">
+            <a:avLst/>
+          </a:prstGeom>
+          <a:solidFill>
+            <a:srgbClr val="00B050"/>
+          </a:solidFill>
+          <a:ln>
+            <a:solidFill>
+              <a:srgbClr val="00B050"/>
+            </a:solidFill>
+          </a:ln>
+          <a:effectLst/>
+        </p:spPr>
+        <p:style>
+          <a:lnRef idx="1">
+            <a:schemeClr val="accent1"/>
+          </a:lnRef>
+          <a:fillRef idx="3">
+            <a:schemeClr val="accent1"/>
+          </a:fillRef>
+          <a:effectRef idx="2">
+            <a:schemeClr val="accent1"/>
+          </a:effectRef>
+          <a:fontRef idx="minor">
+            <a:schemeClr val="lt1"/>
+          </a:fontRef>
+        </p:style>
+        <p:txBody>
+          <a:bodyPr rtlCol="0" anchor="ctr"/>
+          <a:lstStyle/>
+          <a:p>
+            <a:pPr algn="ctr"/>
+            <a:endParaRPr lang="de-CH"/>
+          </a:p>
+        </p:txBody>
+      </p:sp>
+    </p:spTree>
+    <p:extLst>
+      <p:ext uri="{BB962C8B-B14F-4D97-AF65-F5344CB8AC3E}">
+        <p14:creationId xmlns:p14="http://schemas.microsoft.com/office/powerpoint/2010/main" val="527529790"/>
+      </p:ext>
+    </p:extLst>
+  </p:cSld>
+  <p:clrMapOvr>
+    <a:masterClrMapping/>
+  </p:clrMapOvr>
+  <p:timing>
+    <p:tnLst>
+      <p:par>
+        <p:cTn id="1" dur="indefinite" restart="never" nodeType="tmRoot">
+          <p:childTnLst>
+            <p:seq concurrent="1" nextAc="seek">
+              <p:cTn id="2" dur="indefinite" nodeType="mainSeq">
+                <p:childTnLst>
+                  <p:par>
+                    <p:cTn id="3" fill="hold">
+                      <p:stCondLst>
+                        <p:cond delay="indefinite"/>
+                      </p:stCondLst>
+                      <p:childTnLst>
+                        <p:par>
+                          <p:cTn id="4" fill="hold">
+                            <p:stCondLst>
+                              <p:cond delay="0"/>
+                            </p:stCondLst>
+                            <p:childTnLst>
+                              <p:par>
+                                <p:cTn id="5" presetID="1" presetClass="entr" presetSubtype="0" fill="hold" grpId="0" nodeType="clickEffect">
+                                  <p:stCondLst>
+                                    <p:cond delay="0"/>
+                                  </p:stCondLst>
+                                  <p:childTnLst>
+                                    <p:set>
+                                      <p:cBhvr>
+                                        <p:cTn id="6" dur="1" fill="hold">
+                                          <p:stCondLst>
+                                            <p:cond delay="0"/>
+                                          </p:stCondLst>
+                                        </p:cTn>
+                                        <p:tgtEl>
+                                          <p:spTgt spid="6"/>
+                                        </p:tgtEl>
+                                        <p:attrNameLst>
+                                          <p:attrName>style.visibility</p:attrName>
+                                        </p:attrNameLst>
+                                      </p:cBhvr>
+                                      <p:to>
+                                        <p:strVal val="visible"/>
+                                      </p:to>
+                                    </p:set>
+                                  </p:childTnLst>
+                                </p:cTn>
+                              </p:par>
+                              <p:par>
+                                <p:cTn id="7" presetID="1" presetClass="entr" presetSubtype="0" fill="hold" grpId="0" nodeType="withEffect">
+                                  <p:stCondLst>
+                                    <p:cond delay="0"/>
+                                  </p:stCondLst>
+                                  <p:childTnLst>
+                                    <p:set>
+                                      <p:cBhvr>
+                                        <p:cTn id="8" dur="1" fill="hold">
+                                          <p:stCondLst>
+                                            <p:cond delay="0"/>
+                                          </p:stCondLst>
+                                        </p:cTn>
+                                        <p:tgtEl>
+                                          <p:spTgt spid="12"/>
+                                        </p:tgtEl>
+                                        <p:attrNameLst>
+                                          <p:attrName>style.visibility</p:attrName>
+                                        </p:attrNameLst>
+                                      </p:cBhvr>
+                                      <p:to>
+                                        <p:strVal val="visible"/>
+                                      </p:to>
+                                    </p:set>
+                                  </p:childTnLst>
+                                </p:cTn>
+                              </p:par>
+                              <p:par>
+                                <p:cTn id="9" presetID="1" presetClass="entr" presetSubtype="0" fill="hold" grpId="0" nodeType="withEffect">
+                                  <p:stCondLst>
+                                    <p:cond delay="0"/>
+                                  </p:stCondLst>
+                                  <p:childTnLst>
+                                    <p:set>
+                                      <p:cBhvr>
+                                        <p:cTn id="10" dur="1" fill="hold">
+                                          <p:stCondLst>
+                                            <p:cond delay="0"/>
+                                          </p:stCondLst>
+                                        </p:cTn>
+                                        <p:tgtEl>
+                                          <p:spTgt spid="9"/>
+                                        </p:tgtEl>
+                                        <p:attrNameLst>
+                                          <p:attrName>style.visibility</p:attrName>
+                                        </p:attrNameLst>
+                                      </p:cBhvr>
+                                      <p:to>
+                                        <p:strVal val="visible"/>
+                                      </p:to>
+                                    </p:set>
+                                  </p:childTnLst>
+                                </p:cTn>
+                              </p:par>
+                            </p:childTnLst>
+                          </p:cTn>
+                        </p:par>
+                      </p:childTnLst>
+                    </p:cTn>
+                  </p:par>
+                  <p:par>
+                    <p:cTn id="11" fill="hold">
+                      <p:stCondLst>
+                        <p:cond delay="indefinite"/>
+                      </p:stCondLst>
+                      <p:childTnLst>
+                        <p:par>
+                          <p:cTn id="12" fill="hold">
+                            <p:stCondLst>
+                              <p:cond delay="0"/>
+                            </p:stCondLst>
+                            <p:childTnLst>
+                              <p:par>
+                                <p:cTn id="13" presetID="1" presetClass="entr" presetSubtype="0" fill="hold" grpId="0" nodeType="clickEffect">
+                                  <p:stCondLst>
+                                    <p:cond delay="0"/>
+                                  </p:stCondLst>
+                                  <p:childTnLst>
+                                    <p:set>
+                                      <p:cBhvr>
+                                        <p:cTn id="14" dur="1" fill="hold">
+                                          <p:stCondLst>
+                                            <p:cond delay="0"/>
+                                          </p:stCondLst>
+                                        </p:cTn>
+                                        <p:tgtEl>
+                                          <p:spTgt spid="7"/>
+                                        </p:tgtEl>
+                                        <p:attrNameLst>
+                                          <p:attrName>style.visibility</p:attrName>
+                                        </p:attrNameLst>
+                                      </p:cBhvr>
+                                      <p:to>
+                                        <p:strVal val="visible"/>
+                                      </p:to>
+                                    </p:set>
+                                  </p:childTnLst>
+                                </p:cTn>
+                              </p:par>
+                              <p:par>
+                                <p:cTn id="15" presetID="1" presetClass="entr" presetSubtype="0" fill="hold" grpId="0" nodeType="withEffect">
+                                  <p:stCondLst>
+                                    <p:cond delay="0"/>
+                                  </p:stCondLst>
+                                  <p:childTnLst>
+                                    <p:set>
+                                      <p:cBhvr>
+                                        <p:cTn id="16" dur="1" fill="hold">
+                                          <p:stCondLst>
+                                            <p:cond delay="0"/>
+                                          </p:stCondLst>
+                                        </p:cTn>
+                                        <p:tgtEl>
+                                          <p:spTgt spid="13"/>
+                                        </p:tgtEl>
+                                        <p:attrNameLst>
+                                          <p:attrName>style.visibility</p:attrName>
+                                        </p:attrNameLst>
+                                      </p:cBhvr>
+                                      <p:to>
+                                        <p:strVal val="visible"/>
+                                      </p:to>
+                                    </p:set>
+                                  </p:childTnLst>
+                                </p:cTn>
+                              </p:par>
+                              <p:par>
+                                <p:cTn id="17" presetID="1" presetClass="entr" presetSubtype="0" fill="hold" grpId="0" nodeType="withEffect">
+                                  <p:stCondLst>
+                                    <p:cond delay="0"/>
+                                  </p:stCondLst>
+                                  <p:childTnLst>
+                                    <p:set>
+                                      <p:cBhvr>
+                                        <p:cTn id="18" dur="1" fill="hold">
+                                          <p:stCondLst>
+                                            <p:cond delay="0"/>
+                                          </p:stCondLst>
+                                        </p:cTn>
+                                        <p:tgtEl>
+                                          <p:spTgt spid="10"/>
+                                        </p:tgtEl>
+                                        <p:attrNameLst>
+                                          <p:attrName>style.visibility</p:attrName>
+                                        </p:attrNameLst>
+                                      </p:cBhvr>
+                                      <p:to>
+                                        <p:strVal val="visible"/>
+                                      </p:to>
+                                    </p:set>
+                                  </p:childTnLst>
+                                </p:cTn>
+                              </p:par>
+                            </p:childTnLst>
+                          </p:cTn>
+                        </p:par>
+                      </p:childTnLst>
+                    </p:cTn>
+                  </p:par>
+                  <p:par>
+                    <p:cTn id="19" fill="hold">
+                      <p:stCondLst>
+                        <p:cond delay="indefinite"/>
+                      </p:stCondLst>
+                      <p:childTnLst>
+                        <p:par>
+                          <p:cTn id="20" fill="hold">
+                            <p:stCondLst>
+                              <p:cond delay="0"/>
+                            </p:stCondLst>
+                            <p:childTnLst>
+                              <p:par>
+                                <p:cTn id="21" presetID="1" presetClass="entr" presetSubtype="0" fill="hold" grpId="0" nodeType="clickEffect">
+                                  <p:stCondLst>
+                                    <p:cond delay="0"/>
+                                  </p:stCondLst>
+                                  <p:childTnLst>
+                                    <p:set>
+                                      <p:cBhvr>
+                                        <p:cTn id="22" dur="1" fill="hold">
+                                          <p:stCondLst>
+                                            <p:cond delay="0"/>
+                                          </p:stCondLst>
+                                        </p:cTn>
+                                        <p:tgtEl>
+                                          <p:spTgt spid="8"/>
+                                        </p:tgtEl>
+                                        <p:attrNameLst>
+                                          <p:attrName>style.visibility</p:attrName>
+                                        </p:attrNameLst>
+                                      </p:cBhvr>
+                                      <p:to>
+                                        <p:strVal val="visible"/>
+                                      </p:to>
+                                    </p:set>
+                                  </p:childTnLst>
+                                </p:cTn>
+                              </p:par>
+                              <p:par>
+                                <p:cTn id="23" presetID="1" presetClass="entr" presetSubtype="0" fill="hold" grpId="0" nodeType="withEffect">
+                                  <p:stCondLst>
+                                    <p:cond delay="0"/>
+                                  </p:stCondLst>
+                                  <p:childTnLst>
+                                    <p:set>
+                                      <p:cBhvr>
+                                        <p:cTn id="24" dur="1" fill="hold">
+                                          <p:stCondLst>
+                                            <p:cond delay="0"/>
+                                          </p:stCondLst>
+                                        </p:cTn>
+                                        <p:tgtEl>
+                                          <p:spTgt spid="14"/>
+                                        </p:tgtEl>
+                                        <p:attrNameLst>
+                                          <p:attrName>style.visibility</p:attrName>
+                                        </p:attrNameLst>
+                                      </p:cBhvr>
+                                      <p:to>
+                                        <p:strVal val="visible"/>
+                                      </p:to>
+                                    </p:set>
+                                  </p:childTnLst>
+                                </p:cTn>
+                              </p:par>
+                              <p:par>
+                                <p:cTn id="25" presetID="1" presetClass="entr" presetSubtype="0" fill="hold" grpId="0" nodeType="withEffect">
+                                  <p:stCondLst>
+                                    <p:cond delay="0"/>
+                                  </p:stCondLst>
+                                  <p:childTnLst>
+                                    <p:set>
+                                      <p:cBhvr>
+                                        <p:cTn id="26" dur="1" fill="hold">
+                                          <p:stCondLst>
+                                            <p:cond delay="0"/>
+                                          </p:stCondLst>
+                                        </p:cTn>
+                                        <p:tgtEl>
+                                          <p:spTgt spid="11"/>
+                                        </p:tgtEl>
+                                        <p:attrNameLst>
+                                          <p:attrName>style.visibility</p:attrName>
+                                        </p:attrNameLst>
+                                      </p:cBhvr>
+                                      <p:to>
+                                        <p:strVal val="visible"/>
+                                      </p:to>
+                                    </p:set>
+                                  </p:childTnLst>
+                                </p:cTn>
+                              </p:par>
+                            </p:childTnLst>
+                          </p:cTn>
+                        </p:par>
+                      </p:childTnLst>
+                    </p:cTn>
+                  </p:par>
+                </p:childTnLst>
+              </p:cTn>
+              <p:prevCondLst>
+                <p:cond evt="onPrev" delay="0">
+                  <p:tgtEl>
+                    <p:sldTgt/>
+                  </p:tgtEl>
+                </p:cond>
+              </p:prevCondLst>
+              <p:nextCondLst>
+                <p:cond evt="onNext" delay="0">
+                  <p:tgtEl>
+                    <p:sldTgt/>
+                  </p:tgtEl>
+                </p:cond>
+              </p:nextCondLst>
+            </p:seq>
+          </p:childTnLst>
+        </p:cTn>
+      </p:par>
+    </p:tnLst>
+    <p:bldLst>
+      <p:bldP spid="6" grpId="0" animBg="1"/>
+      <p:bldP spid="7" grpId="0" animBg="1"/>
+      <p:bldP spid="8" grpId="0" animBg="1"/>
+      <p:bldP spid="9" grpId="0"/>
+      <p:bldP spid="10" grpId="0"/>
+      <p:bldP spid="11" grpId="0"/>
+      <p:bldP spid="12" grpId="0" animBg="1"/>
+      <p:bldP spid="13" grpId="0" animBg="1"/>
+      <p:bldP spid="14" grpId="0" animBg="1"/>
+    </p:bldLst>
+  </p:timing>
+</p:sld>
+</file>
+
+<file path=ppt/slides/slide12.xml><?xml version="1.0" encoding="utf-8"?>
+<p:sld xmlns:a="http://schemas.openxmlformats.org/drawingml/2006/main" xmlns:r="http://schemas.openxmlformats.org/officeDocument/2006/relationships" xmlns:p="http://schemas.openxmlformats.org/presentationml/2006/main">
+  <p:cSld>
+    <p:spTree>
+      <p:nvGrpSpPr>
+        <p:cNvPr id="1" name=""/>
+        <p:cNvGrpSpPr/>
+        <p:nvPr/>
+      </p:nvGrpSpPr>
+      <p:grpSpPr>
+        <a:xfrm>
+          <a:off x="0" y="0"/>
+          <a:ext cx="0" cy="0"/>
+          <a:chOff x="0" y="0"/>
+          <a:chExt cx="0" cy="0"/>
+        </a:xfrm>
+      </p:grpSpPr>
+      <p:sp>
+        <p:nvSpPr>
+          <p:cNvPr id="3" name="Titel 2">
+            <a:extLst>
+              <a:ext uri="{FF2B5EF4-FFF2-40B4-BE49-F238E27FC236}">
+                <a16:creationId xmlns:a16="http://schemas.microsoft.com/office/drawing/2014/main" id="{5B9D3CC2-42E9-4875-BFBF-E629FC5F63CC}"/>
+              </a:ext>
+            </a:extLst>
+          </p:cNvPr>
+          <p:cNvSpPr>
+            <a:spLocks noGrp="1"/>
+          </p:cNvSpPr>
+          <p:nvPr>
+            <p:ph type="ctrTitle"/>
+          </p:nvPr>
+        </p:nvSpPr>
+        <p:spPr/>
+        <p:txBody>
+          <a:bodyPr/>
+          <a:lstStyle/>
+          <a:p>
+            <a:r>
+              <a:rPr lang="de-CH" dirty="0"/>
+              <a:t>Prototyp Anbindung </a:t>
+            </a:r>
+            <a:r>
+              <a:rPr lang="de-CH" dirty="0" err="1"/>
+              <a:t>HospINDEX</a:t>
+            </a:r>
+            <a:endParaRPr lang="de-CH" dirty="0"/>
+          </a:p>
+        </p:txBody>
+      </p:sp>
+      <p:pic>
+        <p:nvPicPr>
+          <p:cNvPr id="4" name="Grafik 3">
+            <a:extLst>
+              <a:ext uri="{FF2B5EF4-FFF2-40B4-BE49-F238E27FC236}">
+                <a16:creationId xmlns:a16="http://schemas.microsoft.com/office/drawing/2014/main" id="{51321772-747B-4641-8E5C-3E82412FE39F}"/>
+              </a:ext>
+            </a:extLst>
+          </p:cNvPr>
+          <p:cNvPicPr/>
+          <p:nvPr/>
+        </p:nvPicPr>
+        <p:blipFill>
+          <a:blip r:embed="rId2"/>
+          <a:stretch>
+            <a:fillRect/>
+          </a:stretch>
+        </p:blipFill>
+        <p:spPr>
+          <a:xfrm>
+            <a:off x="1847854" y="900000"/>
+            <a:ext cx="5340291" cy="4315918"/>
+          </a:xfrm>
+          <a:prstGeom prst="rect">
+            <a:avLst/>
+          </a:prstGeom>
+        </p:spPr>
+      </p:pic>
+      <p:sp>
+        <p:nvSpPr>
+          <p:cNvPr id="5" name="Rechteck 4">
+            <a:extLst>
+              <a:ext uri="{FF2B5EF4-FFF2-40B4-BE49-F238E27FC236}">
+                <a16:creationId xmlns:a16="http://schemas.microsoft.com/office/drawing/2014/main" id="{BEDA9B25-8D69-49FE-8576-090C119B1DD7}"/>
+              </a:ext>
+            </a:extLst>
+          </p:cNvPr>
+          <p:cNvSpPr/>
+          <p:nvPr/>
+        </p:nvSpPr>
+        <p:spPr>
+          <a:xfrm>
+            <a:off x="2102178" y="1860850"/>
+            <a:ext cx="4590854" cy="1004898"/>
+          </a:xfrm>
+          <a:prstGeom prst="rect">
+            <a:avLst/>
+          </a:prstGeom>
+          <a:noFill/>
+          <a:ln w="28575">
+            <a:solidFill>
+              <a:srgbClr val="FF0000"/>
+            </a:solidFill>
+          </a:ln>
+          <a:effectLst/>
+        </p:spPr>
+        <p:style>
+          <a:lnRef idx="1">
+            <a:schemeClr val="accent1"/>
+          </a:lnRef>
+          <a:fillRef idx="3">
+            <a:schemeClr val="accent1"/>
+          </a:fillRef>
+          <a:effectRef idx="2">
+            <a:schemeClr val="accent1"/>
+          </a:effectRef>
+          <a:fontRef idx="minor">
+            <a:schemeClr val="lt1"/>
+          </a:fontRef>
+        </p:style>
+        <p:txBody>
+          <a:bodyPr rtlCol="0" anchor="ctr"/>
+          <a:lstStyle/>
+          <a:p>
+            <a:pPr algn="ctr"/>
+            <a:endParaRPr lang="de-CH"/>
+          </a:p>
+        </p:txBody>
+      </p:sp>
+      <p:sp>
+        <p:nvSpPr>
+          <p:cNvPr id="6" name="Rechteck 5">
+            <a:extLst>
+              <a:ext uri="{FF2B5EF4-FFF2-40B4-BE49-F238E27FC236}">
+                <a16:creationId xmlns:a16="http://schemas.microsoft.com/office/drawing/2014/main" id="{7A121EBF-63E3-4935-A675-E20F9C7D8EF8}"/>
+              </a:ext>
+            </a:extLst>
+          </p:cNvPr>
+          <p:cNvSpPr/>
+          <p:nvPr/>
+        </p:nvSpPr>
+        <p:spPr>
+          <a:xfrm>
+            <a:off x="2026765" y="2965749"/>
+            <a:ext cx="1630835" cy="635289"/>
+          </a:xfrm>
+          <a:prstGeom prst="rect">
+            <a:avLst/>
+          </a:prstGeom>
+          <a:noFill/>
+          <a:ln w="28575">
+            <a:solidFill>
+              <a:srgbClr val="0070C0"/>
+            </a:solidFill>
+          </a:ln>
+          <a:effectLst/>
+        </p:spPr>
+        <p:style>
+          <a:lnRef idx="1">
+            <a:schemeClr val="accent1"/>
+          </a:lnRef>
+          <a:fillRef idx="3">
+            <a:schemeClr val="accent1"/>
+          </a:fillRef>
+          <a:effectRef idx="2">
+            <a:schemeClr val="accent1"/>
+          </a:effectRef>
+          <a:fontRef idx="minor">
+            <a:schemeClr val="lt1"/>
+          </a:fontRef>
+        </p:style>
+        <p:txBody>
+          <a:bodyPr rtlCol="0" anchor="ctr"/>
+          <a:lstStyle/>
+          <a:p>
+            <a:pPr algn="ctr"/>
+            <a:endParaRPr lang="de-CH"/>
+          </a:p>
+        </p:txBody>
+      </p:sp>
+      <p:sp>
+        <p:nvSpPr>
+          <p:cNvPr id="7" name="Rechteck 6">
+            <a:extLst>
+              <a:ext uri="{FF2B5EF4-FFF2-40B4-BE49-F238E27FC236}">
+                <a16:creationId xmlns:a16="http://schemas.microsoft.com/office/drawing/2014/main" id="{3646DA7D-91D7-4E95-A540-9B8B652C34AC}"/>
+              </a:ext>
+            </a:extLst>
+          </p:cNvPr>
+          <p:cNvSpPr/>
+          <p:nvPr/>
+        </p:nvSpPr>
+        <p:spPr>
+          <a:xfrm>
+            <a:off x="3733014" y="3299381"/>
+            <a:ext cx="3261675" cy="447262"/>
+          </a:xfrm>
+          <a:prstGeom prst="rect">
+            <a:avLst/>
+          </a:prstGeom>
+          <a:noFill/>
+          <a:ln w="28575">
+            <a:solidFill>
+              <a:srgbClr val="00B050"/>
+            </a:solidFill>
+          </a:ln>
+          <a:effectLst/>
+        </p:spPr>
+        <p:style>
+          <a:lnRef idx="1">
+            <a:schemeClr val="accent1"/>
+          </a:lnRef>
+          <a:fillRef idx="3">
+            <a:schemeClr val="accent1"/>
+          </a:fillRef>
+          <a:effectRef idx="2">
+            <a:schemeClr val="accent1"/>
+          </a:effectRef>
+          <a:fontRef idx="minor">
+            <a:schemeClr val="lt1"/>
+          </a:fontRef>
+        </p:style>
+        <p:txBody>
+          <a:bodyPr rtlCol="0" anchor="ctr"/>
+          <a:lstStyle/>
+          <a:p>
+            <a:pPr algn="ctr"/>
+            <a:endParaRPr lang="de-CH"/>
+          </a:p>
+        </p:txBody>
+      </p:sp>
+      <p:sp>
+        <p:nvSpPr>
+          <p:cNvPr id="8" name="Textfeld 7">
+            <a:extLst>
+              <a:ext uri="{FF2B5EF4-FFF2-40B4-BE49-F238E27FC236}">
+                <a16:creationId xmlns:a16="http://schemas.microsoft.com/office/drawing/2014/main" id="{7A02578C-03AD-4870-B22C-0CA145C05C07}"/>
+              </a:ext>
+            </a:extLst>
+          </p:cNvPr>
+          <p:cNvSpPr txBox="1"/>
+          <p:nvPr/>
+        </p:nvSpPr>
+        <p:spPr>
+          <a:xfrm>
+            <a:off x="2243580" y="5301490"/>
+            <a:ext cx="2134239" cy="369332"/>
+          </a:xfrm>
+          <a:prstGeom prst="rect">
+            <a:avLst/>
+          </a:prstGeom>
+          <a:noFill/>
+        </p:spPr>
+        <p:txBody>
+          <a:bodyPr wrap="none" rtlCol="0">
+            <a:spAutoFit/>
+          </a:bodyPr>
+          <a:lstStyle/>
+          <a:p>
+            <a:r>
+              <a:rPr lang="de-CH" sz="1800" dirty="0">
+                <a:solidFill>
+                  <a:srgbClr val="FF0000"/>
+                </a:solidFill>
+              </a:rPr>
+              <a:t>Anamnese </a:t>
+            </a:r>
+            <a:r>
+              <a:rPr lang="de-CH" sz="1800" dirty="0" err="1">
+                <a:solidFill>
+                  <a:srgbClr val="FF0000"/>
+                </a:solidFill>
+              </a:rPr>
+              <a:t>erfassung</a:t>
+            </a:r>
+            <a:endParaRPr lang="de-CH" sz="1800" dirty="0">
+              <a:solidFill>
+                <a:srgbClr val="FF0000"/>
+              </a:solidFill>
+            </a:endParaRPr>
+          </a:p>
+        </p:txBody>
+      </p:sp>
+      <p:sp>
+        <p:nvSpPr>
+          <p:cNvPr id="9" name="Textfeld 8">
+            <a:extLst>
+              <a:ext uri="{FF2B5EF4-FFF2-40B4-BE49-F238E27FC236}">
+                <a16:creationId xmlns:a16="http://schemas.microsoft.com/office/drawing/2014/main" id="{579E0299-E7D7-4542-ABC1-6942F2C2B5BE}"/>
+              </a:ext>
+            </a:extLst>
+          </p:cNvPr>
+          <p:cNvSpPr txBox="1"/>
+          <p:nvPr/>
+        </p:nvSpPr>
+        <p:spPr>
+          <a:xfrm>
+            <a:off x="2243579" y="5582941"/>
+            <a:ext cx="3857594" cy="369332"/>
+          </a:xfrm>
+          <a:prstGeom prst="rect">
+            <a:avLst/>
+          </a:prstGeom>
+          <a:noFill/>
+        </p:spPr>
+        <p:txBody>
+          <a:bodyPr wrap="none" rtlCol="0">
+            <a:spAutoFit/>
+          </a:bodyPr>
+          <a:lstStyle/>
+          <a:p>
+            <a:r>
+              <a:rPr lang="de-CH" sz="1800" dirty="0">
+                <a:solidFill>
+                  <a:srgbClr val="0070C0"/>
+                </a:solidFill>
+              </a:rPr>
+              <a:t>Suchleiste mit Medikamentenvorschlag</a:t>
+            </a:r>
+          </a:p>
+        </p:txBody>
+      </p:sp>
+      <p:sp>
+        <p:nvSpPr>
+          <p:cNvPr id="10" name="Textfeld 9">
+            <a:extLst>
+              <a:ext uri="{FF2B5EF4-FFF2-40B4-BE49-F238E27FC236}">
+                <a16:creationId xmlns:a16="http://schemas.microsoft.com/office/drawing/2014/main" id="{05481F1A-D048-435F-AD12-30101E500A5E}"/>
+              </a:ext>
+            </a:extLst>
+          </p:cNvPr>
+          <p:cNvSpPr txBox="1"/>
+          <p:nvPr/>
+        </p:nvSpPr>
+        <p:spPr>
+          <a:xfrm>
+            <a:off x="2243580" y="5871622"/>
+            <a:ext cx="2567947" cy="369332"/>
+          </a:xfrm>
+          <a:prstGeom prst="rect">
+            <a:avLst/>
+          </a:prstGeom>
+          <a:noFill/>
+        </p:spPr>
+        <p:txBody>
+          <a:bodyPr wrap="none" rtlCol="0">
+            <a:spAutoFit/>
+          </a:bodyPr>
+          <a:lstStyle/>
+          <a:p>
+            <a:r>
+              <a:rPr lang="de-CH" sz="1800" dirty="0">
+                <a:solidFill>
+                  <a:srgbClr val="00B050"/>
+                </a:solidFill>
+              </a:rPr>
+              <a:t>Einnahmedokumentation</a:t>
+            </a:r>
+          </a:p>
+        </p:txBody>
+      </p:sp>
+      <p:sp>
+        <p:nvSpPr>
+          <p:cNvPr id="11" name="Ellipse 10">
+            <a:extLst>
+              <a:ext uri="{FF2B5EF4-FFF2-40B4-BE49-F238E27FC236}">
+                <a16:creationId xmlns:a16="http://schemas.microsoft.com/office/drawing/2014/main" id="{87E67574-0B0A-4CE8-A2D4-99F881C735BC}"/>
+              </a:ext>
+            </a:extLst>
+          </p:cNvPr>
+          <p:cNvSpPr/>
+          <p:nvPr/>
+        </p:nvSpPr>
+        <p:spPr>
+          <a:xfrm>
+            <a:off x="2120608" y="5435313"/>
+            <a:ext cx="98424" cy="106680"/>
+          </a:xfrm>
+          <a:prstGeom prst="ellipse">
+            <a:avLst/>
+          </a:prstGeom>
+          <a:solidFill>
+            <a:srgbClr val="FF0000"/>
+          </a:solidFill>
+          <a:ln>
+            <a:solidFill>
+              <a:srgbClr val="FF0000"/>
+            </a:solidFill>
+          </a:ln>
+          <a:effectLst/>
+        </p:spPr>
+        <p:style>
+          <a:lnRef idx="1">
+            <a:schemeClr val="accent1"/>
+          </a:lnRef>
+          <a:fillRef idx="3">
+            <a:schemeClr val="accent1"/>
+          </a:fillRef>
+          <a:effectRef idx="2">
+            <a:schemeClr val="accent1"/>
+          </a:effectRef>
+          <a:fontRef idx="minor">
+            <a:schemeClr val="lt1"/>
+          </a:fontRef>
+        </p:style>
+        <p:txBody>
+          <a:bodyPr rtlCol="0" anchor="ctr"/>
+          <a:lstStyle/>
+          <a:p>
+            <a:pPr algn="ctr"/>
+            <a:endParaRPr lang="de-CH"/>
+          </a:p>
+        </p:txBody>
+      </p:sp>
+      <p:sp>
+        <p:nvSpPr>
+          <p:cNvPr id="12" name="Ellipse 11">
+            <a:extLst>
+              <a:ext uri="{FF2B5EF4-FFF2-40B4-BE49-F238E27FC236}">
+                <a16:creationId xmlns:a16="http://schemas.microsoft.com/office/drawing/2014/main" id="{0D751BB2-4865-4864-89CF-2F202BE4E697}"/>
+              </a:ext>
+            </a:extLst>
+          </p:cNvPr>
+          <p:cNvSpPr/>
+          <p:nvPr/>
+        </p:nvSpPr>
+        <p:spPr>
+          <a:xfrm>
+            <a:off x="2120608" y="5714267"/>
+            <a:ext cx="98424" cy="106680"/>
+          </a:xfrm>
+          <a:prstGeom prst="ellipse">
+            <a:avLst/>
+          </a:prstGeom>
+          <a:solidFill>
+            <a:srgbClr val="0070C0"/>
+          </a:solidFill>
+          <a:ln>
+            <a:solidFill>
+              <a:srgbClr val="0070C0"/>
+            </a:solidFill>
+          </a:ln>
+          <a:effectLst/>
+        </p:spPr>
+        <p:style>
+          <a:lnRef idx="1">
+            <a:schemeClr val="accent1"/>
+          </a:lnRef>
+          <a:fillRef idx="3">
+            <a:schemeClr val="accent1"/>
+          </a:fillRef>
+          <a:effectRef idx="2">
+            <a:schemeClr val="accent1"/>
+          </a:effectRef>
+          <a:fontRef idx="minor">
+            <a:schemeClr val="lt1"/>
+          </a:fontRef>
+        </p:style>
+        <p:txBody>
+          <a:bodyPr rtlCol="0" anchor="ctr"/>
+          <a:lstStyle/>
+          <a:p>
+            <a:pPr algn="ctr"/>
+            <a:endParaRPr lang="de-CH"/>
+          </a:p>
+        </p:txBody>
+      </p:sp>
+      <p:sp>
+        <p:nvSpPr>
+          <p:cNvPr id="13" name="Ellipse 12">
+            <a:extLst>
+              <a:ext uri="{FF2B5EF4-FFF2-40B4-BE49-F238E27FC236}">
+                <a16:creationId xmlns:a16="http://schemas.microsoft.com/office/drawing/2014/main" id="{DBBEE1DB-E601-4FB0-88E5-44842FD69D25}"/>
+              </a:ext>
+            </a:extLst>
+          </p:cNvPr>
+          <p:cNvSpPr/>
+          <p:nvPr/>
+        </p:nvSpPr>
+        <p:spPr>
+          <a:xfrm>
+            <a:off x="2120608" y="6002948"/>
+            <a:ext cx="98424" cy="106680"/>
+          </a:xfrm>
+          <a:prstGeom prst="ellipse">
+            <a:avLst/>
+          </a:prstGeom>
+          <a:solidFill>
+            <a:srgbClr val="00B050"/>
+          </a:solidFill>
+          <a:ln>
+            <a:solidFill>
+              <a:srgbClr val="00B050"/>
+            </a:solidFill>
+          </a:ln>
+          <a:effectLst/>
+        </p:spPr>
+        <p:style>
+          <a:lnRef idx="1">
+            <a:schemeClr val="accent1"/>
+          </a:lnRef>
+          <a:fillRef idx="3">
+            <a:schemeClr val="accent1"/>
+          </a:fillRef>
+          <a:effectRef idx="2">
+            <a:schemeClr val="accent1"/>
+          </a:effectRef>
+          <a:fontRef idx="minor">
+            <a:schemeClr val="lt1"/>
+          </a:fontRef>
+        </p:style>
+        <p:txBody>
+          <a:bodyPr rtlCol="0" anchor="ctr"/>
+          <a:lstStyle/>
+          <a:p>
+            <a:pPr algn="ctr"/>
+            <a:endParaRPr lang="de-CH"/>
+          </a:p>
+        </p:txBody>
+      </p:sp>
+    </p:spTree>
+    <p:extLst>
+      <p:ext uri="{BB962C8B-B14F-4D97-AF65-F5344CB8AC3E}">
+        <p14:creationId xmlns:p14="http://schemas.microsoft.com/office/powerpoint/2010/main" val="605272120"/>
+      </p:ext>
+    </p:extLst>
+  </p:cSld>
+  <p:clrMapOvr>
+    <a:masterClrMapping/>
+  </p:clrMapOvr>
+  <p:timing>
+    <p:tnLst>
+      <p:par>
+        <p:cTn id="1" dur="indefinite" restart="never" nodeType="tmRoot">
+          <p:childTnLst>
+            <p:seq concurrent="1" nextAc="seek">
+              <p:cTn id="2" dur="indefinite" nodeType="mainSeq">
+                <p:childTnLst>
+                  <p:par>
+                    <p:cTn id="3" fill="hold">
+                      <p:stCondLst>
+                        <p:cond delay="indefinite"/>
+                      </p:stCondLst>
+                      <p:childTnLst>
+                        <p:par>
+                          <p:cTn id="4" fill="hold">
+                            <p:stCondLst>
+                              <p:cond delay="0"/>
+                            </p:stCondLst>
+                            <p:childTnLst>
+                              <p:par>
+                                <p:cTn id="5" presetID="1" presetClass="entr" presetSubtype="0" fill="hold" grpId="0" nodeType="clickEffect">
+                                  <p:stCondLst>
+                                    <p:cond delay="0"/>
+                                  </p:stCondLst>
+                                  <p:childTnLst>
+                                    <p:set>
+                                      <p:cBhvr>
+                                        <p:cTn id="6" dur="1" fill="hold">
+                                          <p:stCondLst>
+                                            <p:cond delay="0"/>
+                                          </p:stCondLst>
+                                        </p:cTn>
+                                        <p:tgtEl>
+                                          <p:spTgt spid="5"/>
+                                        </p:tgtEl>
+                                        <p:attrNameLst>
+                                          <p:attrName>style.visibility</p:attrName>
+                                        </p:attrNameLst>
+                                      </p:cBhvr>
+                                      <p:to>
+                                        <p:strVal val="visible"/>
+                                      </p:to>
+                                    </p:set>
+                                  </p:childTnLst>
+                                </p:cTn>
+                              </p:par>
+                              <p:par>
+                                <p:cTn id="7" presetID="1" presetClass="entr" presetSubtype="0" fill="hold" grpId="0" nodeType="withEffect">
+                                  <p:stCondLst>
+                                    <p:cond delay="0"/>
+                                  </p:stCondLst>
+                                  <p:childTnLst>
+                                    <p:set>
+                                      <p:cBhvr>
+                                        <p:cTn id="8" dur="1" fill="hold">
+                                          <p:stCondLst>
+                                            <p:cond delay="0"/>
+                                          </p:stCondLst>
+                                        </p:cTn>
+                                        <p:tgtEl>
+                                          <p:spTgt spid="11"/>
+                                        </p:tgtEl>
+                                        <p:attrNameLst>
+                                          <p:attrName>style.visibility</p:attrName>
+                                        </p:attrNameLst>
+                                      </p:cBhvr>
+                                      <p:to>
+                                        <p:strVal val="visible"/>
+                                      </p:to>
+                                    </p:set>
+                                  </p:childTnLst>
+                                </p:cTn>
+                              </p:par>
+                              <p:par>
+                                <p:cTn id="9" presetID="1" presetClass="entr" presetSubtype="0" fill="hold" grpId="0" nodeType="withEffect">
+                                  <p:stCondLst>
+                                    <p:cond delay="0"/>
+                                  </p:stCondLst>
+                                  <p:childTnLst>
+                                    <p:set>
+                                      <p:cBhvr>
+                                        <p:cTn id="10" dur="1" fill="hold">
+                                          <p:stCondLst>
+                                            <p:cond delay="0"/>
+                                          </p:stCondLst>
+                                        </p:cTn>
+                                        <p:tgtEl>
+                                          <p:spTgt spid="8"/>
+                                        </p:tgtEl>
+                                        <p:attrNameLst>
+                                          <p:attrName>style.visibility</p:attrName>
+                                        </p:attrNameLst>
+                                      </p:cBhvr>
+                                      <p:to>
+                                        <p:strVal val="visible"/>
+                                      </p:to>
+                                    </p:set>
+                                  </p:childTnLst>
+                                </p:cTn>
+                              </p:par>
+                            </p:childTnLst>
+                          </p:cTn>
+                        </p:par>
+                      </p:childTnLst>
+                    </p:cTn>
+                  </p:par>
+                  <p:par>
+                    <p:cTn id="11" fill="hold">
+                      <p:stCondLst>
+                        <p:cond delay="indefinite"/>
+                      </p:stCondLst>
+                      <p:childTnLst>
+                        <p:par>
+                          <p:cTn id="12" fill="hold">
+                            <p:stCondLst>
+                              <p:cond delay="0"/>
+                            </p:stCondLst>
+                            <p:childTnLst>
+                              <p:par>
+                                <p:cTn id="13" presetID="1" presetClass="entr" presetSubtype="0" fill="hold" grpId="0" nodeType="clickEffect">
+                                  <p:stCondLst>
+                                    <p:cond delay="0"/>
+                                  </p:stCondLst>
+                                  <p:childTnLst>
+                                    <p:set>
+                                      <p:cBhvr>
+                                        <p:cTn id="14" dur="1" fill="hold">
+                                          <p:stCondLst>
+                                            <p:cond delay="0"/>
+                                          </p:stCondLst>
+                                        </p:cTn>
+                                        <p:tgtEl>
+                                          <p:spTgt spid="6"/>
+                                        </p:tgtEl>
+                                        <p:attrNameLst>
+                                          <p:attrName>style.visibility</p:attrName>
+                                        </p:attrNameLst>
+                                      </p:cBhvr>
+                                      <p:to>
+                                        <p:strVal val="visible"/>
+                                      </p:to>
+                                    </p:set>
+                                  </p:childTnLst>
+                                </p:cTn>
+                              </p:par>
+                              <p:par>
+                                <p:cTn id="15" presetID="1" presetClass="entr" presetSubtype="0" fill="hold" grpId="0" nodeType="withEffect">
+                                  <p:stCondLst>
+                                    <p:cond delay="0"/>
+                                  </p:stCondLst>
+                                  <p:childTnLst>
+                                    <p:set>
+                                      <p:cBhvr>
+                                        <p:cTn id="16" dur="1" fill="hold">
+                                          <p:stCondLst>
+                                            <p:cond delay="0"/>
+                                          </p:stCondLst>
+                                        </p:cTn>
+                                        <p:tgtEl>
+                                          <p:spTgt spid="12"/>
+                                        </p:tgtEl>
+                                        <p:attrNameLst>
+                                          <p:attrName>style.visibility</p:attrName>
+                                        </p:attrNameLst>
+                                      </p:cBhvr>
+                                      <p:to>
+                                        <p:strVal val="visible"/>
+                                      </p:to>
+                                    </p:set>
+                                  </p:childTnLst>
+                                </p:cTn>
+                              </p:par>
+                              <p:par>
+                                <p:cTn id="17" presetID="1" presetClass="entr" presetSubtype="0" fill="hold" grpId="0" nodeType="withEffect">
+                                  <p:stCondLst>
+                                    <p:cond delay="0"/>
+                                  </p:stCondLst>
+                                  <p:childTnLst>
+                                    <p:set>
+                                      <p:cBhvr>
+                                        <p:cTn id="18" dur="1" fill="hold">
+                                          <p:stCondLst>
+                                            <p:cond delay="0"/>
+                                          </p:stCondLst>
+                                        </p:cTn>
+                                        <p:tgtEl>
+                                          <p:spTgt spid="9"/>
+                                        </p:tgtEl>
+                                        <p:attrNameLst>
+                                          <p:attrName>style.visibility</p:attrName>
+                                        </p:attrNameLst>
+                                      </p:cBhvr>
+                                      <p:to>
+                                        <p:strVal val="visible"/>
+                                      </p:to>
+                                    </p:set>
+                                  </p:childTnLst>
+                                </p:cTn>
+                              </p:par>
+                            </p:childTnLst>
+                          </p:cTn>
+                        </p:par>
+                      </p:childTnLst>
+                    </p:cTn>
+                  </p:par>
+                  <p:par>
+                    <p:cTn id="19" fill="hold">
+                      <p:stCondLst>
+                        <p:cond delay="indefinite"/>
+                      </p:stCondLst>
+                      <p:childTnLst>
+                        <p:par>
+                          <p:cTn id="20" fill="hold">
+                            <p:stCondLst>
+                              <p:cond delay="0"/>
+                            </p:stCondLst>
+                            <p:childTnLst>
+                              <p:par>
+                                <p:cTn id="21" presetID="1" presetClass="entr" presetSubtype="0" fill="hold" grpId="0" nodeType="clickEffect">
+                                  <p:stCondLst>
+                                    <p:cond delay="0"/>
+                                  </p:stCondLst>
+                                  <p:childTnLst>
+                                    <p:set>
+                                      <p:cBhvr>
+                                        <p:cTn id="22" dur="1" fill="hold">
+                                          <p:stCondLst>
+                                            <p:cond delay="0"/>
+                                          </p:stCondLst>
+                                        </p:cTn>
+                                        <p:tgtEl>
+                                          <p:spTgt spid="7"/>
+                                        </p:tgtEl>
+                                        <p:attrNameLst>
+                                          <p:attrName>style.visibility</p:attrName>
+                                        </p:attrNameLst>
+                                      </p:cBhvr>
+                                      <p:to>
+                                        <p:strVal val="visible"/>
+                                      </p:to>
+                                    </p:set>
+                                  </p:childTnLst>
+                                </p:cTn>
+                              </p:par>
+                              <p:par>
+                                <p:cTn id="23" presetID="1" presetClass="entr" presetSubtype="0" fill="hold" grpId="0" nodeType="withEffect">
+                                  <p:stCondLst>
+                                    <p:cond delay="0"/>
+                                  </p:stCondLst>
+                                  <p:childTnLst>
+                                    <p:set>
+                                      <p:cBhvr>
+                                        <p:cTn id="24" dur="1" fill="hold">
+                                          <p:stCondLst>
+                                            <p:cond delay="0"/>
+                                          </p:stCondLst>
+                                        </p:cTn>
+                                        <p:tgtEl>
+                                          <p:spTgt spid="13"/>
+                                        </p:tgtEl>
+                                        <p:attrNameLst>
+                                          <p:attrName>style.visibility</p:attrName>
+                                        </p:attrNameLst>
+                                      </p:cBhvr>
+                                      <p:to>
+                                        <p:strVal val="visible"/>
+                                      </p:to>
+                                    </p:set>
+                                  </p:childTnLst>
+                                </p:cTn>
+                              </p:par>
+                              <p:par>
+                                <p:cTn id="25" presetID="1" presetClass="entr" presetSubtype="0" fill="hold" grpId="0" nodeType="withEffect">
+                                  <p:stCondLst>
+                                    <p:cond delay="0"/>
+                                  </p:stCondLst>
+                                  <p:childTnLst>
+                                    <p:set>
+                                      <p:cBhvr>
+                                        <p:cTn id="26" dur="1" fill="hold">
+                                          <p:stCondLst>
+                                            <p:cond delay="0"/>
+                                          </p:stCondLst>
+                                        </p:cTn>
+                                        <p:tgtEl>
+                                          <p:spTgt spid="10"/>
+                                        </p:tgtEl>
+                                        <p:attrNameLst>
+                                          <p:attrName>style.visibility</p:attrName>
+                                        </p:attrNameLst>
+                                      </p:cBhvr>
+                                      <p:to>
+                                        <p:strVal val="visible"/>
+                                      </p:to>
+                                    </p:set>
+                                  </p:childTnLst>
+                                </p:cTn>
+                              </p:par>
+                            </p:childTnLst>
+                          </p:cTn>
+                        </p:par>
+                      </p:childTnLst>
+                    </p:cTn>
+                  </p:par>
+                </p:childTnLst>
+              </p:cTn>
+              <p:prevCondLst>
+                <p:cond evt="onPrev" delay="0">
+                  <p:tgtEl>
+                    <p:sldTgt/>
+                  </p:tgtEl>
+                </p:cond>
+              </p:prevCondLst>
+              <p:nextCondLst>
+                <p:cond evt="onNext" delay="0">
+                  <p:tgtEl>
+                    <p:sldTgt/>
+                  </p:tgtEl>
+                </p:cond>
+              </p:nextCondLst>
+            </p:seq>
+          </p:childTnLst>
+        </p:cTn>
+      </p:par>
+    </p:tnLst>
+    <p:bldLst>
+      <p:bldP spid="5" grpId="0" animBg="1"/>
+      <p:bldP spid="6" grpId="0" animBg="1"/>
+      <p:bldP spid="7" grpId="0" animBg="1"/>
+      <p:bldP spid="8" grpId="0"/>
+      <p:bldP spid="9" grpId="0"/>
+      <p:bldP spid="10" grpId="0"/>
+      <p:bldP spid="11" grpId="0" animBg="1"/>
+      <p:bldP spid="12" grpId="0" animBg="1"/>
+      <p:bldP spid="13" grpId="0" animBg="1"/>
+    </p:bldLst>
+  </p:timing>
+</p:sld>
+</file>
+
+<file path=ppt/slides/slide13.xml><?xml version="1.0" encoding="utf-8"?>
+<p:sld xmlns:a="http://schemas.openxmlformats.org/drawingml/2006/main" xmlns:r="http://schemas.openxmlformats.org/officeDocument/2006/relationships" xmlns:p="http://schemas.openxmlformats.org/presentationml/2006/main">
+  <p:cSld>
+    <p:spTree>
+      <p:nvGrpSpPr>
+        <p:cNvPr id="1" name=""/>
+        <p:cNvGrpSpPr/>
+        <p:nvPr/>
+      </p:nvGrpSpPr>
+      <p:grpSpPr>
+        <a:xfrm>
+          <a:off x="0" y="0"/>
+          <a:ext cx="0" cy="0"/>
+          <a:chOff x="0" y="0"/>
+          <a:chExt cx="0" cy="0"/>
+        </a:xfrm>
+      </p:grpSpPr>
+      <p:pic>
+        <p:nvPicPr>
+          <p:cNvPr id="26" name="Grafik 25">
+            <a:extLst>
+              <a:ext uri="{FF2B5EF4-FFF2-40B4-BE49-F238E27FC236}">
+                <a16:creationId xmlns:a16="http://schemas.microsoft.com/office/drawing/2014/main" id="{08C2B08E-0744-4A91-B557-E4DEA0202D40}"/>
+              </a:ext>
+            </a:extLst>
+          </p:cNvPr>
+          <p:cNvPicPr/>
+          <p:nvPr/>
+        </p:nvPicPr>
+        <p:blipFill rotWithShape="1">
+          <a:blip r:embed="rId2">
+            <a:extLst>
+              <a:ext uri="{28A0092B-C50C-407E-A947-70E740481C1C}">
+                <a14:useLocalDpi xmlns:a14="http://schemas.microsoft.com/office/drawing/2010/main" val="0"/>
+              </a:ext>
+            </a:extLst>
+          </a:blip>
+          <a:srcRect l="6029" r="4326" b="12120"/>
+          <a:stretch/>
+        </p:blipFill>
+        <p:spPr bwMode="auto">
+          <a:xfrm>
+            <a:off x="1847854" y="900001"/>
+            <a:ext cx="5340291" cy="4315918"/>
+          </a:xfrm>
+          <a:prstGeom prst="rect">
+            <a:avLst/>
+          </a:prstGeom>
+          <a:noFill/>
+          <a:ln>
+            <a:noFill/>
+          </a:ln>
+        </p:spPr>
+      </p:pic>
+      <p:sp>
+        <p:nvSpPr>
+          <p:cNvPr id="3" name="Titel 2">
+            <a:extLst>
+              <a:ext uri="{FF2B5EF4-FFF2-40B4-BE49-F238E27FC236}">
+                <a16:creationId xmlns:a16="http://schemas.microsoft.com/office/drawing/2014/main" id="{983A66D6-A9AB-4B0A-8025-4B7B21590B82}"/>
+              </a:ext>
+            </a:extLst>
+          </p:cNvPr>
+          <p:cNvSpPr>
+            <a:spLocks noGrp="1"/>
+          </p:cNvSpPr>
+          <p:nvPr>
+            <p:ph type="ctrTitle"/>
+          </p:nvPr>
+        </p:nvSpPr>
+        <p:spPr/>
+        <p:txBody>
+          <a:bodyPr/>
+          <a:lstStyle/>
+          <a:p>
+            <a:r>
+              <a:rPr lang="de-CH" dirty="0"/>
+              <a:t>Prototyp strukturierte Terminerfassung </a:t>
+            </a:r>
+          </a:p>
+        </p:txBody>
+      </p:sp>
+      <p:sp>
+        <p:nvSpPr>
+          <p:cNvPr id="16" name="Rechteck 15">
+            <a:extLst>
+              <a:ext uri="{FF2B5EF4-FFF2-40B4-BE49-F238E27FC236}">
+                <a16:creationId xmlns:a16="http://schemas.microsoft.com/office/drawing/2014/main" id="{E87CD4C0-2FCA-465C-A71C-BD9DB05FC1E8}"/>
+              </a:ext>
+            </a:extLst>
+          </p:cNvPr>
+          <p:cNvSpPr/>
+          <p:nvPr/>
+        </p:nvSpPr>
+        <p:spPr>
+          <a:xfrm>
+            <a:off x="3157978" y="1828801"/>
+            <a:ext cx="3948975" cy="2196444"/>
+          </a:xfrm>
+          <a:prstGeom prst="rect">
+            <a:avLst/>
+          </a:prstGeom>
+          <a:noFill/>
+          <a:ln w="28575">
+            <a:solidFill>
+              <a:srgbClr val="FF0000"/>
+            </a:solidFill>
+          </a:ln>
+          <a:effectLst/>
+        </p:spPr>
+        <p:style>
+          <a:lnRef idx="1">
+            <a:schemeClr val="accent1"/>
+          </a:lnRef>
+          <a:fillRef idx="3">
+            <a:schemeClr val="accent1"/>
+          </a:fillRef>
+          <a:effectRef idx="2">
+            <a:schemeClr val="accent1"/>
+          </a:effectRef>
+          <a:fontRef idx="minor">
+            <a:schemeClr val="lt1"/>
+          </a:fontRef>
+        </p:style>
+        <p:txBody>
+          <a:bodyPr rtlCol="0" anchor="ctr"/>
+          <a:lstStyle/>
+          <a:p>
+            <a:pPr algn="ctr"/>
+            <a:endParaRPr lang="de-CH"/>
+          </a:p>
+        </p:txBody>
+      </p:sp>
+      <p:sp>
+        <p:nvSpPr>
+          <p:cNvPr id="17" name="Rechteck 16">
+            <a:extLst>
+              <a:ext uri="{FF2B5EF4-FFF2-40B4-BE49-F238E27FC236}">
+                <a16:creationId xmlns:a16="http://schemas.microsoft.com/office/drawing/2014/main" id="{3313FEB4-CA0C-4788-B02C-93ABE1E791A7}"/>
+              </a:ext>
+            </a:extLst>
+          </p:cNvPr>
+          <p:cNvSpPr/>
+          <p:nvPr/>
+        </p:nvSpPr>
+        <p:spPr>
+          <a:xfrm>
+            <a:off x="3702581" y="4381056"/>
+            <a:ext cx="1934648" cy="635289"/>
+          </a:xfrm>
+          <a:prstGeom prst="rect">
+            <a:avLst/>
+          </a:prstGeom>
+          <a:noFill/>
+          <a:ln w="28575">
+            <a:solidFill>
+              <a:srgbClr val="0070C0"/>
+            </a:solidFill>
+          </a:ln>
+          <a:effectLst/>
+        </p:spPr>
+        <p:style>
+          <a:lnRef idx="1">
+            <a:schemeClr val="accent1"/>
+          </a:lnRef>
+          <a:fillRef idx="3">
+            <a:schemeClr val="accent1"/>
+          </a:fillRef>
+          <a:effectRef idx="2">
+            <a:schemeClr val="accent1"/>
+          </a:effectRef>
+          <a:fontRef idx="minor">
+            <a:schemeClr val="lt1"/>
+          </a:fontRef>
+        </p:style>
+        <p:txBody>
+          <a:bodyPr rtlCol="0" anchor="ctr"/>
+          <a:lstStyle/>
+          <a:p>
+            <a:pPr algn="ctr"/>
+            <a:endParaRPr lang="de-CH"/>
+          </a:p>
+        </p:txBody>
+      </p:sp>
+      <p:sp>
+        <p:nvSpPr>
+          <p:cNvPr id="18" name="Rechteck 17">
+            <a:extLst>
+              <a:ext uri="{FF2B5EF4-FFF2-40B4-BE49-F238E27FC236}">
+                <a16:creationId xmlns:a16="http://schemas.microsoft.com/office/drawing/2014/main" id="{F841E27C-59CA-4B78-8603-88D87534EF9B}"/>
+              </a:ext>
+            </a:extLst>
+          </p:cNvPr>
+          <p:cNvSpPr/>
+          <p:nvPr/>
+        </p:nvSpPr>
+        <p:spPr>
+          <a:xfrm>
+            <a:off x="1955855" y="1338754"/>
+            <a:ext cx="1120931" cy="2950442"/>
+          </a:xfrm>
+          <a:prstGeom prst="rect">
+            <a:avLst/>
+          </a:prstGeom>
+          <a:noFill/>
+          <a:ln w="28575">
+            <a:solidFill>
+              <a:srgbClr val="00B050"/>
+            </a:solidFill>
+          </a:ln>
+          <a:effectLst/>
+        </p:spPr>
+        <p:style>
+          <a:lnRef idx="1">
+            <a:schemeClr val="accent1"/>
+          </a:lnRef>
+          <a:fillRef idx="3">
+            <a:schemeClr val="accent1"/>
+          </a:fillRef>
+          <a:effectRef idx="2">
+            <a:schemeClr val="accent1"/>
+          </a:effectRef>
+          <a:fontRef idx="minor">
+            <a:schemeClr val="lt1"/>
+          </a:fontRef>
+        </p:style>
+        <p:txBody>
+          <a:bodyPr rtlCol="0" anchor="ctr"/>
+          <a:lstStyle/>
+          <a:p>
+            <a:pPr algn="ctr"/>
+            <a:endParaRPr lang="de-CH"/>
+          </a:p>
+        </p:txBody>
+      </p:sp>
+      <p:sp>
+        <p:nvSpPr>
+          <p:cNvPr id="19" name="Textfeld 18">
+            <a:extLst>
+              <a:ext uri="{FF2B5EF4-FFF2-40B4-BE49-F238E27FC236}">
+                <a16:creationId xmlns:a16="http://schemas.microsoft.com/office/drawing/2014/main" id="{FC9A373E-568D-49F3-B9F8-5BDFBEA82953}"/>
+              </a:ext>
+            </a:extLst>
+          </p:cNvPr>
+          <p:cNvSpPr txBox="1"/>
+          <p:nvPr/>
+        </p:nvSpPr>
+        <p:spPr>
+          <a:xfrm>
+            <a:off x="2243580" y="5301490"/>
+            <a:ext cx="4813369" cy="369332"/>
+          </a:xfrm>
+          <a:prstGeom prst="rect">
+            <a:avLst/>
+          </a:prstGeom>
+          <a:noFill/>
+        </p:spPr>
+        <p:txBody>
+          <a:bodyPr wrap="none" rtlCol="0">
+            <a:spAutoFit/>
+          </a:bodyPr>
+          <a:lstStyle/>
+          <a:p>
+            <a:r>
+              <a:rPr lang="de-CH" sz="1800" dirty="0">
+                <a:solidFill>
+                  <a:srgbClr val="FF0000"/>
+                </a:solidFill>
+              </a:rPr>
+              <a:t>Terminübersicht mit Suchfunktion für Mitarbeiter</a:t>
+            </a:r>
+          </a:p>
+        </p:txBody>
+      </p:sp>
+      <p:sp>
+        <p:nvSpPr>
+          <p:cNvPr id="20" name="Textfeld 19">
+            <a:extLst>
+              <a:ext uri="{FF2B5EF4-FFF2-40B4-BE49-F238E27FC236}">
+                <a16:creationId xmlns:a16="http://schemas.microsoft.com/office/drawing/2014/main" id="{01B4470B-A86F-4A93-9A5A-BF68471C0768}"/>
+              </a:ext>
+            </a:extLst>
+          </p:cNvPr>
+          <p:cNvSpPr txBox="1"/>
+          <p:nvPr/>
+        </p:nvSpPr>
+        <p:spPr>
+          <a:xfrm>
+            <a:off x="2243579" y="5582941"/>
+            <a:ext cx="6032357" cy="369332"/>
+          </a:xfrm>
+          <a:prstGeom prst="rect">
+            <a:avLst/>
+          </a:prstGeom>
+          <a:noFill/>
+        </p:spPr>
+        <p:txBody>
+          <a:bodyPr wrap="none" rtlCol="0">
+            <a:spAutoFit/>
+          </a:bodyPr>
+          <a:lstStyle/>
+          <a:p>
+            <a:r>
+              <a:rPr lang="de-CH" sz="1800" dirty="0" err="1">
+                <a:solidFill>
+                  <a:srgbClr val="0070C0"/>
+                </a:solidFill>
+              </a:rPr>
+              <a:t>Menübar</a:t>
+            </a:r>
+            <a:r>
+              <a:rPr lang="de-CH" sz="1800" dirty="0">
+                <a:solidFill>
+                  <a:srgbClr val="0070C0"/>
+                </a:solidFill>
+              </a:rPr>
+              <a:t>: </a:t>
+            </a:r>
+            <a:r>
+              <a:rPr lang="de-CH" sz="1800" dirty="0" err="1">
+                <a:solidFill>
+                  <a:srgbClr val="0070C0"/>
+                </a:solidFill>
+              </a:rPr>
+              <a:t>Todo</a:t>
+            </a:r>
+            <a:r>
+              <a:rPr lang="de-CH" sz="1800" dirty="0">
+                <a:solidFill>
+                  <a:srgbClr val="0070C0"/>
+                </a:solidFill>
+              </a:rPr>
+              <a:t>-Liste erstellen, suchen, neue Termine erstellen</a:t>
+            </a:r>
+          </a:p>
+        </p:txBody>
+      </p:sp>
+      <p:sp>
+        <p:nvSpPr>
+          <p:cNvPr id="21" name="Textfeld 20">
+            <a:extLst>
+              <a:ext uri="{FF2B5EF4-FFF2-40B4-BE49-F238E27FC236}">
+                <a16:creationId xmlns:a16="http://schemas.microsoft.com/office/drawing/2014/main" id="{ED2A5B6F-A08A-4142-9D0F-209356E770A5}"/>
+              </a:ext>
+            </a:extLst>
+          </p:cNvPr>
+          <p:cNvSpPr txBox="1"/>
+          <p:nvPr/>
+        </p:nvSpPr>
+        <p:spPr>
+          <a:xfrm>
+            <a:off x="2243580" y="5871622"/>
+            <a:ext cx="3371308" cy="369332"/>
+          </a:xfrm>
+          <a:prstGeom prst="rect">
+            <a:avLst/>
+          </a:prstGeom>
+          <a:noFill/>
+        </p:spPr>
+        <p:txBody>
+          <a:bodyPr wrap="none" rtlCol="0">
+            <a:spAutoFit/>
+          </a:bodyPr>
+          <a:lstStyle/>
+          <a:p>
+            <a:r>
+              <a:rPr lang="de-CH" sz="1800" dirty="0">
+                <a:solidFill>
+                  <a:srgbClr val="00B050"/>
+                </a:solidFill>
+              </a:rPr>
+              <a:t>Mitarbeiterübersicht &amp; </a:t>
+            </a:r>
+            <a:r>
+              <a:rPr lang="de-CH" sz="1800" dirty="0" err="1">
+                <a:solidFill>
+                  <a:srgbClr val="00B050"/>
+                </a:solidFill>
+              </a:rPr>
+              <a:t>ToDo</a:t>
+            </a:r>
+            <a:r>
+              <a:rPr lang="de-CH" sz="1800" dirty="0">
+                <a:solidFill>
+                  <a:srgbClr val="00B050"/>
+                </a:solidFill>
+              </a:rPr>
+              <a:t>-Liste</a:t>
+            </a:r>
+          </a:p>
+        </p:txBody>
+      </p:sp>
+      <p:sp>
+        <p:nvSpPr>
+          <p:cNvPr id="22" name="Ellipse 21">
+            <a:extLst>
+              <a:ext uri="{FF2B5EF4-FFF2-40B4-BE49-F238E27FC236}">
+                <a16:creationId xmlns:a16="http://schemas.microsoft.com/office/drawing/2014/main" id="{D15500BD-DF74-4ABD-9958-062C8157209F}"/>
+              </a:ext>
+            </a:extLst>
+          </p:cNvPr>
+          <p:cNvSpPr/>
+          <p:nvPr/>
+        </p:nvSpPr>
+        <p:spPr>
+          <a:xfrm>
+            <a:off x="2120608" y="5435313"/>
+            <a:ext cx="98424" cy="106680"/>
+          </a:xfrm>
+          <a:prstGeom prst="ellipse">
+            <a:avLst/>
+          </a:prstGeom>
+          <a:solidFill>
+            <a:srgbClr val="FF0000"/>
+          </a:solidFill>
+          <a:ln>
+            <a:solidFill>
+              <a:srgbClr val="FF0000"/>
+            </a:solidFill>
+          </a:ln>
+          <a:effectLst/>
+        </p:spPr>
+        <p:style>
+          <a:lnRef idx="1">
+            <a:schemeClr val="accent1"/>
+          </a:lnRef>
+          <a:fillRef idx="3">
+            <a:schemeClr val="accent1"/>
+          </a:fillRef>
+          <a:effectRef idx="2">
+            <a:schemeClr val="accent1"/>
+          </a:effectRef>
+          <a:fontRef idx="minor">
+            <a:schemeClr val="lt1"/>
+          </a:fontRef>
+        </p:style>
+        <p:txBody>
+          <a:bodyPr rtlCol="0" anchor="ctr"/>
+          <a:lstStyle/>
+          <a:p>
+            <a:pPr algn="ctr"/>
+            <a:endParaRPr lang="de-CH"/>
+          </a:p>
+        </p:txBody>
+      </p:sp>
+      <p:sp>
+        <p:nvSpPr>
+          <p:cNvPr id="23" name="Ellipse 22">
+            <a:extLst>
+              <a:ext uri="{FF2B5EF4-FFF2-40B4-BE49-F238E27FC236}">
+                <a16:creationId xmlns:a16="http://schemas.microsoft.com/office/drawing/2014/main" id="{2D265A08-8CE4-4A88-B355-8DEFCC6097EF}"/>
+              </a:ext>
+            </a:extLst>
+          </p:cNvPr>
+          <p:cNvSpPr/>
+          <p:nvPr/>
+        </p:nvSpPr>
+        <p:spPr>
+          <a:xfrm>
+            <a:off x="2120608" y="5714267"/>
+            <a:ext cx="98424" cy="106680"/>
+          </a:xfrm>
+          <a:prstGeom prst="ellipse">
+            <a:avLst/>
+          </a:prstGeom>
+          <a:solidFill>
+            <a:srgbClr val="0070C0"/>
+          </a:solidFill>
+          <a:ln>
+            <a:solidFill>
+              <a:srgbClr val="0070C0"/>
+            </a:solidFill>
+          </a:ln>
+          <a:effectLst/>
+        </p:spPr>
+        <p:style>
+          <a:lnRef idx="1">
+            <a:schemeClr val="accent1"/>
+          </a:lnRef>
+          <a:fillRef idx="3">
+            <a:schemeClr val="accent1"/>
+          </a:fillRef>
+          <a:effectRef idx="2">
+            <a:schemeClr val="accent1"/>
+          </a:effectRef>
+          <a:fontRef idx="minor">
+            <a:schemeClr val="lt1"/>
+          </a:fontRef>
+        </p:style>
+        <p:txBody>
+          <a:bodyPr rtlCol="0" anchor="ctr"/>
+          <a:lstStyle/>
+          <a:p>
+            <a:pPr algn="ctr"/>
+            <a:endParaRPr lang="de-CH"/>
+          </a:p>
+        </p:txBody>
+      </p:sp>
+      <p:sp>
+        <p:nvSpPr>
+          <p:cNvPr id="24" name="Ellipse 23">
+            <a:extLst>
+              <a:ext uri="{FF2B5EF4-FFF2-40B4-BE49-F238E27FC236}">
+                <a16:creationId xmlns:a16="http://schemas.microsoft.com/office/drawing/2014/main" id="{E60911C1-4987-41B6-A9C2-C1A92422A429}"/>
+              </a:ext>
+            </a:extLst>
+          </p:cNvPr>
+          <p:cNvSpPr/>
+          <p:nvPr/>
+        </p:nvSpPr>
+        <p:spPr>
+          <a:xfrm>
+            <a:off x="2120608" y="6002948"/>
+            <a:ext cx="98424" cy="106680"/>
+          </a:xfrm>
+          <a:prstGeom prst="ellipse">
+            <a:avLst/>
+          </a:prstGeom>
+          <a:solidFill>
+            <a:srgbClr val="00B050"/>
+          </a:solidFill>
+          <a:ln>
+            <a:solidFill>
+              <a:srgbClr val="00B050"/>
+            </a:solidFill>
+          </a:ln>
+          <a:effectLst/>
+        </p:spPr>
+        <p:style>
+          <a:lnRef idx="1">
+            <a:schemeClr val="accent1"/>
+          </a:lnRef>
+          <a:fillRef idx="3">
+            <a:schemeClr val="accent1"/>
+          </a:fillRef>
+          <a:effectRef idx="2">
+            <a:schemeClr val="accent1"/>
+          </a:effectRef>
+          <a:fontRef idx="minor">
+            <a:schemeClr val="lt1"/>
+          </a:fontRef>
+        </p:style>
+        <p:txBody>
+          <a:bodyPr rtlCol="0" anchor="ctr"/>
+          <a:lstStyle/>
+          <a:p>
+            <a:pPr algn="ctr"/>
+            <a:endParaRPr lang="de-CH"/>
+          </a:p>
+        </p:txBody>
+      </p:sp>
+    </p:spTree>
+    <p:extLst>
+      <p:ext uri="{BB962C8B-B14F-4D97-AF65-F5344CB8AC3E}">
+        <p14:creationId xmlns:p14="http://schemas.microsoft.com/office/powerpoint/2010/main" val="1531057022"/>
+      </p:ext>
+    </p:extLst>
+  </p:cSld>
+  <p:clrMapOvr>
+    <a:masterClrMapping/>
+  </p:clrMapOvr>
+  <p:timing>
+    <p:tnLst>
+      <p:par>
+        <p:cTn id="1" dur="indefinite" restart="never" nodeType="tmRoot">
+          <p:childTnLst>
+            <p:seq concurrent="1" nextAc="seek">
+              <p:cTn id="2" dur="indefinite" nodeType="mainSeq">
+                <p:childTnLst>
+                  <p:par>
+                    <p:cTn id="3" fill="hold">
+                      <p:stCondLst>
+                        <p:cond delay="indefinite"/>
+                      </p:stCondLst>
+                      <p:childTnLst>
+                        <p:par>
+                          <p:cTn id="4" fill="hold">
+                            <p:stCondLst>
+                              <p:cond delay="0"/>
+                            </p:stCondLst>
+                            <p:childTnLst>
+                              <p:par>
+                                <p:cTn id="5" presetID="1" presetClass="entr" presetSubtype="0" fill="hold" grpId="0" nodeType="clickEffect">
+                                  <p:stCondLst>
+                                    <p:cond delay="0"/>
+                                  </p:stCondLst>
+                                  <p:childTnLst>
+                                    <p:set>
+                                      <p:cBhvr>
+                                        <p:cTn id="6" dur="1" fill="hold">
+                                          <p:stCondLst>
+                                            <p:cond delay="0"/>
+                                          </p:stCondLst>
+                                        </p:cTn>
+                                        <p:tgtEl>
+                                          <p:spTgt spid="16"/>
+                                        </p:tgtEl>
+                                        <p:attrNameLst>
+                                          <p:attrName>style.visibility</p:attrName>
+                                        </p:attrNameLst>
+                                      </p:cBhvr>
+                                      <p:to>
+                                        <p:strVal val="visible"/>
+                                      </p:to>
+                                    </p:set>
+                                  </p:childTnLst>
+                                </p:cTn>
+                              </p:par>
+                              <p:par>
+                                <p:cTn id="7" presetID="1" presetClass="entr" presetSubtype="0" fill="hold" grpId="0" nodeType="withEffect">
+                                  <p:stCondLst>
+                                    <p:cond delay="0"/>
+                                  </p:stCondLst>
+                                  <p:childTnLst>
+                                    <p:set>
+                                      <p:cBhvr>
+                                        <p:cTn id="8" dur="1" fill="hold">
+                                          <p:stCondLst>
+                                            <p:cond delay="0"/>
+                                          </p:stCondLst>
+                                        </p:cTn>
+                                        <p:tgtEl>
+                                          <p:spTgt spid="22"/>
+                                        </p:tgtEl>
+                                        <p:attrNameLst>
+                                          <p:attrName>style.visibility</p:attrName>
+                                        </p:attrNameLst>
+                                      </p:cBhvr>
+                                      <p:to>
+                                        <p:strVal val="visible"/>
+                                      </p:to>
+                                    </p:set>
+                                  </p:childTnLst>
+                                </p:cTn>
+                              </p:par>
+                              <p:par>
+                                <p:cTn id="9" presetID="1" presetClass="entr" presetSubtype="0" fill="hold" grpId="0" nodeType="withEffect">
+                                  <p:stCondLst>
+                                    <p:cond delay="0"/>
+                                  </p:stCondLst>
+                                  <p:childTnLst>
+                                    <p:set>
+                                      <p:cBhvr>
+                                        <p:cTn id="10" dur="1" fill="hold">
+                                          <p:stCondLst>
+                                            <p:cond delay="0"/>
+                                          </p:stCondLst>
+                                        </p:cTn>
+                                        <p:tgtEl>
+                                          <p:spTgt spid="19"/>
+                                        </p:tgtEl>
+                                        <p:attrNameLst>
+                                          <p:attrName>style.visibility</p:attrName>
+                                        </p:attrNameLst>
+                                      </p:cBhvr>
+                                      <p:to>
+                                        <p:strVal val="visible"/>
+                                      </p:to>
+                                    </p:set>
+                                  </p:childTnLst>
+                                </p:cTn>
+                              </p:par>
+                            </p:childTnLst>
+                          </p:cTn>
+                        </p:par>
+                      </p:childTnLst>
+                    </p:cTn>
+                  </p:par>
+                  <p:par>
+                    <p:cTn id="11" fill="hold">
+                      <p:stCondLst>
+                        <p:cond delay="indefinite"/>
+                      </p:stCondLst>
+                      <p:childTnLst>
+                        <p:par>
+                          <p:cTn id="12" fill="hold">
+                            <p:stCondLst>
+                              <p:cond delay="0"/>
+                            </p:stCondLst>
+                            <p:childTnLst>
+                              <p:par>
+                                <p:cTn id="13" presetID="1" presetClass="entr" presetSubtype="0" fill="hold" grpId="0" nodeType="clickEffect">
+                                  <p:stCondLst>
+                                    <p:cond delay="0"/>
+                                  </p:stCondLst>
+                                  <p:childTnLst>
+                                    <p:set>
+                                      <p:cBhvr>
+                                        <p:cTn id="14" dur="1" fill="hold">
+                                          <p:stCondLst>
+                                            <p:cond delay="0"/>
+                                          </p:stCondLst>
+                                        </p:cTn>
+                                        <p:tgtEl>
+                                          <p:spTgt spid="17"/>
+                                        </p:tgtEl>
+                                        <p:attrNameLst>
+                                          <p:attrName>style.visibility</p:attrName>
+                                        </p:attrNameLst>
+                                      </p:cBhvr>
+                                      <p:to>
+                                        <p:strVal val="visible"/>
+                                      </p:to>
+                                    </p:set>
+                                  </p:childTnLst>
+                                </p:cTn>
+                              </p:par>
+                              <p:par>
+                                <p:cTn id="15" presetID="1" presetClass="entr" presetSubtype="0" fill="hold" grpId="0" nodeType="withEffect">
+                                  <p:stCondLst>
+                                    <p:cond delay="0"/>
+                                  </p:stCondLst>
+                                  <p:childTnLst>
+                                    <p:set>
+                                      <p:cBhvr>
+                                        <p:cTn id="16" dur="1" fill="hold">
+                                          <p:stCondLst>
+                                            <p:cond delay="0"/>
+                                          </p:stCondLst>
+                                        </p:cTn>
+                                        <p:tgtEl>
+                                          <p:spTgt spid="23"/>
+                                        </p:tgtEl>
+                                        <p:attrNameLst>
+                                          <p:attrName>style.visibility</p:attrName>
+                                        </p:attrNameLst>
+                                      </p:cBhvr>
+                                      <p:to>
+                                        <p:strVal val="visible"/>
+                                      </p:to>
+                                    </p:set>
+                                  </p:childTnLst>
+                                </p:cTn>
+                              </p:par>
+                              <p:par>
+                                <p:cTn id="17" presetID="1" presetClass="entr" presetSubtype="0" fill="hold" grpId="0" nodeType="withEffect">
+                                  <p:stCondLst>
+                                    <p:cond delay="0"/>
+                                  </p:stCondLst>
+                                  <p:childTnLst>
+                                    <p:set>
+                                      <p:cBhvr>
+                                        <p:cTn id="18" dur="1" fill="hold">
+                                          <p:stCondLst>
+                                            <p:cond delay="0"/>
+                                          </p:stCondLst>
+                                        </p:cTn>
+                                        <p:tgtEl>
+                                          <p:spTgt spid="20"/>
+                                        </p:tgtEl>
+                                        <p:attrNameLst>
+                                          <p:attrName>style.visibility</p:attrName>
+                                        </p:attrNameLst>
+                                      </p:cBhvr>
+                                      <p:to>
+                                        <p:strVal val="visible"/>
+                                      </p:to>
+                                    </p:set>
+                                  </p:childTnLst>
+                                </p:cTn>
+                              </p:par>
+                            </p:childTnLst>
+                          </p:cTn>
+                        </p:par>
+                      </p:childTnLst>
+                    </p:cTn>
+                  </p:par>
+                  <p:par>
+                    <p:cTn id="19" fill="hold">
+                      <p:stCondLst>
+                        <p:cond delay="indefinite"/>
+                      </p:stCondLst>
+                      <p:childTnLst>
+                        <p:par>
+                          <p:cTn id="20" fill="hold">
+                            <p:stCondLst>
+                              <p:cond delay="0"/>
+                            </p:stCondLst>
+                            <p:childTnLst>
+                              <p:par>
+                                <p:cTn id="21" presetID="1" presetClass="entr" presetSubtype="0" fill="hold" grpId="0" nodeType="clickEffect">
+                                  <p:stCondLst>
+                                    <p:cond delay="0"/>
+                                  </p:stCondLst>
+                                  <p:childTnLst>
+                                    <p:set>
+                                      <p:cBhvr>
+                                        <p:cTn id="22" dur="1" fill="hold">
+                                          <p:stCondLst>
+                                            <p:cond delay="0"/>
+                                          </p:stCondLst>
+                                        </p:cTn>
+                                        <p:tgtEl>
+                                          <p:spTgt spid="18"/>
+                                        </p:tgtEl>
+                                        <p:attrNameLst>
+                                          <p:attrName>style.visibility</p:attrName>
+                                        </p:attrNameLst>
+                                      </p:cBhvr>
+                                      <p:to>
+                                        <p:strVal val="visible"/>
+                                      </p:to>
+                                    </p:set>
+                                  </p:childTnLst>
+                                </p:cTn>
+                              </p:par>
+                              <p:par>
+                                <p:cTn id="23" presetID="1" presetClass="entr" presetSubtype="0" fill="hold" grpId="0" nodeType="withEffect">
+                                  <p:stCondLst>
+                                    <p:cond delay="0"/>
+                                  </p:stCondLst>
+                                  <p:childTnLst>
+                                    <p:set>
+                                      <p:cBhvr>
+                                        <p:cTn id="24" dur="1" fill="hold">
+                                          <p:stCondLst>
+                                            <p:cond delay="0"/>
+                                          </p:stCondLst>
+                                        </p:cTn>
+                                        <p:tgtEl>
+                                          <p:spTgt spid="24"/>
+                                        </p:tgtEl>
+                                        <p:attrNameLst>
+                                          <p:attrName>style.visibility</p:attrName>
+                                        </p:attrNameLst>
+                                      </p:cBhvr>
+                                      <p:to>
+                                        <p:strVal val="visible"/>
+                                      </p:to>
+                                    </p:set>
+                                  </p:childTnLst>
+                                </p:cTn>
+                              </p:par>
+                              <p:par>
+                                <p:cTn id="25" presetID="1" presetClass="entr" presetSubtype="0" fill="hold" grpId="0" nodeType="withEffect">
+                                  <p:stCondLst>
+                                    <p:cond delay="0"/>
+                                  </p:stCondLst>
+                                  <p:childTnLst>
+                                    <p:set>
+                                      <p:cBhvr>
+                                        <p:cTn id="26" dur="1" fill="hold">
+                                          <p:stCondLst>
+                                            <p:cond delay="0"/>
+                                          </p:stCondLst>
+                                        </p:cTn>
+                                        <p:tgtEl>
+                                          <p:spTgt spid="21"/>
+                                        </p:tgtEl>
+                                        <p:attrNameLst>
+                                          <p:attrName>style.visibility</p:attrName>
+                                        </p:attrNameLst>
+                                      </p:cBhvr>
+                                      <p:to>
+                                        <p:strVal val="visible"/>
+                                      </p:to>
+                                    </p:set>
+                                  </p:childTnLst>
+                                </p:cTn>
+                              </p:par>
+                            </p:childTnLst>
+                          </p:cTn>
+                        </p:par>
+                      </p:childTnLst>
+                    </p:cTn>
+                  </p:par>
+                </p:childTnLst>
+              </p:cTn>
+              <p:prevCondLst>
+                <p:cond evt="onPrev" delay="0">
+                  <p:tgtEl>
+                    <p:sldTgt/>
+                  </p:tgtEl>
+                </p:cond>
+              </p:prevCondLst>
+              <p:nextCondLst>
+                <p:cond evt="onNext" delay="0">
+                  <p:tgtEl>
+                    <p:sldTgt/>
+                  </p:tgtEl>
+                </p:cond>
+              </p:nextCondLst>
+            </p:seq>
+          </p:childTnLst>
+        </p:cTn>
+      </p:par>
+    </p:tnLst>
+    <p:bldLst>
+      <p:bldP spid="16" grpId="0" animBg="1"/>
+      <p:bldP spid="17" grpId="0" animBg="1"/>
+      <p:bldP spid="18" grpId="0" animBg="1"/>
+      <p:bldP spid="19" grpId="0"/>
+      <p:bldP spid="20" grpId="0"/>
+      <p:bldP spid="21" grpId="0"/>
+      <p:bldP spid="22" grpId="0" animBg="1"/>
+      <p:bldP spid="23" grpId="0" animBg="1"/>
+      <p:bldP spid="24" grpId="0" animBg="1"/>
+    </p:bldLst>
+  </p:timing>
+</p:sld>
+</file>
+
+<file path=ppt/slides/slide14.xml><?xml version="1.0" encoding="utf-8"?>
+<p:sld xmlns:a="http://schemas.openxmlformats.org/drawingml/2006/main" xmlns:r="http://schemas.openxmlformats.org/officeDocument/2006/relationships" xmlns:p="http://schemas.openxmlformats.org/presentationml/2006/main">
+  <p:cSld>
+    <p:spTree>
+      <p:nvGrpSpPr>
+        <p:cNvPr id="1" name=""/>
+        <p:cNvGrpSpPr/>
+        <p:nvPr/>
+      </p:nvGrpSpPr>
+      <p:grpSpPr>
+        <a:xfrm>
+          <a:off x="0" y="0"/>
+          <a:ext cx="0" cy="0"/>
+          <a:chOff x="0" y="0"/>
+          <a:chExt cx="0" cy="0"/>
+        </a:xfrm>
+      </p:grpSpPr>
+      <p:sp>
+        <p:nvSpPr>
+          <p:cNvPr id="2" name="Inhaltsplatzhalter 1">
+            <a:extLst>
+              <a:ext uri="{FF2B5EF4-FFF2-40B4-BE49-F238E27FC236}">
+                <a16:creationId xmlns:a16="http://schemas.microsoft.com/office/drawing/2014/main" id="{A827BF85-F196-4C6E-A5C0-D575FB01F001}"/>
+              </a:ext>
+            </a:extLst>
+          </p:cNvPr>
+          <p:cNvSpPr>
+            <a:spLocks noGrp="1"/>
+          </p:cNvSpPr>
+          <p:nvPr>
+            <p:ph sz="half" idx="1"/>
+          </p:nvPr>
+        </p:nvSpPr>
+        <p:spPr/>
+        <p:txBody>
+          <a:bodyPr/>
+          <a:lstStyle/>
+          <a:p>
+            <a:endParaRPr lang="de-CH"/>
+          </a:p>
+        </p:txBody>
+      </p:sp>
+      <p:sp>
+        <p:nvSpPr>
+          <p:cNvPr id="3" name="Titel 2">
+            <a:extLst>
+              <a:ext uri="{FF2B5EF4-FFF2-40B4-BE49-F238E27FC236}">
+                <a16:creationId xmlns:a16="http://schemas.microsoft.com/office/drawing/2014/main" id="{DC12DFEC-06B5-4C69-A791-A0919EC72F36}"/>
+              </a:ext>
+            </a:extLst>
+          </p:cNvPr>
+          <p:cNvSpPr>
+            <a:spLocks noGrp="1"/>
+          </p:cNvSpPr>
+          <p:nvPr>
+            <p:ph type="ctrTitle"/>
+          </p:nvPr>
+        </p:nvSpPr>
+        <p:spPr/>
+        <p:txBody>
+          <a:bodyPr/>
+          <a:lstStyle/>
+          <a:p>
+            <a:endParaRPr lang="de-CH" dirty="0"/>
+          </a:p>
+        </p:txBody>
+      </p:sp>
+      <p:pic>
+        <p:nvPicPr>
+          <p:cNvPr id="2052" name="Picture 4">
+            <a:extLst>
+              <a:ext uri="{FF2B5EF4-FFF2-40B4-BE49-F238E27FC236}">
+                <a16:creationId xmlns:a16="http://schemas.microsoft.com/office/drawing/2014/main" id="{623ED4E6-173F-40F9-985E-36764CC68CDE}"/>
+              </a:ext>
+            </a:extLst>
+          </p:cNvPr>
+          <p:cNvPicPr>
+            <a:picLocks noChangeAspect="1" noChangeArrowheads="1"/>
+          </p:cNvPicPr>
+          <p:nvPr/>
+        </p:nvPicPr>
+        <p:blipFill rotWithShape="1">
+          <a:blip r:embed="rId2">
+            <a:extLst>
+              <a:ext uri="{28A0092B-C50C-407E-A947-70E740481C1C}">
+                <a14:useLocalDpi xmlns:a14="http://schemas.microsoft.com/office/drawing/2010/main" val="0"/>
+              </a:ext>
+            </a:extLst>
+          </a:blip>
+          <a:srcRect l="9630" r="9630"/>
+          <a:stretch/>
+        </p:blipFill>
+        <p:spPr bwMode="auto">
+          <a:xfrm>
+            <a:off x="0" y="0"/>
+            <a:ext cx="9144000" cy="6858000"/>
+          </a:xfrm>
+          <a:prstGeom prst="rect">
+            <a:avLst/>
+          </a:prstGeom>
+          <a:noFill/>
+          <a:extLst>
+            <a:ext uri="{909E8E84-426E-40DD-AFC4-6F175D3DCCD1}">
+              <a14:hiddenFill xmlns:a14="http://schemas.microsoft.com/office/drawing/2010/main">
+                <a:solidFill>
+                  <a:srgbClr val="FFFFFF"/>
+                </a:solidFill>
+              </a14:hiddenFill>
+            </a:ext>
+          </a:extLst>
+        </p:spPr>
+      </p:pic>
+    </p:spTree>
+    <p:extLst>
+      <p:ext uri="{BB962C8B-B14F-4D97-AF65-F5344CB8AC3E}">
+        <p14:creationId xmlns:p14="http://schemas.microsoft.com/office/powerpoint/2010/main" val="667436333"/>
+      </p:ext>
+    </p:extLst>
+  </p:cSld>
+  <p:clrMapOvr>
+    <a:masterClrMapping/>
+  </p:clrMapOvr>
+</p:sld>
+</file>
+
+<file path=ppt/slides/slide2.xml><?xml version="1.0" encoding="utf-8"?>
+<p:sld xmlns:a="http://schemas.openxmlformats.org/drawingml/2006/main" xmlns:r="http://schemas.openxmlformats.org/officeDocument/2006/relationships" xmlns:p="http://schemas.openxmlformats.org/presentationml/2006/main">
+  <p:cSld>
+    <p:spTree>
+      <p:nvGrpSpPr>
+        <p:cNvPr id="1" name=""/>
+        <p:cNvGrpSpPr/>
+        <p:nvPr/>
+      </p:nvGrpSpPr>
+      <p:grpSpPr>
+        <a:xfrm>
+          <a:off x="0" y="0"/>
+          <a:ext cx="0" cy="0"/>
+          <a:chOff x="0" y="0"/>
+          <a:chExt cx="0" cy="0"/>
+        </a:xfrm>
+      </p:grpSpPr>
+      <p:sp>
+        <p:nvSpPr>
+          <p:cNvPr id="2" name="Inhaltsplatzhalter 1"/>
+          <p:cNvSpPr>
+            <a:spLocks noGrp="1"/>
+          </p:cNvSpPr>
+          <p:nvPr>
+            <p:ph sz="half" idx="1"/>
+          </p:nvPr>
+        </p:nvSpPr>
+        <p:spPr/>
+        <p:txBody>
+          <a:bodyPr/>
+          <a:lstStyle/>
+          <a:p>
+            <a:r>
+              <a:rPr lang="de-CH" dirty="0"/>
+              <a:t>Ausgangslage</a:t>
+            </a:r>
+          </a:p>
+          <a:p>
+            <a:r>
+              <a:rPr lang="de-CH" dirty="0"/>
+              <a:t>Recherche</a:t>
+            </a:r>
+          </a:p>
+          <a:p>
+            <a:r>
+              <a:rPr lang="de-CH" dirty="0"/>
+              <a:t>Ergebnis (Prototypen):</a:t>
+            </a:r>
+          </a:p>
+          <a:p>
+            <a:pPr lvl="1"/>
+            <a:r>
+              <a:rPr lang="de-CH" dirty="0"/>
+              <a:t>Storyboard</a:t>
+            </a:r>
+          </a:p>
+          <a:p>
+            <a:pPr lvl="1"/>
+            <a:r>
+              <a:rPr lang="de-CH" dirty="0"/>
+              <a:t>UI design</a:t>
+            </a:r>
+          </a:p>
+          <a:p>
+            <a:pPr lvl="1"/>
+            <a:r>
+              <a:rPr lang="de-CH" dirty="0"/>
+              <a:t>Zusammenfassung</a:t>
+            </a:r>
+          </a:p>
+          <a:p>
+            <a:r>
+              <a:rPr lang="de-CH" dirty="0"/>
+              <a:t>Diskussion</a:t>
+            </a:r>
+          </a:p>
+        </p:txBody>
+      </p:sp>
+      <p:sp>
+        <p:nvSpPr>
+          <p:cNvPr id="3" name="Titel 2"/>
+          <p:cNvSpPr>
+            <a:spLocks noGrp="1"/>
+          </p:cNvSpPr>
+          <p:nvPr>
+            <p:ph type="ctrTitle"/>
+          </p:nvPr>
+        </p:nvSpPr>
+        <p:spPr/>
+        <p:txBody>
+          <a:bodyPr/>
+          <a:lstStyle/>
+          <a:p>
+            <a:r>
+              <a:rPr lang="de-CH" dirty="0"/>
+              <a:t>Inhalt</a:t>
+            </a:r>
+          </a:p>
+        </p:txBody>
+      </p:sp>
+    </p:spTree>
+    <p:extLst>
+      <p:ext uri="{BB962C8B-B14F-4D97-AF65-F5344CB8AC3E}">
+        <p14:creationId xmlns:p14="http://schemas.microsoft.com/office/powerpoint/2010/main" val="3741675672"/>
+      </p:ext>
+    </p:extLst>
+  </p:cSld>
+  <p:clrMapOvr>
+    <a:masterClrMapping/>
+  </p:clrMapOvr>
+</p:sld>
+</file>
+
+<file path=ppt/slides/slide3.xml><?xml version="1.0" encoding="utf-8"?>
+<p:sld xmlns:a="http://schemas.openxmlformats.org/drawingml/2006/main" xmlns:r="http://schemas.openxmlformats.org/officeDocument/2006/relationships" xmlns:p="http://schemas.openxmlformats.org/presentationml/2006/main">
+  <p:cSld>
+    <p:spTree>
+      <p:nvGrpSpPr>
+        <p:cNvPr id="1" name=""/>
+        <p:cNvGrpSpPr/>
+        <p:nvPr/>
+      </p:nvGrpSpPr>
+      <p:grpSpPr>
+        <a:xfrm>
+          <a:off x="0" y="0"/>
+          <a:ext cx="0" cy="0"/>
+          <a:chOff x="0" y="0"/>
+          <a:chExt cx="0" cy="0"/>
+        </a:xfrm>
+      </p:grpSpPr>
+      <p:sp>
+        <p:nvSpPr>
+          <p:cNvPr id="2" name="Inhaltsplatzhalter 1">
+            <a:extLst>
+              <a:ext uri="{FF2B5EF4-FFF2-40B4-BE49-F238E27FC236}">
+                <a16:creationId xmlns:a16="http://schemas.microsoft.com/office/drawing/2014/main" id="{3FDC73F2-19AA-4F5D-87B5-9D4D45A99FA8}"/>
+              </a:ext>
+            </a:extLst>
+          </p:cNvPr>
+          <p:cNvSpPr>
+            <a:spLocks noGrp="1"/>
+          </p:cNvSpPr>
+          <p:nvPr>
+            <p:ph sz="half" idx="1"/>
+          </p:nvPr>
+        </p:nvSpPr>
+        <p:spPr/>
+        <p:txBody>
+          <a:bodyPr/>
+          <a:lstStyle/>
+          <a:p>
+            <a:endParaRPr lang="de-CH"/>
+          </a:p>
+        </p:txBody>
+      </p:sp>
+      <p:sp>
+        <p:nvSpPr>
+          <p:cNvPr id="3" name="Titel 2">
+            <a:extLst>
+              <a:ext uri="{FF2B5EF4-FFF2-40B4-BE49-F238E27FC236}">
+                <a16:creationId xmlns:a16="http://schemas.microsoft.com/office/drawing/2014/main" id="{5432DB10-CCBB-425C-94F2-E92C9DDE1DCF}"/>
+              </a:ext>
+            </a:extLst>
+          </p:cNvPr>
+          <p:cNvSpPr>
+            <a:spLocks noGrp="1"/>
+          </p:cNvSpPr>
+          <p:nvPr>
+            <p:ph type="ctrTitle"/>
+          </p:nvPr>
+        </p:nvSpPr>
+        <p:spPr/>
+        <p:txBody>
+          <a:bodyPr/>
+          <a:lstStyle/>
+          <a:p>
+            <a:r>
+              <a:rPr lang="de-CH" dirty="0"/>
+              <a:t>Ausgangslage</a:t>
+            </a:r>
+          </a:p>
+        </p:txBody>
+      </p:sp>
+    </p:spTree>
+    <p:extLst>
+      <p:ext uri="{BB962C8B-B14F-4D97-AF65-F5344CB8AC3E}">
+        <p14:creationId xmlns:p14="http://schemas.microsoft.com/office/powerpoint/2010/main" val="1686539421"/>
+      </p:ext>
+    </p:extLst>
+  </p:cSld>
+  <p:clrMapOvr>
+    <a:masterClrMapping/>
+  </p:clrMapOvr>
+</p:sld>
+</file>
+
+<file path=ppt/slides/slide4.xml><?xml version="1.0" encoding="utf-8"?>
+<p:sld xmlns:a="http://schemas.openxmlformats.org/drawingml/2006/main" xmlns:r="http://schemas.openxmlformats.org/officeDocument/2006/relationships" xmlns:p="http://schemas.openxmlformats.org/presentationml/2006/main">
+  <p:cSld>
+    <p:spTree>
+      <p:nvGrpSpPr>
+        <p:cNvPr id="1" name=""/>
+        <p:cNvGrpSpPr/>
+        <p:nvPr/>
+      </p:nvGrpSpPr>
+      <p:grpSpPr>
+        <a:xfrm>
+          <a:off x="0" y="0"/>
+          <a:ext cx="0" cy="0"/>
+          <a:chOff x="0" y="0"/>
+          <a:chExt cx="0" cy="0"/>
+        </a:xfrm>
+      </p:grpSpPr>
+      <p:sp>
+        <p:nvSpPr>
+          <p:cNvPr id="2" name="Inhaltsplatzhalter 1">
+            <a:extLst>
+              <a:ext uri="{FF2B5EF4-FFF2-40B4-BE49-F238E27FC236}">
+                <a16:creationId xmlns:a16="http://schemas.microsoft.com/office/drawing/2014/main" id="{67BCB4D6-5D5D-4B04-AF67-5C2AAA30ACAF}"/>
+              </a:ext>
+            </a:extLst>
+          </p:cNvPr>
+          <p:cNvSpPr>
+            <a:spLocks noGrp="1"/>
+          </p:cNvSpPr>
+          <p:nvPr>
+            <p:ph sz="half" idx="1"/>
+          </p:nvPr>
+        </p:nvSpPr>
+        <p:spPr/>
+        <p:txBody>
+          <a:bodyPr/>
+          <a:lstStyle/>
+          <a:p>
+            <a:endParaRPr lang="de-CH"/>
+          </a:p>
+        </p:txBody>
+      </p:sp>
+      <p:sp>
+        <p:nvSpPr>
+          <p:cNvPr id="3" name="Titel 2">
+            <a:extLst>
+              <a:ext uri="{FF2B5EF4-FFF2-40B4-BE49-F238E27FC236}">
+                <a16:creationId xmlns:a16="http://schemas.microsoft.com/office/drawing/2014/main" id="{0BE30BE7-3A56-4104-B5C0-BDCEA306DC41}"/>
+              </a:ext>
+            </a:extLst>
+          </p:cNvPr>
+          <p:cNvSpPr>
+            <a:spLocks noGrp="1"/>
+          </p:cNvSpPr>
+          <p:nvPr>
+            <p:ph type="ctrTitle"/>
+          </p:nvPr>
+        </p:nvSpPr>
+        <p:spPr/>
+        <p:txBody>
+          <a:bodyPr/>
+          <a:lstStyle/>
+          <a:p>
+            <a:r>
+              <a:rPr lang="de-CH" dirty="0"/>
+              <a:t>Recherche</a:t>
+            </a:r>
+          </a:p>
+        </p:txBody>
+      </p:sp>
+    </p:spTree>
+    <p:extLst>
+      <p:ext uri="{BB962C8B-B14F-4D97-AF65-F5344CB8AC3E}">
+        <p14:creationId xmlns:p14="http://schemas.microsoft.com/office/powerpoint/2010/main" val="3176408749"/>
+      </p:ext>
+    </p:extLst>
+  </p:cSld>
+  <p:clrMapOvr>
+    <a:masterClrMapping/>
+  </p:clrMapOvr>
+</p:sld>
+</file>
+
+<file path=ppt/slides/slide5.xml><?xml version="1.0" encoding="utf-8"?>
+<p:sld xmlns:a="http://schemas.openxmlformats.org/drawingml/2006/main" xmlns:r="http://schemas.openxmlformats.org/officeDocument/2006/relationships" xmlns:p="http://schemas.openxmlformats.org/presentationml/2006/main">
+  <p:cSld>
+    <p:spTree>
+      <p:nvGrpSpPr>
+        <p:cNvPr id="1" name=""/>
+        <p:cNvGrpSpPr/>
+        <p:nvPr/>
+      </p:nvGrpSpPr>
+      <p:grpSpPr>
+        <a:xfrm>
+          <a:off x="0" y="0"/>
+          <a:ext cx="0" cy="0"/>
+          <a:chOff x="0" y="0"/>
+          <a:chExt cx="0" cy="0"/>
+        </a:xfrm>
+      </p:grpSpPr>
+      <p:sp>
+        <p:nvSpPr>
+          <p:cNvPr id="3" name="Titel 2">
+            <a:extLst>
+              <a:ext uri="{FF2B5EF4-FFF2-40B4-BE49-F238E27FC236}">
+                <a16:creationId xmlns:a16="http://schemas.microsoft.com/office/drawing/2014/main" id="{E904707F-1430-47F2-9043-A81C0A53F129}"/>
+              </a:ext>
+            </a:extLst>
+          </p:cNvPr>
+          <p:cNvSpPr>
+            <a:spLocks noGrp="1"/>
+          </p:cNvSpPr>
+          <p:nvPr>
+            <p:ph type="ctrTitle"/>
+          </p:nvPr>
+        </p:nvSpPr>
+        <p:spPr>
+          <a:xfrm>
+            <a:off x="468000" y="360000"/>
+            <a:ext cx="8100000" cy="540000"/>
+          </a:xfrm>
+        </p:spPr>
+        <p:txBody>
+          <a:bodyPr/>
+          <a:lstStyle/>
+          <a:p>
+            <a:r>
+              <a:rPr lang="de-CH" dirty="0"/>
+              <a:t>Storyboard 1 – Anbindung eines EPDs</a:t>
+            </a:r>
+          </a:p>
+        </p:txBody>
+      </p:sp>
+      <p:pic>
+        <p:nvPicPr>
+          <p:cNvPr id="13" name="Grafik 12">
+            <a:extLst>
+              <a:ext uri="{FF2B5EF4-FFF2-40B4-BE49-F238E27FC236}">
+                <a16:creationId xmlns:a16="http://schemas.microsoft.com/office/drawing/2014/main" id="{E6BC9B57-EA18-4BE1-BCE3-7087898CB841}"/>
+              </a:ext>
+            </a:extLst>
+          </p:cNvPr>
+          <p:cNvPicPr/>
+          <p:nvPr/>
+        </p:nvPicPr>
+        <p:blipFill>
+          <a:blip r:embed="rId2"/>
+          <a:stretch>
+            <a:fillRect/>
+          </a:stretch>
+        </p:blipFill>
+        <p:spPr>
+          <a:xfrm>
+            <a:off x="919431" y="1076778"/>
+            <a:ext cx="3282751" cy="2346099"/>
+          </a:xfrm>
+          <a:prstGeom prst="rect">
+            <a:avLst/>
+          </a:prstGeom>
+        </p:spPr>
+      </p:pic>
+      <p:pic>
+        <p:nvPicPr>
+          <p:cNvPr id="14" name="Grafik 13">
+            <a:extLst>
+              <a:ext uri="{FF2B5EF4-FFF2-40B4-BE49-F238E27FC236}">
+                <a16:creationId xmlns:a16="http://schemas.microsoft.com/office/drawing/2014/main" id="{1287F1F9-B201-4D99-84A7-884F73ED7E1B}"/>
+              </a:ext>
+            </a:extLst>
+          </p:cNvPr>
+          <p:cNvPicPr/>
+          <p:nvPr/>
+        </p:nvPicPr>
+        <p:blipFill>
+          <a:blip r:embed="rId3"/>
+          <a:stretch>
+            <a:fillRect/>
+          </a:stretch>
+        </p:blipFill>
+        <p:spPr>
+          <a:xfrm>
+            <a:off x="4941818" y="1076778"/>
+            <a:ext cx="3282751" cy="2346099"/>
+          </a:xfrm>
+          <a:prstGeom prst="rect">
+            <a:avLst/>
+          </a:prstGeom>
+        </p:spPr>
+      </p:pic>
+      <p:pic>
+        <p:nvPicPr>
+          <p:cNvPr id="24" name="Grafik 23">
+            <a:extLst>
+              <a:ext uri="{FF2B5EF4-FFF2-40B4-BE49-F238E27FC236}">
+                <a16:creationId xmlns:a16="http://schemas.microsoft.com/office/drawing/2014/main" id="{358FAE78-8F14-4C0F-943A-61A0B9E196E3}"/>
+              </a:ext>
+            </a:extLst>
+          </p:cNvPr>
+          <p:cNvPicPr/>
+          <p:nvPr/>
+        </p:nvPicPr>
+        <p:blipFill>
+          <a:blip r:embed="rId4"/>
+          <a:stretch>
+            <a:fillRect/>
+          </a:stretch>
+        </p:blipFill>
+        <p:spPr>
+          <a:xfrm>
+            <a:off x="919427" y="3719292"/>
+            <a:ext cx="3282751" cy="2346099"/>
+          </a:xfrm>
+          <a:prstGeom prst="rect">
+            <a:avLst/>
+          </a:prstGeom>
+        </p:spPr>
+      </p:pic>
+      <p:pic>
+        <p:nvPicPr>
+          <p:cNvPr id="25" name="Grafik 24">
+            <a:extLst>
+              <a:ext uri="{FF2B5EF4-FFF2-40B4-BE49-F238E27FC236}">
+                <a16:creationId xmlns:a16="http://schemas.microsoft.com/office/drawing/2014/main" id="{2C354085-8B76-4676-8693-E98E4ABE74F6}"/>
+              </a:ext>
+            </a:extLst>
+          </p:cNvPr>
+          <p:cNvPicPr/>
+          <p:nvPr/>
+        </p:nvPicPr>
+        <p:blipFill>
+          <a:blip r:embed="rId5"/>
+          <a:stretch>
+            <a:fillRect/>
+          </a:stretch>
+        </p:blipFill>
+        <p:spPr>
+          <a:xfrm>
+            <a:off x="4941816" y="3719292"/>
+            <a:ext cx="3282750" cy="2346099"/>
+          </a:xfrm>
+          <a:prstGeom prst="rect">
+            <a:avLst/>
+          </a:prstGeom>
+        </p:spPr>
+      </p:pic>
+      <p:grpSp>
+        <p:nvGrpSpPr>
+          <p:cNvPr id="21" name="Gruppieren 20">
+            <a:extLst>
+              <a:ext uri="{FF2B5EF4-FFF2-40B4-BE49-F238E27FC236}">
+                <a16:creationId xmlns:a16="http://schemas.microsoft.com/office/drawing/2014/main" id="{10284693-A442-4975-A068-420D74F92976}"/>
+              </a:ext>
+            </a:extLst>
+          </p:cNvPr>
+          <p:cNvGrpSpPr/>
+          <p:nvPr/>
+        </p:nvGrpSpPr>
+        <p:grpSpPr>
+          <a:xfrm>
+            <a:off x="2428829" y="800200"/>
+            <a:ext cx="263951" cy="307777"/>
+            <a:chOff x="2428829" y="800200"/>
+            <a:chExt cx="263951" cy="307777"/>
+          </a:xfrm>
+        </p:grpSpPr>
+        <p:sp>
+          <p:nvSpPr>
+            <p:cNvPr id="19" name="Textfeld 18">
+              <a:extLst>
+                <a:ext uri="{FF2B5EF4-FFF2-40B4-BE49-F238E27FC236}">
+                  <a16:creationId xmlns:a16="http://schemas.microsoft.com/office/drawing/2014/main" id="{2FE8BE93-F9A1-4275-8222-07C4EEF27C19}"/>
+                </a:ext>
+              </a:extLst>
+            </p:cNvPr>
+            <p:cNvSpPr txBox="1"/>
+            <p:nvPr/>
+          </p:nvSpPr>
+          <p:spPr>
+            <a:xfrm>
+              <a:off x="2428829" y="800200"/>
+              <a:ext cx="263951" cy="307777"/>
+            </a:xfrm>
+            <a:prstGeom prst="rect">
+              <a:avLst/>
+            </a:prstGeom>
+            <a:noFill/>
+          </p:spPr>
+          <p:txBody>
+            <a:bodyPr wrap="square" rtlCol="0">
+              <a:spAutoFit/>
+            </a:bodyPr>
+            <a:lstStyle/>
+            <a:p>
+              <a:r>
+                <a:rPr lang="de-CH" sz="1400" dirty="0"/>
+                <a:t>1</a:t>
+              </a:r>
+            </a:p>
+          </p:txBody>
+        </p:sp>
+        <p:sp>
+          <p:nvSpPr>
+            <p:cNvPr id="20" name="Ellipse 19">
+              <a:extLst>
+                <a:ext uri="{FF2B5EF4-FFF2-40B4-BE49-F238E27FC236}">
+                  <a16:creationId xmlns:a16="http://schemas.microsoft.com/office/drawing/2014/main" id="{FFD74DC7-ABF7-406F-BDE7-0CE96BE36135}"/>
+                </a:ext>
+              </a:extLst>
+            </p:cNvPr>
+            <p:cNvSpPr/>
+            <p:nvPr/>
+          </p:nvSpPr>
+          <p:spPr>
+            <a:xfrm>
+              <a:off x="2437666" y="841056"/>
+              <a:ext cx="246274" cy="224191"/>
+            </a:xfrm>
+            <a:prstGeom prst="ellipse">
+              <a:avLst/>
+            </a:prstGeom>
+            <a:noFill/>
+            <a:effectLst/>
+          </p:spPr>
+          <p:style>
+            <a:lnRef idx="1">
+              <a:schemeClr val="accent1"/>
+            </a:lnRef>
+            <a:fillRef idx="3">
+              <a:schemeClr val="accent1"/>
+            </a:fillRef>
+            <a:effectRef idx="2">
+              <a:schemeClr val="accent1"/>
+            </a:effectRef>
+            <a:fontRef idx="minor">
+              <a:schemeClr val="lt1"/>
+            </a:fontRef>
+          </p:style>
+          <p:txBody>
+            <a:bodyPr rtlCol="0" anchor="ctr"/>
+            <a:lstStyle/>
+            <a:p>
+              <a:pPr algn="ctr"/>
+              <a:endParaRPr lang="de-CH"/>
+            </a:p>
+          </p:txBody>
+        </p:sp>
+      </p:grpSp>
+      <p:grpSp>
+        <p:nvGrpSpPr>
+          <p:cNvPr id="31" name="Gruppieren 30">
+            <a:extLst>
+              <a:ext uri="{FF2B5EF4-FFF2-40B4-BE49-F238E27FC236}">
+                <a16:creationId xmlns:a16="http://schemas.microsoft.com/office/drawing/2014/main" id="{52924C2D-DA77-4F44-B4A8-519CF4BF9CF7}"/>
+              </a:ext>
+            </a:extLst>
+          </p:cNvPr>
+          <p:cNvGrpSpPr/>
+          <p:nvPr/>
+        </p:nvGrpSpPr>
+        <p:grpSpPr>
+          <a:xfrm>
             <a:off x="6451217" y="804627"/>
             <a:ext cx="263951" cy="307777"/>
             <a:chOff x="2428829" y="800200"/>
@@ -7973,54 +10951,6 @@
           </p:txBody>
         </p:sp>
       </p:grpSp>
-      <p:sp>
-        <p:nvSpPr>
-          <p:cNvPr id="22" name="Textfeld 21">
-            <a:extLst>
-              <a:ext uri="{FF2B5EF4-FFF2-40B4-BE49-F238E27FC236}">
-                <a16:creationId xmlns:a16="http://schemas.microsoft.com/office/drawing/2014/main" id="{8E82974A-8632-410A-A837-27417B2FA322}"/>
-              </a:ext>
-            </a:extLst>
-          </p:cNvPr>
-          <p:cNvSpPr txBox="1"/>
-          <p:nvPr/>
-        </p:nvSpPr>
-        <p:spPr>
-          <a:xfrm>
-            <a:off x="4333088" y="5851669"/>
-            <a:ext cx="521715" cy="646331"/>
-          </a:xfrm>
-          <a:prstGeom prst="rect">
-            <a:avLst/>
-          </a:prstGeom>
-          <a:noFill/>
-        </p:spPr>
-        <p:txBody>
-          <a:bodyPr wrap="square" rtlCol="0">
-            <a:spAutoFit/>
-          </a:bodyPr>
-          <a:lstStyle/>
-          <a:p>
-            <a:r>
-              <a:rPr lang="de-CH" sz="3600" b="1" dirty="0">
-                <a:solidFill>
-                  <a:schemeClr val="accent3">
-                    <a:lumMod val="75000"/>
-                  </a:schemeClr>
-                </a:solidFill>
-                <a:effectLst>
-                  <a:outerShdw blurRad="38100" dist="38100" dir="2700000" algn="tl">
-                    <a:srgbClr val="000000">
-                      <a:alpha val="43137"/>
-                    </a:srgbClr>
-                  </a:outerShdw>
-                </a:effectLst>
-              </a:rPr>
-              <a:t>…</a:t>
-            </a:r>
-          </a:p>
-        </p:txBody>
-      </p:sp>
     </p:spTree>
     <p:extLst>
       <p:ext uri="{BB962C8B-B14F-4D97-AF65-F5344CB8AC3E}">
@@ -8034,7 +10964,7 @@
 </p:sld>
 </file>
 
-<file path=ppt/slides/slide5.xml><?xml version="1.0" encoding="utf-8"?>
+<file path=ppt/slides/slide6.xml><?xml version="1.0" encoding="utf-8"?>
 <p:sld xmlns:a="http://schemas.openxmlformats.org/drawingml/2006/main" xmlns:r="http://schemas.openxmlformats.org/officeDocument/2006/relationships" xmlns:p="http://schemas.openxmlformats.org/presentationml/2006/main">
   <p:cSld>
     <p:spTree>
@@ -8617,7 +11547,7 @@
 </p:sld>
 </file>
 
-<file path=ppt/slides/slide6.xml><?xml version="1.0" encoding="utf-8"?>
+<file path=ppt/slides/slide7.xml><?xml version="1.0" encoding="utf-8"?>
 <p:sld xmlns:a="http://schemas.openxmlformats.org/drawingml/2006/main" xmlns:r="http://schemas.openxmlformats.org/officeDocument/2006/relationships" xmlns:p="http://schemas.openxmlformats.org/presentationml/2006/main">
   <p:cSld>
     <p:spTree>
@@ -9232,7 +12162,7 @@
 </p:sld>
 </file>
 
-<file path=ppt/slides/slide7.xml><?xml version="1.0" encoding="utf-8"?>
+<file path=ppt/slides/slide8.xml><?xml version="1.0" encoding="utf-8"?>
 <p:sld xmlns:a="http://schemas.openxmlformats.org/drawingml/2006/main" xmlns:r="http://schemas.openxmlformats.org/officeDocument/2006/relationships" xmlns:p="http://schemas.openxmlformats.org/presentationml/2006/main">
   <p:cSld>
     <p:spTree>
@@ -9439,7 +12369,7 @@
 </p:sld>
 </file>
 
-<file path=ppt/slides/slide8.xml><?xml version="1.0" encoding="utf-8"?>
+<file path=ppt/slides/slide9.xml><?xml version="1.0" encoding="utf-8"?>
 <p:sld xmlns:a="http://schemas.openxmlformats.org/drawingml/2006/main" xmlns:r="http://schemas.openxmlformats.org/officeDocument/2006/relationships" xmlns:p="http://schemas.openxmlformats.org/presentationml/2006/main">
   <p:cSld>
     <p:spTree>
@@ -10057,351 +12987,6 @@
     <p:extLst>
       <p:ext uri="{BB962C8B-B14F-4D97-AF65-F5344CB8AC3E}">
         <p14:creationId xmlns:p14="http://schemas.microsoft.com/office/powerpoint/2010/main" val="2379874887"/>
-      </p:ext>
-    </p:extLst>
-  </p:cSld>
-  <p:clrMapOvr>
-    <a:masterClrMapping/>
-  </p:clrMapOvr>
-</p:sld>
-</file>
-
-<file path=ppt/slides/slide9.xml><?xml version="1.0" encoding="utf-8"?>
-<p:sld xmlns:a="http://schemas.openxmlformats.org/drawingml/2006/main" xmlns:r="http://schemas.openxmlformats.org/officeDocument/2006/relationships" xmlns:p="http://schemas.openxmlformats.org/presentationml/2006/main">
-  <p:cSld>
-    <p:spTree>
-      <p:nvGrpSpPr>
-        <p:cNvPr id="1" name=""/>
-        <p:cNvGrpSpPr/>
-        <p:nvPr/>
-      </p:nvGrpSpPr>
-      <p:grpSpPr>
-        <a:xfrm>
-          <a:off x="0" y="0"/>
-          <a:ext cx="0" cy="0"/>
-          <a:chOff x="0" y="0"/>
-          <a:chExt cx="0" cy="0"/>
-        </a:xfrm>
-      </p:grpSpPr>
-      <p:sp>
-        <p:nvSpPr>
-          <p:cNvPr id="3" name="Titel 2">
-            <a:extLst>
-              <a:ext uri="{FF2B5EF4-FFF2-40B4-BE49-F238E27FC236}">
-                <a16:creationId xmlns:a16="http://schemas.microsoft.com/office/drawing/2014/main" id="{E904707F-1430-47F2-9043-A81C0A53F129}"/>
-              </a:ext>
-            </a:extLst>
-          </p:cNvPr>
-          <p:cNvSpPr>
-            <a:spLocks noGrp="1"/>
-          </p:cNvSpPr>
-          <p:nvPr>
-            <p:ph type="ctrTitle"/>
-          </p:nvPr>
-        </p:nvSpPr>
-        <p:spPr>
-          <a:xfrm>
-            <a:off x="468000" y="360000"/>
-            <a:ext cx="8100000" cy="540000"/>
-          </a:xfrm>
-        </p:spPr>
-        <p:txBody>
-          <a:bodyPr/>
-          <a:lstStyle/>
-          <a:p>
-            <a:r>
-              <a:rPr lang="de-CH" dirty="0"/>
-              <a:t>Storyboard 3 – Strukturierter Termin</a:t>
-            </a:r>
-          </a:p>
-        </p:txBody>
-      </p:sp>
-      <p:grpSp>
-        <p:nvGrpSpPr>
-          <p:cNvPr id="21" name="Gruppieren 20">
-            <a:extLst>
-              <a:ext uri="{FF2B5EF4-FFF2-40B4-BE49-F238E27FC236}">
-                <a16:creationId xmlns:a16="http://schemas.microsoft.com/office/drawing/2014/main" id="{10284693-A442-4975-A068-420D74F92976}"/>
-              </a:ext>
-            </a:extLst>
-          </p:cNvPr>
-          <p:cNvGrpSpPr/>
-          <p:nvPr/>
-        </p:nvGrpSpPr>
-        <p:grpSpPr>
-          <a:xfrm>
-            <a:off x="2428829" y="1450650"/>
-            <a:ext cx="263951" cy="307777"/>
-            <a:chOff x="2428829" y="800200"/>
-            <a:chExt cx="263951" cy="307777"/>
-          </a:xfrm>
-        </p:grpSpPr>
-        <p:sp>
-          <p:nvSpPr>
-            <p:cNvPr id="19" name="Textfeld 18">
-              <a:extLst>
-                <a:ext uri="{FF2B5EF4-FFF2-40B4-BE49-F238E27FC236}">
-                  <a16:creationId xmlns:a16="http://schemas.microsoft.com/office/drawing/2014/main" id="{2FE8BE93-F9A1-4275-8222-07C4EEF27C19}"/>
-                </a:ext>
-              </a:extLst>
-            </p:cNvPr>
-            <p:cNvSpPr txBox="1"/>
-            <p:nvPr/>
-          </p:nvSpPr>
-          <p:spPr>
-            <a:xfrm>
-              <a:off x="2428829" y="800200"/>
-              <a:ext cx="263951" cy="307777"/>
-            </a:xfrm>
-            <a:prstGeom prst="rect">
-              <a:avLst/>
-            </a:prstGeom>
-            <a:noFill/>
-          </p:spPr>
-          <p:txBody>
-            <a:bodyPr wrap="square" rtlCol="0">
-              <a:spAutoFit/>
-            </a:bodyPr>
-            <a:lstStyle/>
-            <a:p>
-              <a:r>
-                <a:rPr lang="de-CH" sz="1400" dirty="0"/>
-                <a:t>1</a:t>
-              </a:r>
-            </a:p>
-          </p:txBody>
-        </p:sp>
-        <p:sp>
-          <p:nvSpPr>
-            <p:cNvPr id="20" name="Ellipse 19">
-              <a:extLst>
-                <a:ext uri="{FF2B5EF4-FFF2-40B4-BE49-F238E27FC236}">
-                  <a16:creationId xmlns:a16="http://schemas.microsoft.com/office/drawing/2014/main" id="{FFD74DC7-ABF7-406F-BDE7-0CE96BE36135}"/>
-                </a:ext>
-              </a:extLst>
-            </p:cNvPr>
-            <p:cNvSpPr/>
-            <p:nvPr/>
-          </p:nvSpPr>
-          <p:spPr>
-            <a:xfrm>
-              <a:off x="2437666" y="841056"/>
-              <a:ext cx="246274" cy="224191"/>
-            </a:xfrm>
-            <a:prstGeom prst="ellipse">
-              <a:avLst/>
-            </a:prstGeom>
-            <a:noFill/>
-            <a:effectLst/>
-          </p:spPr>
-          <p:style>
-            <a:lnRef idx="1">
-              <a:schemeClr val="accent1"/>
-            </a:lnRef>
-            <a:fillRef idx="3">
-              <a:schemeClr val="accent1"/>
-            </a:fillRef>
-            <a:effectRef idx="2">
-              <a:schemeClr val="accent1"/>
-            </a:effectRef>
-            <a:fontRef idx="minor">
-              <a:schemeClr val="lt1"/>
-            </a:fontRef>
-          </p:style>
-          <p:txBody>
-            <a:bodyPr rtlCol="0" anchor="ctr"/>
-            <a:lstStyle/>
-            <a:p>
-              <a:pPr algn="ctr"/>
-              <a:endParaRPr lang="de-CH"/>
-            </a:p>
-          </p:txBody>
-        </p:sp>
-      </p:grpSp>
-      <p:grpSp>
-        <p:nvGrpSpPr>
-          <p:cNvPr id="31" name="Gruppieren 30">
-            <a:extLst>
-              <a:ext uri="{FF2B5EF4-FFF2-40B4-BE49-F238E27FC236}">
-                <a16:creationId xmlns:a16="http://schemas.microsoft.com/office/drawing/2014/main" id="{52924C2D-DA77-4F44-B4A8-519CF4BF9CF7}"/>
-              </a:ext>
-            </a:extLst>
-          </p:cNvPr>
-          <p:cNvGrpSpPr/>
-          <p:nvPr/>
-        </p:nvGrpSpPr>
-        <p:grpSpPr>
-          <a:xfrm>
-            <a:off x="6451217" y="1455077"/>
-            <a:ext cx="263951" cy="307777"/>
-            <a:chOff x="2428829" y="800200"/>
-            <a:chExt cx="263951" cy="307777"/>
-          </a:xfrm>
-        </p:grpSpPr>
-        <p:sp>
-          <p:nvSpPr>
-            <p:cNvPr id="32" name="Textfeld 31">
-              <a:extLst>
-                <a:ext uri="{FF2B5EF4-FFF2-40B4-BE49-F238E27FC236}">
-                  <a16:creationId xmlns:a16="http://schemas.microsoft.com/office/drawing/2014/main" id="{DA84C640-F0BB-4D57-9900-D8EBC558D9D2}"/>
-                </a:ext>
-              </a:extLst>
-            </p:cNvPr>
-            <p:cNvSpPr txBox="1"/>
-            <p:nvPr/>
-          </p:nvSpPr>
-          <p:spPr>
-            <a:xfrm>
-              <a:off x="2428829" y="800200"/>
-              <a:ext cx="263951" cy="307777"/>
-            </a:xfrm>
-            <a:prstGeom prst="rect">
-              <a:avLst/>
-            </a:prstGeom>
-            <a:noFill/>
-          </p:spPr>
-          <p:txBody>
-            <a:bodyPr wrap="square" rtlCol="0">
-              <a:spAutoFit/>
-            </a:bodyPr>
-            <a:lstStyle/>
-            <a:p>
-              <a:r>
-                <a:rPr lang="de-CH" sz="1400" dirty="0"/>
-                <a:t>2</a:t>
-              </a:r>
-            </a:p>
-          </p:txBody>
-        </p:sp>
-        <p:sp>
-          <p:nvSpPr>
-            <p:cNvPr id="33" name="Ellipse 32">
-              <a:extLst>
-                <a:ext uri="{FF2B5EF4-FFF2-40B4-BE49-F238E27FC236}">
-                  <a16:creationId xmlns:a16="http://schemas.microsoft.com/office/drawing/2014/main" id="{54955D9B-EBA7-44F5-AABC-CF51F38CA7DA}"/>
-                </a:ext>
-              </a:extLst>
-            </p:cNvPr>
-            <p:cNvSpPr/>
-            <p:nvPr/>
-          </p:nvSpPr>
-          <p:spPr>
-            <a:xfrm>
-              <a:off x="2437666" y="841056"/>
-              <a:ext cx="246274" cy="224191"/>
-            </a:xfrm>
-            <a:prstGeom prst="ellipse">
-              <a:avLst/>
-            </a:prstGeom>
-            <a:noFill/>
-            <a:effectLst/>
-          </p:spPr>
-          <p:style>
-            <a:lnRef idx="1">
-              <a:schemeClr val="accent1"/>
-            </a:lnRef>
-            <a:fillRef idx="3">
-              <a:schemeClr val="accent1"/>
-            </a:fillRef>
-            <a:effectRef idx="2">
-              <a:schemeClr val="accent1"/>
-            </a:effectRef>
-            <a:fontRef idx="minor">
-              <a:schemeClr val="lt1"/>
-            </a:fontRef>
-          </p:style>
-          <p:txBody>
-            <a:bodyPr rtlCol="0" anchor="ctr"/>
-            <a:lstStyle/>
-            <a:p>
-              <a:pPr algn="ctr"/>
-              <a:endParaRPr lang="de-CH"/>
-            </a:p>
-          </p:txBody>
-        </p:sp>
-      </p:grpSp>
-      <p:pic>
-        <p:nvPicPr>
-          <p:cNvPr id="30" name="Grafik 29">
-            <a:extLst>
-              <a:ext uri="{FF2B5EF4-FFF2-40B4-BE49-F238E27FC236}">
-                <a16:creationId xmlns:a16="http://schemas.microsoft.com/office/drawing/2014/main" id="{391A6DA5-4848-4811-A3BB-4C072237DB0C}"/>
-              </a:ext>
-            </a:extLst>
-          </p:cNvPr>
-          <p:cNvPicPr/>
-          <p:nvPr/>
-        </p:nvPicPr>
-        <p:blipFill>
-          <a:blip r:embed="rId2" cstate="print">
-            <a:extLst>
-              <a:ext uri="{28A0092B-C50C-407E-A947-70E740481C1C}">
-                <a14:useLocalDpi xmlns:a14="http://schemas.microsoft.com/office/drawing/2010/main" val="0"/>
-              </a:ext>
-            </a:extLst>
-          </a:blip>
-          <a:srcRect/>
-          <a:stretch>
-            <a:fillRect/>
-          </a:stretch>
-        </p:blipFill>
-        <p:spPr bwMode="auto">
-          <a:xfrm>
-            <a:off x="820293" y="1756553"/>
-            <a:ext cx="3481013" cy="2299035"/>
-          </a:xfrm>
-          <a:prstGeom prst="rect">
-            <a:avLst/>
-          </a:prstGeom>
-          <a:noFill/>
-          <a:ln>
-            <a:noFill/>
-          </a:ln>
-        </p:spPr>
-      </p:pic>
-      <p:pic>
-        <p:nvPicPr>
-          <p:cNvPr id="40" name="Grafik 39">
-            <a:extLst>
-              <a:ext uri="{FF2B5EF4-FFF2-40B4-BE49-F238E27FC236}">
-                <a16:creationId xmlns:a16="http://schemas.microsoft.com/office/drawing/2014/main" id="{3CCE1B0F-F5CF-42A2-852D-B0C6E37E7AA5}"/>
-              </a:ext>
-            </a:extLst>
-          </p:cNvPr>
-          <p:cNvPicPr/>
-          <p:nvPr/>
-        </p:nvPicPr>
-        <p:blipFill>
-          <a:blip r:embed="rId3" cstate="print">
-            <a:extLst>
-              <a:ext uri="{28A0092B-C50C-407E-A947-70E740481C1C}">
-                <a14:useLocalDpi xmlns:a14="http://schemas.microsoft.com/office/drawing/2010/main" val="0"/>
-              </a:ext>
-            </a:extLst>
-          </a:blip>
-          <a:srcRect/>
-          <a:stretch>
-            <a:fillRect/>
-          </a:stretch>
-        </p:blipFill>
-        <p:spPr bwMode="auto">
-          <a:xfrm>
-            <a:off x="4833842" y="1756553"/>
-            <a:ext cx="3481012" cy="2292658"/>
-          </a:xfrm>
-          <a:prstGeom prst="rect">
-            <a:avLst/>
-          </a:prstGeom>
-          <a:noFill/>
-          <a:ln>
-            <a:noFill/>
-          </a:ln>
-        </p:spPr>
-      </p:pic>
-    </p:spTree>
-    <p:extLst>
-      <p:ext uri="{BB962C8B-B14F-4D97-AF65-F5344CB8AC3E}">
-        <p14:creationId xmlns:p14="http://schemas.microsoft.com/office/powerpoint/2010/main" val="3047836065"/>
       </p:ext>
     </p:extLst>
   </p:cSld>
@@ -11247,6 +13832,31 @@
 </file>
 
 <file path=customXml/item1.xml><?xml version="1.0" encoding="utf-8"?>
+<p:properties xmlns:p="http://schemas.microsoft.com/office/2006/metadata/properties" xmlns:xsi="http://www.w3.org/2001/XMLSchema-instance" xmlns:pc="http://schemas.microsoft.com/office/infopath/2007/PartnerControls">
+  <documentManagement>
+    <QMPilot_DokID xmlns="2551ef7e-3b29-44d1-a8ad-ef34c26bfc60">469</QMPilot_DokID>
+    <BfhIntranetDepartmentText xmlns="e1a8bf75-a2bc-470e-a71e-5c20e7a2e358">
+      <Terms xmlns="http://schemas.microsoft.com/office/infopath/2007/PartnerControls">
+        <TermInfo xmlns="http://schemas.microsoft.com/office/infopath/2007/PartnerControls">
+          <TermName xmlns="http://schemas.microsoft.com/office/infopath/2007/PartnerControls">Vorlage</TermName>
+          <TermId xmlns="http://schemas.microsoft.com/office/infopath/2007/PartnerControls">de1a6d3c-ac6a-4b34-8edd-308eb81066db</TermId>
+        </TermInfo>
+      </Terms>
+    </BfhIntranetDepartmentText>
+  </documentManagement>
+</p:properties>
+</file>
+
+<file path=customXml/item2.xml><?xml version="1.0" encoding="utf-8"?>
+<?mso-contentType ?>
+<FormTemplates xmlns="http://schemas.microsoft.com/sharepoint/v3/contenttype/forms">
+  <Display>DocumentLibraryForm</Display>
+  <Edit>DocumentLibraryForm</Edit>
+  <New>DocumentLibraryForm</New>
+</FormTemplates>
+</file>
+
+<file path=customXml/item3.xml><?xml version="1.0" encoding="utf-8"?>
 <ct:contentTypeSchema xmlns:ct="http://schemas.microsoft.com/office/2006/metadata/contentType" xmlns:ma="http://schemas.microsoft.com/office/2006/metadata/properties/metaAttributes" ct:_="" ma:_="" ma:contentTypeName="QMPilot_ContentType" ma:contentTypeID="0x0101009127C3B567804923A8661E062BBD8EF500AB8983C84EF542A7976DC8547A5CDC52001BD440F45714504284DA526949208683" ma:contentTypeVersion="2" ma:contentTypeDescription="Create a new document." ma:contentTypeScope="" ma:versionID="13c5ad7ca0982f7eb25820f46f9f086f">
   <xsd:schema xmlns:xsd="http://www.w3.org/2001/XMLSchema" xmlns:xs="http://www.w3.org/2001/XMLSchema" xmlns:p="http://schemas.microsoft.com/office/2006/metadata/properties" xmlns:ns2="e1a8bf75-a2bc-470e-a71e-5c20e7a2e358" xmlns:ns3="2551ef7e-3b29-44d1-a8ad-ef34c26bfc60" targetNamespace="http://schemas.microsoft.com/office/2006/metadata/properties" ma:root="true" ma:fieldsID="fcc0b5209f19c7fe46f066f1e6bc8324" ns2:_="" ns3:_="">
     <xsd:import namespace="e1a8bf75-a2bc-470e-a71e-5c20e7a2e358"/>
@@ -11385,32 +13995,32 @@
 </ct:contentTypeSchema>
 </file>
 
-<file path=customXml/item2.xml><?xml version="1.0" encoding="utf-8"?>
-<?mso-contentType ?>
-<FormTemplates xmlns="http://schemas.microsoft.com/sharepoint/v3/contenttype/forms">
-  <Display>DocumentLibraryForm</Display>
-  <Edit>DocumentLibraryForm</Edit>
-  <New>DocumentLibraryForm</New>
-</FormTemplates>
+<file path=customXml/itemProps1.xml><?xml version="1.0" encoding="utf-8"?>
+<ds:datastoreItem xmlns:ds="http://schemas.openxmlformats.org/officeDocument/2006/customXml" ds:itemID="{ECF8F4E1-6D10-4690-BBFB-FD63A4E474C6}">
+  <ds:schemaRefs>
+    <ds:schemaRef ds:uri="http://schemas.openxmlformats.org/package/2006/metadata/core-properties"/>
+    <ds:schemaRef ds:uri="http://purl.org/dc/dcmitype/"/>
+    <ds:schemaRef ds:uri="http://schemas.microsoft.com/office/2006/documentManagement/types"/>
+    <ds:schemaRef ds:uri="http://purl.org/dc/terms/"/>
+    <ds:schemaRef ds:uri="http://purl.org/dc/elements/1.1/"/>
+    <ds:schemaRef ds:uri="http://schemas.microsoft.com/office/infopath/2007/PartnerControls"/>
+    <ds:schemaRef ds:uri="2551ef7e-3b29-44d1-a8ad-ef34c26bfc60"/>
+    <ds:schemaRef ds:uri="e1a8bf75-a2bc-470e-a71e-5c20e7a2e358"/>
+    <ds:schemaRef ds:uri="http://schemas.microsoft.com/office/2006/metadata/properties"/>
+    <ds:schemaRef ds:uri="http://www.w3.org/XML/1998/namespace"/>
+  </ds:schemaRefs>
+</ds:datastoreItem>
 </file>
 
-<file path=customXml/item3.xml><?xml version="1.0" encoding="utf-8"?>
-<p:properties xmlns:p="http://schemas.microsoft.com/office/2006/metadata/properties" xmlns:xsi="http://www.w3.org/2001/XMLSchema-instance" xmlns:pc="http://schemas.microsoft.com/office/infopath/2007/PartnerControls">
-  <documentManagement>
-    <QMPilot_DokID xmlns="2551ef7e-3b29-44d1-a8ad-ef34c26bfc60">469</QMPilot_DokID>
-    <BfhIntranetDepartmentText xmlns="e1a8bf75-a2bc-470e-a71e-5c20e7a2e358">
-      <Terms xmlns="http://schemas.microsoft.com/office/infopath/2007/PartnerControls">
-        <TermInfo xmlns="http://schemas.microsoft.com/office/infopath/2007/PartnerControls">
-          <TermName xmlns="http://schemas.microsoft.com/office/infopath/2007/PartnerControls">Vorlage</TermName>
-          <TermId xmlns="http://schemas.microsoft.com/office/infopath/2007/PartnerControls">de1a6d3c-ac6a-4b34-8edd-308eb81066db</TermId>
-        </TermInfo>
-      </Terms>
-    </BfhIntranetDepartmentText>
-  </documentManagement>
-</p:properties>
+<file path=customXml/itemProps2.xml><?xml version="1.0" encoding="utf-8"?>
+<ds:datastoreItem xmlns:ds="http://schemas.openxmlformats.org/officeDocument/2006/customXml" ds:itemID="{28BA0ABA-028C-4563-AF09-E2FE258BCA87}">
+  <ds:schemaRefs>
+    <ds:schemaRef ds:uri="http://schemas.microsoft.com/sharepoint/v3/contenttype/forms"/>
+  </ds:schemaRefs>
+</ds:datastoreItem>
 </file>
 
-<file path=customXml/itemProps1.xml><?xml version="1.0" encoding="utf-8"?>
+<file path=customXml/itemProps3.xml><?xml version="1.0" encoding="utf-8"?>
 <ds:datastoreItem xmlns:ds="http://schemas.openxmlformats.org/officeDocument/2006/customXml" ds:itemID="{C9592B06-C233-4FF2-AA0D-03EF780D73D7}">
   <ds:schemaRefs>
     <ds:schemaRef ds:uri="http://schemas.microsoft.com/office/2006/metadata/contentType"/>
@@ -11427,29 +14037,4 @@
     <ds:schemaRef ds:uri="http://schemas.microsoft.com/internal/obd"/>
   </ds:schemaRefs>
 </ds:datastoreItem>
-</file>
-
-<file path=customXml/itemProps2.xml><?xml version="1.0" encoding="utf-8"?>
-<ds:datastoreItem xmlns:ds="http://schemas.openxmlformats.org/officeDocument/2006/customXml" ds:itemID="{28BA0ABA-028C-4563-AF09-E2FE258BCA87}">
-  <ds:schemaRefs>
-    <ds:schemaRef ds:uri="http://schemas.microsoft.com/sharepoint/v3/contenttype/forms"/>
-  </ds:schemaRefs>
-</ds:datastoreItem>
-</file>
-
-<file path=customXml/itemProps3.xml><?xml version="1.0" encoding="utf-8"?>
-<ds:datastoreItem xmlns:ds="http://schemas.openxmlformats.org/officeDocument/2006/customXml" ds:itemID="{ECF8F4E1-6D10-4690-BBFB-FD63A4E474C6}">
-  <ds:schemaRefs>
-    <ds:schemaRef ds:uri="http://schemas.microsoft.com/office/2006/documentManagement/types"/>
-    <ds:schemaRef ds:uri="http://www.w3.org/XML/1998/namespace"/>
-    <ds:schemaRef ds:uri="http://schemas.microsoft.com/office/infopath/2007/PartnerControls"/>
-    <ds:schemaRef ds:uri="http://purl.org/dc/elements/1.1/"/>
-    <ds:schemaRef ds:uri="http://purl.org/dc/terms/"/>
-    <ds:schemaRef ds:uri="2551ef7e-3b29-44d1-a8ad-ef34c26bfc60"/>
-    <ds:schemaRef ds:uri="http://schemas.microsoft.com/office/2006/metadata/properties"/>
-    <ds:schemaRef ds:uri="http://schemas.openxmlformats.org/package/2006/metadata/core-properties"/>
-    <ds:schemaRef ds:uri="e1a8bf75-a2bc-470e-a71e-5c20e7a2e358"/>
-    <ds:schemaRef ds:uri="http://purl.org/dc/dcmitype/"/>
-  </ds:schemaRefs>
-</ds:datastoreItem>
 </file>
--- a/doc/task-01/Präsentation/Task1_Doctor_Addiction.pptx
+++ b/doc/task-01/Präsentation/Task1_Doctor_Addiction.pptx
@@ -5,26 +5,28 @@
     <p:sldMasterId id="2147483669" r:id="rId4"/>
   </p:sldMasterIdLst>
   <p:notesMasterIdLst>
-    <p:notesMasterId r:id="rId19"/>
+    <p:notesMasterId r:id="rId21"/>
   </p:notesMasterIdLst>
   <p:handoutMasterIdLst>
-    <p:handoutMasterId r:id="rId20"/>
+    <p:handoutMasterId r:id="rId22"/>
   </p:handoutMasterIdLst>
   <p:sldIdLst>
     <p:sldId id="256" r:id="rId5"/>
     <p:sldId id="263" r:id="rId6"/>
     <p:sldId id="269" r:id="rId7"/>
-    <p:sldId id="275" r:id="rId8"/>
-    <p:sldId id="264" r:id="rId9"/>
-    <p:sldId id="270" r:id="rId10"/>
-    <p:sldId id="271" r:id="rId11"/>
-    <p:sldId id="272" r:id="rId12"/>
-    <p:sldId id="273" r:id="rId13"/>
-    <p:sldId id="274" r:id="rId14"/>
-    <p:sldId id="276" r:id="rId15"/>
-    <p:sldId id="277" r:id="rId16"/>
-    <p:sldId id="278" r:id="rId17"/>
-    <p:sldId id="268" r:id="rId18"/>
+    <p:sldId id="279" r:id="rId8"/>
+    <p:sldId id="280" r:id="rId9"/>
+    <p:sldId id="264" r:id="rId10"/>
+    <p:sldId id="270" r:id="rId11"/>
+    <p:sldId id="271" r:id="rId12"/>
+    <p:sldId id="272" r:id="rId13"/>
+    <p:sldId id="273" r:id="rId14"/>
+    <p:sldId id="274" r:id="rId15"/>
+    <p:sldId id="276" r:id="rId16"/>
+    <p:sldId id="277" r:id="rId17"/>
+    <p:sldId id="278" r:id="rId18"/>
+    <p:sldId id="281" r:id="rId19"/>
+    <p:sldId id="268" r:id="rId20"/>
   </p:sldIdLst>
   <p:sldSz cx="9144000" cy="6858000" type="screen4x3"/>
   <p:notesSz cx="6797675" cy="9872663"/>
@@ -785,6 +787,214 @@
 </p:notes>
 </file>
 
+<file path=ppt/notesSlides/notesSlide2.xml><?xml version="1.0" encoding="utf-8"?>
+<p:notes xmlns:a="http://schemas.openxmlformats.org/drawingml/2006/main" xmlns:r="http://schemas.openxmlformats.org/officeDocument/2006/relationships" xmlns:p="http://schemas.openxmlformats.org/presentationml/2006/main">
+  <p:cSld>
+    <p:spTree>
+      <p:nvGrpSpPr>
+        <p:cNvPr id="1" name=""/>
+        <p:cNvGrpSpPr/>
+        <p:nvPr/>
+      </p:nvGrpSpPr>
+      <p:grpSpPr>
+        <a:xfrm>
+          <a:off x="0" y="0"/>
+          <a:ext cx="0" cy="0"/>
+          <a:chOff x="0" y="0"/>
+          <a:chExt cx="0" cy="0"/>
+        </a:xfrm>
+      </p:grpSpPr>
+      <p:sp>
+        <p:nvSpPr>
+          <p:cNvPr id="2" name="Folienbildplatzhalter 1"/>
+          <p:cNvSpPr>
+            <a:spLocks noGrp="1" noRot="1" noChangeAspect="1"/>
+          </p:cNvSpPr>
+          <p:nvPr>
+            <p:ph type="sldImg"/>
+          </p:nvPr>
+        </p:nvSpPr>
+        <p:spPr/>
+      </p:sp>
+      <p:sp>
+        <p:nvSpPr>
+          <p:cNvPr id="3" name="Notizenplatzhalter 2"/>
+          <p:cNvSpPr>
+            <a:spLocks noGrp="1"/>
+          </p:cNvSpPr>
+          <p:nvPr>
+            <p:ph type="body" idx="1"/>
+          </p:nvPr>
+        </p:nvSpPr>
+        <p:spPr/>
+        <p:txBody>
+          <a:bodyPr/>
+          <a:lstStyle/>
+          <a:p>
+            <a:r>
+              <a:rPr lang="de-CH" sz="1200" kern="1200" dirty="0" smtClean="0">
+                <a:solidFill>
+                  <a:schemeClr val="tx1"/>
+                </a:solidFill>
+                <a:effectLst/>
+                <a:latin typeface="+mn-lt"/>
+                <a:ea typeface="+mn-ea"/>
+                <a:cs typeface="+mn-cs"/>
+              </a:rPr>
+              <a:t>Im Rahmen des Projekts Design </a:t>
+            </a:r>
+            <a:r>
+              <a:rPr lang="de-CH" sz="1200" kern="1200" dirty="0" err="1" smtClean="0">
+                <a:solidFill>
+                  <a:schemeClr val="tx1"/>
+                </a:solidFill>
+                <a:effectLst/>
+                <a:latin typeface="+mn-lt"/>
+                <a:ea typeface="+mn-ea"/>
+                <a:cs typeface="+mn-cs"/>
+              </a:rPr>
+              <a:t>Thinking</a:t>
+            </a:r>
+            <a:r>
+              <a:rPr lang="de-CH" sz="1200" kern="1200" dirty="0" smtClean="0">
+                <a:solidFill>
+                  <a:schemeClr val="tx1"/>
+                </a:solidFill>
+                <a:effectLst/>
+                <a:latin typeface="+mn-lt"/>
+                <a:ea typeface="+mn-ea"/>
+                <a:cs typeface="+mn-cs"/>
+              </a:rPr>
+              <a:t> im Modul BTX8081-Software Engineering </a:t>
+            </a:r>
+            <a:r>
+              <a:rPr lang="de-CH" sz="1200" kern="1200" dirty="0" err="1" smtClean="0">
+                <a:solidFill>
+                  <a:schemeClr val="tx1"/>
+                </a:solidFill>
+                <a:effectLst/>
+                <a:latin typeface="+mn-lt"/>
+                <a:ea typeface="+mn-ea"/>
+                <a:cs typeface="+mn-cs"/>
+              </a:rPr>
+              <a:t>and</a:t>
+            </a:r>
+            <a:r>
+              <a:rPr lang="de-CH" sz="1200" kern="1200" dirty="0" smtClean="0">
+                <a:solidFill>
+                  <a:schemeClr val="tx1"/>
+                </a:solidFill>
+                <a:effectLst/>
+                <a:latin typeface="+mn-lt"/>
+                <a:ea typeface="+mn-ea"/>
+                <a:cs typeface="+mn-cs"/>
+              </a:rPr>
+              <a:t> Design entwerfen wir eine Web-Applikation zum Thema Patient Management Software. Das Ziel dieser Web-Applikation ist es den Arzt bei der Behandlung von Patienten mit Suchterkrankungen zu unterstützen, dies aus dem Blickwinkel des Arztes. Die Ausgangslage ist im Anhang gekürzt und strukturiert ersichtlich.</a:t>
+            </a:r>
+          </a:p>
+          <a:p>
+            <a:r>
+              <a:rPr lang="de-CH" sz="1200" kern="1200" dirty="0" smtClean="0">
+                <a:solidFill>
+                  <a:schemeClr val="tx1"/>
+                </a:solidFill>
+                <a:effectLst/>
+                <a:latin typeface="+mn-lt"/>
+                <a:ea typeface="+mn-ea"/>
+                <a:cs typeface="+mn-cs"/>
+              </a:rPr>
+              <a:t> </a:t>
+            </a:r>
+          </a:p>
+          <a:p>
+            <a:r>
+              <a:rPr lang="de-CH" sz="1200" kern="1200" dirty="0" smtClean="0">
+                <a:solidFill>
+                  <a:schemeClr val="tx1"/>
+                </a:solidFill>
+                <a:effectLst/>
+                <a:latin typeface="+mn-lt"/>
+                <a:ea typeface="+mn-ea"/>
+                <a:cs typeface="+mn-cs"/>
+              </a:rPr>
+              <a:t>Übergeordnete Ziele sind die Behandlung der Patienten zu erleichtern indem Informationen rechtzeitig dem Arzt zur Verfügung gestellt werden, sowie die Unterstützung von Patienten und deren Angehörigen bei der Bewältigung der Erkrankung.</a:t>
+            </a:r>
+          </a:p>
+          <a:p>
+            <a:endParaRPr lang="de-CH" dirty="0" smtClean="0"/>
+          </a:p>
+          <a:p>
+            <a:pPr marL="0" marR="0" lvl="0" indent="0" algn="l" defTabSz="914400" rtl="0" eaLnBrk="1" fontAlgn="auto" latinLnBrk="0" hangingPunct="1">
+              <a:lnSpc>
+                <a:spcPct val="100000"/>
+              </a:lnSpc>
+              <a:spcBef>
+                <a:spcPts val="0"/>
+              </a:spcBef>
+              <a:spcAft>
+                <a:spcPts val="0"/>
+              </a:spcAft>
+              <a:buClrTx/>
+              <a:buSzTx/>
+              <a:buFontTx/>
+              <a:buNone/>
+              <a:tabLst/>
+              <a:defRPr/>
+            </a:pPr>
+            <a:r>
+              <a:rPr lang="de-CH" sz="1200" kern="1200" dirty="0" smtClean="0">
+                <a:solidFill>
+                  <a:schemeClr val="tx1"/>
+                </a:solidFill>
+                <a:effectLst/>
+                <a:latin typeface="+mn-lt"/>
+                <a:ea typeface="+mn-ea"/>
+                <a:cs typeface="+mn-cs"/>
+              </a:rPr>
+              <a:t>Probleme aus Sicht dieser Interaktionen zwischen Arzt und Suchtkranken über das Patienten-Informations-System sind wie folgt:</a:t>
+            </a:r>
+          </a:p>
+          <a:p>
+            <a:endParaRPr lang="de-CH" dirty="0"/>
+          </a:p>
+        </p:txBody>
+      </p:sp>
+      <p:sp>
+        <p:nvSpPr>
+          <p:cNvPr id="4" name="Foliennummernplatzhalter 3"/>
+          <p:cNvSpPr>
+            <a:spLocks noGrp="1"/>
+          </p:cNvSpPr>
+          <p:nvPr>
+            <p:ph type="sldNum" sz="quarter" idx="10"/>
+          </p:nvPr>
+        </p:nvSpPr>
+        <p:spPr/>
+        <p:txBody>
+          <a:bodyPr/>
+          <a:lstStyle/>
+          <a:p>
+            <a:fld id="{37E44704-8E6D-4CF2-8CFA-A0F7BC751896}" type="slidenum">
+              <a:rPr lang="de-CH" smtClean="0"/>
+              <a:t>3</a:t>
+            </a:fld>
+            <a:endParaRPr lang="de-CH"/>
+          </a:p>
+        </p:txBody>
+      </p:sp>
+    </p:spTree>
+    <p:extLst>
+      <p:ext uri="{BB962C8B-B14F-4D97-AF65-F5344CB8AC3E}">
+        <p14:creationId xmlns:p14="http://schemas.microsoft.com/office/powerpoint/2010/main" val="3007507511"/>
+      </p:ext>
+    </p:extLst>
+  </p:cSld>
+  <p:clrMapOvr>
+    <a:masterClrMapping/>
+  </p:clrMapOvr>
+</p:notes>
+</file>
+
 <file path=ppt/slideLayouts/slideLayout1.xml><?xml version="1.0" encoding="utf-8"?>
 <p:sldLayout xmlns:a="http://schemas.openxmlformats.org/drawingml/2006/main" xmlns:r="http://schemas.openxmlformats.org/officeDocument/2006/relationships" xmlns:p="http://schemas.openxmlformats.org/presentationml/2006/main" preserve="1" userDrawn="1">
   <p:cSld name="Titelfolie mit Bild">
@@ -1010,9 +1220,17 @@
             <a:br>
               <a:rPr lang="de-DE" noProof="0" dirty="0"/>
             </a:br>
+            <a:r>
+              <a:rPr lang="de-DE" noProof="0" dirty="0"/>
+              <a:t/>
+            </a:r>
             <a:br>
               <a:rPr lang="de-DE" noProof="0" dirty="0"/>
             </a:br>
+            <a:r>
+              <a:rPr lang="de-DE" noProof="0" dirty="0"/>
+              <a:t/>
+            </a:r>
             <a:br>
               <a:rPr lang="de-DE" noProof="0" dirty="0"/>
             </a:br>
@@ -1238,7 +1456,7 @@
           <p:cNvPr id="15" name="Fußzeilenplatzhalter 3">
             <a:extLst>
               <a:ext uri="{FF2B5EF4-FFF2-40B4-BE49-F238E27FC236}">
-                <a16:creationId xmlns:a16="http://schemas.microsoft.com/office/drawing/2014/main" id="{DB731B00-E74A-4C68-B92A-55C3FBA8C2E5}"/>
+                <a16:creationId xmlns="" xmlns:a16="http://schemas.microsoft.com/office/drawing/2014/main" id="{DB731B00-E74A-4C68-B92A-55C3FBA8C2E5}"/>
               </a:ext>
             </a:extLst>
           </p:cNvPr>
@@ -1329,7 +1547,7 @@
           <p:cNvPr id="11" name="Grafik 10">
             <a:extLst>
               <a:ext uri="{FF2B5EF4-FFF2-40B4-BE49-F238E27FC236}">
-                <a16:creationId xmlns:a16="http://schemas.microsoft.com/office/drawing/2014/main" id="{DDD63865-60E1-44BA-AC22-B5030301FAA1}"/>
+                <a16:creationId xmlns="" xmlns:a16="http://schemas.microsoft.com/office/drawing/2014/main" id="{DDD63865-60E1-44BA-AC22-B5030301FAA1}"/>
               </a:ext>
             </a:extLst>
           </p:cNvPr>
@@ -2073,7 +2291,7 @@
           <p:cNvPr id="15" name="Textfeld 14">
             <a:extLst>
               <a:ext uri="{FF2B5EF4-FFF2-40B4-BE49-F238E27FC236}">
-                <a16:creationId xmlns:a16="http://schemas.microsoft.com/office/drawing/2014/main" id="{5B5820E2-2C1E-45BE-BCDD-C9067999F3A9}"/>
+                <a16:creationId xmlns="" xmlns:a16="http://schemas.microsoft.com/office/drawing/2014/main" id="{5B5820E2-2C1E-45BE-BCDD-C9067999F3A9}"/>
               </a:ext>
             </a:extLst>
           </p:cNvPr>
@@ -2168,7 +2386,7 @@
           <p:cNvPr id="4" name="Textfeld 3">
             <a:extLst>
               <a:ext uri="{FF2B5EF4-FFF2-40B4-BE49-F238E27FC236}">
-                <a16:creationId xmlns:a16="http://schemas.microsoft.com/office/drawing/2014/main" id="{8375AC12-7C44-4BA4-8FA4-0111A5DBD2DC}"/>
+                <a16:creationId xmlns="" xmlns:a16="http://schemas.microsoft.com/office/drawing/2014/main" id="{8375AC12-7C44-4BA4-8FA4-0111A5DBD2DC}"/>
               </a:ext>
             </a:extLst>
           </p:cNvPr>
@@ -2672,7 +2890,7 @@
           <p:cNvPr id="14" name="Fußzeilenplatzhalter 3">
             <a:extLst>
               <a:ext uri="{FF2B5EF4-FFF2-40B4-BE49-F238E27FC236}">
-                <a16:creationId xmlns:a16="http://schemas.microsoft.com/office/drawing/2014/main" id="{24B8BCEB-ECF4-4817-B167-82C656D98B1E}"/>
+                <a16:creationId xmlns="" xmlns:a16="http://schemas.microsoft.com/office/drawing/2014/main" id="{24B8BCEB-ECF4-4817-B167-82C656D98B1E}"/>
               </a:ext>
             </a:extLst>
           </p:cNvPr>
@@ -2759,7 +2977,7 @@
           <p:cNvPr id="15" name="Grafik 14">
             <a:extLst>
               <a:ext uri="{FF2B5EF4-FFF2-40B4-BE49-F238E27FC236}">
-                <a16:creationId xmlns:a16="http://schemas.microsoft.com/office/drawing/2014/main" id="{08EB342B-B96A-46EF-90DE-FE9FADD8561E}"/>
+                <a16:creationId xmlns="" xmlns:a16="http://schemas.microsoft.com/office/drawing/2014/main" id="{08EB342B-B96A-46EF-90DE-FE9FADD8561E}"/>
               </a:ext>
             </a:extLst>
           </p:cNvPr>
@@ -3177,7 +3395,7 @@
           <p:cNvPr id="11" name="Textfeld 10">
             <a:extLst>
               <a:ext uri="{FF2B5EF4-FFF2-40B4-BE49-F238E27FC236}">
-                <a16:creationId xmlns:a16="http://schemas.microsoft.com/office/drawing/2014/main" id="{64B40497-9796-4815-9B75-9ACA5FCF49EF}"/>
+                <a16:creationId xmlns="" xmlns:a16="http://schemas.microsoft.com/office/drawing/2014/main" id="{64B40497-9796-4815-9B75-9ACA5FCF49EF}"/>
               </a:ext>
             </a:extLst>
           </p:cNvPr>
@@ -3607,7 +3825,7 @@
           <p:cNvPr id="3" name="Textfeld 2">
             <a:extLst>
               <a:ext uri="{FF2B5EF4-FFF2-40B4-BE49-F238E27FC236}">
-                <a16:creationId xmlns:a16="http://schemas.microsoft.com/office/drawing/2014/main" id="{4B2728E8-4EF4-4AAA-B483-49C4E4F32D95}"/>
+                <a16:creationId xmlns="" xmlns:a16="http://schemas.microsoft.com/office/drawing/2014/main" id="{4B2728E8-4EF4-4AAA-B483-49C4E4F32D95}"/>
               </a:ext>
             </a:extLst>
           </p:cNvPr>
@@ -3875,7 +4093,7 @@
           <p:cNvPr id="6" name="Textfeld 5">
             <a:extLst>
               <a:ext uri="{FF2B5EF4-FFF2-40B4-BE49-F238E27FC236}">
-                <a16:creationId xmlns:a16="http://schemas.microsoft.com/office/drawing/2014/main" id="{DB9F061D-D926-4186-A55C-CD6E22C88DF9}"/>
+                <a16:creationId xmlns="" xmlns:a16="http://schemas.microsoft.com/office/drawing/2014/main" id="{DB9F061D-D926-4186-A55C-CD6E22C88DF9}"/>
               </a:ext>
             </a:extLst>
           </p:cNvPr>
@@ -4217,7 +4435,7 @@
           <p:cNvPr id="7" name="Textfeld 6">
             <a:extLst>
               <a:ext uri="{FF2B5EF4-FFF2-40B4-BE49-F238E27FC236}">
-                <a16:creationId xmlns:a16="http://schemas.microsoft.com/office/drawing/2014/main" id="{1EBEE7B1-61B0-4D10-8851-4F450A41FBEA}"/>
+                <a16:creationId xmlns="" xmlns:a16="http://schemas.microsoft.com/office/drawing/2014/main" id="{1EBEE7B1-61B0-4D10-8851-4F450A41FBEA}"/>
               </a:ext>
             </a:extLst>
           </p:cNvPr>
@@ -4781,7 +4999,7 @@
           <p:cNvPr id="12" name="Textfeld 11">
             <a:extLst>
               <a:ext uri="{FF2B5EF4-FFF2-40B4-BE49-F238E27FC236}">
-                <a16:creationId xmlns:a16="http://schemas.microsoft.com/office/drawing/2014/main" id="{0FEBB02E-936A-4AC9-836A-65FF776E655B}"/>
+                <a16:creationId xmlns="" xmlns:a16="http://schemas.microsoft.com/office/drawing/2014/main" id="{0FEBB02E-936A-4AC9-836A-65FF776E655B}"/>
               </a:ext>
             </a:extLst>
           </p:cNvPr>
@@ -5345,7 +5563,7 @@
           <p:cNvPr id="9" name="Textfeld 8">
             <a:extLst>
               <a:ext uri="{FF2B5EF4-FFF2-40B4-BE49-F238E27FC236}">
-                <a16:creationId xmlns:a16="http://schemas.microsoft.com/office/drawing/2014/main" id="{8DC838BE-6358-4D6E-9AF7-5A5098711E37}"/>
+                <a16:creationId xmlns="" xmlns:a16="http://schemas.microsoft.com/office/drawing/2014/main" id="{8DC838BE-6358-4D6E-9AF7-5A5098711E37}"/>
               </a:ext>
             </a:extLst>
           </p:cNvPr>
@@ -6106,7 +6324,7 @@
           <p:cNvPr id="16" name="Textfeld 15">
             <a:extLst>
               <a:ext uri="{FF2B5EF4-FFF2-40B4-BE49-F238E27FC236}">
-                <a16:creationId xmlns:a16="http://schemas.microsoft.com/office/drawing/2014/main" id="{1A0234E7-B946-4DC8-816D-093666D0AF30}"/>
+                <a16:creationId xmlns="" xmlns:a16="http://schemas.microsoft.com/office/drawing/2014/main" id="{1A0234E7-B946-4DC8-816D-093666D0AF30}"/>
               </a:ext>
             </a:extLst>
           </p:cNvPr>
@@ -6280,7 +6498,7 @@
           <p:cNvPr id="4" name="Fußzeilenplatzhalter 3">
             <a:extLst>
               <a:ext uri="{FF2B5EF4-FFF2-40B4-BE49-F238E27FC236}">
-                <a16:creationId xmlns:a16="http://schemas.microsoft.com/office/drawing/2014/main" id="{182E3759-2592-4632-8F24-B982FB3133B1}"/>
+                <a16:creationId xmlns="" xmlns:a16="http://schemas.microsoft.com/office/drawing/2014/main" id="{182E3759-2592-4632-8F24-B982FB3133B1}"/>
               </a:ext>
             </a:extLst>
           </p:cNvPr>
@@ -6799,7 +7017,7 @@
           <p:cNvPr id="6" name="Titel 5">
             <a:extLst>
               <a:ext uri="{FF2B5EF4-FFF2-40B4-BE49-F238E27FC236}">
-                <a16:creationId xmlns:a16="http://schemas.microsoft.com/office/drawing/2014/main" id="{FCA84AD8-0E1B-4DDC-8C00-C55FCEF22673}"/>
+                <a16:creationId xmlns="" xmlns:a16="http://schemas.microsoft.com/office/drawing/2014/main" id="{FCA84AD8-0E1B-4DDC-8C00-C55FCEF22673}"/>
               </a:ext>
             </a:extLst>
           </p:cNvPr>
@@ -6827,7 +7045,7 @@
           <p:cNvPr id="7" name="Untertitel 6">
             <a:extLst>
               <a:ext uri="{FF2B5EF4-FFF2-40B4-BE49-F238E27FC236}">
-                <a16:creationId xmlns:a16="http://schemas.microsoft.com/office/drawing/2014/main" id="{DA1F4C3A-3ECC-4E1B-9A39-F642DF08D0FB}"/>
+                <a16:creationId xmlns="" xmlns:a16="http://schemas.microsoft.com/office/drawing/2014/main" id="{DA1F4C3A-3ECC-4E1B-9A39-F642DF08D0FB}"/>
               </a:ext>
             </a:extLst>
           </p:cNvPr>
@@ -6887,7 +7105,7 @@
           <p:cNvPr id="2" name="Fußzeilenplatzhalter 1">
             <a:extLst>
               <a:ext uri="{FF2B5EF4-FFF2-40B4-BE49-F238E27FC236}">
-                <a16:creationId xmlns:a16="http://schemas.microsoft.com/office/drawing/2014/main" id="{61AFFCE2-9C09-42BC-9A37-19F0C5DDC66E}"/>
+                <a16:creationId xmlns="" xmlns:a16="http://schemas.microsoft.com/office/drawing/2014/main" id="{61AFFCE2-9C09-42BC-9A37-19F0C5DDC66E}"/>
               </a:ext>
             </a:extLst>
           </p:cNvPr>
@@ -6954,7 +7172,7 @@
           <p:cNvPr id="1026" name="Picture 2" descr="Bildergebnis für untersuchungszimmer arzt">
             <a:extLst>
               <a:ext uri="{FF2B5EF4-FFF2-40B4-BE49-F238E27FC236}">
-                <a16:creationId xmlns:a16="http://schemas.microsoft.com/office/drawing/2014/main" id="{EB146DAC-B25C-4625-974B-CC8E83528005}"/>
+                <a16:creationId xmlns="" xmlns:a16="http://schemas.microsoft.com/office/drawing/2014/main" id="{EB146DAC-B25C-4625-974B-CC8E83528005}"/>
               </a:ext>
             </a:extLst>
           </p:cNvPr>
@@ -7024,7 +7242,7 @@
           <p:cNvPr id="3" name="Titel 2">
             <a:extLst>
               <a:ext uri="{FF2B5EF4-FFF2-40B4-BE49-F238E27FC236}">
-                <a16:creationId xmlns:a16="http://schemas.microsoft.com/office/drawing/2014/main" id="{E904707F-1430-47F2-9043-A81C0A53F129}"/>
+                <a16:creationId xmlns="" xmlns:a16="http://schemas.microsoft.com/office/drawing/2014/main" id="{E904707F-1430-47F2-9043-A81C0A53F129}"/>
               </a:ext>
             </a:extLst>
           </p:cNvPr>
@@ -7057,7 +7275,7 @@
           <p:cNvPr id="21" name="Gruppieren 20">
             <a:extLst>
               <a:ext uri="{FF2B5EF4-FFF2-40B4-BE49-F238E27FC236}">
-                <a16:creationId xmlns:a16="http://schemas.microsoft.com/office/drawing/2014/main" id="{10284693-A442-4975-A068-420D74F92976}"/>
+                <a16:creationId xmlns="" xmlns:a16="http://schemas.microsoft.com/office/drawing/2014/main" id="{10284693-A442-4975-A068-420D74F92976}"/>
               </a:ext>
             </a:extLst>
           </p:cNvPr>
@@ -7066,7 +7284,7 @@
         </p:nvGrpSpPr>
         <p:grpSpPr>
           <a:xfrm>
-            <a:off x="2428829" y="1450650"/>
+            <a:off x="2428829" y="800200"/>
             <a:ext cx="263951" cy="307777"/>
             <a:chOff x="2428829" y="800200"/>
             <a:chExt cx="263951" cy="307777"/>
@@ -7077,7 +7295,7 @@
             <p:cNvPr id="19" name="Textfeld 18">
               <a:extLst>
                 <a:ext uri="{FF2B5EF4-FFF2-40B4-BE49-F238E27FC236}">
-                  <a16:creationId xmlns:a16="http://schemas.microsoft.com/office/drawing/2014/main" id="{2FE8BE93-F9A1-4275-8222-07C4EEF27C19}"/>
+                  <a16:creationId xmlns="" xmlns:a16="http://schemas.microsoft.com/office/drawing/2014/main" id="{2FE8BE93-F9A1-4275-8222-07C4EEF27C19}"/>
                 </a:ext>
               </a:extLst>
             </p:cNvPr>
@@ -7112,7 +7330,7 @@
             <p:cNvPr id="20" name="Ellipse 19">
               <a:extLst>
                 <a:ext uri="{FF2B5EF4-FFF2-40B4-BE49-F238E27FC236}">
-                  <a16:creationId xmlns:a16="http://schemas.microsoft.com/office/drawing/2014/main" id="{FFD74DC7-ABF7-406F-BDE7-0CE96BE36135}"/>
+                  <a16:creationId xmlns="" xmlns:a16="http://schemas.microsoft.com/office/drawing/2014/main" id="{FFD74DC7-ABF7-406F-BDE7-0CE96BE36135}"/>
                 </a:ext>
               </a:extLst>
             </p:cNvPr>
@@ -7159,7 +7377,7 @@
           <p:cNvPr id="31" name="Gruppieren 30">
             <a:extLst>
               <a:ext uri="{FF2B5EF4-FFF2-40B4-BE49-F238E27FC236}">
-                <a16:creationId xmlns:a16="http://schemas.microsoft.com/office/drawing/2014/main" id="{52924C2D-DA77-4F44-B4A8-519CF4BF9CF7}"/>
+                <a16:creationId xmlns="" xmlns:a16="http://schemas.microsoft.com/office/drawing/2014/main" id="{52924C2D-DA77-4F44-B4A8-519CF4BF9CF7}"/>
               </a:ext>
             </a:extLst>
           </p:cNvPr>
@@ -7168,7 +7386,7 @@
         </p:nvGrpSpPr>
         <p:grpSpPr>
           <a:xfrm>
-            <a:off x="6451217" y="1455077"/>
+            <a:off x="6451217" y="804627"/>
             <a:ext cx="263951" cy="307777"/>
             <a:chOff x="2428829" y="800200"/>
             <a:chExt cx="263951" cy="307777"/>
@@ -7179,7 +7397,7 @@
             <p:cNvPr id="32" name="Textfeld 31">
               <a:extLst>
                 <a:ext uri="{FF2B5EF4-FFF2-40B4-BE49-F238E27FC236}">
-                  <a16:creationId xmlns:a16="http://schemas.microsoft.com/office/drawing/2014/main" id="{DA84C640-F0BB-4D57-9900-D8EBC558D9D2}"/>
+                  <a16:creationId xmlns="" xmlns:a16="http://schemas.microsoft.com/office/drawing/2014/main" id="{DA84C640-F0BB-4D57-9900-D8EBC558D9D2}"/>
                 </a:ext>
               </a:extLst>
             </p:cNvPr>
@@ -7214,7 +7432,634 @@
             <p:cNvPr id="33" name="Ellipse 32">
               <a:extLst>
                 <a:ext uri="{FF2B5EF4-FFF2-40B4-BE49-F238E27FC236}">
-                  <a16:creationId xmlns:a16="http://schemas.microsoft.com/office/drawing/2014/main" id="{54955D9B-EBA7-44F5-AABC-CF51F38CA7DA}"/>
+                  <a16:creationId xmlns="" xmlns:a16="http://schemas.microsoft.com/office/drawing/2014/main" id="{54955D9B-EBA7-44F5-AABC-CF51F38CA7DA}"/>
+                </a:ext>
+              </a:extLst>
+            </p:cNvPr>
+            <p:cNvSpPr/>
+            <p:nvPr/>
+          </p:nvSpPr>
+          <p:spPr>
+            <a:xfrm>
+              <a:off x="2437666" y="841056"/>
+              <a:ext cx="246274" cy="224191"/>
+            </a:xfrm>
+            <a:prstGeom prst="ellipse">
+              <a:avLst/>
+            </a:prstGeom>
+            <a:noFill/>
+            <a:effectLst/>
+          </p:spPr>
+          <p:style>
+            <a:lnRef idx="1">
+              <a:schemeClr val="accent1"/>
+            </a:lnRef>
+            <a:fillRef idx="3">
+              <a:schemeClr val="accent1"/>
+            </a:fillRef>
+            <a:effectRef idx="2">
+              <a:schemeClr val="accent1"/>
+            </a:effectRef>
+            <a:fontRef idx="minor">
+              <a:schemeClr val="lt1"/>
+            </a:fontRef>
+          </p:style>
+          <p:txBody>
+            <a:bodyPr rtlCol="0" anchor="ctr"/>
+            <a:lstStyle/>
+            <a:p>
+              <a:pPr algn="ctr"/>
+              <a:endParaRPr lang="de-CH"/>
+            </a:p>
+          </p:txBody>
+        </p:sp>
+      </p:grpSp>
+      <p:grpSp>
+        <p:nvGrpSpPr>
+          <p:cNvPr id="34" name="Gruppieren 33">
+            <a:extLst>
+              <a:ext uri="{FF2B5EF4-FFF2-40B4-BE49-F238E27FC236}">
+                <a16:creationId xmlns="" xmlns:a16="http://schemas.microsoft.com/office/drawing/2014/main" id="{830C4400-160F-4897-9301-D25AB1B83D15}"/>
+              </a:ext>
+            </a:extLst>
+          </p:cNvPr>
+          <p:cNvGrpSpPr/>
+          <p:nvPr/>
+        </p:nvGrpSpPr>
+        <p:grpSpPr>
+          <a:xfrm>
+            <a:off x="2428826" y="3452371"/>
+            <a:ext cx="263951" cy="307777"/>
+            <a:chOff x="2428829" y="800200"/>
+            <a:chExt cx="263951" cy="307777"/>
+          </a:xfrm>
+        </p:grpSpPr>
+        <p:sp>
+          <p:nvSpPr>
+            <p:cNvPr id="35" name="Textfeld 34">
+              <a:extLst>
+                <a:ext uri="{FF2B5EF4-FFF2-40B4-BE49-F238E27FC236}">
+                  <a16:creationId xmlns="" xmlns:a16="http://schemas.microsoft.com/office/drawing/2014/main" id="{FED335F3-EC5B-4E28-887B-303B5BE6105F}"/>
+                </a:ext>
+              </a:extLst>
+            </p:cNvPr>
+            <p:cNvSpPr txBox="1"/>
+            <p:nvPr/>
+          </p:nvSpPr>
+          <p:spPr>
+            <a:xfrm>
+              <a:off x="2428829" y="800200"/>
+              <a:ext cx="263951" cy="307777"/>
+            </a:xfrm>
+            <a:prstGeom prst="rect">
+              <a:avLst/>
+            </a:prstGeom>
+            <a:noFill/>
+          </p:spPr>
+          <p:txBody>
+            <a:bodyPr wrap="square" rtlCol="0">
+              <a:spAutoFit/>
+            </a:bodyPr>
+            <a:lstStyle/>
+            <a:p>
+              <a:r>
+                <a:rPr lang="de-CH" sz="1400" dirty="0"/>
+                <a:t>3</a:t>
+              </a:r>
+            </a:p>
+          </p:txBody>
+        </p:sp>
+        <p:sp>
+          <p:nvSpPr>
+            <p:cNvPr id="36" name="Ellipse 35">
+              <a:extLst>
+                <a:ext uri="{FF2B5EF4-FFF2-40B4-BE49-F238E27FC236}">
+                  <a16:creationId xmlns="" xmlns:a16="http://schemas.microsoft.com/office/drawing/2014/main" id="{C89FEEAC-4D89-438E-AB15-B52796677AAF}"/>
+                </a:ext>
+              </a:extLst>
+            </p:cNvPr>
+            <p:cNvSpPr/>
+            <p:nvPr/>
+          </p:nvSpPr>
+          <p:spPr>
+            <a:xfrm>
+              <a:off x="2437666" y="841056"/>
+              <a:ext cx="246274" cy="224191"/>
+            </a:xfrm>
+            <a:prstGeom prst="ellipse">
+              <a:avLst/>
+            </a:prstGeom>
+            <a:noFill/>
+            <a:effectLst/>
+          </p:spPr>
+          <p:style>
+            <a:lnRef idx="1">
+              <a:schemeClr val="accent1"/>
+            </a:lnRef>
+            <a:fillRef idx="3">
+              <a:schemeClr val="accent1"/>
+            </a:fillRef>
+            <a:effectRef idx="2">
+              <a:schemeClr val="accent1"/>
+            </a:effectRef>
+            <a:fontRef idx="minor">
+              <a:schemeClr val="lt1"/>
+            </a:fontRef>
+          </p:style>
+          <p:txBody>
+            <a:bodyPr rtlCol="0" anchor="ctr"/>
+            <a:lstStyle/>
+            <a:p>
+              <a:pPr algn="ctr"/>
+              <a:endParaRPr lang="de-CH"/>
+            </a:p>
+          </p:txBody>
+        </p:sp>
+      </p:grpSp>
+      <p:grpSp>
+        <p:nvGrpSpPr>
+          <p:cNvPr id="37" name="Gruppieren 36">
+            <a:extLst>
+              <a:ext uri="{FF2B5EF4-FFF2-40B4-BE49-F238E27FC236}">
+                <a16:creationId xmlns="" xmlns:a16="http://schemas.microsoft.com/office/drawing/2014/main" id="{21F27838-336A-4DD8-9151-EF70588DB2AF}"/>
+              </a:ext>
+            </a:extLst>
+          </p:cNvPr>
+          <p:cNvGrpSpPr/>
+          <p:nvPr/>
+        </p:nvGrpSpPr>
+        <p:grpSpPr>
+          <a:xfrm>
+            <a:off x="6442374" y="3452371"/>
+            <a:ext cx="263951" cy="307777"/>
+            <a:chOff x="2428829" y="800200"/>
+            <a:chExt cx="263951" cy="307777"/>
+          </a:xfrm>
+        </p:grpSpPr>
+        <p:sp>
+          <p:nvSpPr>
+            <p:cNvPr id="38" name="Textfeld 37">
+              <a:extLst>
+                <a:ext uri="{FF2B5EF4-FFF2-40B4-BE49-F238E27FC236}">
+                  <a16:creationId xmlns="" xmlns:a16="http://schemas.microsoft.com/office/drawing/2014/main" id="{428AD043-2817-4C2E-AA4D-FB5637286E83}"/>
+                </a:ext>
+              </a:extLst>
+            </p:cNvPr>
+            <p:cNvSpPr txBox="1"/>
+            <p:nvPr/>
+          </p:nvSpPr>
+          <p:spPr>
+            <a:xfrm>
+              <a:off x="2428829" y="800200"/>
+              <a:ext cx="263951" cy="307777"/>
+            </a:xfrm>
+            <a:prstGeom prst="rect">
+              <a:avLst/>
+            </a:prstGeom>
+            <a:noFill/>
+          </p:spPr>
+          <p:txBody>
+            <a:bodyPr wrap="square" rtlCol="0">
+              <a:spAutoFit/>
+            </a:bodyPr>
+            <a:lstStyle/>
+            <a:p>
+              <a:r>
+                <a:rPr lang="de-CH" sz="1400" dirty="0"/>
+                <a:t>4</a:t>
+              </a:r>
+            </a:p>
+          </p:txBody>
+        </p:sp>
+        <p:sp>
+          <p:nvSpPr>
+            <p:cNvPr id="39" name="Ellipse 38">
+              <a:extLst>
+                <a:ext uri="{FF2B5EF4-FFF2-40B4-BE49-F238E27FC236}">
+                  <a16:creationId xmlns="" xmlns:a16="http://schemas.microsoft.com/office/drawing/2014/main" id="{719C0B19-327B-472B-B820-5EF059FC3AF0}"/>
+                </a:ext>
+              </a:extLst>
+            </p:cNvPr>
+            <p:cNvSpPr/>
+            <p:nvPr/>
+          </p:nvSpPr>
+          <p:spPr>
+            <a:xfrm>
+              <a:off x="2437666" y="841056"/>
+              <a:ext cx="246274" cy="224191"/>
+            </a:xfrm>
+            <a:prstGeom prst="ellipse">
+              <a:avLst/>
+            </a:prstGeom>
+            <a:noFill/>
+            <a:effectLst/>
+          </p:spPr>
+          <p:style>
+            <a:lnRef idx="1">
+              <a:schemeClr val="accent1"/>
+            </a:lnRef>
+            <a:fillRef idx="3">
+              <a:schemeClr val="accent1"/>
+            </a:fillRef>
+            <a:effectRef idx="2">
+              <a:schemeClr val="accent1"/>
+            </a:effectRef>
+            <a:fontRef idx="minor">
+              <a:schemeClr val="lt1"/>
+            </a:fontRef>
+          </p:style>
+          <p:txBody>
+            <a:bodyPr rtlCol="0" anchor="ctr"/>
+            <a:lstStyle/>
+            <a:p>
+              <a:pPr algn="ctr"/>
+              <a:endParaRPr lang="de-CH"/>
+            </a:p>
+          </p:txBody>
+        </p:sp>
+      </p:grpSp>
+      <p:pic>
+        <p:nvPicPr>
+          <p:cNvPr id="23" name="Grafik 22">
+            <a:extLst>
+              <a:ext uri="{FF2B5EF4-FFF2-40B4-BE49-F238E27FC236}">
+                <a16:creationId xmlns="" xmlns:a16="http://schemas.microsoft.com/office/drawing/2014/main" id="{9923EFB4-FBEE-48B9-91CF-8FF9E9602D49}"/>
+              </a:ext>
+            </a:extLst>
+          </p:cNvPr>
+          <p:cNvPicPr/>
+          <p:nvPr/>
+        </p:nvPicPr>
+        <p:blipFill>
+          <a:blip r:embed="rId2" cstate="print">
+            <a:extLst>
+              <a:ext uri="{28A0092B-C50C-407E-A947-70E740481C1C}">
+                <a14:useLocalDpi xmlns:a14="http://schemas.microsoft.com/office/drawing/2010/main" val="0"/>
+              </a:ext>
+            </a:extLst>
+          </a:blip>
+          <a:srcRect/>
+          <a:stretch>
+            <a:fillRect/>
+          </a:stretch>
+        </p:blipFill>
+        <p:spPr bwMode="auto">
+          <a:xfrm>
+            <a:off x="820293" y="1148833"/>
+            <a:ext cx="3481013" cy="2256796"/>
+          </a:xfrm>
+          <a:prstGeom prst="rect">
+            <a:avLst/>
+          </a:prstGeom>
+          <a:noFill/>
+          <a:ln>
+            <a:noFill/>
+          </a:ln>
+        </p:spPr>
+      </p:pic>
+      <p:pic>
+        <p:nvPicPr>
+          <p:cNvPr id="26" name="Grafik 25">
+            <a:extLst>
+              <a:ext uri="{FF2B5EF4-FFF2-40B4-BE49-F238E27FC236}">
+                <a16:creationId xmlns="" xmlns:a16="http://schemas.microsoft.com/office/drawing/2014/main" id="{37FCEA04-16B0-4A50-9FAE-B559598AEE2E}"/>
+              </a:ext>
+            </a:extLst>
+          </p:cNvPr>
+          <p:cNvPicPr/>
+          <p:nvPr/>
+        </p:nvPicPr>
+        <p:blipFill>
+          <a:blip r:embed="rId3" cstate="print">
+            <a:extLst>
+              <a:ext uri="{28A0092B-C50C-407E-A947-70E740481C1C}">
+                <a14:useLocalDpi xmlns:a14="http://schemas.microsoft.com/office/drawing/2010/main" val="0"/>
+              </a:ext>
+            </a:extLst>
+          </a:blip>
+          <a:srcRect/>
+          <a:stretch>
+            <a:fillRect/>
+          </a:stretch>
+        </p:blipFill>
+        <p:spPr bwMode="auto">
+          <a:xfrm>
+            <a:off x="4842696" y="1148833"/>
+            <a:ext cx="3481013" cy="2256795"/>
+          </a:xfrm>
+          <a:prstGeom prst="rect">
+            <a:avLst/>
+          </a:prstGeom>
+          <a:noFill/>
+          <a:ln>
+            <a:noFill/>
+          </a:ln>
+        </p:spPr>
+      </p:pic>
+      <p:pic>
+        <p:nvPicPr>
+          <p:cNvPr id="27" name="Grafik 26">
+            <a:extLst>
+              <a:ext uri="{FF2B5EF4-FFF2-40B4-BE49-F238E27FC236}">
+                <a16:creationId xmlns="" xmlns:a16="http://schemas.microsoft.com/office/drawing/2014/main" id="{33569E4A-82B6-42A8-8096-05574B4E3ADE}"/>
+              </a:ext>
+            </a:extLst>
+          </p:cNvPr>
+          <p:cNvPicPr/>
+          <p:nvPr/>
+        </p:nvPicPr>
+        <p:blipFill>
+          <a:blip r:embed="rId4" cstate="print">
+            <a:extLst>
+              <a:ext uri="{28A0092B-C50C-407E-A947-70E740481C1C}">
+                <a14:useLocalDpi xmlns:a14="http://schemas.microsoft.com/office/drawing/2010/main" val="0"/>
+              </a:ext>
+            </a:extLst>
+          </a:blip>
+          <a:srcRect/>
+          <a:stretch>
+            <a:fillRect/>
+          </a:stretch>
+        </p:blipFill>
+        <p:spPr bwMode="auto">
+          <a:xfrm>
+            <a:off x="820291" y="3758274"/>
+            <a:ext cx="3481013" cy="2254243"/>
+          </a:xfrm>
+          <a:prstGeom prst="rect">
+            <a:avLst/>
+          </a:prstGeom>
+          <a:noFill/>
+          <a:ln>
+            <a:noFill/>
+          </a:ln>
+        </p:spPr>
+      </p:pic>
+      <p:pic>
+        <p:nvPicPr>
+          <p:cNvPr id="28" name="Grafik 27">
+            <a:extLst>
+              <a:ext uri="{FF2B5EF4-FFF2-40B4-BE49-F238E27FC236}">
+                <a16:creationId xmlns="" xmlns:a16="http://schemas.microsoft.com/office/drawing/2014/main" id="{9C2B18AF-8C46-4726-A4D3-4BD7C365EC87}"/>
+              </a:ext>
+            </a:extLst>
+          </p:cNvPr>
+          <p:cNvPicPr/>
+          <p:nvPr/>
+        </p:nvPicPr>
+        <p:blipFill>
+          <a:blip r:embed="rId5" cstate="print">
+            <a:extLst>
+              <a:ext uri="{28A0092B-C50C-407E-A947-70E740481C1C}">
+                <a14:useLocalDpi xmlns:a14="http://schemas.microsoft.com/office/drawing/2010/main" val="0"/>
+              </a:ext>
+            </a:extLst>
+          </a:blip>
+          <a:srcRect/>
+          <a:stretch>
+            <a:fillRect/>
+          </a:stretch>
+        </p:blipFill>
+        <p:spPr bwMode="auto">
+          <a:xfrm>
+            <a:off x="4833841" y="3760149"/>
+            <a:ext cx="3481013" cy="2293224"/>
+          </a:xfrm>
+          <a:prstGeom prst="rect">
+            <a:avLst/>
+          </a:prstGeom>
+          <a:noFill/>
+          <a:ln>
+            <a:noFill/>
+          </a:ln>
+        </p:spPr>
+      </p:pic>
+    </p:spTree>
+    <p:extLst>
+      <p:ext uri="{BB962C8B-B14F-4D97-AF65-F5344CB8AC3E}">
+        <p14:creationId xmlns:p14="http://schemas.microsoft.com/office/powerpoint/2010/main" val="2379874887"/>
+      </p:ext>
+    </p:extLst>
+  </p:cSld>
+  <p:clrMapOvr>
+    <a:masterClrMapping/>
+  </p:clrMapOvr>
+</p:sld>
+</file>
+
+<file path=ppt/slides/slide11.xml><?xml version="1.0" encoding="utf-8"?>
+<p:sld xmlns:a="http://schemas.openxmlformats.org/drawingml/2006/main" xmlns:r="http://schemas.openxmlformats.org/officeDocument/2006/relationships" xmlns:p="http://schemas.openxmlformats.org/presentationml/2006/main">
+  <p:cSld>
+    <p:spTree>
+      <p:nvGrpSpPr>
+        <p:cNvPr id="1" name=""/>
+        <p:cNvGrpSpPr/>
+        <p:nvPr/>
+      </p:nvGrpSpPr>
+      <p:grpSpPr>
+        <a:xfrm>
+          <a:off x="0" y="0"/>
+          <a:ext cx="0" cy="0"/>
+          <a:chOff x="0" y="0"/>
+          <a:chExt cx="0" cy="0"/>
+        </a:xfrm>
+      </p:grpSpPr>
+      <p:sp>
+        <p:nvSpPr>
+          <p:cNvPr id="3" name="Titel 2">
+            <a:extLst>
+              <a:ext uri="{FF2B5EF4-FFF2-40B4-BE49-F238E27FC236}">
+                <a16:creationId xmlns="" xmlns:a16="http://schemas.microsoft.com/office/drawing/2014/main" id="{E904707F-1430-47F2-9043-A81C0A53F129}"/>
+              </a:ext>
+            </a:extLst>
+          </p:cNvPr>
+          <p:cNvSpPr>
+            <a:spLocks noGrp="1"/>
+          </p:cNvSpPr>
+          <p:nvPr>
+            <p:ph type="ctrTitle"/>
+          </p:nvPr>
+        </p:nvSpPr>
+        <p:spPr>
+          <a:xfrm>
+            <a:off x="468000" y="360000"/>
+            <a:ext cx="8100000" cy="540000"/>
+          </a:xfrm>
+        </p:spPr>
+        <p:txBody>
+          <a:bodyPr/>
+          <a:lstStyle/>
+          <a:p>
+            <a:r>
+              <a:rPr lang="de-CH" dirty="0"/>
+              <a:t>Storyboard 3 – Strukturierter Termin</a:t>
+            </a:r>
+          </a:p>
+        </p:txBody>
+      </p:sp>
+      <p:grpSp>
+        <p:nvGrpSpPr>
+          <p:cNvPr id="21" name="Gruppieren 20">
+            <a:extLst>
+              <a:ext uri="{FF2B5EF4-FFF2-40B4-BE49-F238E27FC236}">
+                <a16:creationId xmlns="" xmlns:a16="http://schemas.microsoft.com/office/drawing/2014/main" id="{10284693-A442-4975-A068-420D74F92976}"/>
+              </a:ext>
+            </a:extLst>
+          </p:cNvPr>
+          <p:cNvGrpSpPr/>
+          <p:nvPr/>
+        </p:nvGrpSpPr>
+        <p:grpSpPr>
+          <a:xfrm>
+            <a:off x="2428829" y="1450650"/>
+            <a:ext cx="263951" cy="307777"/>
+            <a:chOff x="2428829" y="800200"/>
+            <a:chExt cx="263951" cy="307777"/>
+          </a:xfrm>
+        </p:grpSpPr>
+        <p:sp>
+          <p:nvSpPr>
+            <p:cNvPr id="19" name="Textfeld 18">
+              <a:extLst>
+                <a:ext uri="{FF2B5EF4-FFF2-40B4-BE49-F238E27FC236}">
+                  <a16:creationId xmlns="" xmlns:a16="http://schemas.microsoft.com/office/drawing/2014/main" id="{2FE8BE93-F9A1-4275-8222-07C4EEF27C19}"/>
+                </a:ext>
+              </a:extLst>
+            </p:cNvPr>
+            <p:cNvSpPr txBox="1"/>
+            <p:nvPr/>
+          </p:nvSpPr>
+          <p:spPr>
+            <a:xfrm>
+              <a:off x="2428829" y="800200"/>
+              <a:ext cx="263951" cy="307777"/>
+            </a:xfrm>
+            <a:prstGeom prst="rect">
+              <a:avLst/>
+            </a:prstGeom>
+            <a:noFill/>
+          </p:spPr>
+          <p:txBody>
+            <a:bodyPr wrap="square" rtlCol="0">
+              <a:spAutoFit/>
+            </a:bodyPr>
+            <a:lstStyle/>
+            <a:p>
+              <a:r>
+                <a:rPr lang="de-CH" sz="1400" dirty="0"/>
+                <a:t>1</a:t>
+              </a:r>
+            </a:p>
+          </p:txBody>
+        </p:sp>
+        <p:sp>
+          <p:nvSpPr>
+            <p:cNvPr id="20" name="Ellipse 19">
+              <a:extLst>
+                <a:ext uri="{FF2B5EF4-FFF2-40B4-BE49-F238E27FC236}">
+                  <a16:creationId xmlns="" xmlns:a16="http://schemas.microsoft.com/office/drawing/2014/main" id="{FFD74DC7-ABF7-406F-BDE7-0CE96BE36135}"/>
+                </a:ext>
+              </a:extLst>
+            </p:cNvPr>
+            <p:cNvSpPr/>
+            <p:nvPr/>
+          </p:nvSpPr>
+          <p:spPr>
+            <a:xfrm>
+              <a:off x="2437666" y="841056"/>
+              <a:ext cx="246274" cy="224191"/>
+            </a:xfrm>
+            <a:prstGeom prst="ellipse">
+              <a:avLst/>
+            </a:prstGeom>
+            <a:noFill/>
+            <a:effectLst/>
+          </p:spPr>
+          <p:style>
+            <a:lnRef idx="1">
+              <a:schemeClr val="accent1"/>
+            </a:lnRef>
+            <a:fillRef idx="3">
+              <a:schemeClr val="accent1"/>
+            </a:fillRef>
+            <a:effectRef idx="2">
+              <a:schemeClr val="accent1"/>
+            </a:effectRef>
+            <a:fontRef idx="minor">
+              <a:schemeClr val="lt1"/>
+            </a:fontRef>
+          </p:style>
+          <p:txBody>
+            <a:bodyPr rtlCol="0" anchor="ctr"/>
+            <a:lstStyle/>
+            <a:p>
+              <a:pPr algn="ctr"/>
+              <a:endParaRPr lang="de-CH"/>
+            </a:p>
+          </p:txBody>
+        </p:sp>
+      </p:grpSp>
+      <p:grpSp>
+        <p:nvGrpSpPr>
+          <p:cNvPr id="31" name="Gruppieren 30">
+            <a:extLst>
+              <a:ext uri="{FF2B5EF4-FFF2-40B4-BE49-F238E27FC236}">
+                <a16:creationId xmlns="" xmlns:a16="http://schemas.microsoft.com/office/drawing/2014/main" id="{52924C2D-DA77-4F44-B4A8-519CF4BF9CF7}"/>
+              </a:ext>
+            </a:extLst>
+          </p:cNvPr>
+          <p:cNvGrpSpPr/>
+          <p:nvPr/>
+        </p:nvGrpSpPr>
+        <p:grpSpPr>
+          <a:xfrm>
+            <a:off x="6451217" y="1455077"/>
+            <a:ext cx="263951" cy="307777"/>
+            <a:chOff x="2428829" y="800200"/>
+            <a:chExt cx="263951" cy="307777"/>
+          </a:xfrm>
+        </p:grpSpPr>
+        <p:sp>
+          <p:nvSpPr>
+            <p:cNvPr id="32" name="Textfeld 31">
+              <a:extLst>
+                <a:ext uri="{FF2B5EF4-FFF2-40B4-BE49-F238E27FC236}">
+                  <a16:creationId xmlns="" xmlns:a16="http://schemas.microsoft.com/office/drawing/2014/main" id="{DA84C640-F0BB-4D57-9900-D8EBC558D9D2}"/>
+                </a:ext>
+              </a:extLst>
+            </p:cNvPr>
+            <p:cNvSpPr txBox="1"/>
+            <p:nvPr/>
+          </p:nvSpPr>
+          <p:spPr>
+            <a:xfrm>
+              <a:off x="2428829" y="800200"/>
+              <a:ext cx="263951" cy="307777"/>
+            </a:xfrm>
+            <a:prstGeom prst="rect">
+              <a:avLst/>
+            </a:prstGeom>
+            <a:noFill/>
+          </p:spPr>
+          <p:txBody>
+            <a:bodyPr wrap="square" rtlCol="0">
+              <a:spAutoFit/>
+            </a:bodyPr>
+            <a:lstStyle/>
+            <a:p>
+              <a:r>
+                <a:rPr lang="de-CH" sz="1400" dirty="0"/>
+                <a:t>2</a:t>
+              </a:r>
+            </a:p>
+          </p:txBody>
+        </p:sp>
+        <p:sp>
+          <p:nvSpPr>
+            <p:cNvPr id="33" name="Ellipse 32">
+              <a:extLst>
+                <a:ext uri="{FF2B5EF4-FFF2-40B4-BE49-F238E27FC236}">
+                  <a16:creationId xmlns="" xmlns:a16="http://schemas.microsoft.com/office/drawing/2014/main" id="{54955D9B-EBA7-44F5-AABC-CF51F38CA7DA}"/>
                 </a:ext>
               </a:extLst>
             </p:cNvPr>
@@ -7261,7 +8106,7 @@
           <p:cNvPr id="30" name="Grafik 29">
             <a:extLst>
               <a:ext uri="{FF2B5EF4-FFF2-40B4-BE49-F238E27FC236}">
-                <a16:creationId xmlns:a16="http://schemas.microsoft.com/office/drawing/2014/main" id="{391A6DA5-4848-4811-A3BB-4C072237DB0C}"/>
+                <a16:creationId xmlns="" xmlns:a16="http://schemas.microsoft.com/office/drawing/2014/main" id="{391A6DA5-4848-4811-A3BB-4C072237DB0C}"/>
               </a:ext>
             </a:extLst>
           </p:cNvPr>
@@ -7300,7 +8145,7 @@
           <p:cNvPr id="40" name="Grafik 39">
             <a:extLst>
               <a:ext uri="{FF2B5EF4-FFF2-40B4-BE49-F238E27FC236}">
-                <a16:creationId xmlns:a16="http://schemas.microsoft.com/office/drawing/2014/main" id="{3CCE1B0F-F5CF-42A2-852D-B0C6E37E7AA5}"/>
+                <a16:creationId xmlns="" xmlns:a16="http://schemas.microsoft.com/office/drawing/2014/main" id="{3CCE1B0F-F5CF-42A2-852D-B0C6E37E7AA5}"/>
               </a:ext>
             </a:extLst>
           </p:cNvPr>
@@ -7347,7 +8192,7 @@
 </p:sld>
 </file>
 
-<file path=ppt/slides/slide11.xml><?xml version="1.0" encoding="utf-8"?>
+<file path=ppt/slides/slide12.xml><?xml version="1.0" encoding="utf-8"?>
 <p:sld xmlns:a="http://schemas.openxmlformats.org/drawingml/2006/main" xmlns:r="http://schemas.openxmlformats.org/officeDocument/2006/relationships" xmlns:p="http://schemas.openxmlformats.org/presentationml/2006/main">
   <p:cSld>
     <p:spTree>
@@ -7369,7 +8214,7 @@
           <p:cNvPr id="3" name="Titel 2">
             <a:extLst>
               <a:ext uri="{FF2B5EF4-FFF2-40B4-BE49-F238E27FC236}">
-                <a16:creationId xmlns:a16="http://schemas.microsoft.com/office/drawing/2014/main" id="{E109EE75-9C05-46C7-8586-9F9EFCFB34D8}"/>
+                <a16:creationId xmlns="" xmlns:a16="http://schemas.microsoft.com/office/drawing/2014/main" id="{E109EE75-9C05-46C7-8586-9F9EFCFB34D8}"/>
               </a:ext>
             </a:extLst>
           </p:cNvPr>
@@ -7402,7 +8247,7 @@
           <p:cNvPr id="5" name="Grafik 4">
             <a:extLst>
               <a:ext uri="{FF2B5EF4-FFF2-40B4-BE49-F238E27FC236}">
-                <a16:creationId xmlns:a16="http://schemas.microsoft.com/office/drawing/2014/main" id="{260AD1CF-8337-499F-99A3-2AA457096326}"/>
+                <a16:creationId xmlns="" xmlns:a16="http://schemas.microsoft.com/office/drawing/2014/main" id="{260AD1CF-8337-499F-99A3-2AA457096326}"/>
               </a:ext>
             </a:extLst>
           </p:cNvPr>
@@ -7431,7 +8276,7 @@
           <p:cNvPr id="6" name="Rechteck 5">
             <a:extLst>
               <a:ext uri="{FF2B5EF4-FFF2-40B4-BE49-F238E27FC236}">
-                <a16:creationId xmlns:a16="http://schemas.microsoft.com/office/drawing/2014/main" id="{CBA1CF05-8843-46AD-95B1-EB0AA5EC68D6}"/>
+                <a16:creationId xmlns="" xmlns:a16="http://schemas.microsoft.com/office/drawing/2014/main" id="{CBA1CF05-8843-46AD-95B1-EB0AA5EC68D6}"/>
               </a:ext>
             </a:extLst>
           </p:cNvPr>
@@ -7482,7 +8327,7 @@
           <p:cNvPr id="7" name="Rechteck 6">
             <a:extLst>
               <a:ext uri="{FF2B5EF4-FFF2-40B4-BE49-F238E27FC236}">
-                <a16:creationId xmlns:a16="http://schemas.microsoft.com/office/drawing/2014/main" id="{2BC19DD5-B69D-4DC3-B719-06F258BA03E8}"/>
+                <a16:creationId xmlns="" xmlns:a16="http://schemas.microsoft.com/office/drawing/2014/main" id="{2BC19DD5-B69D-4DC3-B719-06F258BA03E8}"/>
               </a:ext>
             </a:extLst>
           </p:cNvPr>
@@ -7532,7 +8377,7 @@
           <p:cNvPr id="8" name="Rechteck 7">
             <a:extLst>
               <a:ext uri="{FF2B5EF4-FFF2-40B4-BE49-F238E27FC236}">
-                <a16:creationId xmlns:a16="http://schemas.microsoft.com/office/drawing/2014/main" id="{B3BFFACF-7F40-4870-B759-F2261CD1C521}"/>
+                <a16:creationId xmlns="" xmlns:a16="http://schemas.microsoft.com/office/drawing/2014/main" id="{B3BFFACF-7F40-4870-B759-F2261CD1C521}"/>
               </a:ext>
             </a:extLst>
           </p:cNvPr>
@@ -7582,7 +8427,7 @@
           <p:cNvPr id="9" name="Textfeld 8">
             <a:extLst>
               <a:ext uri="{FF2B5EF4-FFF2-40B4-BE49-F238E27FC236}">
-                <a16:creationId xmlns:a16="http://schemas.microsoft.com/office/drawing/2014/main" id="{599B9AEB-135C-4C3B-9A13-B9D4C0878D09}"/>
+                <a16:creationId xmlns="" xmlns:a16="http://schemas.microsoft.com/office/drawing/2014/main" id="{599B9AEB-135C-4C3B-9A13-B9D4C0878D09}"/>
               </a:ext>
             </a:extLst>
           </p:cNvPr>
@@ -7621,7 +8466,7 @@
           <p:cNvPr id="10" name="Textfeld 9">
             <a:extLst>
               <a:ext uri="{FF2B5EF4-FFF2-40B4-BE49-F238E27FC236}">
-                <a16:creationId xmlns:a16="http://schemas.microsoft.com/office/drawing/2014/main" id="{1F759005-9FC3-4329-9C0D-F1538B10BAB6}"/>
+                <a16:creationId xmlns="" xmlns:a16="http://schemas.microsoft.com/office/drawing/2014/main" id="{1F759005-9FC3-4329-9C0D-F1538B10BAB6}"/>
               </a:ext>
             </a:extLst>
           </p:cNvPr>
@@ -7660,7 +8505,7 @@
           <p:cNvPr id="11" name="Textfeld 10">
             <a:extLst>
               <a:ext uri="{FF2B5EF4-FFF2-40B4-BE49-F238E27FC236}">
-                <a16:creationId xmlns:a16="http://schemas.microsoft.com/office/drawing/2014/main" id="{F2A756D3-A3B1-44AA-AC49-0B79FD1A0B2B}"/>
+                <a16:creationId xmlns="" xmlns:a16="http://schemas.microsoft.com/office/drawing/2014/main" id="{F2A756D3-A3B1-44AA-AC49-0B79FD1A0B2B}"/>
               </a:ext>
             </a:extLst>
           </p:cNvPr>
@@ -7699,7 +8544,7 @@
           <p:cNvPr id="12" name="Ellipse 11">
             <a:extLst>
               <a:ext uri="{FF2B5EF4-FFF2-40B4-BE49-F238E27FC236}">
-                <a16:creationId xmlns:a16="http://schemas.microsoft.com/office/drawing/2014/main" id="{F81D44DE-9002-42D7-9003-43DDD31DE00F}"/>
+                <a16:creationId xmlns="" xmlns:a16="http://schemas.microsoft.com/office/drawing/2014/main" id="{F81D44DE-9002-42D7-9003-43DDD31DE00F}"/>
               </a:ext>
             </a:extLst>
           </p:cNvPr>
@@ -7752,7 +8597,7 @@
           <p:cNvPr id="13" name="Ellipse 12">
             <a:extLst>
               <a:ext uri="{FF2B5EF4-FFF2-40B4-BE49-F238E27FC236}">
-                <a16:creationId xmlns:a16="http://schemas.microsoft.com/office/drawing/2014/main" id="{76912D61-DCFB-4DAD-98CC-090B383CC290}"/>
+                <a16:creationId xmlns="" xmlns:a16="http://schemas.microsoft.com/office/drawing/2014/main" id="{76912D61-DCFB-4DAD-98CC-090B383CC290}"/>
               </a:ext>
             </a:extLst>
           </p:cNvPr>
@@ -7805,7 +8650,7 @@
           <p:cNvPr id="14" name="Ellipse 13">
             <a:extLst>
               <a:ext uri="{FF2B5EF4-FFF2-40B4-BE49-F238E27FC236}">
-                <a16:creationId xmlns:a16="http://schemas.microsoft.com/office/drawing/2014/main" id="{5EAE18A0-170C-4634-9614-9AFCE325994B}"/>
+                <a16:creationId xmlns="" xmlns:a16="http://schemas.microsoft.com/office/drawing/2014/main" id="{5EAE18A0-170C-4634-9614-9AFCE325994B}"/>
               </a:ext>
             </a:extLst>
           </p:cNvPr>
@@ -8204,7 +9049,7 @@
 </p:sld>
 </file>
 
-<file path=ppt/slides/slide12.xml><?xml version="1.0" encoding="utf-8"?>
+<file path=ppt/slides/slide13.xml><?xml version="1.0" encoding="utf-8"?>
 <p:sld xmlns:a="http://schemas.openxmlformats.org/drawingml/2006/main" xmlns:r="http://schemas.openxmlformats.org/officeDocument/2006/relationships" xmlns:p="http://schemas.openxmlformats.org/presentationml/2006/main">
   <p:cSld>
     <p:spTree>
@@ -8226,7 +9071,7 @@
           <p:cNvPr id="3" name="Titel 2">
             <a:extLst>
               <a:ext uri="{FF2B5EF4-FFF2-40B4-BE49-F238E27FC236}">
-                <a16:creationId xmlns:a16="http://schemas.microsoft.com/office/drawing/2014/main" id="{5B9D3CC2-42E9-4875-BFBF-E629FC5F63CC}"/>
+                <a16:creationId xmlns="" xmlns:a16="http://schemas.microsoft.com/office/drawing/2014/main" id="{5B9D3CC2-42E9-4875-BFBF-E629FC5F63CC}"/>
               </a:ext>
             </a:extLst>
           </p:cNvPr>
@@ -8259,7 +9104,7 @@
           <p:cNvPr id="4" name="Grafik 3">
             <a:extLst>
               <a:ext uri="{FF2B5EF4-FFF2-40B4-BE49-F238E27FC236}">
-                <a16:creationId xmlns:a16="http://schemas.microsoft.com/office/drawing/2014/main" id="{51321772-747B-4641-8E5C-3E82412FE39F}"/>
+                <a16:creationId xmlns="" xmlns:a16="http://schemas.microsoft.com/office/drawing/2014/main" id="{51321772-747B-4641-8E5C-3E82412FE39F}"/>
               </a:ext>
             </a:extLst>
           </p:cNvPr>
@@ -8287,7 +9132,7 @@
           <p:cNvPr id="5" name="Rechteck 4">
             <a:extLst>
               <a:ext uri="{FF2B5EF4-FFF2-40B4-BE49-F238E27FC236}">
-                <a16:creationId xmlns:a16="http://schemas.microsoft.com/office/drawing/2014/main" id="{BEDA9B25-8D69-49FE-8576-090C119B1DD7}"/>
+                <a16:creationId xmlns="" xmlns:a16="http://schemas.microsoft.com/office/drawing/2014/main" id="{BEDA9B25-8D69-49FE-8576-090C119B1DD7}"/>
               </a:ext>
             </a:extLst>
           </p:cNvPr>
@@ -8338,7 +9183,7 @@
           <p:cNvPr id="6" name="Rechteck 5">
             <a:extLst>
               <a:ext uri="{FF2B5EF4-FFF2-40B4-BE49-F238E27FC236}">
-                <a16:creationId xmlns:a16="http://schemas.microsoft.com/office/drawing/2014/main" id="{7A121EBF-63E3-4935-A675-E20F9C7D8EF8}"/>
+                <a16:creationId xmlns="" xmlns:a16="http://schemas.microsoft.com/office/drawing/2014/main" id="{7A121EBF-63E3-4935-A675-E20F9C7D8EF8}"/>
               </a:ext>
             </a:extLst>
           </p:cNvPr>
@@ -8389,7 +9234,7 @@
           <p:cNvPr id="7" name="Rechteck 6">
             <a:extLst>
               <a:ext uri="{FF2B5EF4-FFF2-40B4-BE49-F238E27FC236}">
-                <a16:creationId xmlns:a16="http://schemas.microsoft.com/office/drawing/2014/main" id="{3646DA7D-91D7-4E95-A540-9B8B652C34AC}"/>
+                <a16:creationId xmlns="" xmlns:a16="http://schemas.microsoft.com/office/drawing/2014/main" id="{3646DA7D-91D7-4E95-A540-9B8B652C34AC}"/>
               </a:ext>
             </a:extLst>
           </p:cNvPr>
@@ -8440,7 +9285,7 @@
           <p:cNvPr id="8" name="Textfeld 7">
             <a:extLst>
               <a:ext uri="{FF2B5EF4-FFF2-40B4-BE49-F238E27FC236}">
-                <a16:creationId xmlns:a16="http://schemas.microsoft.com/office/drawing/2014/main" id="{7A02578C-03AD-4870-B22C-0CA145C05C07}"/>
+                <a16:creationId xmlns="" xmlns:a16="http://schemas.microsoft.com/office/drawing/2014/main" id="{7A02578C-03AD-4870-B22C-0CA145C05C07}"/>
               </a:ext>
             </a:extLst>
           </p:cNvPr>
@@ -8492,7 +9337,7 @@
           <p:cNvPr id="9" name="Textfeld 8">
             <a:extLst>
               <a:ext uri="{FF2B5EF4-FFF2-40B4-BE49-F238E27FC236}">
-                <a16:creationId xmlns:a16="http://schemas.microsoft.com/office/drawing/2014/main" id="{579E0299-E7D7-4542-ABC1-6942F2C2B5BE}"/>
+                <a16:creationId xmlns="" xmlns:a16="http://schemas.microsoft.com/office/drawing/2014/main" id="{579E0299-E7D7-4542-ABC1-6942F2C2B5BE}"/>
               </a:ext>
             </a:extLst>
           </p:cNvPr>
@@ -8531,7 +9376,7 @@
           <p:cNvPr id="10" name="Textfeld 9">
             <a:extLst>
               <a:ext uri="{FF2B5EF4-FFF2-40B4-BE49-F238E27FC236}">
-                <a16:creationId xmlns:a16="http://schemas.microsoft.com/office/drawing/2014/main" id="{05481F1A-D048-435F-AD12-30101E500A5E}"/>
+                <a16:creationId xmlns="" xmlns:a16="http://schemas.microsoft.com/office/drawing/2014/main" id="{05481F1A-D048-435F-AD12-30101E500A5E}"/>
               </a:ext>
             </a:extLst>
           </p:cNvPr>
@@ -8570,7 +9415,7 @@
           <p:cNvPr id="11" name="Ellipse 10">
             <a:extLst>
               <a:ext uri="{FF2B5EF4-FFF2-40B4-BE49-F238E27FC236}">
-                <a16:creationId xmlns:a16="http://schemas.microsoft.com/office/drawing/2014/main" id="{87E67574-0B0A-4CE8-A2D4-99F881C735BC}"/>
+                <a16:creationId xmlns="" xmlns:a16="http://schemas.microsoft.com/office/drawing/2014/main" id="{87E67574-0B0A-4CE8-A2D4-99F881C735BC}"/>
               </a:ext>
             </a:extLst>
           </p:cNvPr>
@@ -8623,7 +9468,7 @@
           <p:cNvPr id="12" name="Ellipse 11">
             <a:extLst>
               <a:ext uri="{FF2B5EF4-FFF2-40B4-BE49-F238E27FC236}">
-                <a16:creationId xmlns:a16="http://schemas.microsoft.com/office/drawing/2014/main" id="{0D751BB2-4865-4864-89CF-2F202BE4E697}"/>
+                <a16:creationId xmlns="" xmlns:a16="http://schemas.microsoft.com/office/drawing/2014/main" id="{0D751BB2-4865-4864-89CF-2F202BE4E697}"/>
               </a:ext>
             </a:extLst>
           </p:cNvPr>
@@ -8676,7 +9521,7 @@
           <p:cNvPr id="13" name="Ellipse 12">
             <a:extLst>
               <a:ext uri="{FF2B5EF4-FFF2-40B4-BE49-F238E27FC236}">
-                <a16:creationId xmlns:a16="http://schemas.microsoft.com/office/drawing/2014/main" id="{DBBEE1DB-E601-4FB0-88E5-44842FD69D25}"/>
+                <a16:creationId xmlns="" xmlns:a16="http://schemas.microsoft.com/office/drawing/2014/main" id="{DBBEE1DB-E601-4FB0-88E5-44842FD69D25}"/>
               </a:ext>
             </a:extLst>
           </p:cNvPr>
@@ -9075,7 +9920,7 @@
 </p:sld>
 </file>
 
-<file path=ppt/slides/slide13.xml><?xml version="1.0" encoding="utf-8"?>
+<file path=ppt/slides/slide14.xml><?xml version="1.0" encoding="utf-8"?>
 <p:sld xmlns:a="http://schemas.openxmlformats.org/drawingml/2006/main" xmlns:r="http://schemas.openxmlformats.org/officeDocument/2006/relationships" xmlns:p="http://schemas.openxmlformats.org/presentationml/2006/main">
   <p:cSld>
     <p:spTree>
@@ -9097,7 +9942,7 @@
           <p:cNvPr id="26" name="Grafik 25">
             <a:extLst>
               <a:ext uri="{FF2B5EF4-FFF2-40B4-BE49-F238E27FC236}">
-                <a16:creationId xmlns:a16="http://schemas.microsoft.com/office/drawing/2014/main" id="{08C2B08E-0744-4A91-B557-E4DEA0202D40}"/>
+                <a16:creationId xmlns="" xmlns:a16="http://schemas.microsoft.com/office/drawing/2014/main" id="{08C2B08E-0744-4A91-B557-E4DEA0202D40}"/>
               </a:ext>
             </a:extLst>
           </p:cNvPr>
@@ -9134,7 +9979,7 @@
           <p:cNvPr id="3" name="Titel 2">
             <a:extLst>
               <a:ext uri="{FF2B5EF4-FFF2-40B4-BE49-F238E27FC236}">
-                <a16:creationId xmlns:a16="http://schemas.microsoft.com/office/drawing/2014/main" id="{983A66D6-A9AB-4B0A-8025-4B7B21590B82}"/>
+                <a16:creationId xmlns="" xmlns:a16="http://schemas.microsoft.com/office/drawing/2014/main" id="{983A66D6-A9AB-4B0A-8025-4B7B21590B82}"/>
               </a:ext>
             </a:extLst>
           </p:cNvPr>
@@ -9162,7 +10007,7 @@
           <p:cNvPr id="16" name="Rechteck 15">
             <a:extLst>
               <a:ext uri="{FF2B5EF4-FFF2-40B4-BE49-F238E27FC236}">
-                <a16:creationId xmlns:a16="http://schemas.microsoft.com/office/drawing/2014/main" id="{E87CD4C0-2FCA-465C-A71C-BD9DB05FC1E8}"/>
+                <a16:creationId xmlns="" xmlns:a16="http://schemas.microsoft.com/office/drawing/2014/main" id="{E87CD4C0-2FCA-465C-A71C-BD9DB05FC1E8}"/>
               </a:ext>
             </a:extLst>
           </p:cNvPr>
@@ -9213,7 +10058,7 @@
           <p:cNvPr id="17" name="Rechteck 16">
             <a:extLst>
               <a:ext uri="{FF2B5EF4-FFF2-40B4-BE49-F238E27FC236}">
-                <a16:creationId xmlns:a16="http://schemas.microsoft.com/office/drawing/2014/main" id="{3313FEB4-CA0C-4788-B02C-93ABE1E791A7}"/>
+                <a16:creationId xmlns="" xmlns:a16="http://schemas.microsoft.com/office/drawing/2014/main" id="{3313FEB4-CA0C-4788-B02C-93ABE1E791A7}"/>
               </a:ext>
             </a:extLst>
           </p:cNvPr>
@@ -9264,7 +10109,7 @@
           <p:cNvPr id="18" name="Rechteck 17">
             <a:extLst>
               <a:ext uri="{FF2B5EF4-FFF2-40B4-BE49-F238E27FC236}">
-                <a16:creationId xmlns:a16="http://schemas.microsoft.com/office/drawing/2014/main" id="{F841E27C-59CA-4B78-8603-88D87534EF9B}"/>
+                <a16:creationId xmlns="" xmlns:a16="http://schemas.microsoft.com/office/drawing/2014/main" id="{F841E27C-59CA-4B78-8603-88D87534EF9B}"/>
               </a:ext>
             </a:extLst>
           </p:cNvPr>
@@ -9315,7 +10160,7 @@
           <p:cNvPr id="19" name="Textfeld 18">
             <a:extLst>
               <a:ext uri="{FF2B5EF4-FFF2-40B4-BE49-F238E27FC236}">
-                <a16:creationId xmlns:a16="http://schemas.microsoft.com/office/drawing/2014/main" id="{FC9A373E-568D-49F3-B9F8-5BDFBEA82953}"/>
+                <a16:creationId xmlns="" xmlns:a16="http://schemas.microsoft.com/office/drawing/2014/main" id="{FC9A373E-568D-49F3-B9F8-5BDFBEA82953}"/>
               </a:ext>
             </a:extLst>
           </p:cNvPr>
@@ -9354,7 +10199,7 @@
           <p:cNvPr id="20" name="Textfeld 19">
             <a:extLst>
               <a:ext uri="{FF2B5EF4-FFF2-40B4-BE49-F238E27FC236}">
-                <a16:creationId xmlns:a16="http://schemas.microsoft.com/office/drawing/2014/main" id="{01B4470B-A86F-4A93-9A5A-BF68471C0768}"/>
+                <a16:creationId xmlns="" xmlns:a16="http://schemas.microsoft.com/office/drawing/2014/main" id="{01B4470B-A86F-4A93-9A5A-BF68471C0768}"/>
               </a:ext>
             </a:extLst>
           </p:cNvPr>
@@ -9417,7 +10262,7 @@
           <p:cNvPr id="21" name="Textfeld 20">
             <a:extLst>
               <a:ext uri="{FF2B5EF4-FFF2-40B4-BE49-F238E27FC236}">
-                <a16:creationId xmlns:a16="http://schemas.microsoft.com/office/drawing/2014/main" id="{ED2A5B6F-A08A-4142-9D0F-209356E770A5}"/>
+                <a16:creationId xmlns="" xmlns:a16="http://schemas.microsoft.com/office/drawing/2014/main" id="{ED2A5B6F-A08A-4142-9D0F-209356E770A5}"/>
               </a:ext>
             </a:extLst>
           </p:cNvPr>
@@ -9472,7 +10317,7 @@
           <p:cNvPr id="22" name="Ellipse 21">
             <a:extLst>
               <a:ext uri="{FF2B5EF4-FFF2-40B4-BE49-F238E27FC236}">
-                <a16:creationId xmlns:a16="http://schemas.microsoft.com/office/drawing/2014/main" id="{D15500BD-DF74-4ABD-9958-062C8157209F}"/>
+                <a16:creationId xmlns="" xmlns:a16="http://schemas.microsoft.com/office/drawing/2014/main" id="{D15500BD-DF74-4ABD-9958-062C8157209F}"/>
               </a:ext>
             </a:extLst>
           </p:cNvPr>
@@ -9525,7 +10370,7 @@
           <p:cNvPr id="23" name="Ellipse 22">
             <a:extLst>
               <a:ext uri="{FF2B5EF4-FFF2-40B4-BE49-F238E27FC236}">
-                <a16:creationId xmlns:a16="http://schemas.microsoft.com/office/drawing/2014/main" id="{2D265A08-8CE4-4A88-B355-8DEFCC6097EF}"/>
+                <a16:creationId xmlns="" xmlns:a16="http://schemas.microsoft.com/office/drawing/2014/main" id="{2D265A08-8CE4-4A88-B355-8DEFCC6097EF}"/>
               </a:ext>
             </a:extLst>
           </p:cNvPr>
@@ -9578,7 +10423,7 @@
           <p:cNvPr id="24" name="Ellipse 23">
             <a:extLst>
               <a:ext uri="{FF2B5EF4-FFF2-40B4-BE49-F238E27FC236}">
-                <a16:creationId xmlns:a16="http://schemas.microsoft.com/office/drawing/2014/main" id="{E60911C1-4987-41B6-A9C2-C1A92422A429}"/>
+                <a16:creationId xmlns="" xmlns:a16="http://schemas.microsoft.com/office/drawing/2014/main" id="{E60911C1-4987-41B6-A9C2-C1A92422A429}"/>
               </a:ext>
             </a:extLst>
           </p:cNvPr>
@@ -9977,7 +10822,7 @@
 </p:sld>
 </file>
 
-<file path=ppt/slides/slide14.xml><?xml version="1.0" encoding="utf-8"?>
+<file path=ppt/slides/slide15.xml><?xml version="1.0" encoding="utf-8"?>
 <p:sld xmlns:a="http://schemas.openxmlformats.org/drawingml/2006/main" xmlns:r="http://schemas.openxmlformats.org/officeDocument/2006/relationships" xmlns:p="http://schemas.openxmlformats.org/presentationml/2006/main">
   <p:cSld>
     <p:spTree>
@@ -9999,7 +10844,7 @@
           <p:cNvPr id="2" name="Inhaltsplatzhalter 1">
             <a:extLst>
               <a:ext uri="{FF2B5EF4-FFF2-40B4-BE49-F238E27FC236}">
-                <a16:creationId xmlns:a16="http://schemas.microsoft.com/office/drawing/2014/main" id="{A827BF85-F196-4C6E-A5C0-D575FB01F001}"/>
+                <a16:creationId xmlns="" xmlns:a16="http://schemas.microsoft.com/office/drawing/2014/main" id="{3FDC73F2-19AA-4F5D-87B5-9D4D45A99FA8}"/>
               </a:ext>
             </a:extLst>
           </p:cNvPr>
@@ -10015,7 +10860,29 @@
           <a:bodyPr/>
           <a:lstStyle/>
           <a:p>
-            <a:endParaRPr lang="de-CH"/>
+            <a:pPr marL="0" indent="0">
+              <a:buNone/>
+            </a:pPr>
+            <a:r>
+              <a:rPr lang="de-DE" dirty="0" smtClean="0"/>
+              <a:t>2. Iteration </a:t>
+            </a:r>
+            <a:r>
+              <a:rPr lang="de-DE" dirty="0" err="1" smtClean="0"/>
+              <a:t>chunnt</a:t>
+            </a:r>
+            <a:r>
+              <a:rPr lang="de-DE" dirty="0" smtClean="0"/>
+              <a:t> da </a:t>
+            </a:r>
+            <a:r>
+              <a:rPr lang="de-DE" dirty="0" err="1" smtClean="0"/>
+              <a:t>ine</a:t>
+            </a:r>
+            <a:endParaRPr lang="de-DE" dirty="0"/>
+          </a:p>
+          <a:p>
+            <a:endParaRPr lang="de-CH" dirty="0"/>
           </a:p>
         </p:txBody>
       </p:sp>
@@ -10024,7 +10891,7 @@
           <p:cNvPr id="3" name="Titel 2">
             <a:extLst>
               <a:ext uri="{FF2B5EF4-FFF2-40B4-BE49-F238E27FC236}">
-                <a16:creationId xmlns:a16="http://schemas.microsoft.com/office/drawing/2014/main" id="{DC12DFEC-06B5-4C69-A791-A0919EC72F36}"/>
+                <a16:creationId xmlns="" xmlns:a16="http://schemas.microsoft.com/office/drawing/2014/main" id="{5432DB10-CCBB-425C-94F2-E92C9DDE1DCF}"/>
               </a:ext>
             </a:extLst>
           </p:cNvPr>
@@ -10040,6 +10907,90 @@
           <a:bodyPr/>
           <a:lstStyle/>
           <a:p>
+            <a:r>
+              <a:rPr lang="de-CH" dirty="0" smtClean="0"/>
+              <a:t>Zusammenfassung</a:t>
+            </a:r>
+            <a:endParaRPr lang="de-CH" dirty="0"/>
+          </a:p>
+        </p:txBody>
+      </p:sp>
+    </p:spTree>
+    <p:extLst>
+      <p:ext uri="{BB962C8B-B14F-4D97-AF65-F5344CB8AC3E}">
+        <p14:creationId xmlns:p14="http://schemas.microsoft.com/office/powerpoint/2010/main" val="375243844"/>
+      </p:ext>
+    </p:extLst>
+  </p:cSld>
+  <p:clrMapOvr>
+    <a:masterClrMapping/>
+  </p:clrMapOvr>
+</p:sld>
+</file>
+
+<file path=ppt/slides/slide16.xml><?xml version="1.0" encoding="utf-8"?>
+<p:sld xmlns:a="http://schemas.openxmlformats.org/drawingml/2006/main" xmlns:r="http://schemas.openxmlformats.org/officeDocument/2006/relationships" xmlns:p="http://schemas.openxmlformats.org/presentationml/2006/main">
+  <p:cSld>
+    <p:spTree>
+      <p:nvGrpSpPr>
+        <p:cNvPr id="1" name=""/>
+        <p:cNvGrpSpPr/>
+        <p:nvPr/>
+      </p:nvGrpSpPr>
+      <p:grpSpPr>
+        <a:xfrm>
+          <a:off x="0" y="0"/>
+          <a:ext cx="0" cy="0"/>
+          <a:chOff x="0" y="0"/>
+          <a:chExt cx="0" cy="0"/>
+        </a:xfrm>
+      </p:grpSpPr>
+      <p:sp>
+        <p:nvSpPr>
+          <p:cNvPr id="2" name="Inhaltsplatzhalter 1">
+            <a:extLst>
+              <a:ext uri="{FF2B5EF4-FFF2-40B4-BE49-F238E27FC236}">
+                <a16:creationId xmlns="" xmlns:a16="http://schemas.microsoft.com/office/drawing/2014/main" id="{A827BF85-F196-4C6E-A5C0-D575FB01F001}"/>
+              </a:ext>
+            </a:extLst>
+          </p:cNvPr>
+          <p:cNvSpPr>
+            <a:spLocks noGrp="1"/>
+          </p:cNvSpPr>
+          <p:nvPr>
+            <p:ph sz="half" idx="1"/>
+          </p:nvPr>
+        </p:nvSpPr>
+        <p:spPr/>
+        <p:txBody>
+          <a:bodyPr/>
+          <a:lstStyle/>
+          <a:p>
+            <a:endParaRPr lang="de-CH"/>
+          </a:p>
+        </p:txBody>
+      </p:sp>
+      <p:sp>
+        <p:nvSpPr>
+          <p:cNvPr id="3" name="Titel 2">
+            <a:extLst>
+              <a:ext uri="{FF2B5EF4-FFF2-40B4-BE49-F238E27FC236}">
+                <a16:creationId xmlns="" xmlns:a16="http://schemas.microsoft.com/office/drawing/2014/main" id="{DC12DFEC-06B5-4C69-A791-A0919EC72F36}"/>
+              </a:ext>
+            </a:extLst>
+          </p:cNvPr>
+          <p:cNvSpPr>
+            <a:spLocks noGrp="1"/>
+          </p:cNvSpPr>
+          <p:nvPr>
+            <p:ph type="ctrTitle"/>
+          </p:nvPr>
+        </p:nvSpPr>
+        <p:spPr/>
+        <p:txBody>
+          <a:bodyPr/>
+          <a:lstStyle/>
+          <a:p>
             <a:endParaRPr lang="de-CH" dirty="0"/>
           </a:p>
         </p:txBody>
@@ -10049,7 +11000,7 @@
           <p:cNvPr id="2052" name="Picture 4">
             <a:extLst>
               <a:ext uri="{FF2B5EF4-FFF2-40B4-BE49-F238E27FC236}">
-                <a16:creationId xmlns:a16="http://schemas.microsoft.com/office/drawing/2014/main" id="{623ED4E6-173F-40F9-985E-36764CC68CDE}"/>
+                <a16:creationId xmlns="" xmlns:a16="http://schemas.microsoft.com/office/drawing/2014/main" id="{623ED4E6-173F-40F9-985E-36764CC68CDE}"/>
               </a:ext>
             </a:extLst>
           </p:cNvPr>
@@ -10135,15 +11086,17 @@
           <a:lstStyle/>
           <a:p>
             <a:r>
-              <a:rPr lang="de-CH" dirty="0"/>
-              <a:t>Ausgangslage</a:t>
-            </a:r>
-          </a:p>
-          <a:p>
-            <a:r>
-              <a:rPr lang="de-CH" dirty="0"/>
-              <a:t>Recherche</a:t>
-            </a:r>
+              <a:rPr lang="de-CH" dirty="0" smtClean="0"/>
+              <a:t>Ausgangslage / Problemstellung</a:t>
+            </a:r>
+            <a:endParaRPr lang="de-CH" dirty="0"/>
+          </a:p>
+          <a:p>
+            <a:r>
+              <a:rPr lang="de-CH" dirty="0" smtClean="0"/>
+              <a:t>Persona</a:t>
+            </a:r>
+            <a:endParaRPr lang="de-CH" dirty="0"/>
           </a:p>
           <a:p>
             <a:r>
@@ -10237,7 +11190,7 @@
           <p:cNvPr id="2" name="Inhaltsplatzhalter 1">
             <a:extLst>
               <a:ext uri="{FF2B5EF4-FFF2-40B4-BE49-F238E27FC236}">
-                <a16:creationId xmlns:a16="http://schemas.microsoft.com/office/drawing/2014/main" id="{3FDC73F2-19AA-4F5D-87B5-9D4D45A99FA8}"/>
+                <a16:creationId xmlns="" xmlns:a16="http://schemas.microsoft.com/office/drawing/2014/main" id="{3FDC73F2-19AA-4F5D-87B5-9D4D45A99FA8}"/>
               </a:ext>
             </a:extLst>
           </p:cNvPr>
@@ -10253,7 +11206,114 @@
           <a:bodyPr/>
           <a:lstStyle/>
           <a:p>
-            <a:endParaRPr lang="de-CH"/>
+            <a:pPr>
+              <a:buFont typeface="Lucida Grande"/>
+              <a:buChar char="▶"/>
+            </a:pPr>
+            <a:r>
+              <a:rPr lang="de-CH" dirty="0"/>
+              <a:t>Web-Applikation </a:t>
+            </a:r>
+            <a:endParaRPr lang="de-DE" dirty="0"/>
+          </a:p>
+          <a:p>
+            <a:pPr>
+              <a:buFont typeface="Lucida Grande"/>
+              <a:buChar char="▶"/>
+            </a:pPr>
+            <a:r>
+              <a:rPr lang="de-DE" dirty="0" smtClean="0"/>
+              <a:t>Patienten Management System (PMS)</a:t>
+            </a:r>
+            <a:endParaRPr lang="de-DE" dirty="0"/>
+          </a:p>
+          <a:p>
+            <a:pPr>
+              <a:buFont typeface="Lucida Grande"/>
+              <a:buChar char="▶"/>
+            </a:pPr>
+            <a:r>
+              <a:rPr lang="de-DE" dirty="0" smtClean="0"/>
+              <a:t>Arzt – Suchterkrankung</a:t>
+            </a:r>
+          </a:p>
+          <a:p>
+            <a:pPr marL="0" indent="0">
+              <a:buNone/>
+            </a:pPr>
+            <a:endParaRPr lang="de-DE" dirty="0"/>
+          </a:p>
+          <a:p>
+            <a:pPr lvl="0"/>
+            <a:r>
+              <a:rPr lang="de-CH" dirty="0"/>
+              <a:t>Patient ist unorganisiert</a:t>
+            </a:r>
+          </a:p>
+          <a:p>
+            <a:pPr lvl="0"/>
+            <a:r>
+              <a:rPr lang="de-CH" dirty="0"/>
+              <a:t>Patient verpasst Termine</a:t>
+            </a:r>
+          </a:p>
+          <a:p>
+            <a:pPr lvl="0"/>
+            <a:r>
+              <a:rPr lang="de-CH" dirty="0"/>
+              <a:t>Patient ist nicht zuverlässig:</a:t>
+            </a:r>
+          </a:p>
+          <a:p>
+            <a:pPr lvl="1"/>
+            <a:r>
+              <a:rPr lang="de-CH" dirty="0"/>
+              <a:t>Verliert Rezepte</a:t>
+            </a:r>
+          </a:p>
+          <a:p>
+            <a:pPr lvl="1"/>
+            <a:r>
+              <a:rPr lang="de-CH" dirty="0"/>
+              <a:t>Nimmt Medikamente nicht ein</a:t>
+            </a:r>
+          </a:p>
+          <a:p>
+            <a:pPr lvl="1"/>
+            <a:r>
+              <a:rPr lang="de-CH" dirty="0"/>
+              <a:t>Ist z.T. zahlungsunfähig</a:t>
+            </a:r>
+          </a:p>
+          <a:p>
+            <a:pPr lvl="0"/>
+            <a:r>
+              <a:rPr lang="de-CH" dirty="0"/>
+              <a:t>Patient kann gefährlich werden</a:t>
+            </a:r>
+          </a:p>
+          <a:p>
+            <a:pPr lvl="0"/>
+            <a:r>
+              <a:rPr lang="de-CH" dirty="0"/>
+              <a:t>Patient hat Termine bei verschiedenen Ärzten</a:t>
+            </a:r>
+          </a:p>
+          <a:p>
+            <a:pPr lvl="0"/>
+            <a:r>
+              <a:rPr lang="de-CH" dirty="0"/>
+              <a:t>Patient hat vor der Konsultation schon Medikamente verschrieben bekommen</a:t>
+            </a:r>
+          </a:p>
+          <a:p>
+            <a:pPr marL="0" indent="0">
+              <a:buNone/>
+            </a:pPr>
+            <a:endParaRPr lang="de-DE" dirty="0"/>
+          </a:p>
+          <a:p>
+            <a:endParaRPr lang="de-CH" dirty="0"/>
           </a:p>
         </p:txBody>
       </p:sp>
@@ -10262,7 +11322,7 @@
           <p:cNvPr id="3" name="Titel 2">
             <a:extLst>
               <a:ext uri="{FF2B5EF4-FFF2-40B4-BE49-F238E27FC236}">
-                <a16:creationId xmlns:a16="http://schemas.microsoft.com/office/drawing/2014/main" id="{5432DB10-CCBB-425C-94F2-E92C9DDE1DCF}"/>
+                <a16:creationId xmlns="" xmlns:a16="http://schemas.microsoft.com/office/drawing/2014/main" id="{5432DB10-CCBB-425C-94F2-E92C9DDE1DCF}"/>
               </a:ext>
             </a:extLst>
           </p:cNvPr>
@@ -10279,9 +11339,10 @@
           <a:lstStyle/>
           <a:p>
             <a:r>
-              <a:rPr lang="de-CH" dirty="0"/>
-              <a:t>Ausgangslage</a:t>
-            </a:r>
+              <a:rPr lang="de-CH" dirty="0" smtClean="0"/>
+              <a:t>Ausgangslage/ Problemstellung</a:t>
+            </a:r>
+            <a:endParaRPr lang="de-CH" dirty="0"/>
           </a:p>
         </p:txBody>
       </p:sp>
@@ -10320,7 +11381,7 @@
           <p:cNvPr id="2" name="Inhaltsplatzhalter 1">
             <a:extLst>
               <a:ext uri="{FF2B5EF4-FFF2-40B4-BE49-F238E27FC236}">
-                <a16:creationId xmlns:a16="http://schemas.microsoft.com/office/drawing/2014/main" id="{67BCB4D6-5D5D-4B04-AF67-5C2AAA30ACAF}"/>
+                <a16:creationId xmlns="" xmlns:a16="http://schemas.microsoft.com/office/drawing/2014/main" id="{3FDC73F2-19AA-4F5D-87B5-9D4D45A99FA8}"/>
               </a:ext>
             </a:extLst>
           </p:cNvPr>
@@ -10336,7 +11397,139 @@
           <a:bodyPr/>
           <a:lstStyle/>
           <a:p>
-            <a:endParaRPr lang="de-CH"/>
+            <a:pPr marL="0" indent="0">
+              <a:buNone/>
+            </a:pPr>
+            <a:r>
+              <a:rPr lang="de-DE" u="sng" dirty="0" smtClean="0"/>
+              <a:t>Arzt 1</a:t>
+            </a:r>
+            <a:endParaRPr lang="de-DE" u="sng" dirty="0"/>
+          </a:p>
+          <a:p>
+            <a:pPr marL="0" indent="0">
+              <a:buNone/>
+            </a:pPr>
+            <a:r>
+              <a:rPr lang="de-DE" dirty="0" smtClean="0"/>
+              <a:t>Dr. med. Cruz, 20.04.1961</a:t>
+            </a:r>
+            <a:endParaRPr lang="de-DE" dirty="0"/>
+          </a:p>
+          <a:p>
+            <a:pPr marL="0" indent="0">
+              <a:buNone/>
+            </a:pPr>
+            <a:r>
+              <a:rPr lang="de-DE" dirty="0" smtClean="0"/>
+              <a:t>Facharzt für Psychiatrie und Psychotherapie</a:t>
+            </a:r>
+            <a:endParaRPr lang="de-DE" dirty="0"/>
+          </a:p>
+          <a:p>
+            <a:pPr marL="0" indent="0">
+              <a:buNone/>
+            </a:pPr>
+            <a:endParaRPr lang="de-DE" dirty="0" smtClean="0"/>
+          </a:p>
+          <a:p>
+            <a:pPr marL="0" indent="0">
+              <a:buNone/>
+            </a:pPr>
+            <a:r>
+              <a:rPr lang="de-DE" dirty="0" smtClean="0"/>
+              <a:t>Team: 3 Praxisangestellte, Lehrling und Sekretärin</a:t>
+            </a:r>
+            <a:endParaRPr lang="de-DE" dirty="0"/>
+          </a:p>
+          <a:p>
+            <a:pPr marL="0" indent="0">
+              <a:buNone/>
+            </a:pPr>
+            <a:endParaRPr lang="de-DE" dirty="0"/>
+          </a:p>
+          <a:p>
+            <a:pPr marL="0" indent="0">
+              <a:buNone/>
+            </a:pPr>
+            <a:r>
+              <a:rPr lang="de-DE" b="1" dirty="0" smtClean="0"/>
+              <a:t>Ziele:</a:t>
+            </a:r>
+            <a:r>
+              <a:rPr lang="de-DE" dirty="0" smtClean="0"/>
+              <a:t>	</a:t>
+            </a:r>
+          </a:p>
+          <a:p>
+            <a:r>
+              <a:rPr lang="de-DE" dirty="0" smtClean="0"/>
+              <a:t>Patientensicherheit in Praxis erhöhen</a:t>
+            </a:r>
+          </a:p>
+          <a:p>
+            <a:r>
+              <a:rPr lang="de-DE" dirty="0" smtClean="0"/>
+              <a:t>Besseren Überblick in seiner Agenda</a:t>
+            </a:r>
+          </a:p>
+          <a:p>
+            <a:pPr marL="0" indent="0">
+              <a:buNone/>
+            </a:pPr>
+            <a:endParaRPr lang="de-DE" dirty="0" smtClean="0"/>
+          </a:p>
+          <a:p>
+            <a:pPr marL="0" indent="0">
+              <a:buNone/>
+            </a:pPr>
+            <a:r>
+              <a:rPr lang="de-DE" b="1" dirty="0" err="1" smtClean="0"/>
+              <a:t>Pain</a:t>
+            </a:r>
+            <a:r>
+              <a:rPr lang="de-DE" b="1" dirty="0" smtClean="0"/>
+              <a:t> </a:t>
+            </a:r>
+            <a:r>
+              <a:rPr lang="de-DE" b="1" dirty="0" err="1" smtClean="0"/>
+              <a:t>points</a:t>
+            </a:r>
+            <a:r>
+              <a:rPr lang="de-DE" dirty="0" smtClean="0"/>
+              <a:t>: Terminplanung &amp; Informatikanwendungen</a:t>
+            </a:r>
+          </a:p>
+          <a:p>
+            <a:pPr marL="0" indent="0">
+              <a:buNone/>
+            </a:pPr>
+            <a:endParaRPr lang="de-DE" dirty="0"/>
+          </a:p>
+          <a:p>
+            <a:pPr marL="0" indent="0">
+              <a:buNone/>
+            </a:pPr>
+            <a:r>
+              <a:rPr lang="de-DE" b="1" dirty="0" smtClean="0"/>
+              <a:t>Short </a:t>
+            </a:r>
+            <a:r>
+              <a:rPr lang="de-DE" b="1" dirty="0" err="1" smtClean="0"/>
+              <a:t>statements</a:t>
+            </a:r>
+            <a:r>
+              <a:rPr lang="de-DE" b="1" dirty="0" smtClean="0"/>
+              <a:t>: </a:t>
+            </a:r>
+            <a:r>
+              <a:rPr lang="de-DE" dirty="0" smtClean="0"/>
+              <a:t>strukturierte und übersichtliche Terminplanung  im PMS</a:t>
+            </a:r>
+            <a:endParaRPr lang="de-DE" dirty="0"/>
+          </a:p>
+          <a:p>
+            <a:endParaRPr lang="de-CH" dirty="0"/>
           </a:p>
         </p:txBody>
       </p:sp>
@@ -10345,7 +11538,7 @@
           <p:cNvPr id="3" name="Titel 2">
             <a:extLst>
               <a:ext uri="{FF2B5EF4-FFF2-40B4-BE49-F238E27FC236}">
-                <a16:creationId xmlns:a16="http://schemas.microsoft.com/office/drawing/2014/main" id="{0BE30BE7-3A56-4104-B5C0-BDCEA306DC41}"/>
+                <a16:creationId xmlns="" xmlns:a16="http://schemas.microsoft.com/office/drawing/2014/main" id="{5432DB10-CCBB-425C-94F2-E92C9DDE1DCF}"/>
               </a:ext>
             </a:extLst>
           </p:cNvPr>
@@ -10362,16 +11555,17 @@
           <a:lstStyle/>
           <a:p>
             <a:r>
-              <a:rPr lang="de-CH" dirty="0"/>
-              <a:t>Recherche</a:t>
-            </a:r>
+              <a:rPr lang="de-CH" dirty="0" smtClean="0"/>
+              <a:t>Persona</a:t>
+            </a:r>
+            <a:endParaRPr lang="de-CH" dirty="0"/>
           </a:p>
         </p:txBody>
       </p:sp>
     </p:spTree>
     <p:extLst>
       <p:ext uri="{BB962C8B-B14F-4D97-AF65-F5344CB8AC3E}">
-        <p14:creationId xmlns:p14="http://schemas.microsoft.com/office/powerpoint/2010/main" val="3176408749"/>
+        <p14:creationId xmlns:p14="http://schemas.microsoft.com/office/powerpoint/2010/main" val="3884913317"/>
       </p:ext>
     </p:extLst>
   </p:cSld>
@@ -10400,10 +11594,241 @@
       </p:grpSpPr>
       <p:sp>
         <p:nvSpPr>
+          <p:cNvPr id="2" name="Inhaltsplatzhalter 1">
+            <a:extLst>
+              <a:ext uri="{FF2B5EF4-FFF2-40B4-BE49-F238E27FC236}">
+                <a16:creationId xmlns="" xmlns:a16="http://schemas.microsoft.com/office/drawing/2014/main" id="{3FDC73F2-19AA-4F5D-87B5-9D4D45A99FA8}"/>
+              </a:ext>
+            </a:extLst>
+          </p:cNvPr>
+          <p:cNvSpPr>
+            <a:spLocks noGrp="1"/>
+          </p:cNvSpPr>
+          <p:nvPr>
+            <p:ph sz="half" idx="1"/>
+          </p:nvPr>
+        </p:nvSpPr>
+        <p:spPr/>
+        <p:txBody>
+          <a:bodyPr/>
+          <a:lstStyle/>
+          <a:p>
+            <a:pPr marL="0" indent="0">
+              <a:buNone/>
+            </a:pPr>
+            <a:r>
+              <a:rPr lang="de-DE" u="sng" dirty="0"/>
+              <a:t>Arzt </a:t>
+            </a:r>
+            <a:r>
+              <a:rPr lang="de-DE" u="sng" dirty="0" smtClean="0"/>
+              <a:t>2</a:t>
+            </a:r>
+            <a:endParaRPr lang="de-DE" u="sng" dirty="0"/>
+          </a:p>
+          <a:p>
+            <a:pPr marL="0" indent="0">
+              <a:buNone/>
+            </a:pPr>
+            <a:r>
+              <a:rPr lang="de-DE" dirty="0"/>
+              <a:t>Dr. med. </a:t>
+            </a:r>
+            <a:r>
+              <a:rPr lang="de-DE" dirty="0" smtClean="0"/>
+              <a:t>Brechthold, 11.10.1982</a:t>
+            </a:r>
+            <a:endParaRPr lang="de-DE" dirty="0"/>
+          </a:p>
+          <a:p>
+            <a:pPr marL="0" indent="0">
+              <a:buNone/>
+            </a:pPr>
+            <a:r>
+              <a:rPr lang="de-DE" dirty="0" smtClean="0"/>
+              <a:t>Ärztin in einer Gruppenpraxis in Nähe Biel</a:t>
+            </a:r>
+            <a:endParaRPr lang="de-DE" dirty="0"/>
+          </a:p>
+          <a:p>
+            <a:pPr marL="0" indent="0">
+              <a:buNone/>
+            </a:pPr>
+            <a:endParaRPr lang="de-DE" dirty="0"/>
+          </a:p>
+          <a:p>
+            <a:pPr marL="0" indent="0">
+              <a:buNone/>
+            </a:pPr>
+            <a:r>
+              <a:rPr lang="de-DE" dirty="0" smtClean="0"/>
+              <a:t>Präferiert papierbasierte Krankenakte</a:t>
+            </a:r>
+            <a:endParaRPr lang="de-DE" dirty="0"/>
+          </a:p>
+          <a:p>
+            <a:pPr marL="0" indent="0">
+              <a:buNone/>
+            </a:pPr>
+            <a:endParaRPr lang="de-DE" dirty="0"/>
+          </a:p>
+          <a:p>
+            <a:pPr marL="0" indent="0">
+              <a:buNone/>
+            </a:pPr>
+            <a:r>
+              <a:rPr lang="de-DE" b="1" dirty="0"/>
+              <a:t>Ziele:</a:t>
+            </a:r>
+            <a:r>
+              <a:rPr lang="de-DE" dirty="0"/>
+              <a:t>	</a:t>
+            </a:r>
+          </a:p>
+          <a:p>
+            <a:r>
+              <a:rPr lang="de-DE" dirty="0" smtClean="0"/>
+              <a:t>Datenschutz der Patienten</a:t>
+            </a:r>
+            <a:endParaRPr lang="de-DE" dirty="0"/>
+          </a:p>
+          <a:p>
+            <a:r>
+              <a:rPr lang="de-DE" dirty="0" smtClean="0"/>
+              <a:t>Reibungslose Medikamentenversorgung</a:t>
+            </a:r>
+            <a:endParaRPr lang="de-DE" dirty="0"/>
+          </a:p>
+          <a:p>
+            <a:pPr marL="0" indent="0">
+              <a:buNone/>
+            </a:pPr>
+            <a:endParaRPr lang="de-DE" dirty="0"/>
+          </a:p>
+          <a:p>
+            <a:pPr marL="0" indent="0">
+              <a:buNone/>
+            </a:pPr>
+            <a:r>
+              <a:rPr lang="de-DE" b="1" dirty="0" err="1"/>
+              <a:t>Pain</a:t>
+            </a:r>
+            <a:r>
+              <a:rPr lang="de-DE" b="1" dirty="0"/>
+              <a:t> </a:t>
+            </a:r>
+            <a:r>
+              <a:rPr lang="de-DE" b="1" dirty="0" err="1"/>
+              <a:t>points</a:t>
+            </a:r>
+            <a:r>
+              <a:rPr lang="de-DE" dirty="0"/>
+              <a:t>: </a:t>
+            </a:r>
+            <a:r>
+              <a:rPr lang="de-DE" dirty="0" smtClean="0"/>
+              <a:t>Datenschutz &amp; Medikamentenfehler</a:t>
+            </a:r>
+            <a:endParaRPr lang="de-DE" dirty="0"/>
+          </a:p>
+          <a:p>
+            <a:pPr marL="0" indent="0">
+              <a:buNone/>
+            </a:pPr>
+            <a:endParaRPr lang="de-DE" dirty="0"/>
+          </a:p>
+          <a:p>
+            <a:pPr marL="0" indent="0">
+              <a:buNone/>
+            </a:pPr>
+            <a:r>
+              <a:rPr lang="de-DE" b="1" dirty="0"/>
+              <a:t>Short </a:t>
+            </a:r>
+            <a:r>
+              <a:rPr lang="de-DE" b="1" dirty="0" err="1"/>
+              <a:t>statements</a:t>
+            </a:r>
+            <a:r>
+              <a:rPr lang="de-DE" b="1" dirty="0"/>
+              <a:t>: </a:t>
+            </a:r>
+            <a:r>
+              <a:rPr lang="de-DE" dirty="0" smtClean="0"/>
+              <a:t>einfache Suche/ Auswahl der Medikamenten im PMS</a:t>
+            </a:r>
+            <a:endParaRPr lang="de-DE" dirty="0"/>
+          </a:p>
+          <a:p>
+            <a:endParaRPr lang="de-CH" dirty="0"/>
+          </a:p>
+        </p:txBody>
+      </p:sp>
+      <p:sp>
+        <p:nvSpPr>
           <p:cNvPr id="3" name="Titel 2">
             <a:extLst>
               <a:ext uri="{FF2B5EF4-FFF2-40B4-BE49-F238E27FC236}">
-                <a16:creationId xmlns:a16="http://schemas.microsoft.com/office/drawing/2014/main" id="{E904707F-1430-47F2-9043-A81C0A53F129}"/>
+                <a16:creationId xmlns="" xmlns:a16="http://schemas.microsoft.com/office/drawing/2014/main" id="{5432DB10-CCBB-425C-94F2-E92C9DDE1DCF}"/>
+              </a:ext>
+            </a:extLst>
+          </p:cNvPr>
+          <p:cNvSpPr>
+            <a:spLocks noGrp="1"/>
+          </p:cNvSpPr>
+          <p:nvPr>
+            <p:ph type="ctrTitle"/>
+          </p:nvPr>
+        </p:nvSpPr>
+        <p:spPr/>
+        <p:txBody>
+          <a:bodyPr/>
+          <a:lstStyle/>
+          <a:p>
+            <a:r>
+              <a:rPr lang="de-CH" dirty="0" smtClean="0"/>
+              <a:t>Persona</a:t>
+            </a:r>
+            <a:endParaRPr lang="de-CH" dirty="0"/>
+          </a:p>
+        </p:txBody>
+      </p:sp>
+    </p:spTree>
+    <p:extLst>
+      <p:ext uri="{BB962C8B-B14F-4D97-AF65-F5344CB8AC3E}">
+        <p14:creationId xmlns:p14="http://schemas.microsoft.com/office/powerpoint/2010/main" val="3941336771"/>
+      </p:ext>
+    </p:extLst>
+  </p:cSld>
+  <p:clrMapOvr>
+    <a:masterClrMapping/>
+  </p:clrMapOvr>
+</p:sld>
+</file>
+
+<file path=ppt/slides/slide6.xml><?xml version="1.0" encoding="utf-8"?>
+<p:sld xmlns:a="http://schemas.openxmlformats.org/drawingml/2006/main" xmlns:r="http://schemas.openxmlformats.org/officeDocument/2006/relationships" xmlns:p="http://schemas.openxmlformats.org/presentationml/2006/main">
+  <p:cSld>
+    <p:spTree>
+      <p:nvGrpSpPr>
+        <p:cNvPr id="1" name=""/>
+        <p:cNvGrpSpPr/>
+        <p:nvPr/>
+      </p:nvGrpSpPr>
+      <p:grpSpPr>
+        <a:xfrm>
+          <a:off x="0" y="0"/>
+          <a:ext cx="0" cy="0"/>
+          <a:chOff x="0" y="0"/>
+          <a:chExt cx="0" cy="0"/>
+        </a:xfrm>
+      </p:grpSpPr>
+      <p:sp>
+        <p:nvSpPr>
+          <p:cNvPr id="3" name="Titel 2">
+            <a:extLst>
+              <a:ext uri="{FF2B5EF4-FFF2-40B4-BE49-F238E27FC236}">
+                <a16:creationId xmlns="" xmlns:a16="http://schemas.microsoft.com/office/drawing/2014/main" id="{E904707F-1430-47F2-9043-A81C0A53F129}"/>
               </a:ext>
             </a:extLst>
           </p:cNvPr>
@@ -10436,7 +11861,7 @@
           <p:cNvPr id="13" name="Grafik 12">
             <a:extLst>
               <a:ext uri="{FF2B5EF4-FFF2-40B4-BE49-F238E27FC236}">
-                <a16:creationId xmlns:a16="http://schemas.microsoft.com/office/drawing/2014/main" id="{E6BC9B57-EA18-4BE1-BCE3-7087898CB841}"/>
+                <a16:creationId xmlns="" xmlns:a16="http://schemas.microsoft.com/office/drawing/2014/main" id="{E6BC9B57-EA18-4BE1-BCE3-7087898CB841}"/>
               </a:ext>
             </a:extLst>
           </p:cNvPr>
@@ -10464,7 +11889,7 @@
           <p:cNvPr id="14" name="Grafik 13">
             <a:extLst>
               <a:ext uri="{FF2B5EF4-FFF2-40B4-BE49-F238E27FC236}">
-                <a16:creationId xmlns:a16="http://schemas.microsoft.com/office/drawing/2014/main" id="{1287F1F9-B201-4D99-84A7-884F73ED7E1B}"/>
+                <a16:creationId xmlns="" xmlns:a16="http://schemas.microsoft.com/office/drawing/2014/main" id="{1287F1F9-B201-4D99-84A7-884F73ED7E1B}"/>
               </a:ext>
             </a:extLst>
           </p:cNvPr>
@@ -10492,7 +11917,7 @@
           <p:cNvPr id="24" name="Grafik 23">
             <a:extLst>
               <a:ext uri="{FF2B5EF4-FFF2-40B4-BE49-F238E27FC236}">
-                <a16:creationId xmlns:a16="http://schemas.microsoft.com/office/drawing/2014/main" id="{358FAE78-8F14-4C0F-943A-61A0B9E196E3}"/>
+                <a16:creationId xmlns="" xmlns:a16="http://schemas.microsoft.com/office/drawing/2014/main" id="{358FAE78-8F14-4C0F-943A-61A0B9E196E3}"/>
               </a:ext>
             </a:extLst>
           </p:cNvPr>
@@ -10520,7 +11945,7 @@
           <p:cNvPr id="25" name="Grafik 24">
             <a:extLst>
               <a:ext uri="{FF2B5EF4-FFF2-40B4-BE49-F238E27FC236}">
-                <a16:creationId xmlns:a16="http://schemas.microsoft.com/office/drawing/2014/main" id="{2C354085-8B76-4676-8693-E98E4ABE74F6}"/>
+                <a16:creationId xmlns="" xmlns:a16="http://schemas.microsoft.com/office/drawing/2014/main" id="{2C354085-8B76-4676-8693-E98E4ABE74F6}"/>
               </a:ext>
             </a:extLst>
           </p:cNvPr>
@@ -10548,7 +11973,7 @@
           <p:cNvPr id="21" name="Gruppieren 20">
             <a:extLst>
               <a:ext uri="{FF2B5EF4-FFF2-40B4-BE49-F238E27FC236}">
-                <a16:creationId xmlns:a16="http://schemas.microsoft.com/office/drawing/2014/main" id="{10284693-A442-4975-A068-420D74F92976}"/>
+                <a16:creationId xmlns="" xmlns:a16="http://schemas.microsoft.com/office/drawing/2014/main" id="{10284693-A442-4975-A068-420D74F92976}"/>
               </a:ext>
             </a:extLst>
           </p:cNvPr>
@@ -10568,7 +11993,7 @@
             <p:cNvPr id="19" name="Textfeld 18">
               <a:extLst>
                 <a:ext uri="{FF2B5EF4-FFF2-40B4-BE49-F238E27FC236}">
-                  <a16:creationId xmlns:a16="http://schemas.microsoft.com/office/drawing/2014/main" id="{2FE8BE93-F9A1-4275-8222-07C4EEF27C19}"/>
+                  <a16:creationId xmlns="" xmlns:a16="http://schemas.microsoft.com/office/drawing/2014/main" id="{2FE8BE93-F9A1-4275-8222-07C4EEF27C19}"/>
                 </a:ext>
               </a:extLst>
             </p:cNvPr>
@@ -10603,7 +12028,7 @@
             <p:cNvPr id="20" name="Ellipse 19">
               <a:extLst>
                 <a:ext uri="{FF2B5EF4-FFF2-40B4-BE49-F238E27FC236}">
-                  <a16:creationId xmlns:a16="http://schemas.microsoft.com/office/drawing/2014/main" id="{FFD74DC7-ABF7-406F-BDE7-0CE96BE36135}"/>
+                  <a16:creationId xmlns="" xmlns:a16="http://schemas.microsoft.com/office/drawing/2014/main" id="{FFD74DC7-ABF7-406F-BDE7-0CE96BE36135}"/>
                 </a:ext>
               </a:extLst>
             </p:cNvPr>
@@ -10650,7 +12075,7 @@
           <p:cNvPr id="31" name="Gruppieren 30">
             <a:extLst>
               <a:ext uri="{FF2B5EF4-FFF2-40B4-BE49-F238E27FC236}">
-                <a16:creationId xmlns:a16="http://schemas.microsoft.com/office/drawing/2014/main" id="{52924C2D-DA77-4F44-B4A8-519CF4BF9CF7}"/>
+                <a16:creationId xmlns="" xmlns:a16="http://schemas.microsoft.com/office/drawing/2014/main" id="{52924C2D-DA77-4F44-B4A8-519CF4BF9CF7}"/>
               </a:ext>
             </a:extLst>
           </p:cNvPr>
@@ -10670,7 +12095,7 @@
             <p:cNvPr id="32" name="Textfeld 31">
               <a:extLst>
                 <a:ext uri="{FF2B5EF4-FFF2-40B4-BE49-F238E27FC236}">
-                  <a16:creationId xmlns:a16="http://schemas.microsoft.com/office/drawing/2014/main" id="{DA84C640-F0BB-4D57-9900-D8EBC558D9D2}"/>
+                  <a16:creationId xmlns="" xmlns:a16="http://schemas.microsoft.com/office/drawing/2014/main" id="{DA84C640-F0BB-4D57-9900-D8EBC558D9D2}"/>
                 </a:ext>
               </a:extLst>
             </p:cNvPr>
@@ -10705,7 +12130,7 @@
             <p:cNvPr id="33" name="Ellipse 32">
               <a:extLst>
                 <a:ext uri="{FF2B5EF4-FFF2-40B4-BE49-F238E27FC236}">
-                  <a16:creationId xmlns:a16="http://schemas.microsoft.com/office/drawing/2014/main" id="{54955D9B-EBA7-44F5-AABC-CF51F38CA7DA}"/>
+                  <a16:creationId xmlns="" xmlns:a16="http://schemas.microsoft.com/office/drawing/2014/main" id="{54955D9B-EBA7-44F5-AABC-CF51F38CA7DA}"/>
                 </a:ext>
               </a:extLst>
             </p:cNvPr>
@@ -10752,7 +12177,7 @@
           <p:cNvPr id="34" name="Gruppieren 33">
             <a:extLst>
               <a:ext uri="{FF2B5EF4-FFF2-40B4-BE49-F238E27FC236}">
-                <a16:creationId xmlns:a16="http://schemas.microsoft.com/office/drawing/2014/main" id="{830C4400-160F-4897-9301-D25AB1B83D15}"/>
+                <a16:creationId xmlns="" xmlns:a16="http://schemas.microsoft.com/office/drawing/2014/main" id="{830C4400-160F-4897-9301-D25AB1B83D15}"/>
               </a:ext>
             </a:extLst>
           </p:cNvPr>
@@ -10772,7 +12197,7 @@
             <p:cNvPr id="35" name="Textfeld 34">
               <a:extLst>
                 <a:ext uri="{FF2B5EF4-FFF2-40B4-BE49-F238E27FC236}">
-                  <a16:creationId xmlns:a16="http://schemas.microsoft.com/office/drawing/2014/main" id="{FED335F3-EC5B-4E28-887B-303B5BE6105F}"/>
+                  <a16:creationId xmlns="" xmlns:a16="http://schemas.microsoft.com/office/drawing/2014/main" id="{FED335F3-EC5B-4E28-887B-303B5BE6105F}"/>
                 </a:ext>
               </a:extLst>
             </p:cNvPr>
@@ -10807,7 +12232,7 @@
             <p:cNvPr id="36" name="Ellipse 35">
               <a:extLst>
                 <a:ext uri="{FF2B5EF4-FFF2-40B4-BE49-F238E27FC236}">
-                  <a16:creationId xmlns:a16="http://schemas.microsoft.com/office/drawing/2014/main" id="{C89FEEAC-4D89-438E-AB15-B52796677AAF}"/>
+                  <a16:creationId xmlns="" xmlns:a16="http://schemas.microsoft.com/office/drawing/2014/main" id="{C89FEEAC-4D89-438E-AB15-B52796677AAF}"/>
                 </a:ext>
               </a:extLst>
             </p:cNvPr>
@@ -10854,7 +12279,7 @@
           <p:cNvPr id="37" name="Gruppieren 36">
             <a:extLst>
               <a:ext uri="{FF2B5EF4-FFF2-40B4-BE49-F238E27FC236}">
-                <a16:creationId xmlns:a16="http://schemas.microsoft.com/office/drawing/2014/main" id="{21F27838-336A-4DD8-9151-EF70588DB2AF}"/>
+                <a16:creationId xmlns="" xmlns:a16="http://schemas.microsoft.com/office/drawing/2014/main" id="{21F27838-336A-4DD8-9151-EF70588DB2AF}"/>
               </a:ext>
             </a:extLst>
           </p:cNvPr>
@@ -10874,7 +12299,7 @@
             <p:cNvPr id="38" name="Textfeld 37">
               <a:extLst>
                 <a:ext uri="{FF2B5EF4-FFF2-40B4-BE49-F238E27FC236}">
-                  <a16:creationId xmlns:a16="http://schemas.microsoft.com/office/drawing/2014/main" id="{428AD043-2817-4C2E-AA4D-FB5637286E83}"/>
+                  <a16:creationId xmlns="" xmlns:a16="http://schemas.microsoft.com/office/drawing/2014/main" id="{428AD043-2817-4C2E-AA4D-FB5637286E83}"/>
                 </a:ext>
               </a:extLst>
             </p:cNvPr>
@@ -10909,7 +12334,7 @@
             <p:cNvPr id="39" name="Ellipse 38">
               <a:extLst>
                 <a:ext uri="{FF2B5EF4-FFF2-40B4-BE49-F238E27FC236}">
-                  <a16:creationId xmlns:a16="http://schemas.microsoft.com/office/drawing/2014/main" id="{719C0B19-327B-472B-B820-5EF059FC3AF0}"/>
+                  <a16:creationId xmlns="" xmlns:a16="http://schemas.microsoft.com/office/drawing/2014/main" id="{719C0B19-327B-472B-B820-5EF059FC3AF0}"/>
                 </a:ext>
               </a:extLst>
             </p:cNvPr>
@@ -10964,7 +12389,7 @@
 </p:sld>
 </file>
 
-<file path=ppt/slides/slide6.xml><?xml version="1.0" encoding="utf-8"?>
+<file path=ppt/slides/slide7.xml><?xml version="1.0" encoding="utf-8"?>
 <p:sld xmlns:a="http://schemas.openxmlformats.org/drawingml/2006/main" xmlns:r="http://schemas.openxmlformats.org/officeDocument/2006/relationships" xmlns:p="http://schemas.openxmlformats.org/presentationml/2006/main">
   <p:cSld>
     <p:spTree>
@@ -10986,7 +12411,7 @@
           <p:cNvPr id="3" name="Titel 2">
             <a:extLst>
               <a:ext uri="{FF2B5EF4-FFF2-40B4-BE49-F238E27FC236}">
-                <a16:creationId xmlns:a16="http://schemas.microsoft.com/office/drawing/2014/main" id="{E904707F-1430-47F2-9043-A81C0A53F129}"/>
+                <a16:creationId xmlns="" xmlns:a16="http://schemas.microsoft.com/office/drawing/2014/main" id="{E904707F-1430-47F2-9043-A81C0A53F129}"/>
               </a:ext>
             </a:extLst>
           </p:cNvPr>
@@ -11019,7 +12444,7 @@
           <p:cNvPr id="21" name="Gruppieren 20">
             <a:extLst>
               <a:ext uri="{FF2B5EF4-FFF2-40B4-BE49-F238E27FC236}">
-                <a16:creationId xmlns:a16="http://schemas.microsoft.com/office/drawing/2014/main" id="{10284693-A442-4975-A068-420D74F92976}"/>
+                <a16:creationId xmlns="" xmlns:a16="http://schemas.microsoft.com/office/drawing/2014/main" id="{10284693-A442-4975-A068-420D74F92976}"/>
               </a:ext>
             </a:extLst>
           </p:cNvPr>
@@ -11039,7 +12464,7 @@
             <p:cNvPr id="19" name="Textfeld 18">
               <a:extLst>
                 <a:ext uri="{FF2B5EF4-FFF2-40B4-BE49-F238E27FC236}">
-                  <a16:creationId xmlns:a16="http://schemas.microsoft.com/office/drawing/2014/main" id="{2FE8BE93-F9A1-4275-8222-07C4EEF27C19}"/>
+                  <a16:creationId xmlns="" xmlns:a16="http://schemas.microsoft.com/office/drawing/2014/main" id="{2FE8BE93-F9A1-4275-8222-07C4EEF27C19}"/>
                 </a:ext>
               </a:extLst>
             </p:cNvPr>
@@ -11074,7 +12499,7 @@
             <p:cNvPr id="20" name="Ellipse 19">
               <a:extLst>
                 <a:ext uri="{FF2B5EF4-FFF2-40B4-BE49-F238E27FC236}">
-                  <a16:creationId xmlns:a16="http://schemas.microsoft.com/office/drawing/2014/main" id="{FFD74DC7-ABF7-406F-BDE7-0CE96BE36135}"/>
+                  <a16:creationId xmlns="" xmlns:a16="http://schemas.microsoft.com/office/drawing/2014/main" id="{FFD74DC7-ABF7-406F-BDE7-0CE96BE36135}"/>
                 </a:ext>
               </a:extLst>
             </p:cNvPr>
@@ -11121,7 +12546,7 @@
           <p:cNvPr id="31" name="Gruppieren 30">
             <a:extLst>
               <a:ext uri="{FF2B5EF4-FFF2-40B4-BE49-F238E27FC236}">
-                <a16:creationId xmlns:a16="http://schemas.microsoft.com/office/drawing/2014/main" id="{52924C2D-DA77-4F44-B4A8-519CF4BF9CF7}"/>
+                <a16:creationId xmlns="" xmlns:a16="http://schemas.microsoft.com/office/drawing/2014/main" id="{52924C2D-DA77-4F44-B4A8-519CF4BF9CF7}"/>
               </a:ext>
             </a:extLst>
           </p:cNvPr>
@@ -11141,7 +12566,7 @@
             <p:cNvPr id="32" name="Textfeld 31">
               <a:extLst>
                 <a:ext uri="{FF2B5EF4-FFF2-40B4-BE49-F238E27FC236}">
-                  <a16:creationId xmlns:a16="http://schemas.microsoft.com/office/drawing/2014/main" id="{DA84C640-F0BB-4D57-9900-D8EBC558D9D2}"/>
+                  <a16:creationId xmlns="" xmlns:a16="http://schemas.microsoft.com/office/drawing/2014/main" id="{DA84C640-F0BB-4D57-9900-D8EBC558D9D2}"/>
                 </a:ext>
               </a:extLst>
             </p:cNvPr>
@@ -11176,7 +12601,7 @@
             <p:cNvPr id="33" name="Ellipse 32">
               <a:extLst>
                 <a:ext uri="{FF2B5EF4-FFF2-40B4-BE49-F238E27FC236}">
-                  <a16:creationId xmlns:a16="http://schemas.microsoft.com/office/drawing/2014/main" id="{54955D9B-EBA7-44F5-AABC-CF51F38CA7DA}"/>
+                  <a16:creationId xmlns="" xmlns:a16="http://schemas.microsoft.com/office/drawing/2014/main" id="{54955D9B-EBA7-44F5-AABC-CF51F38CA7DA}"/>
                 </a:ext>
               </a:extLst>
             </p:cNvPr>
@@ -11223,7 +12648,7 @@
           <p:cNvPr id="34" name="Gruppieren 33">
             <a:extLst>
               <a:ext uri="{FF2B5EF4-FFF2-40B4-BE49-F238E27FC236}">
-                <a16:creationId xmlns:a16="http://schemas.microsoft.com/office/drawing/2014/main" id="{830C4400-160F-4897-9301-D25AB1B83D15}"/>
+                <a16:creationId xmlns="" xmlns:a16="http://schemas.microsoft.com/office/drawing/2014/main" id="{830C4400-160F-4897-9301-D25AB1B83D15}"/>
               </a:ext>
             </a:extLst>
           </p:cNvPr>
@@ -11243,7 +12668,7 @@
             <p:cNvPr id="35" name="Textfeld 34">
               <a:extLst>
                 <a:ext uri="{FF2B5EF4-FFF2-40B4-BE49-F238E27FC236}">
-                  <a16:creationId xmlns:a16="http://schemas.microsoft.com/office/drawing/2014/main" id="{FED335F3-EC5B-4E28-887B-303B5BE6105F}"/>
+                  <a16:creationId xmlns="" xmlns:a16="http://schemas.microsoft.com/office/drawing/2014/main" id="{FED335F3-EC5B-4E28-887B-303B5BE6105F}"/>
                 </a:ext>
               </a:extLst>
             </p:cNvPr>
@@ -11278,7 +12703,7 @@
             <p:cNvPr id="36" name="Ellipse 35">
               <a:extLst>
                 <a:ext uri="{FF2B5EF4-FFF2-40B4-BE49-F238E27FC236}">
-                  <a16:creationId xmlns:a16="http://schemas.microsoft.com/office/drawing/2014/main" id="{C89FEEAC-4D89-438E-AB15-B52796677AAF}"/>
+                  <a16:creationId xmlns="" xmlns:a16="http://schemas.microsoft.com/office/drawing/2014/main" id="{C89FEEAC-4D89-438E-AB15-B52796677AAF}"/>
                 </a:ext>
               </a:extLst>
             </p:cNvPr>
@@ -11325,7 +12750,7 @@
           <p:cNvPr id="37" name="Gruppieren 36">
             <a:extLst>
               <a:ext uri="{FF2B5EF4-FFF2-40B4-BE49-F238E27FC236}">
-                <a16:creationId xmlns:a16="http://schemas.microsoft.com/office/drawing/2014/main" id="{21F27838-336A-4DD8-9151-EF70588DB2AF}"/>
+                <a16:creationId xmlns="" xmlns:a16="http://schemas.microsoft.com/office/drawing/2014/main" id="{21F27838-336A-4DD8-9151-EF70588DB2AF}"/>
               </a:ext>
             </a:extLst>
           </p:cNvPr>
@@ -11345,7 +12770,7 @@
             <p:cNvPr id="38" name="Textfeld 37">
               <a:extLst>
                 <a:ext uri="{FF2B5EF4-FFF2-40B4-BE49-F238E27FC236}">
-                  <a16:creationId xmlns:a16="http://schemas.microsoft.com/office/drawing/2014/main" id="{428AD043-2817-4C2E-AA4D-FB5637286E83}"/>
+                  <a16:creationId xmlns="" xmlns:a16="http://schemas.microsoft.com/office/drawing/2014/main" id="{428AD043-2817-4C2E-AA4D-FB5637286E83}"/>
                 </a:ext>
               </a:extLst>
             </p:cNvPr>
@@ -11380,7 +12805,7 @@
             <p:cNvPr id="39" name="Ellipse 38">
               <a:extLst>
                 <a:ext uri="{FF2B5EF4-FFF2-40B4-BE49-F238E27FC236}">
-                  <a16:creationId xmlns:a16="http://schemas.microsoft.com/office/drawing/2014/main" id="{719C0B19-327B-472B-B820-5EF059FC3AF0}"/>
+                  <a16:creationId xmlns="" xmlns:a16="http://schemas.microsoft.com/office/drawing/2014/main" id="{719C0B19-327B-472B-B820-5EF059FC3AF0}"/>
                 </a:ext>
               </a:extLst>
             </p:cNvPr>
@@ -11427,7 +12852,7 @@
           <p:cNvPr id="23" name="Grafik 22">
             <a:extLst>
               <a:ext uri="{FF2B5EF4-FFF2-40B4-BE49-F238E27FC236}">
-                <a16:creationId xmlns:a16="http://schemas.microsoft.com/office/drawing/2014/main" id="{A3E6C50B-0FCA-47E6-B5D3-02883E0E43F4}"/>
+                <a16:creationId xmlns="" xmlns:a16="http://schemas.microsoft.com/office/drawing/2014/main" id="{A3E6C50B-0FCA-47E6-B5D3-02883E0E43F4}"/>
               </a:ext>
             </a:extLst>
           </p:cNvPr>
@@ -11455,7 +12880,7 @@
           <p:cNvPr id="26" name="Grafik 25">
             <a:extLst>
               <a:ext uri="{FF2B5EF4-FFF2-40B4-BE49-F238E27FC236}">
-                <a16:creationId xmlns:a16="http://schemas.microsoft.com/office/drawing/2014/main" id="{4585F3A5-83E2-48C3-86BB-D862DFD32A49}"/>
+                <a16:creationId xmlns="" xmlns:a16="http://schemas.microsoft.com/office/drawing/2014/main" id="{4585F3A5-83E2-48C3-86BB-D862DFD32A49}"/>
               </a:ext>
             </a:extLst>
           </p:cNvPr>
@@ -11483,7 +12908,7 @@
           <p:cNvPr id="27" name="Grafik 26">
             <a:extLst>
               <a:ext uri="{FF2B5EF4-FFF2-40B4-BE49-F238E27FC236}">
-                <a16:creationId xmlns:a16="http://schemas.microsoft.com/office/drawing/2014/main" id="{8AC6DC8C-2F4C-429F-8C06-4C69C0C990D8}"/>
+                <a16:creationId xmlns="" xmlns:a16="http://schemas.microsoft.com/office/drawing/2014/main" id="{8AC6DC8C-2F4C-429F-8C06-4C69C0C990D8}"/>
               </a:ext>
             </a:extLst>
           </p:cNvPr>
@@ -11511,7 +12936,7 @@
           <p:cNvPr id="28" name="Grafik 27">
             <a:extLst>
               <a:ext uri="{FF2B5EF4-FFF2-40B4-BE49-F238E27FC236}">
-                <a16:creationId xmlns:a16="http://schemas.microsoft.com/office/drawing/2014/main" id="{2BCB5A92-5BE7-4786-95F1-8CBD21C50142}"/>
+                <a16:creationId xmlns="" xmlns:a16="http://schemas.microsoft.com/office/drawing/2014/main" id="{2BCB5A92-5BE7-4786-95F1-8CBD21C50142}"/>
               </a:ext>
             </a:extLst>
           </p:cNvPr>
@@ -11547,7 +12972,7 @@
 </p:sld>
 </file>
 
-<file path=ppt/slides/slide7.xml><?xml version="1.0" encoding="utf-8"?>
+<file path=ppt/slides/slide8.xml><?xml version="1.0" encoding="utf-8"?>
 <p:sld xmlns:a="http://schemas.openxmlformats.org/drawingml/2006/main" xmlns:r="http://schemas.openxmlformats.org/officeDocument/2006/relationships" xmlns:p="http://schemas.openxmlformats.org/presentationml/2006/main">
   <p:cSld>
     <p:spTree>
@@ -11569,7 +12994,7 @@
           <p:cNvPr id="3" name="Titel 2">
             <a:extLst>
               <a:ext uri="{FF2B5EF4-FFF2-40B4-BE49-F238E27FC236}">
-                <a16:creationId xmlns:a16="http://schemas.microsoft.com/office/drawing/2014/main" id="{E904707F-1430-47F2-9043-A81C0A53F129}"/>
+                <a16:creationId xmlns="" xmlns:a16="http://schemas.microsoft.com/office/drawing/2014/main" id="{E904707F-1430-47F2-9043-A81C0A53F129}"/>
               </a:ext>
             </a:extLst>
           </p:cNvPr>
@@ -11610,7 +13035,7 @@
           <p:cNvPr id="21" name="Gruppieren 20">
             <a:extLst>
               <a:ext uri="{FF2B5EF4-FFF2-40B4-BE49-F238E27FC236}">
-                <a16:creationId xmlns:a16="http://schemas.microsoft.com/office/drawing/2014/main" id="{10284693-A442-4975-A068-420D74F92976}"/>
+                <a16:creationId xmlns="" xmlns:a16="http://schemas.microsoft.com/office/drawing/2014/main" id="{10284693-A442-4975-A068-420D74F92976}"/>
               </a:ext>
             </a:extLst>
           </p:cNvPr>
@@ -11630,7 +13055,7 @@
             <p:cNvPr id="19" name="Textfeld 18">
               <a:extLst>
                 <a:ext uri="{FF2B5EF4-FFF2-40B4-BE49-F238E27FC236}">
-                  <a16:creationId xmlns:a16="http://schemas.microsoft.com/office/drawing/2014/main" id="{2FE8BE93-F9A1-4275-8222-07C4EEF27C19}"/>
+                  <a16:creationId xmlns="" xmlns:a16="http://schemas.microsoft.com/office/drawing/2014/main" id="{2FE8BE93-F9A1-4275-8222-07C4EEF27C19}"/>
                 </a:ext>
               </a:extLst>
             </p:cNvPr>
@@ -11665,7 +13090,7 @@
             <p:cNvPr id="20" name="Ellipse 19">
               <a:extLst>
                 <a:ext uri="{FF2B5EF4-FFF2-40B4-BE49-F238E27FC236}">
-                  <a16:creationId xmlns:a16="http://schemas.microsoft.com/office/drawing/2014/main" id="{FFD74DC7-ABF7-406F-BDE7-0CE96BE36135}"/>
+                  <a16:creationId xmlns="" xmlns:a16="http://schemas.microsoft.com/office/drawing/2014/main" id="{FFD74DC7-ABF7-406F-BDE7-0CE96BE36135}"/>
                 </a:ext>
               </a:extLst>
             </p:cNvPr>
@@ -11712,7 +13137,7 @@
           <p:cNvPr id="31" name="Gruppieren 30">
             <a:extLst>
               <a:ext uri="{FF2B5EF4-FFF2-40B4-BE49-F238E27FC236}">
-                <a16:creationId xmlns:a16="http://schemas.microsoft.com/office/drawing/2014/main" id="{52924C2D-DA77-4F44-B4A8-519CF4BF9CF7}"/>
+                <a16:creationId xmlns="" xmlns:a16="http://schemas.microsoft.com/office/drawing/2014/main" id="{52924C2D-DA77-4F44-B4A8-519CF4BF9CF7}"/>
               </a:ext>
             </a:extLst>
           </p:cNvPr>
@@ -11732,7 +13157,7 @@
             <p:cNvPr id="32" name="Textfeld 31">
               <a:extLst>
                 <a:ext uri="{FF2B5EF4-FFF2-40B4-BE49-F238E27FC236}">
-                  <a16:creationId xmlns:a16="http://schemas.microsoft.com/office/drawing/2014/main" id="{DA84C640-F0BB-4D57-9900-D8EBC558D9D2}"/>
+                  <a16:creationId xmlns="" xmlns:a16="http://schemas.microsoft.com/office/drawing/2014/main" id="{DA84C640-F0BB-4D57-9900-D8EBC558D9D2}"/>
                 </a:ext>
               </a:extLst>
             </p:cNvPr>
@@ -11767,7 +13192,7 @@
             <p:cNvPr id="33" name="Ellipse 32">
               <a:extLst>
                 <a:ext uri="{FF2B5EF4-FFF2-40B4-BE49-F238E27FC236}">
-                  <a16:creationId xmlns:a16="http://schemas.microsoft.com/office/drawing/2014/main" id="{54955D9B-EBA7-44F5-AABC-CF51F38CA7DA}"/>
+                  <a16:creationId xmlns="" xmlns:a16="http://schemas.microsoft.com/office/drawing/2014/main" id="{54955D9B-EBA7-44F5-AABC-CF51F38CA7DA}"/>
                 </a:ext>
               </a:extLst>
             </p:cNvPr>
@@ -11814,7 +13239,7 @@
           <p:cNvPr id="34" name="Gruppieren 33">
             <a:extLst>
               <a:ext uri="{FF2B5EF4-FFF2-40B4-BE49-F238E27FC236}">
-                <a16:creationId xmlns:a16="http://schemas.microsoft.com/office/drawing/2014/main" id="{830C4400-160F-4897-9301-D25AB1B83D15}"/>
+                <a16:creationId xmlns="" xmlns:a16="http://schemas.microsoft.com/office/drawing/2014/main" id="{830C4400-160F-4897-9301-D25AB1B83D15}"/>
               </a:ext>
             </a:extLst>
           </p:cNvPr>
@@ -11834,7 +13259,7 @@
             <p:cNvPr id="35" name="Textfeld 34">
               <a:extLst>
                 <a:ext uri="{FF2B5EF4-FFF2-40B4-BE49-F238E27FC236}">
-                  <a16:creationId xmlns:a16="http://schemas.microsoft.com/office/drawing/2014/main" id="{FED335F3-EC5B-4E28-887B-303B5BE6105F}"/>
+                  <a16:creationId xmlns="" xmlns:a16="http://schemas.microsoft.com/office/drawing/2014/main" id="{FED335F3-EC5B-4E28-887B-303B5BE6105F}"/>
                 </a:ext>
               </a:extLst>
             </p:cNvPr>
@@ -11869,7 +13294,7 @@
             <p:cNvPr id="36" name="Ellipse 35">
               <a:extLst>
                 <a:ext uri="{FF2B5EF4-FFF2-40B4-BE49-F238E27FC236}">
-                  <a16:creationId xmlns:a16="http://schemas.microsoft.com/office/drawing/2014/main" id="{C89FEEAC-4D89-438E-AB15-B52796677AAF}"/>
+                  <a16:creationId xmlns="" xmlns:a16="http://schemas.microsoft.com/office/drawing/2014/main" id="{C89FEEAC-4D89-438E-AB15-B52796677AAF}"/>
                 </a:ext>
               </a:extLst>
             </p:cNvPr>
@@ -11916,7 +13341,7 @@
           <p:cNvPr id="37" name="Gruppieren 36">
             <a:extLst>
               <a:ext uri="{FF2B5EF4-FFF2-40B4-BE49-F238E27FC236}">
-                <a16:creationId xmlns:a16="http://schemas.microsoft.com/office/drawing/2014/main" id="{21F27838-336A-4DD8-9151-EF70588DB2AF}"/>
+                <a16:creationId xmlns="" xmlns:a16="http://schemas.microsoft.com/office/drawing/2014/main" id="{21F27838-336A-4DD8-9151-EF70588DB2AF}"/>
               </a:ext>
             </a:extLst>
           </p:cNvPr>
@@ -11936,7 +13361,7 @@
             <p:cNvPr id="38" name="Textfeld 37">
               <a:extLst>
                 <a:ext uri="{FF2B5EF4-FFF2-40B4-BE49-F238E27FC236}">
-                  <a16:creationId xmlns:a16="http://schemas.microsoft.com/office/drawing/2014/main" id="{428AD043-2817-4C2E-AA4D-FB5637286E83}"/>
+                  <a16:creationId xmlns="" xmlns:a16="http://schemas.microsoft.com/office/drawing/2014/main" id="{428AD043-2817-4C2E-AA4D-FB5637286E83}"/>
                 </a:ext>
               </a:extLst>
             </p:cNvPr>
@@ -11971,7 +13396,7 @@
             <p:cNvPr id="39" name="Ellipse 38">
               <a:extLst>
                 <a:ext uri="{FF2B5EF4-FFF2-40B4-BE49-F238E27FC236}">
-                  <a16:creationId xmlns:a16="http://schemas.microsoft.com/office/drawing/2014/main" id="{719C0B19-327B-472B-B820-5EF059FC3AF0}"/>
+                  <a16:creationId xmlns="" xmlns:a16="http://schemas.microsoft.com/office/drawing/2014/main" id="{719C0B19-327B-472B-B820-5EF059FC3AF0}"/>
                 </a:ext>
               </a:extLst>
             </p:cNvPr>
@@ -12018,7 +13443,7 @@
           <p:cNvPr id="22" name="Grafik 21">
             <a:extLst>
               <a:ext uri="{FF2B5EF4-FFF2-40B4-BE49-F238E27FC236}">
-                <a16:creationId xmlns:a16="http://schemas.microsoft.com/office/drawing/2014/main" id="{F0631AE3-F9E7-445A-BC65-FCE85E5FFF12}"/>
+                <a16:creationId xmlns="" xmlns:a16="http://schemas.microsoft.com/office/drawing/2014/main" id="{F0631AE3-F9E7-445A-BC65-FCE85E5FFF12}"/>
               </a:ext>
             </a:extLst>
           </p:cNvPr>
@@ -12052,7 +13477,7 @@
           <p:cNvPr id="24" name="Grafik 23">
             <a:extLst>
               <a:ext uri="{FF2B5EF4-FFF2-40B4-BE49-F238E27FC236}">
-                <a16:creationId xmlns:a16="http://schemas.microsoft.com/office/drawing/2014/main" id="{A02E2237-CBF7-4199-B76B-C53F62E86F92}"/>
+                <a16:creationId xmlns="" xmlns:a16="http://schemas.microsoft.com/office/drawing/2014/main" id="{A02E2237-CBF7-4199-B76B-C53F62E86F92}"/>
               </a:ext>
             </a:extLst>
           </p:cNvPr>
@@ -12086,7 +13511,7 @@
           <p:cNvPr id="25" name="Grafik 24">
             <a:extLst>
               <a:ext uri="{FF2B5EF4-FFF2-40B4-BE49-F238E27FC236}">
-                <a16:creationId xmlns:a16="http://schemas.microsoft.com/office/drawing/2014/main" id="{B90CE7DD-84B8-4587-8315-77DA23A4F48E}"/>
+                <a16:creationId xmlns="" xmlns:a16="http://schemas.microsoft.com/office/drawing/2014/main" id="{B90CE7DD-84B8-4587-8315-77DA23A4F48E}"/>
               </a:ext>
             </a:extLst>
           </p:cNvPr>
@@ -12120,7 +13545,7 @@
           <p:cNvPr id="29" name="Grafik 28">
             <a:extLst>
               <a:ext uri="{FF2B5EF4-FFF2-40B4-BE49-F238E27FC236}">
-                <a16:creationId xmlns:a16="http://schemas.microsoft.com/office/drawing/2014/main" id="{E0CEFD34-C90D-473C-844E-1EEB96011C07}"/>
+                <a16:creationId xmlns="" xmlns:a16="http://schemas.microsoft.com/office/drawing/2014/main" id="{E0CEFD34-C90D-473C-844E-1EEB96011C07}"/>
               </a:ext>
             </a:extLst>
           </p:cNvPr>
@@ -12162,7 +13587,7 @@
 </p:sld>
 </file>
 
-<file path=ppt/slides/slide8.xml><?xml version="1.0" encoding="utf-8"?>
+<file path=ppt/slides/slide9.xml><?xml version="1.0" encoding="utf-8"?>
 <p:sld xmlns:a="http://schemas.openxmlformats.org/drawingml/2006/main" xmlns:r="http://schemas.openxmlformats.org/officeDocument/2006/relationships" xmlns:p="http://schemas.openxmlformats.org/presentationml/2006/main">
   <p:cSld>
     <p:spTree>
@@ -12184,7 +13609,7 @@
           <p:cNvPr id="3" name="Titel 2">
             <a:extLst>
               <a:ext uri="{FF2B5EF4-FFF2-40B4-BE49-F238E27FC236}">
-                <a16:creationId xmlns:a16="http://schemas.microsoft.com/office/drawing/2014/main" id="{E904707F-1430-47F2-9043-A81C0A53F129}"/>
+                <a16:creationId xmlns="" xmlns:a16="http://schemas.microsoft.com/office/drawing/2014/main" id="{E904707F-1430-47F2-9043-A81C0A53F129}"/>
               </a:ext>
             </a:extLst>
           </p:cNvPr>
@@ -12225,7 +13650,7 @@
           <p:cNvPr id="21" name="Gruppieren 20">
             <a:extLst>
               <a:ext uri="{FF2B5EF4-FFF2-40B4-BE49-F238E27FC236}">
-                <a16:creationId xmlns:a16="http://schemas.microsoft.com/office/drawing/2014/main" id="{10284693-A442-4975-A068-420D74F92976}"/>
+                <a16:creationId xmlns="" xmlns:a16="http://schemas.microsoft.com/office/drawing/2014/main" id="{10284693-A442-4975-A068-420D74F92976}"/>
               </a:ext>
             </a:extLst>
           </p:cNvPr>
@@ -12245,7 +13670,7 @@
             <p:cNvPr id="19" name="Textfeld 18">
               <a:extLst>
                 <a:ext uri="{FF2B5EF4-FFF2-40B4-BE49-F238E27FC236}">
-                  <a16:creationId xmlns:a16="http://schemas.microsoft.com/office/drawing/2014/main" id="{2FE8BE93-F9A1-4275-8222-07C4EEF27C19}"/>
+                  <a16:creationId xmlns="" xmlns:a16="http://schemas.microsoft.com/office/drawing/2014/main" id="{2FE8BE93-F9A1-4275-8222-07C4EEF27C19}"/>
                 </a:ext>
               </a:extLst>
             </p:cNvPr>
@@ -12280,7 +13705,7 @@
             <p:cNvPr id="20" name="Ellipse 19">
               <a:extLst>
                 <a:ext uri="{FF2B5EF4-FFF2-40B4-BE49-F238E27FC236}">
-                  <a16:creationId xmlns:a16="http://schemas.microsoft.com/office/drawing/2014/main" id="{FFD74DC7-ABF7-406F-BDE7-0CE96BE36135}"/>
+                  <a16:creationId xmlns="" xmlns:a16="http://schemas.microsoft.com/office/drawing/2014/main" id="{FFD74DC7-ABF7-406F-BDE7-0CE96BE36135}"/>
                 </a:ext>
               </a:extLst>
             </p:cNvPr>
@@ -12327,7 +13752,7 @@
           <p:cNvPr id="26" name="Grafik 25">
             <a:extLst>
               <a:ext uri="{FF2B5EF4-FFF2-40B4-BE49-F238E27FC236}">
-                <a16:creationId xmlns:a16="http://schemas.microsoft.com/office/drawing/2014/main" id="{21573C81-CC18-433E-857E-83573663F07C}"/>
+                <a16:creationId xmlns="" xmlns:a16="http://schemas.microsoft.com/office/drawing/2014/main" id="{21573C81-CC18-433E-857E-83573663F07C}"/>
               </a:ext>
             </a:extLst>
           </p:cNvPr>
@@ -12360,633 +13785,6 @@
     <p:extLst>
       <p:ext uri="{BB962C8B-B14F-4D97-AF65-F5344CB8AC3E}">
         <p14:creationId xmlns:p14="http://schemas.microsoft.com/office/powerpoint/2010/main" val="1510108501"/>
-      </p:ext>
-    </p:extLst>
-  </p:cSld>
-  <p:clrMapOvr>
-    <a:masterClrMapping/>
-  </p:clrMapOvr>
-</p:sld>
-</file>
-
-<file path=ppt/slides/slide9.xml><?xml version="1.0" encoding="utf-8"?>
-<p:sld xmlns:a="http://schemas.openxmlformats.org/drawingml/2006/main" xmlns:r="http://schemas.openxmlformats.org/officeDocument/2006/relationships" xmlns:p="http://schemas.openxmlformats.org/presentationml/2006/main">
-  <p:cSld>
-    <p:spTree>
-      <p:nvGrpSpPr>
-        <p:cNvPr id="1" name=""/>
-        <p:cNvGrpSpPr/>
-        <p:nvPr/>
-      </p:nvGrpSpPr>
-      <p:grpSpPr>
-        <a:xfrm>
-          <a:off x="0" y="0"/>
-          <a:ext cx="0" cy="0"/>
-          <a:chOff x="0" y="0"/>
-          <a:chExt cx="0" cy="0"/>
-        </a:xfrm>
-      </p:grpSpPr>
-      <p:sp>
-        <p:nvSpPr>
-          <p:cNvPr id="3" name="Titel 2">
-            <a:extLst>
-              <a:ext uri="{FF2B5EF4-FFF2-40B4-BE49-F238E27FC236}">
-                <a16:creationId xmlns:a16="http://schemas.microsoft.com/office/drawing/2014/main" id="{E904707F-1430-47F2-9043-A81C0A53F129}"/>
-              </a:ext>
-            </a:extLst>
-          </p:cNvPr>
-          <p:cNvSpPr>
-            <a:spLocks noGrp="1"/>
-          </p:cNvSpPr>
-          <p:nvPr>
-            <p:ph type="ctrTitle"/>
-          </p:nvPr>
-        </p:nvSpPr>
-        <p:spPr>
-          <a:xfrm>
-            <a:off x="468000" y="360000"/>
-            <a:ext cx="8100000" cy="540000"/>
-          </a:xfrm>
-        </p:spPr>
-        <p:txBody>
-          <a:bodyPr/>
-          <a:lstStyle/>
-          <a:p>
-            <a:r>
-              <a:rPr lang="de-CH" dirty="0"/>
-              <a:t>Storyboard 3 – Strukturierter Termin</a:t>
-            </a:r>
-          </a:p>
-        </p:txBody>
-      </p:sp>
-      <p:grpSp>
-        <p:nvGrpSpPr>
-          <p:cNvPr id="21" name="Gruppieren 20">
-            <a:extLst>
-              <a:ext uri="{FF2B5EF4-FFF2-40B4-BE49-F238E27FC236}">
-                <a16:creationId xmlns:a16="http://schemas.microsoft.com/office/drawing/2014/main" id="{10284693-A442-4975-A068-420D74F92976}"/>
-              </a:ext>
-            </a:extLst>
-          </p:cNvPr>
-          <p:cNvGrpSpPr/>
-          <p:nvPr/>
-        </p:nvGrpSpPr>
-        <p:grpSpPr>
-          <a:xfrm>
-            <a:off x="2428829" y="800200"/>
-            <a:ext cx="263951" cy="307777"/>
-            <a:chOff x="2428829" y="800200"/>
-            <a:chExt cx="263951" cy="307777"/>
-          </a:xfrm>
-        </p:grpSpPr>
-        <p:sp>
-          <p:nvSpPr>
-            <p:cNvPr id="19" name="Textfeld 18">
-              <a:extLst>
-                <a:ext uri="{FF2B5EF4-FFF2-40B4-BE49-F238E27FC236}">
-                  <a16:creationId xmlns:a16="http://schemas.microsoft.com/office/drawing/2014/main" id="{2FE8BE93-F9A1-4275-8222-07C4EEF27C19}"/>
-                </a:ext>
-              </a:extLst>
-            </p:cNvPr>
-            <p:cNvSpPr txBox="1"/>
-            <p:nvPr/>
-          </p:nvSpPr>
-          <p:spPr>
-            <a:xfrm>
-              <a:off x="2428829" y="800200"/>
-              <a:ext cx="263951" cy="307777"/>
-            </a:xfrm>
-            <a:prstGeom prst="rect">
-              <a:avLst/>
-            </a:prstGeom>
-            <a:noFill/>
-          </p:spPr>
-          <p:txBody>
-            <a:bodyPr wrap="square" rtlCol="0">
-              <a:spAutoFit/>
-            </a:bodyPr>
-            <a:lstStyle/>
-            <a:p>
-              <a:r>
-                <a:rPr lang="de-CH" sz="1400" dirty="0"/>
-                <a:t>1</a:t>
-              </a:r>
-            </a:p>
-          </p:txBody>
-        </p:sp>
-        <p:sp>
-          <p:nvSpPr>
-            <p:cNvPr id="20" name="Ellipse 19">
-              <a:extLst>
-                <a:ext uri="{FF2B5EF4-FFF2-40B4-BE49-F238E27FC236}">
-                  <a16:creationId xmlns:a16="http://schemas.microsoft.com/office/drawing/2014/main" id="{FFD74DC7-ABF7-406F-BDE7-0CE96BE36135}"/>
-                </a:ext>
-              </a:extLst>
-            </p:cNvPr>
-            <p:cNvSpPr/>
-            <p:nvPr/>
-          </p:nvSpPr>
-          <p:spPr>
-            <a:xfrm>
-              <a:off x="2437666" y="841056"/>
-              <a:ext cx="246274" cy="224191"/>
-            </a:xfrm>
-            <a:prstGeom prst="ellipse">
-              <a:avLst/>
-            </a:prstGeom>
-            <a:noFill/>
-            <a:effectLst/>
-          </p:spPr>
-          <p:style>
-            <a:lnRef idx="1">
-              <a:schemeClr val="accent1"/>
-            </a:lnRef>
-            <a:fillRef idx="3">
-              <a:schemeClr val="accent1"/>
-            </a:fillRef>
-            <a:effectRef idx="2">
-              <a:schemeClr val="accent1"/>
-            </a:effectRef>
-            <a:fontRef idx="minor">
-              <a:schemeClr val="lt1"/>
-            </a:fontRef>
-          </p:style>
-          <p:txBody>
-            <a:bodyPr rtlCol="0" anchor="ctr"/>
-            <a:lstStyle/>
-            <a:p>
-              <a:pPr algn="ctr"/>
-              <a:endParaRPr lang="de-CH"/>
-            </a:p>
-          </p:txBody>
-        </p:sp>
-      </p:grpSp>
-      <p:grpSp>
-        <p:nvGrpSpPr>
-          <p:cNvPr id="31" name="Gruppieren 30">
-            <a:extLst>
-              <a:ext uri="{FF2B5EF4-FFF2-40B4-BE49-F238E27FC236}">
-                <a16:creationId xmlns:a16="http://schemas.microsoft.com/office/drawing/2014/main" id="{52924C2D-DA77-4F44-B4A8-519CF4BF9CF7}"/>
-              </a:ext>
-            </a:extLst>
-          </p:cNvPr>
-          <p:cNvGrpSpPr/>
-          <p:nvPr/>
-        </p:nvGrpSpPr>
-        <p:grpSpPr>
-          <a:xfrm>
-            <a:off x="6451217" y="804627"/>
-            <a:ext cx="263951" cy="307777"/>
-            <a:chOff x="2428829" y="800200"/>
-            <a:chExt cx="263951" cy="307777"/>
-          </a:xfrm>
-        </p:grpSpPr>
-        <p:sp>
-          <p:nvSpPr>
-            <p:cNvPr id="32" name="Textfeld 31">
-              <a:extLst>
-                <a:ext uri="{FF2B5EF4-FFF2-40B4-BE49-F238E27FC236}">
-                  <a16:creationId xmlns:a16="http://schemas.microsoft.com/office/drawing/2014/main" id="{DA84C640-F0BB-4D57-9900-D8EBC558D9D2}"/>
-                </a:ext>
-              </a:extLst>
-            </p:cNvPr>
-            <p:cNvSpPr txBox="1"/>
-            <p:nvPr/>
-          </p:nvSpPr>
-          <p:spPr>
-            <a:xfrm>
-              <a:off x="2428829" y="800200"/>
-              <a:ext cx="263951" cy="307777"/>
-            </a:xfrm>
-            <a:prstGeom prst="rect">
-              <a:avLst/>
-            </a:prstGeom>
-            <a:noFill/>
-          </p:spPr>
-          <p:txBody>
-            <a:bodyPr wrap="square" rtlCol="0">
-              <a:spAutoFit/>
-            </a:bodyPr>
-            <a:lstStyle/>
-            <a:p>
-              <a:r>
-                <a:rPr lang="de-CH" sz="1400" dirty="0"/>
-                <a:t>2</a:t>
-              </a:r>
-            </a:p>
-          </p:txBody>
-        </p:sp>
-        <p:sp>
-          <p:nvSpPr>
-            <p:cNvPr id="33" name="Ellipse 32">
-              <a:extLst>
-                <a:ext uri="{FF2B5EF4-FFF2-40B4-BE49-F238E27FC236}">
-                  <a16:creationId xmlns:a16="http://schemas.microsoft.com/office/drawing/2014/main" id="{54955D9B-EBA7-44F5-AABC-CF51F38CA7DA}"/>
-                </a:ext>
-              </a:extLst>
-            </p:cNvPr>
-            <p:cNvSpPr/>
-            <p:nvPr/>
-          </p:nvSpPr>
-          <p:spPr>
-            <a:xfrm>
-              <a:off x="2437666" y="841056"/>
-              <a:ext cx="246274" cy="224191"/>
-            </a:xfrm>
-            <a:prstGeom prst="ellipse">
-              <a:avLst/>
-            </a:prstGeom>
-            <a:noFill/>
-            <a:effectLst/>
-          </p:spPr>
-          <p:style>
-            <a:lnRef idx="1">
-              <a:schemeClr val="accent1"/>
-            </a:lnRef>
-            <a:fillRef idx="3">
-              <a:schemeClr val="accent1"/>
-            </a:fillRef>
-            <a:effectRef idx="2">
-              <a:schemeClr val="accent1"/>
-            </a:effectRef>
-            <a:fontRef idx="minor">
-              <a:schemeClr val="lt1"/>
-            </a:fontRef>
-          </p:style>
-          <p:txBody>
-            <a:bodyPr rtlCol="0" anchor="ctr"/>
-            <a:lstStyle/>
-            <a:p>
-              <a:pPr algn="ctr"/>
-              <a:endParaRPr lang="de-CH"/>
-            </a:p>
-          </p:txBody>
-        </p:sp>
-      </p:grpSp>
-      <p:grpSp>
-        <p:nvGrpSpPr>
-          <p:cNvPr id="34" name="Gruppieren 33">
-            <a:extLst>
-              <a:ext uri="{FF2B5EF4-FFF2-40B4-BE49-F238E27FC236}">
-                <a16:creationId xmlns:a16="http://schemas.microsoft.com/office/drawing/2014/main" id="{830C4400-160F-4897-9301-D25AB1B83D15}"/>
-              </a:ext>
-            </a:extLst>
-          </p:cNvPr>
-          <p:cNvGrpSpPr/>
-          <p:nvPr/>
-        </p:nvGrpSpPr>
-        <p:grpSpPr>
-          <a:xfrm>
-            <a:off x="2428826" y="3452371"/>
-            <a:ext cx="263951" cy="307777"/>
-            <a:chOff x="2428829" y="800200"/>
-            <a:chExt cx="263951" cy="307777"/>
-          </a:xfrm>
-        </p:grpSpPr>
-        <p:sp>
-          <p:nvSpPr>
-            <p:cNvPr id="35" name="Textfeld 34">
-              <a:extLst>
-                <a:ext uri="{FF2B5EF4-FFF2-40B4-BE49-F238E27FC236}">
-                  <a16:creationId xmlns:a16="http://schemas.microsoft.com/office/drawing/2014/main" id="{FED335F3-EC5B-4E28-887B-303B5BE6105F}"/>
-                </a:ext>
-              </a:extLst>
-            </p:cNvPr>
-            <p:cNvSpPr txBox="1"/>
-            <p:nvPr/>
-          </p:nvSpPr>
-          <p:spPr>
-            <a:xfrm>
-              <a:off x="2428829" y="800200"/>
-              <a:ext cx="263951" cy="307777"/>
-            </a:xfrm>
-            <a:prstGeom prst="rect">
-              <a:avLst/>
-            </a:prstGeom>
-            <a:noFill/>
-          </p:spPr>
-          <p:txBody>
-            <a:bodyPr wrap="square" rtlCol="0">
-              <a:spAutoFit/>
-            </a:bodyPr>
-            <a:lstStyle/>
-            <a:p>
-              <a:r>
-                <a:rPr lang="de-CH" sz="1400" dirty="0"/>
-                <a:t>3</a:t>
-              </a:r>
-            </a:p>
-          </p:txBody>
-        </p:sp>
-        <p:sp>
-          <p:nvSpPr>
-            <p:cNvPr id="36" name="Ellipse 35">
-              <a:extLst>
-                <a:ext uri="{FF2B5EF4-FFF2-40B4-BE49-F238E27FC236}">
-                  <a16:creationId xmlns:a16="http://schemas.microsoft.com/office/drawing/2014/main" id="{C89FEEAC-4D89-438E-AB15-B52796677AAF}"/>
-                </a:ext>
-              </a:extLst>
-            </p:cNvPr>
-            <p:cNvSpPr/>
-            <p:nvPr/>
-          </p:nvSpPr>
-          <p:spPr>
-            <a:xfrm>
-              <a:off x="2437666" y="841056"/>
-              <a:ext cx="246274" cy="224191"/>
-            </a:xfrm>
-            <a:prstGeom prst="ellipse">
-              <a:avLst/>
-            </a:prstGeom>
-            <a:noFill/>
-            <a:effectLst/>
-          </p:spPr>
-          <p:style>
-            <a:lnRef idx="1">
-              <a:schemeClr val="accent1"/>
-            </a:lnRef>
-            <a:fillRef idx="3">
-              <a:schemeClr val="accent1"/>
-            </a:fillRef>
-            <a:effectRef idx="2">
-              <a:schemeClr val="accent1"/>
-            </a:effectRef>
-            <a:fontRef idx="minor">
-              <a:schemeClr val="lt1"/>
-            </a:fontRef>
-          </p:style>
-          <p:txBody>
-            <a:bodyPr rtlCol="0" anchor="ctr"/>
-            <a:lstStyle/>
-            <a:p>
-              <a:pPr algn="ctr"/>
-              <a:endParaRPr lang="de-CH"/>
-            </a:p>
-          </p:txBody>
-        </p:sp>
-      </p:grpSp>
-      <p:grpSp>
-        <p:nvGrpSpPr>
-          <p:cNvPr id="37" name="Gruppieren 36">
-            <a:extLst>
-              <a:ext uri="{FF2B5EF4-FFF2-40B4-BE49-F238E27FC236}">
-                <a16:creationId xmlns:a16="http://schemas.microsoft.com/office/drawing/2014/main" id="{21F27838-336A-4DD8-9151-EF70588DB2AF}"/>
-              </a:ext>
-            </a:extLst>
-          </p:cNvPr>
-          <p:cNvGrpSpPr/>
-          <p:nvPr/>
-        </p:nvGrpSpPr>
-        <p:grpSpPr>
-          <a:xfrm>
-            <a:off x="6442374" y="3452371"/>
-            <a:ext cx="263951" cy="307777"/>
-            <a:chOff x="2428829" y="800200"/>
-            <a:chExt cx="263951" cy="307777"/>
-          </a:xfrm>
-        </p:grpSpPr>
-        <p:sp>
-          <p:nvSpPr>
-            <p:cNvPr id="38" name="Textfeld 37">
-              <a:extLst>
-                <a:ext uri="{FF2B5EF4-FFF2-40B4-BE49-F238E27FC236}">
-                  <a16:creationId xmlns:a16="http://schemas.microsoft.com/office/drawing/2014/main" id="{428AD043-2817-4C2E-AA4D-FB5637286E83}"/>
-                </a:ext>
-              </a:extLst>
-            </p:cNvPr>
-            <p:cNvSpPr txBox="1"/>
-            <p:nvPr/>
-          </p:nvSpPr>
-          <p:spPr>
-            <a:xfrm>
-              <a:off x="2428829" y="800200"/>
-              <a:ext cx="263951" cy="307777"/>
-            </a:xfrm>
-            <a:prstGeom prst="rect">
-              <a:avLst/>
-            </a:prstGeom>
-            <a:noFill/>
-          </p:spPr>
-          <p:txBody>
-            <a:bodyPr wrap="square" rtlCol="0">
-              <a:spAutoFit/>
-            </a:bodyPr>
-            <a:lstStyle/>
-            <a:p>
-              <a:r>
-                <a:rPr lang="de-CH" sz="1400" dirty="0"/>
-                <a:t>4</a:t>
-              </a:r>
-            </a:p>
-          </p:txBody>
-        </p:sp>
-        <p:sp>
-          <p:nvSpPr>
-            <p:cNvPr id="39" name="Ellipse 38">
-              <a:extLst>
-                <a:ext uri="{FF2B5EF4-FFF2-40B4-BE49-F238E27FC236}">
-                  <a16:creationId xmlns:a16="http://schemas.microsoft.com/office/drawing/2014/main" id="{719C0B19-327B-472B-B820-5EF059FC3AF0}"/>
-                </a:ext>
-              </a:extLst>
-            </p:cNvPr>
-            <p:cNvSpPr/>
-            <p:nvPr/>
-          </p:nvSpPr>
-          <p:spPr>
-            <a:xfrm>
-              <a:off x="2437666" y="841056"/>
-              <a:ext cx="246274" cy="224191"/>
-            </a:xfrm>
-            <a:prstGeom prst="ellipse">
-              <a:avLst/>
-            </a:prstGeom>
-            <a:noFill/>
-            <a:effectLst/>
-          </p:spPr>
-          <p:style>
-            <a:lnRef idx="1">
-              <a:schemeClr val="accent1"/>
-            </a:lnRef>
-            <a:fillRef idx="3">
-              <a:schemeClr val="accent1"/>
-            </a:fillRef>
-            <a:effectRef idx="2">
-              <a:schemeClr val="accent1"/>
-            </a:effectRef>
-            <a:fontRef idx="minor">
-              <a:schemeClr val="lt1"/>
-            </a:fontRef>
-          </p:style>
-          <p:txBody>
-            <a:bodyPr rtlCol="0" anchor="ctr"/>
-            <a:lstStyle/>
-            <a:p>
-              <a:pPr algn="ctr"/>
-              <a:endParaRPr lang="de-CH"/>
-            </a:p>
-          </p:txBody>
-        </p:sp>
-      </p:grpSp>
-      <p:pic>
-        <p:nvPicPr>
-          <p:cNvPr id="23" name="Grafik 22">
-            <a:extLst>
-              <a:ext uri="{FF2B5EF4-FFF2-40B4-BE49-F238E27FC236}">
-                <a16:creationId xmlns:a16="http://schemas.microsoft.com/office/drawing/2014/main" id="{9923EFB4-FBEE-48B9-91CF-8FF9E9602D49}"/>
-              </a:ext>
-            </a:extLst>
-          </p:cNvPr>
-          <p:cNvPicPr/>
-          <p:nvPr/>
-        </p:nvPicPr>
-        <p:blipFill>
-          <a:blip r:embed="rId2" cstate="print">
-            <a:extLst>
-              <a:ext uri="{28A0092B-C50C-407E-A947-70E740481C1C}">
-                <a14:useLocalDpi xmlns:a14="http://schemas.microsoft.com/office/drawing/2010/main" val="0"/>
-              </a:ext>
-            </a:extLst>
-          </a:blip>
-          <a:srcRect/>
-          <a:stretch>
-            <a:fillRect/>
-          </a:stretch>
-        </p:blipFill>
-        <p:spPr bwMode="auto">
-          <a:xfrm>
-            <a:off x="820293" y="1148833"/>
-            <a:ext cx="3481013" cy="2256796"/>
-          </a:xfrm>
-          <a:prstGeom prst="rect">
-            <a:avLst/>
-          </a:prstGeom>
-          <a:noFill/>
-          <a:ln>
-            <a:noFill/>
-          </a:ln>
-        </p:spPr>
-      </p:pic>
-      <p:pic>
-        <p:nvPicPr>
-          <p:cNvPr id="26" name="Grafik 25">
-            <a:extLst>
-              <a:ext uri="{FF2B5EF4-FFF2-40B4-BE49-F238E27FC236}">
-                <a16:creationId xmlns:a16="http://schemas.microsoft.com/office/drawing/2014/main" id="{37FCEA04-16B0-4A50-9FAE-B559598AEE2E}"/>
-              </a:ext>
-            </a:extLst>
-          </p:cNvPr>
-          <p:cNvPicPr/>
-          <p:nvPr/>
-        </p:nvPicPr>
-        <p:blipFill>
-          <a:blip r:embed="rId3" cstate="print">
-            <a:extLst>
-              <a:ext uri="{28A0092B-C50C-407E-A947-70E740481C1C}">
-                <a14:useLocalDpi xmlns:a14="http://schemas.microsoft.com/office/drawing/2010/main" val="0"/>
-              </a:ext>
-            </a:extLst>
-          </a:blip>
-          <a:srcRect/>
-          <a:stretch>
-            <a:fillRect/>
-          </a:stretch>
-        </p:blipFill>
-        <p:spPr bwMode="auto">
-          <a:xfrm>
-            <a:off x="4842696" y="1148833"/>
-            <a:ext cx="3481013" cy="2256795"/>
-          </a:xfrm>
-          <a:prstGeom prst="rect">
-            <a:avLst/>
-          </a:prstGeom>
-          <a:noFill/>
-          <a:ln>
-            <a:noFill/>
-          </a:ln>
-        </p:spPr>
-      </p:pic>
-      <p:pic>
-        <p:nvPicPr>
-          <p:cNvPr id="27" name="Grafik 26">
-            <a:extLst>
-              <a:ext uri="{FF2B5EF4-FFF2-40B4-BE49-F238E27FC236}">
-                <a16:creationId xmlns:a16="http://schemas.microsoft.com/office/drawing/2014/main" id="{33569E4A-82B6-42A8-8096-05574B4E3ADE}"/>
-              </a:ext>
-            </a:extLst>
-          </p:cNvPr>
-          <p:cNvPicPr/>
-          <p:nvPr/>
-        </p:nvPicPr>
-        <p:blipFill>
-          <a:blip r:embed="rId4" cstate="print">
-            <a:extLst>
-              <a:ext uri="{28A0092B-C50C-407E-A947-70E740481C1C}">
-                <a14:useLocalDpi xmlns:a14="http://schemas.microsoft.com/office/drawing/2010/main" val="0"/>
-              </a:ext>
-            </a:extLst>
-          </a:blip>
-          <a:srcRect/>
-          <a:stretch>
-            <a:fillRect/>
-          </a:stretch>
-        </p:blipFill>
-        <p:spPr bwMode="auto">
-          <a:xfrm>
-            <a:off x="820291" y="3758274"/>
-            <a:ext cx="3481013" cy="2254243"/>
-          </a:xfrm>
-          <a:prstGeom prst="rect">
-            <a:avLst/>
-          </a:prstGeom>
-          <a:noFill/>
-          <a:ln>
-            <a:noFill/>
-          </a:ln>
-        </p:spPr>
-      </p:pic>
-      <p:pic>
-        <p:nvPicPr>
-          <p:cNvPr id="28" name="Grafik 27">
-            <a:extLst>
-              <a:ext uri="{FF2B5EF4-FFF2-40B4-BE49-F238E27FC236}">
-                <a16:creationId xmlns:a16="http://schemas.microsoft.com/office/drawing/2014/main" id="{9C2B18AF-8C46-4726-A4D3-4BD7C365EC87}"/>
-              </a:ext>
-            </a:extLst>
-          </p:cNvPr>
-          <p:cNvPicPr/>
-          <p:nvPr/>
-        </p:nvPicPr>
-        <p:blipFill>
-          <a:blip r:embed="rId5" cstate="print">
-            <a:extLst>
-              <a:ext uri="{28A0092B-C50C-407E-A947-70E740481C1C}">
-                <a14:useLocalDpi xmlns:a14="http://schemas.microsoft.com/office/drawing/2010/main" val="0"/>
-              </a:ext>
-            </a:extLst>
-          </a:blip>
-          <a:srcRect/>
-          <a:stretch>
-            <a:fillRect/>
-          </a:stretch>
-        </p:blipFill>
-        <p:spPr bwMode="auto">
-          <a:xfrm>
-            <a:off x="4833841" y="3760149"/>
-            <a:ext cx="3481013" cy="2293224"/>
-          </a:xfrm>
-          <a:prstGeom prst="rect">
-            <a:avLst/>
-          </a:prstGeom>
-          <a:noFill/>
-          <a:ln>
-            <a:noFill/>
-          </a:ln>
-        </p:spPr>
-      </p:pic>
-    </p:spTree>
-    <p:extLst>
-      <p:ext uri="{BB962C8B-B14F-4D97-AF65-F5344CB8AC3E}">
-        <p14:creationId xmlns:p14="http://schemas.microsoft.com/office/powerpoint/2010/main" val="2379874887"/>
       </p:ext>
     </p:extLst>
   </p:cSld>
@@ -13832,22 +14630,6 @@
 </file>
 
 <file path=customXml/item1.xml><?xml version="1.0" encoding="utf-8"?>
-<p:properties xmlns:p="http://schemas.microsoft.com/office/2006/metadata/properties" xmlns:xsi="http://www.w3.org/2001/XMLSchema-instance" xmlns:pc="http://schemas.microsoft.com/office/infopath/2007/PartnerControls">
-  <documentManagement>
-    <QMPilot_DokID xmlns="2551ef7e-3b29-44d1-a8ad-ef34c26bfc60">469</QMPilot_DokID>
-    <BfhIntranetDepartmentText xmlns="e1a8bf75-a2bc-470e-a71e-5c20e7a2e358">
-      <Terms xmlns="http://schemas.microsoft.com/office/infopath/2007/PartnerControls">
-        <TermInfo xmlns="http://schemas.microsoft.com/office/infopath/2007/PartnerControls">
-          <TermName xmlns="http://schemas.microsoft.com/office/infopath/2007/PartnerControls">Vorlage</TermName>
-          <TermId xmlns="http://schemas.microsoft.com/office/infopath/2007/PartnerControls">de1a6d3c-ac6a-4b34-8edd-308eb81066db</TermId>
-        </TermInfo>
-      </Terms>
-    </BfhIntranetDepartmentText>
-  </documentManagement>
-</p:properties>
-</file>
-
-<file path=customXml/item2.xml><?xml version="1.0" encoding="utf-8"?>
 <?mso-contentType ?>
 <FormTemplates xmlns="http://schemas.microsoft.com/sharepoint/v3/contenttype/forms">
   <Display>DocumentLibraryForm</Display>
@@ -13856,7 +14638,7 @@
 </FormTemplates>
 </file>
 
-<file path=customXml/item3.xml><?xml version="1.0" encoding="utf-8"?>
+<file path=customXml/item2.xml><?xml version="1.0" encoding="utf-8"?>
 <ct:contentTypeSchema xmlns:ct="http://schemas.microsoft.com/office/2006/metadata/contentType" xmlns:ma="http://schemas.microsoft.com/office/2006/metadata/properties/metaAttributes" ct:_="" ma:_="" ma:contentTypeName="QMPilot_ContentType" ma:contentTypeID="0x0101009127C3B567804923A8661E062BBD8EF500AB8983C84EF542A7976DC8547A5CDC52001BD440F45714504284DA526949208683" ma:contentTypeVersion="2" ma:contentTypeDescription="Create a new document." ma:contentTypeScope="" ma:versionID="13c5ad7ca0982f7eb25820f46f9f086f">
   <xsd:schema xmlns:xsd="http://www.w3.org/2001/XMLSchema" xmlns:xs="http://www.w3.org/2001/XMLSchema" xmlns:p="http://schemas.microsoft.com/office/2006/metadata/properties" xmlns:ns2="e1a8bf75-a2bc-470e-a71e-5c20e7a2e358" xmlns:ns3="2551ef7e-3b29-44d1-a8ad-ef34c26bfc60" targetNamespace="http://schemas.microsoft.com/office/2006/metadata/properties" ma:root="true" ma:fieldsID="fcc0b5209f19c7fe46f066f1e6bc8324" ns2:_="" ns3:_="">
     <xsd:import namespace="e1a8bf75-a2bc-470e-a71e-5c20e7a2e358"/>
@@ -13995,24 +14777,23 @@
 </ct:contentTypeSchema>
 </file>
 
-<file path=customXml/itemProps1.xml><?xml version="1.0" encoding="utf-8"?>
-<ds:datastoreItem xmlns:ds="http://schemas.openxmlformats.org/officeDocument/2006/customXml" ds:itemID="{ECF8F4E1-6D10-4690-BBFB-FD63A4E474C6}">
-  <ds:schemaRefs>
-    <ds:schemaRef ds:uri="http://schemas.openxmlformats.org/package/2006/metadata/core-properties"/>
-    <ds:schemaRef ds:uri="http://purl.org/dc/dcmitype/"/>
-    <ds:schemaRef ds:uri="http://schemas.microsoft.com/office/2006/documentManagement/types"/>
-    <ds:schemaRef ds:uri="http://purl.org/dc/terms/"/>
-    <ds:schemaRef ds:uri="http://purl.org/dc/elements/1.1/"/>
-    <ds:schemaRef ds:uri="http://schemas.microsoft.com/office/infopath/2007/PartnerControls"/>
-    <ds:schemaRef ds:uri="2551ef7e-3b29-44d1-a8ad-ef34c26bfc60"/>
-    <ds:schemaRef ds:uri="e1a8bf75-a2bc-470e-a71e-5c20e7a2e358"/>
-    <ds:schemaRef ds:uri="http://schemas.microsoft.com/office/2006/metadata/properties"/>
-    <ds:schemaRef ds:uri="http://www.w3.org/XML/1998/namespace"/>
-  </ds:schemaRefs>
-</ds:datastoreItem>
+<file path=customXml/item3.xml><?xml version="1.0" encoding="utf-8"?>
+<p:properties xmlns:p="http://schemas.microsoft.com/office/2006/metadata/properties" xmlns:xsi="http://www.w3.org/2001/XMLSchema-instance" xmlns:pc="http://schemas.microsoft.com/office/infopath/2007/PartnerControls">
+  <documentManagement>
+    <QMPilot_DokID xmlns="2551ef7e-3b29-44d1-a8ad-ef34c26bfc60">469</QMPilot_DokID>
+    <BfhIntranetDepartmentText xmlns="e1a8bf75-a2bc-470e-a71e-5c20e7a2e358">
+      <Terms xmlns="http://schemas.microsoft.com/office/infopath/2007/PartnerControls">
+        <TermInfo xmlns="http://schemas.microsoft.com/office/infopath/2007/PartnerControls">
+          <TermName xmlns="http://schemas.microsoft.com/office/infopath/2007/PartnerControls">Vorlage</TermName>
+          <TermId xmlns="http://schemas.microsoft.com/office/infopath/2007/PartnerControls">de1a6d3c-ac6a-4b34-8edd-308eb81066db</TermId>
+        </TermInfo>
+      </Terms>
+    </BfhIntranetDepartmentText>
+  </documentManagement>
+</p:properties>
 </file>
 
-<file path=customXml/itemProps2.xml><?xml version="1.0" encoding="utf-8"?>
+<file path=customXml/itemProps1.xml><?xml version="1.0" encoding="utf-8"?>
 <ds:datastoreItem xmlns:ds="http://schemas.openxmlformats.org/officeDocument/2006/customXml" ds:itemID="{28BA0ABA-028C-4563-AF09-E2FE258BCA87}">
   <ds:schemaRefs>
     <ds:schemaRef ds:uri="http://schemas.microsoft.com/sharepoint/v3/contenttype/forms"/>
@@ -14020,7 +14801,7 @@
 </ds:datastoreItem>
 </file>
 
-<file path=customXml/itemProps3.xml><?xml version="1.0" encoding="utf-8"?>
+<file path=customXml/itemProps2.xml><?xml version="1.0" encoding="utf-8"?>
 <ds:datastoreItem xmlns:ds="http://schemas.openxmlformats.org/officeDocument/2006/customXml" ds:itemID="{C9592B06-C233-4FF2-AA0D-03EF780D73D7}">
   <ds:schemaRefs>
     <ds:schemaRef ds:uri="http://schemas.microsoft.com/office/2006/metadata/contentType"/>
@@ -14037,4 +14818,21 @@
     <ds:schemaRef ds:uri="http://schemas.microsoft.com/internal/obd"/>
   </ds:schemaRefs>
 </ds:datastoreItem>
+</file>
+
+<file path=customXml/itemProps3.xml><?xml version="1.0" encoding="utf-8"?>
+<ds:datastoreItem xmlns:ds="http://schemas.openxmlformats.org/officeDocument/2006/customXml" ds:itemID="{ECF8F4E1-6D10-4690-BBFB-FD63A4E474C6}">
+  <ds:schemaRefs>
+    <ds:schemaRef ds:uri="http://schemas.openxmlformats.org/package/2006/metadata/core-properties"/>
+    <ds:schemaRef ds:uri="http://purl.org/dc/dcmitype/"/>
+    <ds:schemaRef ds:uri="http://schemas.microsoft.com/office/2006/documentManagement/types"/>
+    <ds:schemaRef ds:uri="http://purl.org/dc/terms/"/>
+    <ds:schemaRef ds:uri="http://purl.org/dc/elements/1.1/"/>
+    <ds:schemaRef ds:uri="http://schemas.microsoft.com/office/infopath/2007/PartnerControls"/>
+    <ds:schemaRef ds:uri="2551ef7e-3b29-44d1-a8ad-ef34c26bfc60"/>
+    <ds:schemaRef ds:uri="e1a8bf75-a2bc-470e-a71e-5c20e7a2e358"/>
+    <ds:schemaRef ds:uri="http://schemas.microsoft.com/office/2006/metadata/properties"/>
+    <ds:schemaRef ds:uri="http://www.w3.org/XML/1998/namespace"/>
+  </ds:schemaRefs>
+</ds:datastoreItem>
 </file>
--- a/doc/task-01/Präsentation/Task1_Doctor_Addiction.pptx
+++ b/doc/task-01/Präsentation/Task1_Doctor_Addiction.pptx
@@ -832,7 +832,7 @@
           <a:lstStyle/>
           <a:p>
             <a:r>
-              <a:rPr lang="de-CH" sz="1200" kern="1200" dirty="0" smtClean="0">
+              <a:rPr lang="de-CH" sz="1200" kern="1200" dirty="0">
                 <a:solidFill>
                   <a:schemeClr val="tx1"/>
                 </a:solidFill>
@@ -844,7 +844,7 @@
               <a:t>Im Rahmen des Projekts Design </a:t>
             </a:r>
             <a:r>
-              <a:rPr lang="de-CH" sz="1200" kern="1200" dirty="0" err="1" smtClean="0">
+              <a:rPr lang="de-CH" sz="1200" kern="1200" dirty="0" err="1">
                 <a:solidFill>
                   <a:schemeClr val="tx1"/>
                 </a:solidFill>
@@ -856,7 +856,7 @@
               <a:t>Thinking</a:t>
             </a:r>
             <a:r>
-              <a:rPr lang="de-CH" sz="1200" kern="1200" dirty="0" smtClean="0">
+              <a:rPr lang="de-CH" sz="1200" kern="1200" dirty="0">
                 <a:solidFill>
                   <a:schemeClr val="tx1"/>
                 </a:solidFill>
@@ -868,7 +868,7 @@
               <a:t> im Modul BTX8081-Software Engineering </a:t>
             </a:r>
             <a:r>
-              <a:rPr lang="de-CH" sz="1200" kern="1200" dirty="0" err="1" smtClean="0">
+              <a:rPr lang="de-CH" sz="1200" kern="1200" dirty="0" err="1">
                 <a:solidFill>
                   <a:schemeClr val="tx1"/>
                 </a:solidFill>
@@ -880,7 +880,7 @@
               <a:t>and</a:t>
             </a:r>
             <a:r>
-              <a:rPr lang="de-CH" sz="1200" kern="1200" dirty="0" smtClean="0">
+              <a:rPr lang="de-CH" sz="1200" kern="1200" dirty="0">
                 <a:solidFill>
                   <a:schemeClr val="tx1"/>
                 </a:solidFill>
@@ -894,7 +894,7 @@
           </a:p>
           <a:p>
             <a:r>
-              <a:rPr lang="de-CH" sz="1200" kern="1200" dirty="0" smtClean="0">
+              <a:rPr lang="de-CH" sz="1200" kern="1200" dirty="0">
                 <a:solidFill>
                   <a:schemeClr val="tx1"/>
                 </a:solidFill>
@@ -908,7 +908,7 @@
           </a:p>
           <a:p>
             <a:r>
-              <a:rPr lang="de-CH" sz="1200" kern="1200" dirty="0" smtClean="0">
+              <a:rPr lang="de-CH" sz="1200" kern="1200" dirty="0">
                 <a:solidFill>
                   <a:schemeClr val="tx1"/>
                 </a:solidFill>
@@ -921,7 +921,7 @@
             </a:r>
           </a:p>
           <a:p>
-            <a:endParaRPr lang="de-CH" dirty="0" smtClean="0"/>
+            <a:endParaRPr lang="de-CH" dirty="0"/>
           </a:p>
           <a:p>
             <a:pPr marL="0" marR="0" lvl="0" indent="0" algn="l" defTabSz="914400" rtl="0" eaLnBrk="1" fontAlgn="auto" latinLnBrk="0" hangingPunct="1">
@@ -942,7 +942,7 @@
               <a:defRPr/>
             </a:pPr>
             <a:r>
-              <a:rPr lang="de-CH" sz="1200" kern="1200" dirty="0" smtClean="0">
+              <a:rPr lang="de-CH" sz="1200" kern="1200" dirty="0">
                 <a:solidFill>
                   <a:schemeClr val="tx1"/>
                 </a:solidFill>
@@ -1220,17 +1220,9 @@
             <a:br>
               <a:rPr lang="de-DE" noProof="0" dirty="0"/>
             </a:br>
-            <a:r>
-              <a:rPr lang="de-DE" noProof="0" dirty="0"/>
-              <a:t/>
-            </a:r>
             <a:br>
               <a:rPr lang="de-DE" noProof="0" dirty="0"/>
             </a:br>
-            <a:r>
-              <a:rPr lang="de-DE" noProof="0" dirty="0"/>
-              <a:t/>
-            </a:r>
             <a:br>
               <a:rPr lang="de-DE" noProof="0" dirty="0"/>
             </a:br>
@@ -1456,7 +1448,7 @@
           <p:cNvPr id="15" name="Fußzeilenplatzhalter 3">
             <a:extLst>
               <a:ext uri="{FF2B5EF4-FFF2-40B4-BE49-F238E27FC236}">
-                <a16:creationId xmlns="" xmlns:a16="http://schemas.microsoft.com/office/drawing/2014/main" id="{DB731B00-E74A-4C68-B92A-55C3FBA8C2E5}"/>
+                <a16:creationId xmlns:a16="http://schemas.microsoft.com/office/drawing/2014/main" id="{DB731B00-E74A-4C68-B92A-55C3FBA8C2E5}"/>
               </a:ext>
             </a:extLst>
           </p:cNvPr>
@@ -1547,7 +1539,7 @@
           <p:cNvPr id="11" name="Grafik 10">
             <a:extLst>
               <a:ext uri="{FF2B5EF4-FFF2-40B4-BE49-F238E27FC236}">
-                <a16:creationId xmlns="" xmlns:a16="http://schemas.microsoft.com/office/drawing/2014/main" id="{DDD63865-60E1-44BA-AC22-B5030301FAA1}"/>
+                <a16:creationId xmlns:a16="http://schemas.microsoft.com/office/drawing/2014/main" id="{DDD63865-60E1-44BA-AC22-B5030301FAA1}"/>
               </a:ext>
             </a:extLst>
           </p:cNvPr>
@@ -2291,7 +2283,7 @@
           <p:cNvPr id="15" name="Textfeld 14">
             <a:extLst>
               <a:ext uri="{FF2B5EF4-FFF2-40B4-BE49-F238E27FC236}">
-                <a16:creationId xmlns="" xmlns:a16="http://schemas.microsoft.com/office/drawing/2014/main" id="{5B5820E2-2C1E-45BE-BCDD-C9067999F3A9}"/>
+                <a16:creationId xmlns:a16="http://schemas.microsoft.com/office/drawing/2014/main" id="{5B5820E2-2C1E-45BE-BCDD-C9067999F3A9}"/>
               </a:ext>
             </a:extLst>
           </p:cNvPr>
@@ -2386,7 +2378,7 @@
           <p:cNvPr id="4" name="Textfeld 3">
             <a:extLst>
               <a:ext uri="{FF2B5EF4-FFF2-40B4-BE49-F238E27FC236}">
-                <a16:creationId xmlns="" xmlns:a16="http://schemas.microsoft.com/office/drawing/2014/main" id="{8375AC12-7C44-4BA4-8FA4-0111A5DBD2DC}"/>
+                <a16:creationId xmlns:a16="http://schemas.microsoft.com/office/drawing/2014/main" id="{8375AC12-7C44-4BA4-8FA4-0111A5DBD2DC}"/>
               </a:ext>
             </a:extLst>
           </p:cNvPr>
@@ -2890,7 +2882,7 @@
           <p:cNvPr id="14" name="Fußzeilenplatzhalter 3">
             <a:extLst>
               <a:ext uri="{FF2B5EF4-FFF2-40B4-BE49-F238E27FC236}">
-                <a16:creationId xmlns="" xmlns:a16="http://schemas.microsoft.com/office/drawing/2014/main" id="{24B8BCEB-ECF4-4817-B167-82C656D98B1E}"/>
+                <a16:creationId xmlns:a16="http://schemas.microsoft.com/office/drawing/2014/main" id="{24B8BCEB-ECF4-4817-B167-82C656D98B1E}"/>
               </a:ext>
             </a:extLst>
           </p:cNvPr>
@@ -2977,7 +2969,7 @@
           <p:cNvPr id="15" name="Grafik 14">
             <a:extLst>
               <a:ext uri="{FF2B5EF4-FFF2-40B4-BE49-F238E27FC236}">
-                <a16:creationId xmlns="" xmlns:a16="http://schemas.microsoft.com/office/drawing/2014/main" id="{08EB342B-B96A-46EF-90DE-FE9FADD8561E}"/>
+                <a16:creationId xmlns:a16="http://schemas.microsoft.com/office/drawing/2014/main" id="{08EB342B-B96A-46EF-90DE-FE9FADD8561E}"/>
               </a:ext>
             </a:extLst>
           </p:cNvPr>
@@ -3395,7 +3387,7 @@
           <p:cNvPr id="11" name="Textfeld 10">
             <a:extLst>
               <a:ext uri="{FF2B5EF4-FFF2-40B4-BE49-F238E27FC236}">
-                <a16:creationId xmlns="" xmlns:a16="http://schemas.microsoft.com/office/drawing/2014/main" id="{64B40497-9796-4815-9B75-9ACA5FCF49EF}"/>
+                <a16:creationId xmlns:a16="http://schemas.microsoft.com/office/drawing/2014/main" id="{64B40497-9796-4815-9B75-9ACA5FCF49EF}"/>
               </a:ext>
             </a:extLst>
           </p:cNvPr>
@@ -3825,7 +3817,7 @@
           <p:cNvPr id="3" name="Textfeld 2">
             <a:extLst>
               <a:ext uri="{FF2B5EF4-FFF2-40B4-BE49-F238E27FC236}">
-                <a16:creationId xmlns="" xmlns:a16="http://schemas.microsoft.com/office/drawing/2014/main" id="{4B2728E8-4EF4-4AAA-B483-49C4E4F32D95}"/>
+                <a16:creationId xmlns:a16="http://schemas.microsoft.com/office/drawing/2014/main" id="{4B2728E8-4EF4-4AAA-B483-49C4E4F32D95}"/>
               </a:ext>
             </a:extLst>
           </p:cNvPr>
@@ -4093,7 +4085,7 @@
           <p:cNvPr id="6" name="Textfeld 5">
             <a:extLst>
               <a:ext uri="{FF2B5EF4-FFF2-40B4-BE49-F238E27FC236}">
-                <a16:creationId xmlns="" xmlns:a16="http://schemas.microsoft.com/office/drawing/2014/main" id="{DB9F061D-D926-4186-A55C-CD6E22C88DF9}"/>
+                <a16:creationId xmlns:a16="http://schemas.microsoft.com/office/drawing/2014/main" id="{DB9F061D-D926-4186-A55C-CD6E22C88DF9}"/>
               </a:ext>
             </a:extLst>
           </p:cNvPr>
@@ -4435,7 +4427,7 @@
           <p:cNvPr id="7" name="Textfeld 6">
             <a:extLst>
               <a:ext uri="{FF2B5EF4-FFF2-40B4-BE49-F238E27FC236}">
-                <a16:creationId xmlns="" xmlns:a16="http://schemas.microsoft.com/office/drawing/2014/main" id="{1EBEE7B1-61B0-4D10-8851-4F450A41FBEA}"/>
+                <a16:creationId xmlns:a16="http://schemas.microsoft.com/office/drawing/2014/main" id="{1EBEE7B1-61B0-4D10-8851-4F450A41FBEA}"/>
               </a:ext>
             </a:extLst>
           </p:cNvPr>
@@ -4999,7 +4991,7 @@
           <p:cNvPr id="12" name="Textfeld 11">
             <a:extLst>
               <a:ext uri="{FF2B5EF4-FFF2-40B4-BE49-F238E27FC236}">
-                <a16:creationId xmlns="" xmlns:a16="http://schemas.microsoft.com/office/drawing/2014/main" id="{0FEBB02E-936A-4AC9-836A-65FF776E655B}"/>
+                <a16:creationId xmlns:a16="http://schemas.microsoft.com/office/drawing/2014/main" id="{0FEBB02E-936A-4AC9-836A-65FF776E655B}"/>
               </a:ext>
             </a:extLst>
           </p:cNvPr>
@@ -5563,7 +5555,7 @@
           <p:cNvPr id="9" name="Textfeld 8">
             <a:extLst>
               <a:ext uri="{FF2B5EF4-FFF2-40B4-BE49-F238E27FC236}">
-                <a16:creationId xmlns="" xmlns:a16="http://schemas.microsoft.com/office/drawing/2014/main" id="{8DC838BE-6358-4D6E-9AF7-5A5098711E37}"/>
+                <a16:creationId xmlns:a16="http://schemas.microsoft.com/office/drawing/2014/main" id="{8DC838BE-6358-4D6E-9AF7-5A5098711E37}"/>
               </a:ext>
             </a:extLst>
           </p:cNvPr>
@@ -6324,7 +6316,7 @@
           <p:cNvPr id="16" name="Textfeld 15">
             <a:extLst>
               <a:ext uri="{FF2B5EF4-FFF2-40B4-BE49-F238E27FC236}">
-                <a16:creationId xmlns="" xmlns:a16="http://schemas.microsoft.com/office/drawing/2014/main" id="{1A0234E7-B946-4DC8-816D-093666D0AF30}"/>
+                <a16:creationId xmlns:a16="http://schemas.microsoft.com/office/drawing/2014/main" id="{1A0234E7-B946-4DC8-816D-093666D0AF30}"/>
               </a:ext>
             </a:extLst>
           </p:cNvPr>
@@ -6498,7 +6490,7 @@
           <p:cNvPr id="4" name="Fußzeilenplatzhalter 3">
             <a:extLst>
               <a:ext uri="{FF2B5EF4-FFF2-40B4-BE49-F238E27FC236}">
-                <a16:creationId xmlns="" xmlns:a16="http://schemas.microsoft.com/office/drawing/2014/main" id="{182E3759-2592-4632-8F24-B982FB3133B1}"/>
+                <a16:creationId xmlns:a16="http://schemas.microsoft.com/office/drawing/2014/main" id="{182E3759-2592-4632-8F24-B982FB3133B1}"/>
               </a:ext>
             </a:extLst>
           </p:cNvPr>
@@ -7017,7 +7009,7 @@
           <p:cNvPr id="6" name="Titel 5">
             <a:extLst>
               <a:ext uri="{FF2B5EF4-FFF2-40B4-BE49-F238E27FC236}">
-                <a16:creationId xmlns="" xmlns:a16="http://schemas.microsoft.com/office/drawing/2014/main" id="{FCA84AD8-0E1B-4DDC-8C00-C55FCEF22673}"/>
+                <a16:creationId xmlns:a16="http://schemas.microsoft.com/office/drawing/2014/main" id="{FCA84AD8-0E1B-4DDC-8C00-C55FCEF22673}"/>
               </a:ext>
             </a:extLst>
           </p:cNvPr>
@@ -7045,7 +7037,7 @@
           <p:cNvPr id="7" name="Untertitel 6">
             <a:extLst>
               <a:ext uri="{FF2B5EF4-FFF2-40B4-BE49-F238E27FC236}">
-                <a16:creationId xmlns="" xmlns:a16="http://schemas.microsoft.com/office/drawing/2014/main" id="{DA1F4C3A-3ECC-4E1B-9A39-F642DF08D0FB}"/>
+                <a16:creationId xmlns:a16="http://schemas.microsoft.com/office/drawing/2014/main" id="{DA1F4C3A-3ECC-4E1B-9A39-F642DF08D0FB}"/>
               </a:ext>
             </a:extLst>
           </p:cNvPr>
@@ -7105,7 +7097,7 @@
           <p:cNvPr id="2" name="Fußzeilenplatzhalter 1">
             <a:extLst>
               <a:ext uri="{FF2B5EF4-FFF2-40B4-BE49-F238E27FC236}">
-                <a16:creationId xmlns="" xmlns:a16="http://schemas.microsoft.com/office/drawing/2014/main" id="{61AFFCE2-9C09-42BC-9A37-19F0C5DDC66E}"/>
+                <a16:creationId xmlns:a16="http://schemas.microsoft.com/office/drawing/2014/main" id="{61AFFCE2-9C09-42BC-9A37-19F0C5DDC66E}"/>
               </a:ext>
             </a:extLst>
           </p:cNvPr>
@@ -7172,7 +7164,7 @@
           <p:cNvPr id="1026" name="Picture 2" descr="Bildergebnis für untersuchungszimmer arzt">
             <a:extLst>
               <a:ext uri="{FF2B5EF4-FFF2-40B4-BE49-F238E27FC236}">
-                <a16:creationId xmlns="" xmlns:a16="http://schemas.microsoft.com/office/drawing/2014/main" id="{EB146DAC-B25C-4625-974B-CC8E83528005}"/>
+                <a16:creationId xmlns:a16="http://schemas.microsoft.com/office/drawing/2014/main" id="{EB146DAC-B25C-4625-974B-CC8E83528005}"/>
               </a:ext>
             </a:extLst>
           </p:cNvPr>
@@ -7242,7 +7234,7 @@
           <p:cNvPr id="3" name="Titel 2">
             <a:extLst>
               <a:ext uri="{FF2B5EF4-FFF2-40B4-BE49-F238E27FC236}">
-                <a16:creationId xmlns="" xmlns:a16="http://schemas.microsoft.com/office/drawing/2014/main" id="{E904707F-1430-47F2-9043-A81C0A53F129}"/>
+                <a16:creationId xmlns:a16="http://schemas.microsoft.com/office/drawing/2014/main" id="{E904707F-1430-47F2-9043-A81C0A53F129}"/>
               </a:ext>
             </a:extLst>
           </p:cNvPr>
@@ -7275,7 +7267,7 @@
           <p:cNvPr id="21" name="Gruppieren 20">
             <a:extLst>
               <a:ext uri="{FF2B5EF4-FFF2-40B4-BE49-F238E27FC236}">
-                <a16:creationId xmlns="" xmlns:a16="http://schemas.microsoft.com/office/drawing/2014/main" id="{10284693-A442-4975-A068-420D74F92976}"/>
+                <a16:creationId xmlns:a16="http://schemas.microsoft.com/office/drawing/2014/main" id="{10284693-A442-4975-A068-420D74F92976}"/>
               </a:ext>
             </a:extLst>
           </p:cNvPr>
@@ -7295,7 +7287,7 @@
             <p:cNvPr id="19" name="Textfeld 18">
               <a:extLst>
                 <a:ext uri="{FF2B5EF4-FFF2-40B4-BE49-F238E27FC236}">
-                  <a16:creationId xmlns="" xmlns:a16="http://schemas.microsoft.com/office/drawing/2014/main" id="{2FE8BE93-F9A1-4275-8222-07C4EEF27C19}"/>
+                  <a16:creationId xmlns:a16="http://schemas.microsoft.com/office/drawing/2014/main" id="{2FE8BE93-F9A1-4275-8222-07C4EEF27C19}"/>
                 </a:ext>
               </a:extLst>
             </p:cNvPr>
@@ -7330,7 +7322,7 @@
             <p:cNvPr id="20" name="Ellipse 19">
               <a:extLst>
                 <a:ext uri="{FF2B5EF4-FFF2-40B4-BE49-F238E27FC236}">
-                  <a16:creationId xmlns="" xmlns:a16="http://schemas.microsoft.com/office/drawing/2014/main" id="{FFD74DC7-ABF7-406F-BDE7-0CE96BE36135}"/>
+                  <a16:creationId xmlns:a16="http://schemas.microsoft.com/office/drawing/2014/main" id="{FFD74DC7-ABF7-406F-BDE7-0CE96BE36135}"/>
                 </a:ext>
               </a:extLst>
             </p:cNvPr>
@@ -7377,7 +7369,7 @@
           <p:cNvPr id="31" name="Gruppieren 30">
             <a:extLst>
               <a:ext uri="{FF2B5EF4-FFF2-40B4-BE49-F238E27FC236}">
-                <a16:creationId xmlns="" xmlns:a16="http://schemas.microsoft.com/office/drawing/2014/main" id="{52924C2D-DA77-4F44-B4A8-519CF4BF9CF7}"/>
+                <a16:creationId xmlns:a16="http://schemas.microsoft.com/office/drawing/2014/main" id="{52924C2D-DA77-4F44-B4A8-519CF4BF9CF7}"/>
               </a:ext>
             </a:extLst>
           </p:cNvPr>
@@ -7397,7 +7389,7 @@
             <p:cNvPr id="32" name="Textfeld 31">
               <a:extLst>
                 <a:ext uri="{FF2B5EF4-FFF2-40B4-BE49-F238E27FC236}">
-                  <a16:creationId xmlns="" xmlns:a16="http://schemas.microsoft.com/office/drawing/2014/main" id="{DA84C640-F0BB-4D57-9900-D8EBC558D9D2}"/>
+                  <a16:creationId xmlns:a16="http://schemas.microsoft.com/office/drawing/2014/main" id="{DA84C640-F0BB-4D57-9900-D8EBC558D9D2}"/>
                 </a:ext>
               </a:extLst>
             </p:cNvPr>
@@ -7432,7 +7424,7 @@
             <p:cNvPr id="33" name="Ellipse 32">
               <a:extLst>
                 <a:ext uri="{FF2B5EF4-FFF2-40B4-BE49-F238E27FC236}">
-                  <a16:creationId xmlns="" xmlns:a16="http://schemas.microsoft.com/office/drawing/2014/main" id="{54955D9B-EBA7-44F5-AABC-CF51F38CA7DA}"/>
+                  <a16:creationId xmlns:a16="http://schemas.microsoft.com/office/drawing/2014/main" id="{54955D9B-EBA7-44F5-AABC-CF51F38CA7DA}"/>
                 </a:ext>
               </a:extLst>
             </p:cNvPr>
@@ -7479,7 +7471,7 @@
           <p:cNvPr id="34" name="Gruppieren 33">
             <a:extLst>
               <a:ext uri="{FF2B5EF4-FFF2-40B4-BE49-F238E27FC236}">
-                <a16:creationId xmlns="" xmlns:a16="http://schemas.microsoft.com/office/drawing/2014/main" id="{830C4400-160F-4897-9301-D25AB1B83D15}"/>
+                <a16:creationId xmlns:a16="http://schemas.microsoft.com/office/drawing/2014/main" id="{830C4400-160F-4897-9301-D25AB1B83D15}"/>
               </a:ext>
             </a:extLst>
           </p:cNvPr>
@@ -7499,7 +7491,7 @@
             <p:cNvPr id="35" name="Textfeld 34">
               <a:extLst>
                 <a:ext uri="{FF2B5EF4-FFF2-40B4-BE49-F238E27FC236}">
-                  <a16:creationId xmlns="" xmlns:a16="http://schemas.microsoft.com/office/drawing/2014/main" id="{FED335F3-EC5B-4E28-887B-303B5BE6105F}"/>
+                  <a16:creationId xmlns:a16="http://schemas.microsoft.com/office/drawing/2014/main" id="{FED335F3-EC5B-4E28-887B-303B5BE6105F}"/>
                 </a:ext>
               </a:extLst>
             </p:cNvPr>
@@ -7534,7 +7526,7 @@
             <p:cNvPr id="36" name="Ellipse 35">
               <a:extLst>
                 <a:ext uri="{FF2B5EF4-FFF2-40B4-BE49-F238E27FC236}">
-                  <a16:creationId xmlns="" xmlns:a16="http://schemas.microsoft.com/office/drawing/2014/main" id="{C89FEEAC-4D89-438E-AB15-B52796677AAF}"/>
+                  <a16:creationId xmlns:a16="http://schemas.microsoft.com/office/drawing/2014/main" id="{C89FEEAC-4D89-438E-AB15-B52796677AAF}"/>
                 </a:ext>
               </a:extLst>
             </p:cNvPr>
@@ -7581,7 +7573,7 @@
           <p:cNvPr id="37" name="Gruppieren 36">
             <a:extLst>
               <a:ext uri="{FF2B5EF4-FFF2-40B4-BE49-F238E27FC236}">
-                <a16:creationId xmlns="" xmlns:a16="http://schemas.microsoft.com/office/drawing/2014/main" id="{21F27838-336A-4DD8-9151-EF70588DB2AF}"/>
+                <a16:creationId xmlns:a16="http://schemas.microsoft.com/office/drawing/2014/main" id="{21F27838-336A-4DD8-9151-EF70588DB2AF}"/>
               </a:ext>
             </a:extLst>
           </p:cNvPr>
@@ -7601,7 +7593,7 @@
             <p:cNvPr id="38" name="Textfeld 37">
               <a:extLst>
                 <a:ext uri="{FF2B5EF4-FFF2-40B4-BE49-F238E27FC236}">
-                  <a16:creationId xmlns="" xmlns:a16="http://schemas.microsoft.com/office/drawing/2014/main" id="{428AD043-2817-4C2E-AA4D-FB5637286E83}"/>
+                  <a16:creationId xmlns:a16="http://schemas.microsoft.com/office/drawing/2014/main" id="{428AD043-2817-4C2E-AA4D-FB5637286E83}"/>
                 </a:ext>
               </a:extLst>
             </p:cNvPr>
@@ -7636,7 +7628,7 @@
             <p:cNvPr id="39" name="Ellipse 38">
               <a:extLst>
                 <a:ext uri="{FF2B5EF4-FFF2-40B4-BE49-F238E27FC236}">
-                  <a16:creationId xmlns="" xmlns:a16="http://schemas.microsoft.com/office/drawing/2014/main" id="{719C0B19-327B-472B-B820-5EF059FC3AF0}"/>
+                  <a16:creationId xmlns:a16="http://schemas.microsoft.com/office/drawing/2014/main" id="{719C0B19-327B-472B-B820-5EF059FC3AF0}"/>
                 </a:ext>
               </a:extLst>
             </p:cNvPr>
@@ -7683,7 +7675,7 @@
           <p:cNvPr id="23" name="Grafik 22">
             <a:extLst>
               <a:ext uri="{FF2B5EF4-FFF2-40B4-BE49-F238E27FC236}">
-                <a16:creationId xmlns="" xmlns:a16="http://schemas.microsoft.com/office/drawing/2014/main" id="{9923EFB4-FBEE-48B9-91CF-8FF9E9602D49}"/>
+                <a16:creationId xmlns:a16="http://schemas.microsoft.com/office/drawing/2014/main" id="{9923EFB4-FBEE-48B9-91CF-8FF9E9602D49}"/>
               </a:ext>
             </a:extLst>
           </p:cNvPr>
@@ -7722,7 +7714,7 @@
           <p:cNvPr id="26" name="Grafik 25">
             <a:extLst>
               <a:ext uri="{FF2B5EF4-FFF2-40B4-BE49-F238E27FC236}">
-                <a16:creationId xmlns="" xmlns:a16="http://schemas.microsoft.com/office/drawing/2014/main" id="{37FCEA04-16B0-4A50-9FAE-B559598AEE2E}"/>
+                <a16:creationId xmlns:a16="http://schemas.microsoft.com/office/drawing/2014/main" id="{37FCEA04-16B0-4A50-9FAE-B559598AEE2E}"/>
               </a:ext>
             </a:extLst>
           </p:cNvPr>
@@ -7761,7 +7753,7 @@
           <p:cNvPr id="27" name="Grafik 26">
             <a:extLst>
               <a:ext uri="{FF2B5EF4-FFF2-40B4-BE49-F238E27FC236}">
-                <a16:creationId xmlns="" xmlns:a16="http://schemas.microsoft.com/office/drawing/2014/main" id="{33569E4A-82B6-42A8-8096-05574B4E3ADE}"/>
+                <a16:creationId xmlns:a16="http://schemas.microsoft.com/office/drawing/2014/main" id="{33569E4A-82B6-42A8-8096-05574B4E3ADE}"/>
               </a:ext>
             </a:extLst>
           </p:cNvPr>
@@ -7800,7 +7792,7 @@
           <p:cNvPr id="28" name="Grafik 27">
             <a:extLst>
               <a:ext uri="{FF2B5EF4-FFF2-40B4-BE49-F238E27FC236}">
-                <a16:creationId xmlns="" xmlns:a16="http://schemas.microsoft.com/office/drawing/2014/main" id="{9C2B18AF-8C46-4726-A4D3-4BD7C365EC87}"/>
+                <a16:creationId xmlns:a16="http://schemas.microsoft.com/office/drawing/2014/main" id="{9C2B18AF-8C46-4726-A4D3-4BD7C365EC87}"/>
               </a:ext>
             </a:extLst>
           </p:cNvPr>
@@ -7869,7 +7861,7 @@
           <p:cNvPr id="3" name="Titel 2">
             <a:extLst>
               <a:ext uri="{FF2B5EF4-FFF2-40B4-BE49-F238E27FC236}">
-                <a16:creationId xmlns="" xmlns:a16="http://schemas.microsoft.com/office/drawing/2014/main" id="{E904707F-1430-47F2-9043-A81C0A53F129}"/>
+                <a16:creationId xmlns:a16="http://schemas.microsoft.com/office/drawing/2014/main" id="{E904707F-1430-47F2-9043-A81C0A53F129}"/>
               </a:ext>
             </a:extLst>
           </p:cNvPr>
@@ -7902,7 +7894,7 @@
           <p:cNvPr id="21" name="Gruppieren 20">
             <a:extLst>
               <a:ext uri="{FF2B5EF4-FFF2-40B4-BE49-F238E27FC236}">
-                <a16:creationId xmlns="" xmlns:a16="http://schemas.microsoft.com/office/drawing/2014/main" id="{10284693-A442-4975-A068-420D74F92976}"/>
+                <a16:creationId xmlns:a16="http://schemas.microsoft.com/office/drawing/2014/main" id="{10284693-A442-4975-A068-420D74F92976}"/>
               </a:ext>
             </a:extLst>
           </p:cNvPr>
@@ -7922,7 +7914,7 @@
             <p:cNvPr id="19" name="Textfeld 18">
               <a:extLst>
                 <a:ext uri="{FF2B5EF4-FFF2-40B4-BE49-F238E27FC236}">
-                  <a16:creationId xmlns="" xmlns:a16="http://schemas.microsoft.com/office/drawing/2014/main" id="{2FE8BE93-F9A1-4275-8222-07C4EEF27C19}"/>
+                  <a16:creationId xmlns:a16="http://schemas.microsoft.com/office/drawing/2014/main" id="{2FE8BE93-F9A1-4275-8222-07C4EEF27C19}"/>
                 </a:ext>
               </a:extLst>
             </p:cNvPr>
@@ -7947,7 +7939,7 @@
             <a:p>
               <a:r>
                 <a:rPr lang="de-CH" sz="1400" dirty="0"/>
-                <a:t>1</a:t>
+                <a:t>5</a:t>
               </a:r>
             </a:p>
           </p:txBody>
@@ -7957,7 +7949,7 @@
             <p:cNvPr id="20" name="Ellipse 19">
               <a:extLst>
                 <a:ext uri="{FF2B5EF4-FFF2-40B4-BE49-F238E27FC236}">
-                  <a16:creationId xmlns="" xmlns:a16="http://schemas.microsoft.com/office/drawing/2014/main" id="{FFD74DC7-ABF7-406F-BDE7-0CE96BE36135}"/>
+                  <a16:creationId xmlns:a16="http://schemas.microsoft.com/office/drawing/2014/main" id="{FFD74DC7-ABF7-406F-BDE7-0CE96BE36135}"/>
                 </a:ext>
               </a:extLst>
             </p:cNvPr>
@@ -8004,7 +7996,7 @@
           <p:cNvPr id="31" name="Gruppieren 30">
             <a:extLst>
               <a:ext uri="{FF2B5EF4-FFF2-40B4-BE49-F238E27FC236}">
-                <a16:creationId xmlns="" xmlns:a16="http://schemas.microsoft.com/office/drawing/2014/main" id="{52924C2D-DA77-4F44-B4A8-519CF4BF9CF7}"/>
+                <a16:creationId xmlns:a16="http://schemas.microsoft.com/office/drawing/2014/main" id="{52924C2D-DA77-4F44-B4A8-519CF4BF9CF7}"/>
               </a:ext>
             </a:extLst>
           </p:cNvPr>
@@ -8024,7 +8016,7 @@
             <p:cNvPr id="32" name="Textfeld 31">
               <a:extLst>
                 <a:ext uri="{FF2B5EF4-FFF2-40B4-BE49-F238E27FC236}">
-                  <a16:creationId xmlns="" xmlns:a16="http://schemas.microsoft.com/office/drawing/2014/main" id="{DA84C640-F0BB-4D57-9900-D8EBC558D9D2}"/>
+                  <a16:creationId xmlns:a16="http://schemas.microsoft.com/office/drawing/2014/main" id="{DA84C640-F0BB-4D57-9900-D8EBC558D9D2}"/>
                 </a:ext>
               </a:extLst>
             </p:cNvPr>
@@ -8049,7 +8041,7 @@
             <a:p>
               <a:r>
                 <a:rPr lang="de-CH" sz="1400" dirty="0"/>
-                <a:t>2</a:t>
+                <a:t>6</a:t>
               </a:r>
             </a:p>
           </p:txBody>
@@ -8059,7 +8051,7 @@
             <p:cNvPr id="33" name="Ellipse 32">
               <a:extLst>
                 <a:ext uri="{FF2B5EF4-FFF2-40B4-BE49-F238E27FC236}">
-                  <a16:creationId xmlns="" xmlns:a16="http://schemas.microsoft.com/office/drawing/2014/main" id="{54955D9B-EBA7-44F5-AABC-CF51F38CA7DA}"/>
+                  <a16:creationId xmlns:a16="http://schemas.microsoft.com/office/drawing/2014/main" id="{54955D9B-EBA7-44F5-AABC-CF51F38CA7DA}"/>
                 </a:ext>
               </a:extLst>
             </p:cNvPr>
@@ -8106,7 +8098,7 @@
           <p:cNvPr id="30" name="Grafik 29">
             <a:extLst>
               <a:ext uri="{FF2B5EF4-FFF2-40B4-BE49-F238E27FC236}">
-                <a16:creationId xmlns="" xmlns:a16="http://schemas.microsoft.com/office/drawing/2014/main" id="{391A6DA5-4848-4811-A3BB-4C072237DB0C}"/>
+                <a16:creationId xmlns:a16="http://schemas.microsoft.com/office/drawing/2014/main" id="{391A6DA5-4848-4811-A3BB-4C072237DB0C}"/>
               </a:ext>
             </a:extLst>
           </p:cNvPr>
@@ -8145,7 +8137,7 @@
           <p:cNvPr id="40" name="Grafik 39">
             <a:extLst>
               <a:ext uri="{FF2B5EF4-FFF2-40B4-BE49-F238E27FC236}">
-                <a16:creationId xmlns="" xmlns:a16="http://schemas.microsoft.com/office/drawing/2014/main" id="{3CCE1B0F-F5CF-42A2-852D-B0C6E37E7AA5}"/>
+                <a16:creationId xmlns:a16="http://schemas.microsoft.com/office/drawing/2014/main" id="{3CCE1B0F-F5CF-42A2-852D-B0C6E37E7AA5}"/>
               </a:ext>
             </a:extLst>
           </p:cNvPr>
@@ -8214,7 +8206,7 @@
           <p:cNvPr id="3" name="Titel 2">
             <a:extLst>
               <a:ext uri="{FF2B5EF4-FFF2-40B4-BE49-F238E27FC236}">
-                <a16:creationId xmlns="" xmlns:a16="http://schemas.microsoft.com/office/drawing/2014/main" id="{E109EE75-9C05-46C7-8586-9F9EFCFB34D8}"/>
+                <a16:creationId xmlns:a16="http://schemas.microsoft.com/office/drawing/2014/main" id="{E109EE75-9C05-46C7-8586-9F9EFCFB34D8}"/>
               </a:ext>
             </a:extLst>
           </p:cNvPr>
@@ -8247,7 +8239,7 @@
           <p:cNvPr id="5" name="Grafik 4">
             <a:extLst>
               <a:ext uri="{FF2B5EF4-FFF2-40B4-BE49-F238E27FC236}">
-                <a16:creationId xmlns="" xmlns:a16="http://schemas.microsoft.com/office/drawing/2014/main" id="{260AD1CF-8337-499F-99A3-2AA457096326}"/>
+                <a16:creationId xmlns:a16="http://schemas.microsoft.com/office/drawing/2014/main" id="{260AD1CF-8337-499F-99A3-2AA457096326}"/>
               </a:ext>
             </a:extLst>
           </p:cNvPr>
@@ -8276,7 +8268,7 @@
           <p:cNvPr id="6" name="Rechteck 5">
             <a:extLst>
               <a:ext uri="{FF2B5EF4-FFF2-40B4-BE49-F238E27FC236}">
-                <a16:creationId xmlns="" xmlns:a16="http://schemas.microsoft.com/office/drawing/2014/main" id="{CBA1CF05-8843-46AD-95B1-EB0AA5EC68D6}"/>
+                <a16:creationId xmlns:a16="http://schemas.microsoft.com/office/drawing/2014/main" id="{CBA1CF05-8843-46AD-95B1-EB0AA5EC68D6}"/>
               </a:ext>
             </a:extLst>
           </p:cNvPr>
@@ -8327,7 +8319,7 @@
           <p:cNvPr id="7" name="Rechteck 6">
             <a:extLst>
               <a:ext uri="{FF2B5EF4-FFF2-40B4-BE49-F238E27FC236}">
-                <a16:creationId xmlns="" xmlns:a16="http://schemas.microsoft.com/office/drawing/2014/main" id="{2BC19DD5-B69D-4DC3-B719-06F258BA03E8}"/>
+                <a16:creationId xmlns:a16="http://schemas.microsoft.com/office/drawing/2014/main" id="{2BC19DD5-B69D-4DC3-B719-06F258BA03E8}"/>
               </a:ext>
             </a:extLst>
           </p:cNvPr>
@@ -8377,7 +8369,7 @@
           <p:cNvPr id="8" name="Rechteck 7">
             <a:extLst>
               <a:ext uri="{FF2B5EF4-FFF2-40B4-BE49-F238E27FC236}">
-                <a16:creationId xmlns="" xmlns:a16="http://schemas.microsoft.com/office/drawing/2014/main" id="{B3BFFACF-7F40-4870-B759-F2261CD1C521}"/>
+                <a16:creationId xmlns:a16="http://schemas.microsoft.com/office/drawing/2014/main" id="{B3BFFACF-7F40-4870-B759-F2261CD1C521}"/>
               </a:ext>
             </a:extLst>
           </p:cNvPr>
@@ -8427,7 +8419,7 @@
           <p:cNvPr id="9" name="Textfeld 8">
             <a:extLst>
               <a:ext uri="{FF2B5EF4-FFF2-40B4-BE49-F238E27FC236}">
-                <a16:creationId xmlns="" xmlns:a16="http://schemas.microsoft.com/office/drawing/2014/main" id="{599B9AEB-135C-4C3B-9A13-B9D4C0878D09}"/>
+                <a16:creationId xmlns:a16="http://schemas.microsoft.com/office/drawing/2014/main" id="{599B9AEB-135C-4C3B-9A13-B9D4C0878D09}"/>
               </a:ext>
             </a:extLst>
           </p:cNvPr>
@@ -8466,7 +8458,7 @@
           <p:cNvPr id="10" name="Textfeld 9">
             <a:extLst>
               <a:ext uri="{FF2B5EF4-FFF2-40B4-BE49-F238E27FC236}">
-                <a16:creationId xmlns="" xmlns:a16="http://schemas.microsoft.com/office/drawing/2014/main" id="{1F759005-9FC3-4329-9C0D-F1538B10BAB6}"/>
+                <a16:creationId xmlns:a16="http://schemas.microsoft.com/office/drawing/2014/main" id="{1F759005-9FC3-4329-9C0D-F1538B10BAB6}"/>
               </a:ext>
             </a:extLst>
           </p:cNvPr>
@@ -8505,7 +8497,7 @@
           <p:cNvPr id="11" name="Textfeld 10">
             <a:extLst>
               <a:ext uri="{FF2B5EF4-FFF2-40B4-BE49-F238E27FC236}">
-                <a16:creationId xmlns="" xmlns:a16="http://schemas.microsoft.com/office/drawing/2014/main" id="{F2A756D3-A3B1-44AA-AC49-0B79FD1A0B2B}"/>
+                <a16:creationId xmlns:a16="http://schemas.microsoft.com/office/drawing/2014/main" id="{F2A756D3-A3B1-44AA-AC49-0B79FD1A0B2B}"/>
               </a:ext>
             </a:extLst>
           </p:cNvPr>
@@ -8544,7 +8536,7 @@
           <p:cNvPr id="12" name="Ellipse 11">
             <a:extLst>
               <a:ext uri="{FF2B5EF4-FFF2-40B4-BE49-F238E27FC236}">
-                <a16:creationId xmlns="" xmlns:a16="http://schemas.microsoft.com/office/drawing/2014/main" id="{F81D44DE-9002-42D7-9003-43DDD31DE00F}"/>
+                <a16:creationId xmlns:a16="http://schemas.microsoft.com/office/drawing/2014/main" id="{F81D44DE-9002-42D7-9003-43DDD31DE00F}"/>
               </a:ext>
             </a:extLst>
           </p:cNvPr>
@@ -8597,7 +8589,7 @@
           <p:cNvPr id="13" name="Ellipse 12">
             <a:extLst>
               <a:ext uri="{FF2B5EF4-FFF2-40B4-BE49-F238E27FC236}">
-                <a16:creationId xmlns="" xmlns:a16="http://schemas.microsoft.com/office/drawing/2014/main" id="{76912D61-DCFB-4DAD-98CC-090B383CC290}"/>
+                <a16:creationId xmlns:a16="http://schemas.microsoft.com/office/drawing/2014/main" id="{76912D61-DCFB-4DAD-98CC-090B383CC290}"/>
               </a:ext>
             </a:extLst>
           </p:cNvPr>
@@ -8650,7 +8642,7 @@
           <p:cNvPr id="14" name="Ellipse 13">
             <a:extLst>
               <a:ext uri="{FF2B5EF4-FFF2-40B4-BE49-F238E27FC236}">
-                <a16:creationId xmlns="" xmlns:a16="http://schemas.microsoft.com/office/drawing/2014/main" id="{5EAE18A0-170C-4634-9614-9AFCE325994B}"/>
+                <a16:creationId xmlns:a16="http://schemas.microsoft.com/office/drawing/2014/main" id="{5EAE18A0-170C-4634-9614-9AFCE325994B}"/>
               </a:ext>
             </a:extLst>
           </p:cNvPr>
@@ -9071,7 +9063,7 @@
           <p:cNvPr id="3" name="Titel 2">
             <a:extLst>
               <a:ext uri="{FF2B5EF4-FFF2-40B4-BE49-F238E27FC236}">
-                <a16:creationId xmlns="" xmlns:a16="http://schemas.microsoft.com/office/drawing/2014/main" id="{5B9D3CC2-42E9-4875-BFBF-E629FC5F63CC}"/>
+                <a16:creationId xmlns:a16="http://schemas.microsoft.com/office/drawing/2014/main" id="{5B9D3CC2-42E9-4875-BFBF-E629FC5F63CC}"/>
               </a:ext>
             </a:extLst>
           </p:cNvPr>
@@ -9104,7 +9096,7 @@
           <p:cNvPr id="4" name="Grafik 3">
             <a:extLst>
               <a:ext uri="{FF2B5EF4-FFF2-40B4-BE49-F238E27FC236}">
-                <a16:creationId xmlns="" xmlns:a16="http://schemas.microsoft.com/office/drawing/2014/main" id="{51321772-747B-4641-8E5C-3E82412FE39F}"/>
+                <a16:creationId xmlns:a16="http://schemas.microsoft.com/office/drawing/2014/main" id="{51321772-747B-4641-8E5C-3E82412FE39F}"/>
               </a:ext>
             </a:extLst>
           </p:cNvPr>
@@ -9132,7 +9124,7 @@
           <p:cNvPr id="5" name="Rechteck 4">
             <a:extLst>
               <a:ext uri="{FF2B5EF4-FFF2-40B4-BE49-F238E27FC236}">
-                <a16:creationId xmlns="" xmlns:a16="http://schemas.microsoft.com/office/drawing/2014/main" id="{BEDA9B25-8D69-49FE-8576-090C119B1DD7}"/>
+                <a16:creationId xmlns:a16="http://schemas.microsoft.com/office/drawing/2014/main" id="{BEDA9B25-8D69-49FE-8576-090C119B1DD7}"/>
               </a:ext>
             </a:extLst>
           </p:cNvPr>
@@ -9183,7 +9175,7 @@
           <p:cNvPr id="6" name="Rechteck 5">
             <a:extLst>
               <a:ext uri="{FF2B5EF4-FFF2-40B4-BE49-F238E27FC236}">
-                <a16:creationId xmlns="" xmlns:a16="http://schemas.microsoft.com/office/drawing/2014/main" id="{7A121EBF-63E3-4935-A675-E20F9C7D8EF8}"/>
+                <a16:creationId xmlns:a16="http://schemas.microsoft.com/office/drawing/2014/main" id="{7A121EBF-63E3-4935-A675-E20F9C7D8EF8}"/>
               </a:ext>
             </a:extLst>
           </p:cNvPr>
@@ -9234,7 +9226,7 @@
           <p:cNvPr id="7" name="Rechteck 6">
             <a:extLst>
               <a:ext uri="{FF2B5EF4-FFF2-40B4-BE49-F238E27FC236}">
-                <a16:creationId xmlns="" xmlns:a16="http://schemas.microsoft.com/office/drawing/2014/main" id="{3646DA7D-91D7-4E95-A540-9B8B652C34AC}"/>
+                <a16:creationId xmlns:a16="http://schemas.microsoft.com/office/drawing/2014/main" id="{3646DA7D-91D7-4E95-A540-9B8B652C34AC}"/>
               </a:ext>
             </a:extLst>
           </p:cNvPr>
@@ -9285,7 +9277,7 @@
           <p:cNvPr id="8" name="Textfeld 7">
             <a:extLst>
               <a:ext uri="{FF2B5EF4-FFF2-40B4-BE49-F238E27FC236}">
-                <a16:creationId xmlns="" xmlns:a16="http://schemas.microsoft.com/office/drawing/2014/main" id="{7A02578C-03AD-4870-B22C-0CA145C05C07}"/>
+                <a16:creationId xmlns:a16="http://schemas.microsoft.com/office/drawing/2014/main" id="{7A02578C-03AD-4870-B22C-0CA145C05C07}"/>
               </a:ext>
             </a:extLst>
           </p:cNvPr>
@@ -9295,7 +9287,7 @@
         <p:spPr>
           <a:xfrm>
             <a:off x="2243580" y="5301490"/>
-            <a:ext cx="2134239" cy="369332"/>
+            <a:ext cx="2131033" cy="369332"/>
           </a:xfrm>
           <a:prstGeom prst="rect">
             <a:avLst/>
@@ -9314,21 +9306,8 @@
                   <a:srgbClr val="FF0000"/>
                 </a:solidFill>
               </a:rPr>
-              <a:t>Anamnese </a:t>
-            </a:r>
-            <a:r>
-              <a:rPr lang="de-CH" sz="1800" dirty="0" err="1">
-                <a:solidFill>
-                  <a:srgbClr val="FF0000"/>
-                </a:solidFill>
-              </a:rPr>
-              <a:t>erfassung</a:t>
-            </a:r>
-            <a:endParaRPr lang="de-CH" sz="1800" dirty="0">
-              <a:solidFill>
-                <a:srgbClr val="FF0000"/>
-              </a:solidFill>
-            </a:endParaRPr>
+              <a:t>Anamnese Erfassung</a:t>
+            </a:r>
           </a:p>
         </p:txBody>
       </p:sp>
@@ -9337,7 +9316,7 @@
           <p:cNvPr id="9" name="Textfeld 8">
             <a:extLst>
               <a:ext uri="{FF2B5EF4-FFF2-40B4-BE49-F238E27FC236}">
-                <a16:creationId xmlns="" xmlns:a16="http://schemas.microsoft.com/office/drawing/2014/main" id="{579E0299-E7D7-4542-ABC1-6942F2C2B5BE}"/>
+                <a16:creationId xmlns:a16="http://schemas.microsoft.com/office/drawing/2014/main" id="{579E0299-E7D7-4542-ABC1-6942F2C2B5BE}"/>
               </a:ext>
             </a:extLst>
           </p:cNvPr>
@@ -9376,7 +9355,7 @@
           <p:cNvPr id="10" name="Textfeld 9">
             <a:extLst>
               <a:ext uri="{FF2B5EF4-FFF2-40B4-BE49-F238E27FC236}">
-                <a16:creationId xmlns="" xmlns:a16="http://schemas.microsoft.com/office/drawing/2014/main" id="{05481F1A-D048-435F-AD12-30101E500A5E}"/>
+                <a16:creationId xmlns:a16="http://schemas.microsoft.com/office/drawing/2014/main" id="{05481F1A-D048-435F-AD12-30101E500A5E}"/>
               </a:ext>
             </a:extLst>
           </p:cNvPr>
@@ -9415,7 +9394,7 @@
           <p:cNvPr id="11" name="Ellipse 10">
             <a:extLst>
               <a:ext uri="{FF2B5EF4-FFF2-40B4-BE49-F238E27FC236}">
-                <a16:creationId xmlns="" xmlns:a16="http://schemas.microsoft.com/office/drawing/2014/main" id="{87E67574-0B0A-4CE8-A2D4-99F881C735BC}"/>
+                <a16:creationId xmlns:a16="http://schemas.microsoft.com/office/drawing/2014/main" id="{87E67574-0B0A-4CE8-A2D4-99F881C735BC}"/>
               </a:ext>
             </a:extLst>
           </p:cNvPr>
@@ -9468,7 +9447,7 @@
           <p:cNvPr id="12" name="Ellipse 11">
             <a:extLst>
               <a:ext uri="{FF2B5EF4-FFF2-40B4-BE49-F238E27FC236}">
-                <a16:creationId xmlns="" xmlns:a16="http://schemas.microsoft.com/office/drawing/2014/main" id="{0D751BB2-4865-4864-89CF-2F202BE4E697}"/>
+                <a16:creationId xmlns:a16="http://schemas.microsoft.com/office/drawing/2014/main" id="{0D751BB2-4865-4864-89CF-2F202BE4E697}"/>
               </a:ext>
             </a:extLst>
           </p:cNvPr>
@@ -9521,7 +9500,7 @@
           <p:cNvPr id="13" name="Ellipse 12">
             <a:extLst>
               <a:ext uri="{FF2B5EF4-FFF2-40B4-BE49-F238E27FC236}">
-                <a16:creationId xmlns="" xmlns:a16="http://schemas.microsoft.com/office/drawing/2014/main" id="{DBBEE1DB-E601-4FB0-88E5-44842FD69D25}"/>
+                <a16:creationId xmlns:a16="http://schemas.microsoft.com/office/drawing/2014/main" id="{DBBEE1DB-E601-4FB0-88E5-44842FD69D25}"/>
               </a:ext>
             </a:extLst>
           </p:cNvPr>
@@ -9942,7 +9921,7 @@
           <p:cNvPr id="26" name="Grafik 25">
             <a:extLst>
               <a:ext uri="{FF2B5EF4-FFF2-40B4-BE49-F238E27FC236}">
-                <a16:creationId xmlns="" xmlns:a16="http://schemas.microsoft.com/office/drawing/2014/main" id="{08C2B08E-0744-4A91-B557-E4DEA0202D40}"/>
+                <a16:creationId xmlns:a16="http://schemas.microsoft.com/office/drawing/2014/main" id="{08C2B08E-0744-4A91-B557-E4DEA0202D40}"/>
               </a:ext>
             </a:extLst>
           </p:cNvPr>
@@ -9979,7 +9958,7 @@
           <p:cNvPr id="3" name="Titel 2">
             <a:extLst>
               <a:ext uri="{FF2B5EF4-FFF2-40B4-BE49-F238E27FC236}">
-                <a16:creationId xmlns="" xmlns:a16="http://schemas.microsoft.com/office/drawing/2014/main" id="{983A66D6-A9AB-4B0A-8025-4B7B21590B82}"/>
+                <a16:creationId xmlns:a16="http://schemas.microsoft.com/office/drawing/2014/main" id="{983A66D6-A9AB-4B0A-8025-4B7B21590B82}"/>
               </a:ext>
             </a:extLst>
           </p:cNvPr>
@@ -10007,7 +9986,7 @@
           <p:cNvPr id="16" name="Rechteck 15">
             <a:extLst>
               <a:ext uri="{FF2B5EF4-FFF2-40B4-BE49-F238E27FC236}">
-                <a16:creationId xmlns="" xmlns:a16="http://schemas.microsoft.com/office/drawing/2014/main" id="{E87CD4C0-2FCA-465C-A71C-BD9DB05FC1E8}"/>
+                <a16:creationId xmlns:a16="http://schemas.microsoft.com/office/drawing/2014/main" id="{E87CD4C0-2FCA-465C-A71C-BD9DB05FC1E8}"/>
               </a:ext>
             </a:extLst>
           </p:cNvPr>
@@ -10058,7 +10037,7 @@
           <p:cNvPr id="17" name="Rechteck 16">
             <a:extLst>
               <a:ext uri="{FF2B5EF4-FFF2-40B4-BE49-F238E27FC236}">
-                <a16:creationId xmlns="" xmlns:a16="http://schemas.microsoft.com/office/drawing/2014/main" id="{3313FEB4-CA0C-4788-B02C-93ABE1E791A7}"/>
+                <a16:creationId xmlns:a16="http://schemas.microsoft.com/office/drawing/2014/main" id="{3313FEB4-CA0C-4788-B02C-93ABE1E791A7}"/>
               </a:ext>
             </a:extLst>
           </p:cNvPr>
@@ -10109,7 +10088,7 @@
           <p:cNvPr id="18" name="Rechteck 17">
             <a:extLst>
               <a:ext uri="{FF2B5EF4-FFF2-40B4-BE49-F238E27FC236}">
-                <a16:creationId xmlns="" xmlns:a16="http://schemas.microsoft.com/office/drawing/2014/main" id="{F841E27C-59CA-4B78-8603-88D87534EF9B}"/>
+                <a16:creationId xmlns:a16="http://schemas.microsoft.com/office/drawing/2014/main" id="{F841E27C-59CA-4B78-8603-88D87534EF9B}"/>
               </a:ext>
             </a:extLst>
           </p:cNvPr>
@@ -10160,7 +10139,7 @@
           <p:cNvPr id="19" name="Textfeld 18">
             <a:extLst>
               <a:ext uri="{FF2B5EF4-FFF2-40B4-BE49-F238E27FC236}">
-                <a16:creationId xmlns="" xmlns:a16="http://schemas.microsoft.com/office/drawing/2014/main" id="{FC9A373E-568D-49F3-B9F8-5BDFBEA82953}"/>
+                <a16:creationId xmlns:a16="http://schemas.microsoft.com/office/drawing/2014/main" id="{FC9A373E-568D-49F3-B9F8-5BDFBEA82953}"/>
               </a:ext>
             </a:extLst>
           </p:cNvPr>
@@ -10199,7 +10178,7 @@
           <p:cNvPr id="20" name="Textfeld 19">
             <a:extLst>
               <a:ext uri="{FF2B5EF4-FFF2-40B4-BE49-F238E27FC236}">
-                <a16:creationId xmlns="" xmlns:a16="http://schemas.microsoft.com/office/drawing/2014/main" id="{01B4470B-A86F-4A93-9A5A-BF68471C0768}"/>
+                <a16:creationId xmlns:a16="http://schemas.microsoft.com/office/drawing/2014/main" id="{01B4470B-A86F-4A93-9A5A-BF68471C0768}"/>
               </a:ext>
             </a:extLst>
           </p:cNvPr>
@@ -10228,7 +10207,7 @@
                   <a:srgbClr val="0070C0"/>
                 </a:solidFill>
               </a:rPr>
-              <a:t>Menübar</a:t>
+              <a:t>Menubar</a:t>
             </a:r>
             <a:r>
               <a:rPr lang="de-CH" sz="1800" dirty="0">
@@ -10244,7 +10223,7 @@
                   <a:srgbClr val="0070C0"/>
                 </a:solidFill>
               </a:rPr>
-              <a:t>Todo</a:t>
+              <a:t>ToDo</a:t>
             </a:r>
             <a:r>
               <a:rPr lang="de-CH" sz="1800" dirty="0">
@@ -10262,7 +10241,7 @@
           <p:cNvPr id="21" name="Textfeld 20">
             <a:extLst>
               <a:ext uri="{FF2B5EF4-FFF2-40B4-BE49-F238E27FC236}">
-                <a16:creationId xmlns="" xmlns:a16="http://schemas.microsoft.com/office/drawing/2014/main" id="{ED2A5B6F-A08A-4142-9D0F-209356E770A5}"/>
+                <a16:creationId xmlns:a16="http://schemas.microsoft.com/office/drawing/2014/main" id="{ED2A5B6F-A08A-4142-9D0F-209356E770A5}"/>
               </a:ext>
             </a:extLst>
           </p:cNvPr>
@@ -10317,7 +10296,7 @@
           <p:cNvPr id="22" name="Ellipse 21">
             <a:extLst>
               <a:ext uri="{FF2B5EF4-FFF2-40B4-BE49-F238E27FC236}">
-                <a16:creationId xmlns="" xmlns:a16="http://schemas.microsoft.com/office/drawing/2014/main" id="{D15500BD-DF74-4ABD-9958-062C8157209F}"/>
+                <a16:creationId xmlns:a16="http://schemas.microsoft.com/office/drawing/2014/main" id="{D15500BD-DF74-4ABD-9958-062C8157209F}"/>
               </a:ext>
             </a:extLst>
           </p:cNvPr>
@@ -10370,7 +10349,7 @@
           <p:cNvPr id="23" name="Ellipse 22">
             <a:extLst>
               <a:ext uri="{FF2B5EF4-FFF2-40B4-BE49-F238E27FC236}">
-                <a16:creationId xmlns="" xmlns:a16="http://schemas.microsoft.com/office/drawing/2014/main" id="{2D265A08-8CE4-4A88-B355-8DEFCC6097EF}"/>
+                <a16:creationId xmlns:a16="http://schemas.microsoft.com/office/drawing/2014/main" id="{2D265A08-8CE4-4A88-B355-8DEFCC6097EF}"/>
               </a:ext>
             </a:extLst>
           </p:cNvPr>
@@ -10423,7 +10402,7 @@
           <p:cNvPr id="24" name="Ellipse 23">
             <a:extLst>
               <a:ext uri="{FF2B5EF4-FFF2-40B4-BE49-F238E27FC236}">
-                <a16:creationId xmlns="" xmlns:a16="http://schemas.microsoft.com/office/drawing/2014/main" id="{E60911C1-4987-41B6-A9C2-C1A92422A429}"/>
+                <a16:creationId xmlns:a16="http://schemas.microsoft.com/office/drawing/2014/main" id="{E60911C1-4987-41B6-A9C2-C1A92422A429}"/>
               </a:ext>
             </a:extLst>
           </p:cNvPr>
@@ -10844,7 +10823,7 @@
           <p:cNvPr id="2" name="Inhaltsplatzhalter 1">
             <a:extLst>
               <a:ext uri="{FF2B5EF4-FFF2-40B4-BE49-F238E27FC236}">
-                <a16:creationId xmlns="" xmlns:a16="http://schemas.microsoft.com/office/drawing/2014/main" id="{3FDC73F2-19AA-4F5D-87B5-9D4D45A99FA8}"/>
+                <a16:creationId xmlns:a16="http://schemas.microsoft.com/office/drawing/2014/main" id="{3FDC73F2-19AA-4F5D-87B5-9D4D45A99FA8}"/>
               </a:ext>
             </a:extLst>
           </p:cNvPr>
@@ -10864,19 +10843,19 @@
               <a:buNone/>
             </a:pPr>
             <a:r>
-              <a:rPr lang="de-DE" dirty="0" smtClean="0"/>
+              <a:rPr lang="de-DE" dirty="0"/>
               <a:t>2. Iteration </a:t>
             </a:r>
             <a:r>
-              <a:rPr lang="de-DE" dirty="0" err="1" smtClean="0"/>
+              <a:rPr lang="de-DE" dirty="0" err="1"/>
               <a:t>chunnt</a:t>
             </a:r>
             <a:r>
-              <a:rPr lang="de-DE" dirty="0" smtClean="0"/>
+              <a:rPr lang="de-DE" dirty="0"/>
               <a:t> da </a:t>
             </a:r>
             <a:r>
-              <a:rPr lang="de-DE" dirty="0" err="1" smtClean="0"/>
+              <a:rPr lang="de-DE" dirty="0" err="1"/>
               <a:t>ine</a:t>
             </a:r>
             <a:endParaRPr lang="de-DE" dirty="0"/>
@@ -10891,7 +10870,7 @@
           <p:cNvPr id="3" name="Titel 2">
             <a:extLst>
               <a:ext uri="{FF2B5EF4-FFF2-40B4-BE49-F238E27FC236}">
-                <a16:creationId xmlns="" xmlns:a16="http://schemas.microsoft.com/office/drawing/2014/main" id="{5432DB10-CCBB-425C-94F2-E92C9DDE1DCF}"/>
+                <a16:creationId xmlns:a16="http://schemas.microsoft.com/office/drawing/2014/main" id="{5432DB10-CCBB-425C-94F2-E92C9DDE1DCF}"/>
               </a:ext>
             </a:extLst>
           </p:cNvPr>
@@ -10908,10 +10887,9 @@
           <a:lstStyle/>
           <a:p>
             <a:r>
-              <a:rPr lang="de-CH" dirty="0" smtClean="0"/>
+              <a:rPr lang="de-CH" dirty="0"/>
               <a:t>Zusammenfassung</a:t>
             </a:r>
-            <a:endParaRPr lang="de-CH" dirty="0"/>
           </a:p>
         </p:txBody>
       </p:sp>
@@ -10950,7 +10928,7 @@
           <p:cNvPr id="2" name="Inhaltsplatzhalter 1">
             <a:extLst>
               <a:ext uri="{FF2B5EF4-FFF2-40B4-BE49-F238E27FC236}">
-                <a16:creationId xmlns="" xmlns:a16="http://schemas.microsoft.com/office/drawing/2014/main" id="{A827BF85-F196-4C6E-A5C0-D575FB01F001}"/>
+                <a16:creationId xmlns:a16="http://schemas.microsoft.com/office/drawing/2014/main" id="{A827BF85-F196-4C6E-A5C0-D575FB01F001}"/>
               </a:ext>
             </a:extLst>
           </p:cNvPr>
@@ -10975,7 +10953,7 @@
           <p:cNvPr id="3" name="Titel 2">
             <a:extLst>
               <a:ext uri="{FF2B5EF4-FFF2-40B4-BE49-F238E27FC236}">
-                <a16:creationId xmlns="" xmlns:a16="http://schemas.microsoft.com/office/drawing/2014/main" id="{DC12DFEC-06B5-4C69-A791-A0919EC72F36}"/>
+                <a16:creationId xmlns:a16="http://schemas.microsoft.com/office/drawing/2014/main" id="{DC12DFEC-06B5-4C69-A791-A0919EC72F36}"/>
               </a:ext>
             </a:extLst>
           </p:cNvPr>
@@ -11000,7 +10978,7 @@
           <p:cNvPr id="2052" name="Picture 4">
             <a:extLst>
               <a:ext uri="{FF2B5EF4-FFF2-40B4-BE49-F238E27FC236}">
-                <a16:creationId xmlns="" xmlns:a16="http://schemas.microsoft.com/office/drawing/2014/main" id="{623ED4E6-173F-40F9-985E-36764CC68CDE}"/>
+                <a16:creationId xmlns:a16="http://schemas.microsoft.com/office/drawing/2014/main" id="{623ED4E6-173F-40F9-985E-36764CC68CDE}"/>
               </a:ext>
             </a:extLst>
           </p:cNvPr>
@@ -11086,17 +11064,15 @@
           <a:lstStyle/>
           <a:p>
             <a:r>
-              <a:rPr lang="de-CH" dirty="0" smtClean="0"/>
+              <a:rPr lang="de-CH" dirty="0"/>
               <a:t>Ausgangslage / Problemstellung</a:t>
             </a:r>
-            <a:endParaRPr lang="de-CH" dirty="0"/>
-          </a:p>
-          <a:p>
-            <a:r>
-              <a:rPr lang="de-CH" dirty="0" smtClean="0"/>
+          </a:p>
+          <a:p>
+            <a:r>
+              <a:rPr lang="de-CH" dirty="0"/>
               <a:t>Persona</a:t>
             </a:r>
-            <a:endParaRPr lang="de-CH" dirty="0"/>
           </a:p>
           <a:p>
             <a:r>
@@ -11190,7 +11166,7 @@
           <p:cNvPr id="2" name="Inhaltsplatzhalter 1">
             <a:extLst>
               <a:ext uri="{FF2B5EF4-FFF2-40B4-BE49-F238E27FC236}">
-                <a16:creationId xmlns="" xmlns:a16="http://schemas.microsoft.com/office/drawing/2014/main" id="{3FDC73F2-19AA-4F5D-87B5-9D4D45A99FA8}"/>
+                <a16:creationId xmlns:a16="http://schemas.microsoft.com/office/drawing/2014/main" id="{3FDC73F2-19AA-4F5D-87B5-9D4D45A99FA8}"/>
               </a:ext>
             </a:extLst>
           </p:cNvPr>
@@ -11222,10 +11198,9 @@
               <a:buChar char="▶"/>
             </a:pPr>
             <a:r>
-              <a:rPr lang="de-DE" dirty="0" smtClean="0"/>
+              <a:rPr lang="de-DE" dirty="0"/>
               <a:t>Patienten Management System (PMS)</a:t>
             </a:r>
-            <a:endParaRPr lang="de-DE" dirty="0"/>
           </a:p>
           <a:p>
             <a:pPr>
@@ -11233,7 +11208,7 @@
               <a:buChar char="▶"/>
             </a:pPr>
             <a:r>
-              <a:rPr lang="de-DE" dirty="0" smtClean="0"/>
+              <a:rPr lang="de-DE" dirty="0"/>
               <a:t>Arzt – Suchterkrankung</a:t>
             </a:r>
           </a:p>
@@ -11322,7 +11297,7 @@
           <p:cNvPr id="3" name="Titel 2">
             <a:extLst>
               <a:ext uri="{FF2B5EF4-FFF2-40B4-BE49-F238E27FC236}">
-                <a16:creationId xmlns="" xmlns:a16="http://schemas.microsoft.com/office/drawing/2014/main" id="{5432DB10-CCBB-425C-94F2-E92C9DDE1DCF}"/>
+                <a16:creationId xmlns:a16="http://schemas.microsoft.com/office/drawing/2014/main" id="{5432DB10-CCBB-425C-94F2-E92C9DDE1DCF}"/>
               </a:ext>
             </a:extLst>
           </p:cNvPr>
@@ -11339,10 +11314,9 @@
           <a:lstStyle/>
           <a:p>
             <a:r>
-              <a:rPr lang="de-CH" dirty="0" smtClean="0"/>
+              <a:rPr lang="de-CH" dirty="0"/>
               <a:t>Ausgangslage/ Problemstellung</a:t>
             </a:r>
-            <a:endParaRPr lang="de-CH" dirty="0"/>
           </a:p>
         </p:txBody>
       </p:sp>
@@ -11381,7 +11355,7 @@
           <p:cNvPr id="2" name="Inhaltsplatzhalter 1">
             <a:extLst>
               <a:ext uri="{FF2B5EF4-FFF2-40B4-BE49-F238E27FC236}">
-                <a16:creationId xmlns="" xmlns:a16="http://schemas.microsoft.com/office/drawing/2014/main" id="{3FDC73F2-19AA-4F5D-87B5-9D4D45A99FA8}"/>
+                <a16:creationId xmlns:a16="http://schemas.microsoft.com/office/drawing/2014/main" id="{3FDC73F2-19AA-4F5D-87B5-9D4D45A99FA8}"/>
               </a:ext>
             </a:extLst>
           </p:cNvPr>
@@ -11401,46 +11375,27 @@
               <a:buNone/>
             </a:pPr>
             <a:r>
-              <a:rPr lang="de-DE" u="sng" dirty="0" smtClean="0"/>
+              <a:rPr lang="de-DE" u="sng" dirty="0"/>
               <a:t>Arzt 1</a:t>
             </a:r>
-            <a:endParaRPr lang="de-DE" u="sng" dirty="0"/>
           </a:p>
           <a:p>
             <a:pPr marL="0" indent="0">
               <a:buNone/>
             </a:pPr>
             <a:r>
-              <a:rPr lang="de-DE" dirty="0" smtClean="0"/>
+              <a:rPr lang="de-DE" dirty="0"/>
               <a:t>Dr. med. Cruz, 20.04.1961</a:t>
             </a:r>
-            <a:endParaRPr lang="de-DE" dirty="0"/>
           </a:p>
           <a:p>
             <a:pPr marL="0" indent="0">
               <a:buNone/>
             </a:pPr>
             <a:r>
-              <a:rPr lang="de-DE" dirty="0" smtClean="0"/>
+              <a:rPr lang="de-DE" dirty="0"/>
               <a:t>Facharzt für Psychiatrie und Psychotherapie</a:t>
             </a:r>
-            <a:endParaRPr lang="de-DE" dirty="0"/>
-          </a:p>
-          <a:p>
-            <a:pPr marL="0" indent="0">
-              <a:buNone/>
-            </a:pPr>
-            <a:endParaRPr lang="de-DE" dirty="0" smtClean="0"/>
-          </a:p>
-          <a:p>
-            <a:pPr marL="0" indent="0">
-              <a:buNone/>
-            </a:pPr>
-            <a:r>
-              <a:rPr lang="de-DE" dirty="0" smtClean="0"/>
-              <a:t>Team: 3 Praxisangestellte, Lehrling und Sekretärin</a:t>
-            </a:r>
-            <a:endParaRPr lang="de-DE" dirty="0"/>
           </a:p>
           <a:p>
             <a:pPr marL="0" indent="0">
@@ -11453,51 +11408,8 @@
               <a:buNone/>
             </a:pPr>
             <a:r>
-              <a:rPr lang="de-DE" b="1" dirty="0" smtClean="0"/>
-              <a:t>Ziele:</a:t>
-            </a:r>
-            <a:r>
-              <a:rPr lang="de-DE" dirty="0" smtClean="0"/>
-              <a:t>	</a:t>
-            </a:r>
-          </a:p>
-          <a:p>
-            <a:r>
-              <a:rPr lang="de-DE" dirty="0" smtClean="0"/>
-              <a:t>Patientensicherheit in Praxis erhöhen</a:t>
-            </a:r>
-          </a:p>
-          <a:p>
-            <a:r>
-              <a:rPr lang="de-DE" dirty="0" smtClean="0"/>
-              <a:t>Besseren Überblick in seiner Agenda</a:t>
-            </a:r>
-          </a:p>
-          <a:p>
-            <a:pPr marL="0" indent="0">
-              <a:buNone/>
-            </a:pPr>
-            <a:endParaRPr lang="de-DE" dirty="0" smtClean="0"/>
-          </a:p>
-          <a:p>
-            <a:pPr marL="0" indent="0">
-              <a:buNone/>
-            </a:pPr>
-            <a:r>
-              <a:rPr lang="de-DE" b="1" dirty="0" err="1" smtClean="0"/>
-              <a:t>Pain</a:t>
-            </a:r>
-            <a:r>
-              <a:rPr lang="de-DE" b="1" dirty="0" smtClean="0"/>
-              <a:t> </a:t>
-            </a:r>
-            <a:r>
-              <a:rPr lang="de-DE" b="1" dirty="0" err="1" smtClean="0"/>
-              <a:t>points</a:t>
-            </a:r>
-            <a:r>
-              <a:rPr lang="de-DE" dirty="0" smtClean="0"/>
-              <a:t>: Terminplanung &amp; Informatikanwendungen</a:t>
+              <a:rPr lang="de-DE" dirty="0"/>
+              <a:t>Team: 3 Praxisangestellte, Lehrling und Sekretärin</a:t>
             </a:r>
           </a:p>
           <a:p>
@@ -11511,22 +11423,79 @@
               <a:buNone/>
             </a:pPr>
             <a:r>
-              <a:rPr lang="de-DE" b="1" dirty="0" smtClean="0"/>
+              <a:rPr lang="de-DE" b="1" dirty="0"/>
+              <a:t>Ziele:</a:t>
+            </a:r>
+            <a:r>
+              <a:rPr lang="de-DE" dirty="0"/>
+              <a:t>	</a:t>
+            </a:r>
+          </a:p>
+          <a:p>
+            <a:r>
+              <a:rPr lang="de-DE" dirty="0"/>
+              <a:t>Patientensicherheit in Praxis erhöhen</a:t>
+            </a:r>
+          </a:p>
+          <a:p>
+            <a:r>
+              <a:rPr lang="de-DE" dirty="0"/>
+              <a:t>Besseren Überblick in seiner Agenda</a:t>
+            </a:r>
+          </a:p>
+          <a:p>
+            <a:pPr marL="0" indent="0">
+              <a:buNone/>
+            </a:pPr>
+            <a:endParaRPr lang="de-DE" dirty="0"/>
+          </a:p>
+          <a:p>
+            <a:pPr marL="0" indent="0">
+              <a:buNone/>
+            </a:pPr>
+            <a:r>
+              <a:rPr lang="de-DE" b="1" dirty="0" err="1"/>
+              <a:t>Pain</a:t>
+            </a:r>
+            <a:r>
+              <a:rPr lang="de-DE" b="1" dirty="0"/>
+              <a:t> </a:t>
+            </a:r>
+            <a:r>
+              <a:rPr lang="de-DE" b="1" dirty="0" err="1"/>
+              <a:t>points</a:t>
+            </a:r>
+            <a:r>
+              <a:rPr lang="de-DE" dirty="0"/>
+              <a:t>: Terminplanung &amp; Informatikanwendungen</a:t>
+            </a:r>
+          </a:p>
+          <a:p>
+            <a:pPr marL="0" indent="0">
+              <a:buNone/>
+            </a:pPr>
+            <a:endParaRPr lang="de-DE" dirty="0"/>
+          </a:p>
+          <a:p>
+            <a:pPr marL="0" indent="0">
+              <a:buNone/>
+            </a:pPr>
+            <a:r>
+              <a:rPr lang="de-DE" b="1" dirty="0"/>
               <a:t>Short </a:t>
             </a:r>
             <a:r>
-              <a:rPr lang="de-DE" b="1" dirty="0" err="1" smtClean="0"/>
+              <a:rPr lang="de-DE" b="1" dirty="0" err="1"/>
               <a:t>statements</a:t>
             </a:r>
             <a:r>
-              <a:rPr lang="de-DE" b="1" dirty="0" smtClean="0"/>
+              <a:rPr lang="de-DE" b="1" dirty="0"/>
               <a:t>: </a:t>
             </a:r>
             <a:r>
-              <a:rPr lang="de-DE" dirty="0" smtClean="0"/>
+              <a:rPr lang="de-DE" dirty="0"/>
               <a:t>strukturierte und übersichtliche Terminplanung  im PMS</a:t>
             </a:r>
-            <a:endParaRPr lang="de-DE" dirty="0"/>
           </a:p>
           <a:p>
             <a:endParaRPr lang="de-CH" dirty="0"/>
@@ -11538,7 +11507,7 @@
           <p:cNvPr id="3" name="Titel 2">
             <a:extLst>
               <a:ext uri="{FF2B5EF4-FFF2-40B4-BE49-F238E27FC236}">
-                <a16:creationId xmlns="" xmlns:a16="http://schemas.microsoft.com/office/drawing/2014/main" id="{5432DB10-CCBB-425C-94F2-E92C9DDE1DCF}"/>
+                <a16:creationId xmlns:a16="http://schemas.microsoft.com/office/drawing/2014/main" id="{5432DB10-CCBB-425C-94F2-E92C9DDE1DCF}"/>
               </a:ext>
             </a:extLst>
           </p:cNvPr>
@@ -11555,10 +11524,9 @@
           <a:lstStyle/>
           <a:p>
             <a:r>
-              <a:rPr lang="de-CH" dirty="0" smtClean="0"/>
+              <a:rPr lang="de-CH" dirty="0"/>
               <a:t>Persona</a:t>
             </a:r>
-            <a:endParaRPr lang="de-CH" dirty="0"/>
           </a:p>
         </p:txBody>
       </p:sp>
@@ -11597,7 +11565,7 @@
           <p:cNvPr id="2" name="Inhaltsplatzhalter 1">
             <a:extLst>
               <a:ext uri="{FF2B5EF4-FFF2-40B4-BE49-F238E27FC236}">
-                <a16:creationId xmlns="" xmlns:a16="http://schemas.microsoft.com/office/drawing/2014/main" id="{3FDC73F2-19AA-4F5D-87B5-9D4D45A99FA8}"/>
+                <a16:creationId xmlns:a16="http://schemas.microsoft.com/office/drawing/2014/main" id="{3FDC73F2-19AA-4F5D-87B5-9D4D45A99FA8}"/>
               </a:ext>
             </a:extLst>
           </p:cNvPr>
@@ -11618,13 +11586,8 @@
             </a:pPr>
             <a:r>
               <a:rPr lang="de-DE" u="sng" dirty="0"/>
-              <a:t>Arzt </a:t>
-            </a:r>
-            <a:r>
-              <a:rPr lang="de-DE" u="sng" dirty="0" smtClean="0"/>
-              <a:t>2</a:t>
-            </a:r>
-            <a:endParaRPr lang="de-DE" u="sng" dirty="0"/>
+              <a:t>Arzt 2</a:t>
+            </a:r>
           </a:p>
           <a:p>
             <a:pPr marL="0" indent="0">
@@ -11632,23 +11595,17 @@
             </a:pPr>
             <a:r>
               <a:rPr lang="de-DE" dirty="0"/>
-              <a:t>Dr. med. </a:t>
-            </a:r>
-            <a:r>
-              <a:rPr lang="de-DE" dirty="0" smtClean="0"/>
-              <a:t>Brechthold, 11.10.1982</a:t>
-            </a:r>
-            <a:endParaRPr lang="de-DE" dirty="0"/>
+              <a:t>Dr. med. Brechthold, 11.10.1982</a:t>
+            </a:r>
           </a:p>
           <a:p>
             <a:pPr marL="0" indent="0">
               <a:buNone/>
             </a:pPr>
             <a:r>
-              <a:rPr lang="de-DE" dirty="0" smtClean="0"/>
+              <a:rPr lang="de-DE" dirty="0"/>
               <a:t>Ärztin in einer Gruppenpraxis in Nähe Biel</a:t>
             </a:r>
-            <a:endParaRPr lang="de-DE" dirty="0"/>
           </a:p>
           <a:p>
             <a:pPr marL="0" indent="0">
@@ -11661,10 +11618,9 @@
               <a:buNone/>
             </a:pPr>
             <a:r>
-              <a:rPr lang="de-DE" dirty="0" smtClean="0"/>
+              <a:rPr lang="de-DE" dirty="0"/>
               <a:t>Präferiert papierbasierte Krankenakte</a:t>
             </a:r>
-            <a:endParaRPr lang="de-DE" dirty="0"/>
           </a:p>
           <a:p>
             <a:pPr marL="0" indent="0">
@@ -11687,17 +11643,15 @@
           </a:p>
           <a:p>
             <a:r>
-              <a:rPr lang="de-DE" dirty="0" smtClean="0"/>
+              <a:rPr lang="de-DE" dirty="0"/>
               <a:t>Datenschutz der Patienten</a:t>
             </a:r>
-            <a:endParaRPr lang="de-DE" dirty="0"/>
-          </a:p>
-          <a:p>
-            <a:r>
-              <a:rPr lang="de-DE" dirty="0" smtClean="0"/>
+          </a:p>
+          <a:p>
+            <a:r>
+              <a:rPr lang="de-DE" dirty="0"/>
               <a:t>Reibungslose Medikamentenversorgung</a:t>
             </a:r>
-            <a:endParaRPr lang="de-DE" dirty="0"/>
           </a:p>
           <a:p>
             <a:pPr marL="0" indent="0">
@@ -11723,13 +11677,8 @@
             </a:r>
             <a:r>
               <a:rPr lang="de-DE" dirty="0"/>
-              <a:t>: </a:t>
-            </a:r>
-            <a:r>
-              <a:rPr lang="de-DE" dirty="0" smtClean="0"/>
-              <a:t>Datenschutz &amp; Medikamentenfehler</a:t>
-            </a:r>
-            <a:endParaRPr lang="de-DE" dirty="0"/>
+              <a:t>: Datenschutz &amp; Medikamentenfehler</a:t>
+            </a:r>
           </a:p>
           <a:p>
             <a:pPr marL="0" indent="0">
@@ -11754,10 +11703,9 @@
               <a:t>: </a:t>
             </a:r>
             <a:r>
-              <a:rPr lang="de-DE" dirty="0" smtClean="0"/>
+              <a:rPr lang="de-DE" dirty="0"/>
               <a:t>einfache Suche/ Auswahl der Medikamenten im PMS</a:t>
             </a:r>
-            <a:endParaRPr lang="de-DE" dirty="0"/>
           </a:p>
           <a:p>
             <a:endParaRPr lang="de-CH" dirty="0"/>
@@ -11769,7 +11717,7 @@
           <p:cNvPr id="3" name="Titel 2">
             <a:extLst>
               <a:ext uri="{FF2B5EF4-FFF2-40B4-BE49-F238E27FC236}">
-                <a16:creationId xmlns="" xmlns:a16="http://schemas.microsoft.com/office/drawing/2014/main" id="{5432DB10-CCBB-425C-94F2-E92C9DDE1DCF}"/>
+                <a16:creationId xmlns:a16="http://schemas.microsoft.com/office/drawing/2014/main" id="{5432DB10-CCBB-425C-94F2-E92C9DDE1DCF}"/>
               </a:ext>
             </a:extLst>
           </p:cNvPr>
@@ -11786,10 +11734,9 @@
           <a:lstStyle/>
           <a:p>
             <a:r>
-              <a:rPr lang="de-CH" dirty="0" smtClean="0"/>
+              <a:rPr lang="de-CH" dirty="0"/>
               <a:t>Persona</a:t>
             </a:r>
-            <a:endParaRPr lang="de-CH" dirty="0"/>
           </a:p>
         </p:txBody>
       </p:sp>
@@ -11828,7 +11775,7 @@
           <p:cNvPr id="3" name="Titel 2">
             <a:extLst>
               <a:ext uri="{FF2B5EF4-FFF2-40B4-BE49-F238E27FC236}">
-                <a16:creationId xmlns="" xmlns:a16="http://schemas.microsoft.com/office/drawing/2014/main" id="{E904707F-1430-47F2-9043-A81C0A53F129}"/>
+                <a16:creationId xmlns:a16="http://schemas.microsoft.com/office/drawing/2014/main" id="{E904707F-1430-47F2-9043-A81C0A53F129}"/>
               </a:ext>
             </a:extLst>
           </p:cNvPr>
@@ -11861,7 +11808,7 @@
           <p:cNvPr id="13" name="Grafik 12">
             <a:extLst>
               <a:ext uri="{FF2B5EF4-FFF2-40B4-BE49-F238E27FC236}">
-                <a16:creationId xmlns="" xmlns:a16="http://schemas.microsoft.com/office/drawing/2014/main" id="{E6BC9B57-EA18-4BE1-BCE3-7087898CB841}"/>
+                <a16:creationId xmlns:a16="http://schemas.microsoft.com/office/drawing/2014/main" id="{E6BC9B57-EA18-4BE1-BCE3-7087898CB841}"/>
               </a:ext>
             </a:extLst>
           </p:cNvPr>
@@ -11889,7 +11836,7 @@
           <p:cNvPr id="14" name="Grafik 13">
             <a:extLst>
               <a:ext uri="{FF2B5EF4-FFF2-40B4-BE49-F238E27FC236}">
-                <a16:creationId xmlns="" xmlns:a16="http://schemas.microsoft.com/office/drawing/2014/main" id="{1287F1F9-B201-4D99-84A7-884F73ED7E1B}"/>
+                <a16:creationId xmlns:a16="http://schemas.microsoft.com/office/drawing/2014/main" id="{1287F1F9-B201-4D99-84A7-884F73ED7E1B}"/>
               </a:ext>
             </a:extLst>
           </p:cNvPr>
@@ -11917,7 +11864,7 @@
           <p:cNvPr id="24" name="Grafik 23">
             <a:extLst>
               <a:ext uri="{FF2B5EF4-FFF2-40B4-BE49-F238E27FC236}">
-                <a16:creationId xmlns="" xmlns:a16="http://schemas.microsoft.com/office/drawing/2014/main" id="{358FAE78-8F14-4C0F-943A-61A0B9E196E3}"/>
+                <a16:creationId xmlns:a16="http://schemas.microsoft.com/office/drawing/2014/main" id="{358FAE78-8F14-4C0F-943A-61A0B9E196E3}"/>
               </a:ext>
             </a:extLst>
           </p:cNvPr>
@@ -11945,7 +11892,7 @@
           <p:cNvPr id="25" name="Grafik 24">
             <a:extLst>
               <a:ext uri="{FF2B5EF4-FFF2-40B4-BE49-F238E27FC236}">
-                <a16:creationId xmlns="" xmlns:a16="http://schemas.microsoft.com/office/drawing/2014/main" id="{2C354085-8B76-4676-8693-E98E4ABE74F6}"/>
+                <a16:creationId xmlns:a16="http://schemas.microsoft.com/office/drawing/2014/main" id="{2C354085-8B76-4676-8693-E98E4ABE74F6}"/>
               </a:ext>
             </a:extLst>
           </p:cNvPr>
@@ -11973,7 +11920,7 @@
           <p:cNvPr id="21" name="Gruppieren 20">
             <a:extLst>
               <a:ext uri="{FF2B5EF4-FFF2-40B4-BE49-F238E27FC236}">
-                <a16:creationId xmlns="" xmlns:a16="http://schemas.microsoft.com/office/drawing/2014/main" id="{10284693-A442-4975-A068-420D74F92976}"/>
+                <a16:creationId xmlns:a16="http://schemas.microsoft.com/office/drawing/2014/main" id="{10284693-A442-4975-A068-420D74F92976}"/>
               </a:ext>
             </a:extLst>
           </p:cNvPr>
@@ -11993,7 +11940,7 @@
             <p:cNvPr id="19" name="Textfeld 18">
               <a:extLst>
                 <a:ext uri="{FF2B5EF4-FFF2-40B4-BE49-F238E27FC236}">
-                  <a16:creationId xmlns="" xmlns:a16="http://schemas.microsoft.com/office/drawing/2014/main" id="{2FE8BE93-F9A1-4275-8222-07C4EEF27C19}"/>
+                  <a16:creationId xmlns:a16="http://schemas.microsoft.com/office/drawing/2014/main" id="{2FE8BE93-F9A1-4275-8222-07C4EEF27C19}"/>
                 </a:ext>
               </a:extLst>
             </p:cNvPr>
@@ -12028,7 +11975,7 @@
             <p:cNvPr id="20" name="Ellipse 19">
               <a:extLst>
                 <a:ext uri="{FF2B5EF4-FFF2-40B4-BE49-F238E27FC236}">
-                  <a16:creationId xmlns="" xmlns:a16="http://schemas.microsoft.com/office/drawing/2014/main" id="{FFD74DC7-ABF7-406F-BDE7-0CE96BE36135}"/>
+                  <a16:creationId xmlns:a16="http://schemas.microsoft.com/office/drawing/2014/main" id="{FFD74DC7-ABF7-406F-BDE7-0CE96BE36135}"/>
                 </a:ext>
               </a:extLst>
             </p:cNvPr>
@@ -12075,7 +12022,7 @@
           <p:cNvPr id="31" name="Gruppieren 30">
             <a:extLst>
               <a:ext uri="{FF2B5EF4-FFF2-40B4-BE49-F238E27FC236}">
-                <a16:creationId xmlns="" xmlns:a16="http://schemas.microsoft.com/office/drawing/2014/main" id="{52924C2D-DA77-4F44-B4A8-519CF4BF9CF7}"/>
+                <a16:creationId xmlns:a16="http://schemas.microsoft.com/office/drawing/2014/main" id="{52924C2D-DA77-4F44-B4A8-519CF4BF9CF7}"/>
               </a:ext>
             </a:extLst>
           </p:cNvPr>
@@ -12095,7 +12042,7 @@
             <p:cNvPr id="32" name="Textfeld 31">
               <a:extLst>
                 <a:ext uri="{FF2B5EF4-FFF2-40B4-BE49-F238E27FC236}">
-                  <a16:creationId xmlns="" xmlns:a16="http://schemas.microsoft.com/office/drawing/2014/main" id="{DA84C640-F0BB-4D57-9900-D8EBC558D9D2}"/>
+                  <a16:creationId xmlns:a16="http://schemas.microsoft.com/office/drawing/2014/main" id="{DA84C640-F0BB-4D57-9900-D8EBC558D9D2}"/>
                 </a:ext>
               </a:extLst>
             </p:cNvPr>
@@ -12130,7 +12077,7 @@
             <p:cNvPr id="33" name="Ellipse 32">
               <a:extLst>
                 <a:ext uri="{FF2B5EF4-FFF2-40B4-BE49-F238E27FC236}">
-                  <a16:creationId xmlns="" xmlns:a16="http://schemas.microsoft.com/office/drawing/2014/main" id="{54955D9B-EBA7-44F5-AABC-CF51F38CA7DA}"/>
+                  <a16:creationId xmlns:a16="http://schemas.microsoft.com/office/drawing/2014/main" id="{54955D9B-EBA7-44F5-AABC-CF51F38CA7DA}"/>
                 </a:ext>
               </a:extLst>
             </p:cNvPr>
@@ -12177,7 +12124,7 @@
           <p:cNvPr id="34" name="Gruppieren 33">
             <a:extLst>
               <a:ext uri="{FF2B5EF4-FFF2-40B4-BE49-F238E27FC236}">
-                <a16:creationId xmlns="" xmlns:a16="http://schemas.microsoft.com/office/drawing/2014/main" id="{830C4400-160F-4897-9301-D25AB1B83D15}"/>
+                <a16:creationId xmlns:a16="http://schemas.microsoft.com/office/drawing/2014/main" id="{830C4400-160F-4897-9301-D25AB1B83D15}"/>
               </a:ext>
             </a:extLst>
           </p:cNvPr>
@@ -12197,7 +12144,7 @@
             <p:cNvPr id="35" name="Textfeld 34">
               <a:extLst>
                 <a:ext uri="{FF2B5EF4-FFF2-40B4-BE49-F238E27FC236}">
-                  <a16:creationId xmlns="" xmlns:a16="http://schemas.microsoft.com/office/drawing/2014/main" id="{FED335F3-EC5B-4E28-887B-303B5BE6105F}"/>
+                  <a16:creationId xmlns:a16="http://schemas.microsoft.com/office/drawing/2014/main" id="{FED335F3-EC5B-4E28-887B-303B5BE6105F}"/>
                 </a:ext>
               </a:extLst>
             </p:cNvPr>
@@ -12232,7 +12179,7 @@
             <p:cNvPr id="36" name="Ellipse 35">
               <a:extLst>
                 <a:ext uri="{FF2B5EF4-FFF2-40B4-BE49-F238E27FC236}">
-                  <a16:creationId xmlns="" xmlns:a16="http://schemas.microsoft.com/office/drawing/2014/main" id="{C89FEEAC-4D89-438E-AB15-B52796677AAF}"/>
+                  <a16:creationId xmlns:a16="http://schemas.microsoft.com/office/drawing/2014/main" id="{C89FEEAC-4D89-438E-AB15-B52796677AAF}"/>
                 </a:ext>
               </a:extLst>
             </p:cNvPr>
@@ -12279,7 +12226,7 @@
           <p:cNvPr id="37" name="Gruppieren 36">
             <a:extLst>
               <a:ext uri="{FF2B5EF4-FFF2-40B4-BE49-F238E27FC236}">
-                <a16:creationId xmlns="" xmlns:a16="http://schemas.microsoft.com/office/drawing/2014/main" id="{21F27838-336A-4DD8-9151-EF70588DB2AF}"/>
+                <a16:creationId xmlns:a16="http://schemas.microsoft.com/office/drawing/2014/main" id="{21F27838-336A-4DD8-9151-EF70588DB2AF}"/>
               </a:ext>
             </a:extLst>
           </p:cNvPr>
@@ -12299,7 +12246,7 @@
             <p:cNvPr id="38" name="Textfeld 37">
               <a:extLst>
                 <a:ext uri="{FF2B5EF4-FFF2-40B4-BE49-F238E27FC236}">
-                  <a16:creationId xmlns="" xmlns:a16="http://schemas.microsoft.com/office/drawing/2014/main" id="{428AD043-2817-4C2E-AA4D-FB5637286E83}"/>
+                  <a16:creationId xmlns:a16="http://schemas.microsoft.com/office/drawing/2014/main" id="{428AD043-2817-4C2E-AA4D-FB5637286E83}"/>
                 </a:ext>
               </a:extLst>
             </p:cNvPr>
@@ -12334,7 +12281,7 @@
             <p:cNvPr id="39" name="Ellipse 38">
               <a:extLst>
                 <a:ext uri="{FF2B5EF4-FFF2-40B4-BE49-F238E27FC236}">
-                  <a16:creationId xmlns="" xmlns:a16="http://schemas.microsoft.com/office/drawing/2014/main" id="{719C0B19-327B-472B-B820-5EF059FC3AF0}"/>
+                  <a16:creationId xmlns:a16="http://schemas.microsoft.com/office/drawing/2014/main" id="{719C0B19-327B-472B-B820-5EF059FC3AF0}"/>
                 </a:ext>
               </a:extLst>
             </p:cNvPr>
@@ -12411,7 +12358,7 @@
           <p:cNvPr id="3" name="Titel 2">
             <a:extLst>
               <a:ext uri="{FF2B5EF4-FFF2-40B4-BE49-F238E27FC236}">
-                <a16:creationId xmlns="" xmlns:a16="http://schemas.microsoft.com/office/drawing/2014/main" id="{E904707F-1430-47F2-9043-A81C0A53F129}"/>
+                <a16:creationId xmlns:a16="http://schemas.microsoft.com/office/drawing/2014/main" id="{E904707F-1430-47F2-9043-A81C0A53F129}"/>
               </a:ext>
             </a:extLst>
           </p:cNvPr>
@@ -12444,7 +12391,7 @@
           <p:cNvPr id="21" name="Gruppieren 20">
             <a:extLst>
               <a:ext uri="{FF2B5EF4-FFF2-40B4-BE49-F238E27FC236}">
-                <a16:creationId xmlns="" xmlns:a16="http://schemas.microsoft.com/office/drawing/2014/main" id="{10284693-A442-4975-A068-420D74F92976}"/>
+                <a16:creationId xmlns:a16="http://schemas.microsoft.com/office/drawing/2014/main" id="{10284693-A442-4975-A068-420D74F92976}"/>
               </a:ext>
             </a:extLst>
           </p:cNvPr>
@@ -12464,7 +12411,7 @@
             <p:cNvPr id="19" name="Textfeld 18">
               <a:extLst>
                 <a:ext uri="{FF2B5EF4-FFF2-40B4-BE49-F238E27FC236}">
-                  <a16:creationId xmlns="" xmlns:a16="http://schemas.microsoft.com/office/drawing/2014/main" id="{2FE8BE93-F9A1-4275-8222-07C4EEF27C19}"/>
+                  <a16:creationId xmlns:a16="http://schemas.microsoft.com/office/drawing/2014/main" id="{2FE8BE93-F9A1-4275-8222-07C4EEF27C19}"/>
                 </a:ext>
               </a:extLst>
             </p:cNvPr>
@@ -12499,7 +12446,7 @@
             <p:cNvPr id="20" name="Ellipse 19">
               <a:extLst>
                 <a:ext uri="{FF2B5EF4-FFF2-40B4-BE49-F238E27FC236}">
-                  <a16:creationId xmlns="" xmlns:a16="http://schemas.microsoft.com/office/drawing/2014/main" id="{FFD74DC7-ABF7-406F-BDE7-0CE96BE36135}"/>
+                  <a16:creationId xmlns:a16="http://schemas.microsoft.com/office/drawing/2014/main" id="{FFD74DC7-ABF7-406F-BDE7-0CE96BE36135}"/>
                 </a:ext>
               </a:extLst>
             </p:cNvPr>
@@ -12546,7 +12493,7 @@
           <p:cNvPr id="31" name="Gruppieren 30">
             <a:extLst>
               <a:ext uri="{FF2B5EF4-FFF2-40B4-BE49-F238E27FC236}">
-                <a16:creationId xmlns="" xmlns:a16="http://schemas.microsoft.com/office/drawing/2014/main" id="{52924C2D-DA77-4F44-B4A8-519CF4BF9CF7}"/>
+                <a16:creationId xmlns:a16="http://schemas.microsoft.com/office/drawing/2014/main" id="{52924C2D-DA77-4F44-B4A8-519CF4BF9CF7}"/>
               </a:ext>
             </a:extLst>
           </p:cNvPr>
@@ -12566,7 +12513,7 @@
             <p:cNvPr id="32" name="Textfeld 31">
               <a:extLst>
                 <a:ext uri="{FF2B5EF4-FFF2-40B4-BE49-F238E27FC236}">
-                  <a16:creationId xmlns="" xmlns:a16="http://schemas.microsoft.com/office/drawing/2014/main" id="{DA84C640-F0BB-4D57-9900-D8EBC558D9D2}"/>
+                  <a16:creationId xmlns:a16="http://schemas.microsoft.com/office/drawing/2014/main" id="{DA84C640-F0BB-4D57-9900-D8EBC558D9D2}"/>
                 </a:ext>
               </a:extLst>
             </p:cNvPr>
@@ -12601,7 +12548,7 @@
             <p:cNvPr id="33" name="Ellipse 32">
               <a:extLst>
                 <a:ext uri="{FF2B5EF4-FFF2-40B4-BE49-F238E27FC236}">
-                  <a16:creationId xmlns="" xmlns:a16="http://schemas.microsoft.com/office/drawing/2014/main" id="{54955D9B-EBA7-44F5-AABC-CF51F38CA7DA}"/>
+                  <a16:creationId xmlns:a16="http://schemas.microsoft.com/office/drawing/2014/main" id="{54955D9B-EBA7-44F5-AABC-CF51F38CA7DA}"/>
                 </a:ext>
               </a:extLst>
             </p:cNvPr>
@@ -12648,7 +12595,7 @@
           <p:cNvPr id="34" name="Gruppieren 33">
             <a:extLst>
               <a:ext uri="{FF2B5EF4-FFF2-40B4-BE49-F238E27FC236}">
-                <a16:creationId xmlns="" xmlns:a16="http://schemas.microsoft.com/office/drawing/2014/main" id="{830C4400-160F-4897-9301-D25AB1B83D15}"/>
+                <a16:creationId xmlns:a16="http://schemas.microsoft.com/office/drawing/2014/main" id="{830C4400-160F-4897-9301-D25AB1B83D15}"/>
               </a:ext>
             </a:extLst>
           </p:cNvPr>
@@ -12668,7 +12615,7 @@
             <p:cNvPr id="35" name="Textfeld 34">
               <a:extLst>
                 <a:ext uri="{FF2B5EF4-FFF2-40B4-BE49-F238E27FC236}">
-                  <a16:creationId xmlns="" xmlns:a16="http://schemas.microsoft.com/office/drawing/2014/main" id="{FED335F3-EC5B-4E28-887B-303B5BE6105F}"/>
+                  <a16:creationId xmlns:a16="http://schemas.microsoft.com/office/drawing/2014/main" id="{FED335F3-EC5B-4E28-887B-303B5BE6105F}"/>
                 </a:ext>
               </a:extLst>
             </p:cNvPr>
@@ -12703,7 +12650,7 @@
             <p:cNvPr id="36" name="Ellipse 35">
               <a:extLst>
                 <a:ext uri="{FF2B5EF4-FFF2-40B4-BE49-F238E27FC236}">
-                  <a16:creationId xmlns="" xmlns:a16="http://schemas.microsoft.com/office/drawing/2014/main" id="{C89FEEAC-4D89-438E-AB15-B52796677AAF}"/>
+                  <a16:creationId xmlns:a16="http://schemas.microsoft.com/office/drawing/2014/main" id="{C89FEEAC-4D89-438E-AB15-B52796677AAF}"/>
                 </a:ext>
               </a:extLst>
             </p:cNvPr>
@@ -12750,7 +12697,7 @@
           <p:cNvPr id="37" name="Gruppieren 36">
             <a:extLst>
               <a:ext uri="{FF2B5EF4-FFF2-40B4-BE49-F238E27FC236}">
-                <a16:creationId xmlns="" xmlns:a16="http://schemas.microsoft.com/office/drawing/2014/main" id="{21F27838-336A-4DD8-9151-EF70588DB2AF}"/>
+                <a16:creationId xmlns:a16="http://schemas.microsoft.com/office/drawing/2014/main" id="{21F27838-336A-4DD8-9151-EF70588DB2AF}"/>
               </a:ext>
             </a:extLst>
           </p:cNvPr>
@@ -12770,7 +12717,7 @@
             <p:cNvPr id="38" name="Textfeld 37">
               <a:extLst>
                 <a:ext uri="{FF2B5EF4-FFF2-40B4-BE49-F238E27FC236}">
-                  <a16:creationId xmlns="" xmlns:a16="http://schemas.microsoft.com/office/drawing/2014/main" id="{428AD043-2817-4C2E-AA4D-FB5637286E83}"/>
+                  <a16:creationId xmlns:a16="http://schemas.microsoft.com/office/drawing/2014/main" id="{428AD043-2817-4C2E-AA4D-FB5637286E83}"/>
                 </a:ext>
               </a:extLst>
             </p:cNvPr>
@@ -12805,7 +12752,7 @@
             <p:cNvPr id="39" name="Ellipse 38">
               <a:extLst>
                 <a:ext uri="{FF2B5EF4-FFF2-40B4-BE49-F238E27FC236}">
-                  <a16:creationId xmlns="" xmlns:a16="http://schemas.microsoft.com/office/drawing/2014/main" id="{719C0B19-327B-472B-B820-5EF059FC3AF0}"/>
+                  <a16:creationId xmlns:a16="http://schemas.microsoft.com/office/drawing/2014/main" id="{719C0B19-327B-472B-B820-5EF059FC3AF0}"/>
                 </a:ext>
               </a:extLst>
             </p:cNvPr>
@@ -12852,7 +12799,7 @@
           <p:cNvPr id="23" name="Grafik 22">
             <a:extLst>
               <a:ext uri="{FF2B5EF4-FFF2-40B4-BE49-F238E27FC236}">
-                <a16:creationId xmlns="" xmlns:a16="http://schemas.microsoft.com/office/drawing/2014/main" id="{A3E6C50B-0FCA-47E6-B5D3-02883E0E43F4}"/>
+                <a16:creationId xmlns:a16="http://schemas.microsoft.com/office/drawing/2014/main" id="{A3E6C50B-0FCA-47E6-B5D3-02883E0E43F4}"/>
               </a:ext>
             </a:extLst>
           </p:cNvPr>
@@ -12880,7 +12827,7 @@
           <p:cNvPr id="26" name="Grafik 25">
             <a:extLst>
               <a:ext uri="{FF2B5EF4-FFF2-40B4-BE49-F238E27FC236}">
-                <a16:creationId xmlns="" xmlns:a16="http://schemas.microsoft.com/office/drawing/2014/main" id="{4585F3A5-83E2-48C3-86BB-D862DFD32A49}"/>
+                <a16:creationId xmlns:a16="http://schemas.microsoft.com/office/drawing/2014/main" id="{4585F3A5-83E2-48C3-86BB-D862DFD32A49}"/>
               </a:ext>
             </a:extLst>
           </p:cNvPr>
@@ -12908,7 +12855,7 @@
           <p:cNvPr id="27" name="Grafik 26">
             <a:extLst>
               <a:ext uri="{FF2B5EF4-FFF2-40B4-BE49-F238E27FC236}">
-                <a16:creationId xmlns="" xmlns:a16="http://schemas.microsoft.com/office/drawing/2014/main" id="{8AC6DC8C-2F4C-429F-8C06-4C69C0C990D8}"/>
+                <a16:creationId xmlns:a16="http://schemas.microsoft.com/office/drawing/2014/main" id="{8AC6DC8C-2F4C-429F-8C06-4C69C0C990D8}"/>
               </a:ext>
             </a:extLst>
           </p:cNvPr>
@@ -12936,7 +12883,7 @@
           <p:cNvPr id="28" name="Grafik 27">
             <a:extLst>
               <a:ext uri="{FF2B5EF4-FFF2-40B4-BE49-F238E27FC236}">
-                <a16:creationId xmlns="" xmlns:a16="http://schemas.microsoft.com/office/drawing/2014/main" id="{2BCB5A92-5BE7-4786-95F1-8CBD21C50142}"/>
+                <a16:creationId xmlns:a16="http://schemas.microsoft.com/office/drawing/2014/main" id="{2BCB5A92-5BE7-4786-95F1-8CBD21C50142}"/>
               </a:ext>
             </a:extLst>
           </p:cNvPr>
@@ -12994,7 +12941,7 @@
           <p:cNvPr id="3" name="Titel 2">
             <a:extLst>
               <a:ext uri="{FF2B5EF4-FFF2-40B4-BE49-F238E27FC236}">
-                <a16:creationId xmlns="" xmlns:a16="http://schemas.microsoft.com/office/drawing/2014/main" id="{E904707F-1430-47F2-9043-A81C0A53F129}"/>
+                <a16:creationId xmlns:a16="http://schemas.microsoft.com/office/drawing/2014/main" id="{E904707F-1430-47F2-9043-A81C0A53F129}"/>
               </a:ext>
             </a:extLst>
           </p:cNvPr>
@@ -13035,7 +12982,7 @@
           <p:cNvPr id="21" name="Gruppieren 20">
             <a:extLst>
               <a:ext uri="{FF2B5EF4-FFF2-40B4-BE49-F238E27FC236}">
-                <a16:creationId xmlns="" xmlns:a16="http://schemas.microsoft.com/office/drawing/2014/main" id="{10284693-A442-4975-A068-420D74F92976}"/>
+                <a16:creationId xmlns:a16="http://schemas.microsoft.com/office/drawing/2014/main" id="{10284693-A442-4975-A068-420D74F92976}"/>
               </a:ext>
             </a:extLst>
           </p:cNvPr>
@@ -13055,7 +13002,7 @@
             <p:cNvPr id="19" name="Textfeld 18">
               <a:extLst>
                 <a:ext uri="{FF2B5EF4-FFF2-40B4-BE49-F238E27FC236}">
-                  <a16:creationId xmlns="" xmlns:a16="http://schemas.microsoft.com/office/drawing/2014/main" id="{2FE8BE93-F9A1-4275-8222-07C4EEF27C19}"/>
+                  <a16:creationId xmlns:a16="http://schemas.microsoft.com/office/drawing/2014/main" id="{2FE8BE93-F9A1-4275-8222-07C4EEF27C19}"/>
                 </a:ext>
               </a:extLst>
             </p:cNvPr>
@@ -13090,7 +13037,7 @@
             <p:cNvPr id="20" name="Ellipse 19">
               <a:extLst>
                 <a:ext uri="{FF2B5EF4-FFF2-40B4-BE49-F238E27FC236}">
-                  <a16:creationId xmlns="" xmlns:a16="http://schemas.microsoft.com/office/drawing/2014/main" id="{FFD74DC7-ABF7-406F-BDE7-0CE96BE36135}"/>
+                  <a16:creationId xmlns:a16="http://schemas.microsoft.com/office/drawing/2014/main" id="{FFD74DC7-ABF7-406F-BDE7-0CE96BE36135}"/>
                 </a:ext>
               </a:extLst>
             </p:cNvPr>
@@ -13137,7 +13084,7 @@
           <p:cNvPr id="31" name="Gruppieren 30">
             <a:extLst>
               <a:ext uri="{FF2B5EF4-FFF2-40B4-BE49-F238E27FC236}">
-                <a16:creationId xmlns="" xmlns:a16="http://schemas.microsoft.com/office/drawing/2014/main" id="{52924C2D-DA77-4F44-B4A8-519CF4BF9CF7}"/>
+                <a16:creationId xmlns:a16="http://schemas.microsoft.com/office/drawing/2014/main" id="{52924C2D-DA77-4F44-B4A8-519CF4BF9CF7}"/>
               </a:ext>
             </a:extLst>
           </p:cNvPr>
@@ -13157,7 +13104,7 @@
             <p:cNvPr id="32" name="Textfeld 31">
               <a:extLst>
                 <a:ext uri="{FF2B5EF4-FFF2-40B4-BE49-F238E27FC236}">
-                  <a16:creationId xmlns="" xmlns:a16="http://schemas.microsoft.com/office/drawing/2014/main" id="{DA84C640-F0BB-4D57-9900-D8EBC558D9D2}"/>
+                  <a16:creationId xmlns:a16="http://schemas.microsoft.com/office/drawing/2014/main" id="{DA84C640-F0BB-4D57-9900-D8EBC558D9D2}"/>
                 </a:ext>
               </a:extLst>
             </p:cNvPr>
@@ -13192,7 +13139,7 @@
             <p:cNvPr id="33" name="Ellipse 32">
               <a:extLst>
                 <a:ext uri="{FF2B5EF4-FFF2-40B4-BE49-F238E27FC236}">
-                  <a16:creationId xmlns="" xmlns:a16="http://schemas.microsoft.com/office/drawing/2014/main" id="{54955D9B-EBA7-44F5-AABC-CF51F38CA7DA}"/>
+                  <a16:creationId xmlns:a16="http://schemas.microsoft.com/office/drawing/2014/main" id="{54955D9B-EBA7-44F5-AABC-CF51F38CA7DA}"/>
                 </a:ext>
               </a:extLst>
             </p:cNvPr>
@@ -13239,7 +13186,7 @@
           <p:cNvPr id="34" name="Gruppieren 33">
             <a:extLst>
               <a:ext uri="{FF2B5EF4-FFF2-40B4-BE49-F238E27FC236}">
-                <a16:creationId xmlns="" xmlns:a16="http://schemas.microsoft.com/office/drawing/2014/main" id="{830C4400-160F-4897-9301-D25AB1B83D15}"/>
+                <a16:creationId xmlns:a16="http://schemas.microsoft.com/office/drawing/2014/main" id="{830C4400-160F-4897-9301-D25AB1B83D15}"/>
               </a:ext>
             </a:extLst>
           </p:cNvPr>
@@ -13259,7 +13206,7 @@
             <p:cNvPr id="35" name="Textfeld 34">
               <a:extLst>
                 <a:ext uri="{FF2B5EF4-FFF2-40B4-BE49-F238E27FC236}">
-                  <a16:creationId xmlns="" xmlns:a16="http://schemas.microsoft.com/office/drawing/2014/main" id="{FED335F3-EC5B-4E28-887B-303B5BE6105F}"/>
+                  <a16:creationId xmlns:a16="http://schemas.microsoft.com/office/drawing/2014/main" id="{FED335F3-EC5B-4E28-887B-303B5BE6105F}"/>
                 </a:ext>
               </a:extLst>
             </p:cNvPr>
@@ -13294,7 +13241,7 @@
             <p:cNvPr id="36" name="Ellipse 35">
               <a:extLst>
                 <a:ext uri="{FF2B5EF4-FFF2-40B4-BE49-F238E27FC236}">
-                  <a16:creationId xmlns="" xmlns:a16="http://schemas.microsoft.com/office/drawing/2014/main" id="{C89FEEAC-4D89-438E-AB15-B52796677AAF}"/>
+                  <a16:creationId xmlns:a16="http://schemas.microsoft.com/office/drawing/2014/main" id="{C89FEEAC-4D89-438E-AB15-B52796677AAF}"/>
                 </a:ext>
               </a:extLst>
             </p:cNvPr>
@@ -13341,7 +13288,7 @@
           <p:cNvPr id="37" name="Gruppieren 36">
             <a:extLst>
               <a:ext uri="{FF2B5EF4-FFF2-40B4-BE49-F238E27FC236}">
-                <a16:creationId xmlns="" xmlns:a16="http://schemas.microsoft.com/office/drawing/2014/main" id="{21F27838-336A-4DD8-9151-EF70588DB2AF}"/>
+                <a16:creationId xmlns:a16="http://schemas.microsoft.com/office/drawing/2014/main" id="{21F27838-336A-4DD8-9151-EF70588DB2AF}"/>
               </a:ext>
             </a:extLst>
           </p:cNvPr>
@@ -13361,7 +13308,7 @@
             <p:cNvPr id="38" name="Textfeld 37">
               <a:extLst>
                 <a:ext uri="{FF2B5EF4-FFF2-40B4-BE49-F238E27FC236}">
-                  <a16:creationId xmlns="" xmlns:a16="http://schemas.microsoft.com/office/drawing/2014/main" id="{428AD043-2817-4C2E-AA4D-FB5637286E83}"/>
+                  <a16:creationId xmlns:a16="http://schemas.microsoft.com/office/drawing/2014/main" id="{428AD043-2817-4C2E-AA4D-FB5637286E83}"/>
                 </a:ext>
               </a:extLst>
             </p:cNvPr>
@@ -13396,7 +13343,7 @@
             <p:cNvPr id="39" name="Ellipse 38">
               <a:extLst>
                 <a:ext uri="{FF2B5EF4-FFF2-40B4-BE49-F238E27FC236}">
-                  <a16:creationId xmlns="" xmlns:a16="http://schemas.microsoft.com/office/drawing/2014/main" id="{719C0B19-327B-472B-B820-5EF059FC3AF0}"/>
+                  <a16:creationId xmlns:a16="http://schemas.microsoft.com/office/drawing/2014/main" id="{719C0B19-327B-472B-B820-5EF059FC3AF0}"/>
                 </a:ext>
               </a:extLst>
             </p:cNvPr>
@@ -13443,7 +13390,7 @@
           <p:cNvPr id="22" name="Grafik 21">
             <a:extLst>
               <a:ext uri="{FF2B5EF4-FFF2-40B4-BE49-F238E27FC236}">
-                <a16:creationId xmlns="" xmlns:a16="http://schemas.microsoft.com/office/drawing/2014/main" id="{F0631AE3-F9E7-445A-BC65-FCE85E5FFF12}"/>
+                <a16:creationId xmlns:a16="http://schemas.microsoft.com/office/drawing/2014/main" id="{F0631AE3-F9E7-445A-BC65-FCE85E5FFF12}"/>
               </a:ext>
             </a:extLst>
           </p:cNvPr>
@@ -13477,7 +13424,7 @@
           <p:cNvPr id="24" name="Grafik 23">
             <a:extLst>
               <a:ext uri="{FF2B5EF4-FFF2-40B4-BE49-F238E27FC236}">
-                <a16:creationId xmlns="" xmlns:a16="http://schemas.microsoft.com/office/drawing/2014/main" id="{A02E2237-CBF7-4199-B76B-C53F62E86F92}"/>
+                <a16:creationId xmlns:a16="http://schemas.microsoft.com/office/drawing/2014/main" id="{A02E2237-CBF7-4199-B76B-C53F62E86F92}"/>
               </a:ext>
             </a:extLst>
           </p:cNvPr>
@@ -13511,7 +13458,7 @@
           <p:cNvPr id="25" name="Grafik 24">
             <a:extLst>
               <a:ext uri="{FF2B5EF4-FFF2-40B4-BE49-F238E27FC236}">
-                <a16:creationId xmlns="" xmlns:a16="http://schemas.microsoft.com/office/drawing/2014/main" id="{B90CE7DD-84B8-4587-8315-77DA23A4F48E}"/>
+                <a16:creationId xmlns:a16="http://schemas.microsoft.com/office/drawing/2014/main" id="{B90CE7DD-84B8-4587-8315-77DA23A4F48E}"/>
               </a:ext>
             </a:extLst>
           </p:cNvPr>
@@ -13545,7 +13492,7 @@
           <p:cNvPr id="29" name="Grafik 28">
             <a:extLst>
               <a:ext uri="{FF2B5EF4-FFF2-40B4-BE49-F238E27FC236}">
-                <a16:creationId xmlns="" xmlns:a16="http://schemas.microsoft.com/office/drawing/2014/main" id="{E0CEFD34-C90D-473C-844E-1EEB96011C07}"/>
+                <a16:creationId xmlns:a16="http://schemas.microsoft.com/office/drawing/2014/main" id="{E0CEFD34-C90D-473C-844E-1EEB96011C07}"/>
               </a:ext>
             </a:extLst>
           </p:cNvPr>
@@ -13609,7 +13556,7 @@
           <p:cNvPr id="3" name="Titel 2">
             <a:extLst>
               <a:ext uri="{FF2B5EF4-FFF2-40B4-BE49-F238E27FC236}">
-                <a16:creationId xmlns="" xmlns:a16="http://schemas.microsoft.com/office/drawing/2014/main" id="{E904707F-1430-47F2-9043-A81C0A53F129}"/>
+                <a16:creationId xmlns:a16="http://schemas.microsoft.com/office/drawing/2014/main" id="{E904707F-1430-47F2-9043-A81C0A53F129}"/>
               </a:ext>
             </a:extLst>
           </p:cNvPr>
@@ -13650,7 +13597,7 @@
           <p:cNvPr id="21" name="Gruppieren 20">
             <a:extLst>
               <a:ext uri="{FF2B5EF4-FFF2-40B4-BE49-F238E27FC236}">
-                <a16:creationId xmlns="" xmlns:a16="http://schemas.microsoft.com/office/drawing/2014/main" id="{10284693-A442-4975-A068-420D74F92976}"/>
+                <a16:creationId xmlns:a16="http://schemas.microsoft.com/office/drawing/2014/main" id="{10284693-A442-4975-A068-420D74F92976}"/>
               </a:ext>
             </a:extLst>
           </p:cNvPr>
@@ -13670,7 +13617,7 @@
             <p:cNvPr id="19" name="Textfeld 18">
               <a:extLst>
                 <a:ext uri="{FF2B5EF4-FFF2-40B4-BE49-F238E27FC236}">
-                  <a16:creationId xmlns="" xmlns:a16="http://schemas.microsoft.com/office/drawing/2014/main" id="{2FE8BE93-F9A1-4275-8222-07C4EEF27C19}"/>
+                  <a16:creationId xmlns:a16="http://schemas.microsoft.com/office/drawing/2014/main" id="{2FE8BE93-F9A1-4275-8222-07C4EEF27C19}"/>
                 </a:ext>
               </a:extLst>
             </p:cNvPr>
@@ -13695,7 +13642,7 @@
             <a:p>
               <a:r>
                 <a:rPr lang="de-CH" sz="1400" dirty="0"/>
-                <a:t>1</a:t>
+                <a:t>5</a:t>
               </a:r>
             </a:p>
           </p:txBody>
@@ -13705,7 +13652,7 @@
             <p:cNvPr id="20" name="Ellipse 19">
               <a:extLst>
                 <a:ext uri="{FF2B5EF4-FFF2-40B4-BE49-F238E27FC236}">
-                  <a16:creationId xmlns="" xmlns:a16="http://schemas.microsoft.com/office/drawing/2014/main" id="{FFD74DC7-ABF7-406F-BDE7-0CE96BE36135}"/>
+                  <a16:creationId xmlns:a16="http://schemas.microsoft.com/office/drawing/2014/main" id="{FFD74DC7-ABF7-406F-BDE7-0CE96BE36135}"/>
                 </a:ext>
               </a:extLst>
             </p:cNvPr>
@@ -13752,7 +13699,7 @@
           <p:cNvPr id="26" name="Grafik 25">
             <a:extLst>
               <a:ext uri="{FF2B5EF4-FFF2-40B4-BE49-F238E27FC236}">
-                <a16:creationId xmlns="" xmlns:a16="http://schemas.microsoft.com/office/drawing/2014/main" id="{21573C81-CC18-433E-857E-83573663F07C}"/>
+                <a16:creationId xmlns:a16="http://schemas.microsoft.com/office/drawing/2014/main" id="{21573C81-CC18-433E-857E-83573663F07C}"/>
               </a:ext>
             </a:extLst>
           </p:cNvPr>
@@ -14630,12 +14577,19 @@
 </file>
 
 <file path=customXml/item1.xml><?xml version="1.0" encoding="utf-8"?>
-<?mso-contentType ?>
-<FormTemplates xmlns="http://schemas.microsoft.com/sharepoint/v3/contenttype/forms">
-  <Display>DocumentLibraryForm</Display>
-  <Edit>DocumentLibraryForm</Edit>
-  <New>DocumentLibraryForm</New>
-</FormTemplates>
+<p:properties xmlns:p="http://schemas.microsoft.com/office/2006/metadata/properties" xmlns:xsi="http://www.w3.org/2001/XMLSchema-instance" xmlns:pc="http://schemas.microsoft.com/office/infopath/2007/PartnerControls">
+  <documentManagement>
+    <QMPilot_DokID xmlns="2551ef7e-3b29-44d1-a8ad-ef34c26bfc60">469</QMPilot_DokID>
+    <BfhIntranetDepartmentText xmlns="e1a8bf75-a2bc-470e-a71e-5c20e7a2e358">
+      <Terms xmlns="http://schemas.microsoft.com/office/infopath/2007/PartnerControls">
+        <TermInfo xmlns="http://schemas.microsoft.com/office/infopath/2007/PartnerControls">
+          <TermName xmlns="http://schemas.microsoft.com/office/infopath/2007/PartnerControls">Vorlage</TermName>
+          <TermId xmlns="http://schemas.microsoft.com/office/infopath/2007/PartnerControls">de1a6d3c-ac6a-4b34-8edd-308eb81066db</TermId>
+        </TermInfo>
+      </Terms>
+    </BfhIntranetDepartmentText>
+  </documentManagement>
+</p:properties>
 </file>
 
 <file path=customXml/item2.xml><?xml version="1.0" encoding="utf-8"?>
@@ -14778,25 +14732,27 @@
 </file>
 
 <file path=customXml/item3.xml><?xml version="1.0" encoding="utf-8"?>
-<p:properties xmlns:p="http://schemas.microsoft.com/office/2006/metadata/properties" xmlns:xsi="http://www.w3.org/2001/XMLSchema-instance" xmlns:pc="http://schemas.microsoft.com/office/infopath/2007/PartnerControls">
-  <documentManagement>
-    <QMPilot_DokID xmlns="2551ef7e-3b29-44d1-a8ad-ef34c26bfc60">469</QMPilot_DokID>
-    <BfhIntranetDepartmentText xmlns="e1a8bf75-a2bc-470e-a71e-5c20e7a2e358">
-      <Terms xmlns="http://schemas.microsoft.com/office/infopath/2007/PartnerControls">
-        <TermInfo xmlns="http://schemas.microsoft.com/office/infopath/2007/PartnerControls">
-          <TermName xmlns="http://schemas.microsoft.com/office/infopath/2007/PartnerControls">Vorlage</TermName>
-          <TermId xmlns="http://schemas.microsoft.com/office/infopath/2007/PartnerControls">de1a6d3c-ac6a-4b34-8edd-308eb81066db</TermId>
-        </TermInfo>
-      </Terms>
-    </BfhIntranetDepartmentText>
-  </documentManagement>
-</p:properties>
+<?mso-contentType ?>
+<FormTemplates xmlns="http://schemas.microsoft.com/sharepoint/v3/contenttype/forms">
+  <Display>DocumentLibraryForm</Display>
+  <Edit>DocumentLibraryForm</Edit>
+  <New>DocumentLibraryForm</New>
+</FormTemplates>
 </file>
 
 <file path=customXml/itemProps1.xml><?xml version="1.0" encoding="utf-8"?>
-<ds:datastoreItem xmlns:ds="http://schemas.openxmlformats.org/officeDocument/2006/customXml" ds:itemID="{28BA0ABA-028C-4563-AF09-E2FE258BCA87}">
+<ds:datastoreItem xmlns:ds="http://schemas.openxmlformats.org/officeDocument/2006/customXml" ds:itemID="{ECF8F4E1-6D10-4690-BBFB-FD63A4E474C6}">
   <ds:schemaRefs>
-    <ds:schemaRef ds:uri="http://schemas.microsoft.com/sharepoint/v3/contenttype/forms"/>
+    <ds:schemaRef ds:uri="http://schemas.openxmlformats.org/package/2006/metadata/core-properties"/>
+    <ds:schemaRef ds:uri="http://purl.org/dc/dcmitype/"/>
+    <ds:schemaRef ds:uri="http://schemas.microsoft.com/office/2006/documentManagement/types"/>
+    <ds:schemaRef ds:uri="http://purl.org/dc/terms/"/>
+    <ds:schemaRef ds:uri="http://purl.org/dc/elements/1.1/"/>
+    <ds:schemaRef ds:uri="http://schemas.microsoft.com/office/infopath/2007/PartnerControls"/>
+    <ds:schemaRef ds:uri="2551ef7e-3b29-44d1-a8ad-ef34c26bfc60"/>
+    <ds:schemaRef ds:uri="e1a8bf75-a2bc-470e-a71e-5c20e7a2e358"/>
+    <ds:schemaRef ds:uri="http://schemas.microsoft.com/office/2006/metadata/properties"/>
+    <ds:schemaRef ds:uri="http://www.w3.org/XML/1998/namespace"/>
   </ds:schemaRefs>
 </ds:datastoreItem>
 </file>
@@ -14821,18 +14777,9 @@
 </file>
 
 <file path=customXml/itemProps3.xml><?xml version="1.0" encoding="utf-8"?>
-<ds:datastoreItem xmlns:ds="http://schemas.openxmlformats.org/officeDocument/2006/customXml" ds:itemID="{ECF8F4E1-6D10-4690-BBFB-FD63A4E474C6}">
+<ds:datastoreItem xmlns:ds="http://schemas.openxmlformats.org/officeDocument/2006/customXml" ds:itemID="{28BA0ABA-028C-4563-AF09-E2FE258BCA87}">
   <ds:schemaRefs>
-    <ds:schemaRef ds:uri="http://schemas.openxmlformats.org/package/2006/metadata/core-properties"/>
-    <ds:schemaRef ds:uri="http://purl.org/dc/dcmitype/"/>
-    <ds:schemaRef ds:uri="http://schemas.microsoft.com/office/2006/documentManagement/types"/>
-    <ds:schemaRef ds:uri="http://purl.org/dc/terms/"/>
-    <ds:schemaRef ds:uri="http://purl.org/dc/elements/1.1/"/>
-    <ds:schemaRef ds:uri="http://schemas.microsoft.com/office/infopath/2007/PartnerControls"/>
-    <ds:schemaRef ds:uri="2551ef7e-3b29-44d1-a8ad-ef34c26bfc60"/>
-    <ds:schemaRef ds:uri="e1a8bf75-a2bc-470e-a71e-5c20e7a2e358"/>
-    <ds:schemaRef ds:uri="http://schemas.microsoft.com/office/2006/metadata/properties"/>
-    <ds:schemaRef ds:uri="http://www.w3.org/XML/1998/namespace"/>
+    <ds:schemaRef ds:uri="http://schemas.microsoft.com/sharepoint/v3/contenttype/forms"/>
   </ds:schemaRefs>
 </ds:datastoreItem>
 </file>
--- a/doc/task-01/Präsentation/Task1_Doctor_Addiction.pptx
+++ b/doc/task-01/Präsentation/Task1_Doctor_Addiction.pptx
@@ -8448,7 +8448,7 @@
                   <a:srgbClr val="FF0000"/>
                 </a:solidFill>
               </a:rPr>
-              <a:t>Zugriff auf die Verschiedenen Dokumente im EPD</a:t>
+              <a:t>Zugriff auf die verschiedenen Dokumente im EPD</a:t>
             </a:r>
           </a:p>
         </p:txBody>
@@ -10207,7 +10207,7 @@
                   <a:srgbClr val="0070C0"/>
                 </a:solidFill>
               </a:rPr>
-              <a:t>Menubar</a:t>
+              <a:t>Menübar</a:t>
             </a:r>
             <a:r>
               <a:rPr lang="de-CH" sz="1800" dirty="0">
@@ -14577,19 +14577,12 @@
 </file>
 
 <file path=customXml/item1.xml><?xml version="1.0" encoding="utf-8"?>
-<p:properties xmlns:p="http://schemas.microsoft.com/office/2006/metadata/properties" xmlns:xsi="http://www.w3.org/2001/XMLSchema-instance" xmlns:pc="http://schemas.microsoft.com/office/infopath/2007/PartnerControls">
-  <documentManagement>
-    <QMPilot_DokID xmlns="2551ef7e-3b29-44d1-a8ad-ef34c26bfc60">469</QMPilot_DokID>
-    <BfhIntranetDepartmentText xmlns="e1a8bf75-a2bc-470e-a71e-5c20e7a2e358">
-      <Terms xmlns="http://schemas.microsoft.com/office/infopath/2007/PartnerControls">
-        <TermInfo xmlns="http://schemas.microsoft.com/office/infopath/2007/PartnerControls">
-          <TermName xmlns="http://schemas.microsoft.com/office/infopath/2007/PartnerControls">Vorlage</TermName>
-          <TermId xmlns="http://schemas.microsoft.com/office/infopath/2007/PartnerControls">de1a6d3c-ac6a-4b34-8edd-308eb81066db</TermId>
-        </TermInfo>
-      </Terms>
-    </BfhIntranetDepartmentText>
-  </documentManagement>
-</p:properties>
+<?mso-contentType ?>
+<FormTemplates xmlns="http://schemas.microsoft.com/sharepoint/v3/contenttype/forms">
+  <Display>DocumentLibraryForm</Display>
+  <Edit>DocumentLibraryForm</Edit>
+  <New>DocumentLibraryForm</New>
+</FormTemplates>
 </file>
 
 <file path=customXml/item2.xml><?xml version="1.0" encoding="utf-8"?>
@@ -14732,27 +14725,25 @@
 </file>
 
 <file path=customXml/item3.xml><?xml version="1.0" encoding="utf-8"?>
-<?mso-contentType ?>
-<FormTemplates xmlns="http://schemas.microsoft.com/sharepoint/v3/contenttype/forms">
-  <Display>DocumentLibraryForm</Display>
-  <Edit>DocumentLibraryForm</Edit>
-  <New>DocumentLibraryForm</New>
-</FormTemplates>
+<p:properties xmlns:p="http://schemas.microsoft.com/office/2006/metadata/properties" xmlns:xsi="http://www.w3.org/2001/XMLSchema-instance" xmlns:pc="http://schemas.microsoft.com/office/infopath/2007/PartnerControls">
+  <documentManagement>
+    <QMPilot_DokID xmlns="2551ef7e-3b29-44d1-a8ad-ef34c26bfc60">469</QMPilot_DokID>
+    <BfhIntranetDepartmentText xmlns="e1a8bf75-a2bc-470e-a71e-5c20e7a2e358">
+      <Terms xmlns="http://schemas.microsoft.com/office/infopath/2007/PartnerControls">
+        <TermInfo xmlns="http://schemas.microsoft.com/office/infopath/2007/PartnerControls">
+          <TermName xmlns="http://schemas.microsoft.com/office/infopath/2007/PartnerControls">Vorlage</TermName>
+          <TermId xmlns="http://schemas.microsoft.com/office/infopath/2007/PartnerControls">de1a6d3c-ac6a-4b34-8edd-308eb81066db</TermId>
+        </TermInfo>
+      </Terms>
+    </BfhIntranetDepartmentText>
+  </documentManagement>
+</p:properties>
 </file>
 
 <file path=customXml/itemProps1.xml><?xml version="1.0" encoding="utf-8"?>
-<ds:datastoreItem xmlns:ds="http://schemas.openxmlformats.org/officeDocument/2006/customXml" ds:itemID="{ECF8F4E1-6D10-4690-BBFB-FD63A4E474C6}">
+<ds:datastoreItem xmlns:ds="http://schemas.openxmlformats.org/officeDocument/2006/customXml" ds:itemID="{28BA0ABA-028C-4563-AF09-E2FE258BCA87}">
   <ds:schemaRefs>
-    <ds:schemaRef ds:uri="http://schemas.openxmlformats.org/package/2006/metadata/core-properties"/>
-    <ds:schemaRef ds:uri="http://purl.org/dc/dcmitype/"/>
-    <ds:schemaRef ds:uri="http://schemas.microsoft.com/office/2006/documentManagement/types"/>
-    <ds:schemaRef ds:uri="http://purl.org/dc/terms/"/>
-    <ds:schemaRef ds:uri="http://purl.org/dc/elements/1.1/"/>
-    <ds:schemaRef ds:uri="http://schemas.microsoft.com/office/infopath/2007/PartnerControls"/>
-    <ds:schemaRef ds:uri="2551ef7e-3b29-44d1-a8ad-ef34c26bfc60"/>
-    <ds:schemaRef ds:uri="e1a8bf75-a2bc-470e-a71e-5c20e7a2e358"/>
-    <ds:schemaRef ds:uri="http://schemas.microsoft.com/office/2006/metadata/properties"/>
-    <ds:schemaRef ds:uri="http://www.w3.org/XML/1998/namespace"/>
+    <ds:schemaRef ds:uri="http://schemas.microsoft.com/sharepoint/v3/contenttype/forms"/>
   </ds:schemaRefs>
 </ds:datastoreItem>
 </file>
@@ -14777,9 +14768,18 @@
 </file>
 
 <file path=customXml/itemProps3.xml><?xml version="1.0" encoding="utf-8"?>
-<ds:datastoreItem xmlns:ds="http://schemas.openxmlformats.org/officeDocument/2006/customXml" ds:itemID="{28BA0ABA-028C-4563-AF09-E2FE258BCA87}">
+<ds:datastoreItem xmlns:ds="http://schemas.openxmlformats.org/officeDocument/2006/customXml" ds:itemID="{ECF8F4E1-6D10-4690-BBFB-FD63A4E474C6}">
   <ds:schemaRefs>
-    <ds:schemaRef ds:uri="http://schemas.microsoft.com/sharepoint/v3/contenttype/forms"/>
+    <ds:schemaRef ds:uri="http://schemas.openxmlformats.org/package/2006/metadata/core-properties"/>
+    <ds:schemaRef ds:uri="http://purl.org/dc/dcmitype/"/>
+    <ds:schemaRef ds:uri="http://schemas.microsoft.com/office/2006/documentManagement/types"/>
+    <ds:schemaRef ds:uri="http://purl.org/dc/terms/"/>
+    <ds:schemaRef ds:uri="http://purl.org/dc/elements/1.1/"/>
+    <ds:schemaRef ds:uri="http://schemas.microsoft.com/office/infopath/2007/PartnerControls"/>
+    <ds:schemaRef ds:uri="2551ef7e-3b29-44d1-a8ad-ef34c26bfc60"/>
+    <ds:schemaRef ds:uri="e1a8bf75-a2bc-470e-a71e-5c20e7a2e358"/>
+    <ds:schemaRef ds:uri="http://schemas.microsoft.com/office/2006/metadata/properties"/>
+    <ds:schemaRef ds:uri="http://www.w3.org/XML/1998/namespace"/>
   </ds:schemaRefs>
 </ds:datastoreItem>
 </file>
--- a/doc/task-01/Präsentation/Task1_Doctor_Addiction.pptx
+++ b/doc/task-01/Präsentation/Task1_Doctor_Addiction.pptx
@@ -10834,34 +10834,163 @@
             <p:ph sz="half" idx="1"/>
           </p:nvPr>
         </p:nvSpPr>
-        <p:spPr/>
+        <p:spPr>
+          <a:xfrm>
+            <a:off x="468000" y="1138340"/>
+            <a:ext cx="8100000" cy="5026789"/>
+          </a:xfrm>
+        </p:spPr>
         <p:txBody>
           <a:bodyPr/>
           <a:lstStyle/>
           <a:p>
-            <a:pPr marL="0" indent="0">
-              <a:buNone/>
-            </a:pPr>
-            <a:r>
-              <a:rPr lang="de-DE" dirty="0"/>
-              <a:t>2. Iteration </a:t>
-            </a:r>
-            <a:r>
-              <a:rPr lang="de-DE" dirty="0" err="1"/>
-              <a:t>chunnt</a:t>
-            </a:r>
-            <a:r>
-              <a:rPr lang="de-DE" dirty="0"/>
-              <a:t> da </a:t>
-            </a:r>
-            <a:r>
-              <a:rPr lang="de-DE" dirty="0" err="1"/>
-              <a:t>ine</a:t>
-            </a:r>
-            <a:endParaRPr lang="de-DE" dirty="0"/>
-          </a:p>
-          <a:p>
-            <a:endParaRPr lang="de-CH" dirty="0"/>
+            <a:r>
+              <a:rPr lang="de-CH" sz="1400" b="1" dirty="0"/>
+              <a:t>Hauptfunktionen</a:t>
+            </a:r>
+          </a:p>
+          <a:p>
+            <a:pPr lvl="1"/>
+            <a:r>
+              <a:rPr lang="de-CH" sz="1400" dirty="0"/>
+              <a:t>Patientenaufnahme</a:t>
+            </a:r>
+          </a:p>
+          <a:p>
+            <a:pPr lvl="1"/>
+            <a:r>
+              <a:rPr lang="de-CH" sz="1400" dirty="0"/>
+              <a:t>Medikation</a:t>
+            </a:r>
+          </a:p>
+          <a:p>
+            <a:pPr lvl="1"/>
+            <a:r>
+              <a:rPr lang="de-CH" sz="1400" dirty="0"/>
+              <a:t>Terminplanung</a:t>
+            </a:r>
+          </a:p>
+          <a:p>
+            <a:r>
+              <a:rPr lang="de-CH" sz="1400" b="1" dirty="0"/>
+              <a:t>Funktionale Benutzeranforderungen</a:t>
+            </a:r>
+          </a:p>
+          <a:p>
+            <a:pPr lvl="1"/>
+            <a:r>
+              <a:rPr lang="de-CH" sz="1400" dirty="0"/>
+              <a:t>Benutzer kann Patienten im System erfassen und Daten eingeben</a:t>
+            </a:r>
+          </a:p>
+          <a:p>
+            <a:pPr lvl="1"/>
+            <a:r>
+              <a:rPr lang="de-CH" sz="1400" dirty="0"/>
+              <a:t>Benutzer kann Patientendaten – wenn freigegeben – aus EPD abrufen</a:t>
+            </a:r>
+          </a:p>
+          <a:p>
+            <a:pPr lvl="2"/>
+            <a:r>
+              <a:rPr lang="de-CH" sz="1400" dirty="0"/>
+              <a:t>Die EPD Anbindung wird gefaked</a:t>
+            </a:r>
+          </a:p>
+          <a:p>
+            <a:pPr lvl="1"/>
+            <a:r>
+              <a:rPr lang="de-CH" sz="1400" dirty="0"/>
+              <a:t>Benutzer kann Medikamente verschreiben</a:t>
+            </a:r>
+          </a:p>
+          <a:p>
+            <a:pPr lvl="2"/>
+            <a:r>
+              <a:rPr lang="de-CH" sz="1400" dirty="0"/>
+              <a:t>Die Anbindung ans </a:t>
+            </a:r>
+            <a:r>
+              <a:rPr lang="de-CH" sz="1400" dirty="0" err="1"/>
+              <a:t>HospINDEX</a:t>
+            </a:r>
+            <a:r>
+              <a:rPr lang="de-CH" sz="1400" dirty="0"/>
+              <a:t> wird gefaked</a:t>
+            </a:r>
+          </a:p>
+          <a:p>
+            <a:pPr lvl="1"/>
+            <a:r>
+              <a:rPr lang="de-CH" sz="1400" dirty="0"/>
+              <a:t>Dem Benutzer steht ein Tool zur Verfügung, mit dem er plausibilisieren kann, ob die Medikamente genommen werden</a:t>
+            </a:r>
+          </a:p>
+          <a:p>
+            <a:pPr lvl="1"/>
+            <a:r>
+              <a:rPr lang="de-CH" sz="1400" dirty="0"/>
+              <a:t>Benutzer kann seine Patiententermine verwalten</a:t>
+            </a:r>
+          </a:p>
+          <a:p>
+            <a:pPr lvl="1"/>
+            <a:r>
+              <a:rPr lang="de-CH" sz="1400" dirty="0"/>
+              <a:t>Benutzer kann sich ausserhalb der Organisation in das System einloggen</a:t>
+            </a:r>
+          </a:p>
+          <a:p>
+            <a:pPr lvl="2"/>
+            <a:r>
+              <a:rPr lang="de-CH" sz="1400" dirty="0"/>
+              <a:t>Keine Authentisierungsmechanismus mit SMS/</a:t>
+            </a:r>
+            <a:r>
+              <a:rPr lang="de-CH" sz="1400" dirty="0" err="1"/>
+              <a:t>mOTP</a:t>
+            </a:r>
+            <a:r>
+              <a:rPr lang="de-CH" sz="1400" dirty="0"/>
+              <a:t>/… etc. wird realisiert</a:t>
+            </a:r>
+          </a:p>
+          <a:p>
+            <a:pPr lvl="1"/>
+            <a:r>
+              <a:rPr lang="de-CH" sz="1400" dirty="0"/>
+              <a:t>Benutzer kann vorausgefüllte Formulare ausdrucken</a:t>
+            </a:r>
+          </a:p>
+          <a:p>
+            <a:r>
+              <a:rPr lang="de-CH" sz="1400" b="1" dirty="0"/>
+              <a:t>Nicht-funktionale Benutzeranforderungen</a:t>
+            </a:r>
+          </a:p>
+          <a:p>
+            <a:pPr lvl="1"/>
+            <a:r>
+              <a:rPr lang="de-CH" sz="1400" dirty="0"/>
+              <a:t>Die Anwendung ist Benutzerfreundlich gestaltet</a:t>
+            </a:r>
+          </a:p>
+          <a:p>
+            <a:pPr lvl="1"/>
+            <a:r>
+              <a:rPr lang="de-CH" sz="1400" dirty="0"/>
+              <a:t>Externer Zugriff soll ermöglicht werden</a:t>
+            </a:r>
+          </a:p>
+          <a:p>
+            <a:pPr lvl="1"/>
+            <a:r>
+              <a:rPr lang="de-CH" sz="1400" dirty="0"/>
+              <a:t>Die Anwendung soll absturzsicher sein</a:t>
+            </a:r>
+          </a:p>
+          <a:p>
+            <a:endParaRPr lang="de-CH" sz="1400" dirty="0"/>
           </a:p>
         </p:txBody>
       </p:sp>
@@ -14577,12 +14706,19 @@
 </file>
 
 <file path=customXml/item1.xml><?xml version="1.0" encoding="utf-8"?>
-<?mso-contentType ?>
-<FormTemplates xmlns="http://schemas.microsoft.com/sharepoint/v3/contenttype/forms">
-  <Display>DocumentLibraryForm</Display>
-  <Edit>DocumentLibraryForm</Edit>
-  <New>DocumentLibraryForm</New>
-</FormTemplates>
+<p:properties xmlns:p="http://schemas.microsoft.com/office/2006/metadata/properties" xmlns:xsi="http://www.w3.org/2001/XMLSchema-instance" xmlns:pc="http://schemas.microsoft.com/office/infopath/2007/PartnerControls">
+  <documentManagement>
+    <QMPilot_DokID xmlns="2551ef7e-3b29-44d1-a8ad-ef34c26bfc60">469</QMPilot_DokID>
+    <BfhIntranetDepartmentText xmlns="e1a8bf75-a2bc-470e-a71e-5c20e7a2e358">
+      <Terms xmlns="http://schemas.microsoft.com/office/infopath/2007/PartnerControls">
+        <TermInfo xmlns="http://schemas.microsoft.com/office/infopath/2007/PartnerControls">
+          <TermName xmlns="http://schemas.microsoft.com/office/infopath/2007/PartnerControls">Vorlage</TermName>
+          <TermId xmlns="http://schemas.microsoft.com/office/infopath/2007/PartnerControls">de1a6d3c-ac6a-4b34-8edd-308eb81066db</TermId>
+        </TermInfo>
+      </Terms>
+    </BfhIntranetDepartmentText>
+  </documentManagement>
+</p:properties>
 </file>
 
 <file path=customXml/item2.xml><?xml version="1.0" encoding="utf-8"?>
@@ -14725,25 +14861,27 @@
 </file>
 
 <file path=customXml/item3.xml><?xml version="1.0" encoding="utf-8"?>
-<p:properties xmlns:p="http://schemas.microsoft.com/office/2006/metadata/properties" xmlns:xsi="http://www.w3.org/2001/XMLSchema-instance" xmlns:pc="http://schemas.microsoft.com/office/infopath/2007/PartnerControls">
-  <documentManagement>
-    <QMPilot_DokID xmlns="2551ef7e-3b29-44d1-a8ad-ef34c26bfc60">469</QMPilot_DokID>
-    <BfhIntranetDepartmentText xmlns="e1a8bf75-a2bc-470e-a71e-5c20e7a2e358">
-      <Terms xmlns="http://schemas.microsoft.com/office/infopath/2007/PartnerControls">
-        <TermInfo xmlns="http://schemas.microsoft.com/office/infopath/2007/PartnerControls">
-          <TermName xmlns="http://schemas.microsoft.com/office/infopath/2007/PartnerControls">Vorlage</TermName>
-          <TermId xmlns="http://schemas.microsoft.com/office/infopath/2007/PartnerControls">de1a6d3c-ac6a-4b34-8edd-308eb81066db</TermId>
-        </TermInfo>
-      </Terms>
-    </BfhIntranetDepartmentText>
-  </documentManagement>
-</p:properties>
+<?mso-contentType ?>
+<FormTemplates xmlns="http://schemas.microsoft.com/sharepoint/v3/contenttype/forms">
+  <Display>DocumentLibraryForm</Display>
+  <Edit>DocumentLibraryForm</Edit>
+  <New>DocumentLibraryForm</New>
+</FormTemplates>
 </file>
 
 <file path=customXml/itemProps1.xml><?xml version="1.0" encoding="utf-8"?>
-<ds:datastoreItem xmlns:ds="http://schemas.openxmlformats.org/officeDocument/2006/customXml" ds:itemID="{28BA0ABA-028C-4563-AF09-E2FE258BCA87}">
+<ds:datastoreItem xmlns:ds="http://schemas.openxmlformats.org/officeDocument/2006/customXml" ds:itemID="{ECF8F4E1-6D10-4690-BBFB-FD63A4E474C6}">
   <ds:schemaRefs>
-    <ds:schemaRef ds:uri="http://schemas.microsoft.com/sharepoint/v3/contenttype/forms"/>
+    <ds:schemaRef ds:uri="http://schemas.openxmlformats.org/package/2006/metadata/core-properties"/>
+    <ds:schemaRef ds:uri="http://purl.org/dc/dcmitype/"/>
+    <ds:schemaRef ds:uri="http://schemas.microsoft.com/office/2006/documentManagement/types"/>
+    <ds:schemaRef ds:uri="http://purl.org/dc/terms/"/>
+    <ds:schemaRef ds:uri="http://purl.org/dc/elements/1.1/"/>
+    <ds:schemaRef ds:uri="http://schemas.microsoft.com/office/infopath/2007/PartnerControls"/>
+    <ds:schemaRef ds:uri="2551ef7e-3b29-44d1-a8ad-ef34c26bfc60"/>
+    <ds:schemaRef ds:uri="e1a8bf75-a2bc-470e-a71e-5c20e7a2e358"/>
+    <ds:schemaRef ds:uri="http://schemas.microsoft.com/office/2006/metadata/properties"/>
+    <ds:schemaRef ds:uri="http://www.w3.org/XML/1998/namespace"/>
   </ds:schemaRefs>
 </ds:datastoreItem>
 </file>
@@ -14768,18 +14906,9 @@
 </file>
 
 <file path=customXml/itemProps3.xml><?xml version="1.0" encoding="utf-8"?>
-<ds:datastoreItem xmlns:ds="http://schemas.openxmlformats.org/officeDocument/2006/customXml" ds:itemID="{ECF8F4E1-6D10-4690-BBFB-FD63A4E474C6}">
+<ds:datastoreItem xmlns:ds="http://schemas.openxmlformats.org/officeDocument/2006/customXml" ds:itemID="{28BA0ABA-028C-4563-AF09-E2FE258BCA87}">
   <ds:schemaRefs>
-    <ds:schemaRef ds:uri="http://schemas.openxmlformats.org/package/2006/metadata/core-properties"/>
-    <ds:schemaRef ds:uri="http://purl.org/dc/dcmitype/"/>
-    <ds:schemaRef ds:uri="http://schemas.microsoft.com/office/2006/documentManagement/types"/>
-    <ds:schemaRef ds:uri="http://purl.org/dc/terms/"/>
-    <ds:schemaRef ds:uri="http://purl.org/dc/elements/1.1/"/>
-    <ds:schemaRef ds:uri="http://schemas.microsoft.com/office/infopath/2007/PartnerControls"/>
-    <ds:schemaRef ds:uri="2551ef7e-3b29-44d1-a8ad-ef34c26bfc60"/>
-    <ds:schemaRef ds:uri="e1a8bf75-a2bc-470e-a71e-5c20e7a2e358"/>
-    <ds:schemaRef ds:uri="http://schemas.microsoft.com/office/2006/metadata/properties"/>
-    <ds:schemaRef ds:uri="http://www.w3.org/XML/1998/namespace"/>
+    <ds:schemaRef ds:uri="http://schemas.microsoft.com/sharepoint/v3/contenttype/forms"/>
   </ds:schemaRefs>
 </ds:datastoreItem>
 </file>